--- a/pptx_from_R_123.pptx
+++ b/pptx_from_R_123.pptx
@@ -5,16 +5,16 @@
     <p:sldMasterId id="2147483648" r:id="rId1"/>
   </p:sldMasterIdLst>
   <p:notesMasterIdLst>
-    <p:notesMasterId r:id="rId9"/>
+    <p:notesMasterId r:id="rId3"/>
   </p:notesMasterIdLst>
-  <p:sldIdLst>
-    <p:sldId id="256" r:id="rId2"/>
-    <p:sldId id="257" r:id="rId3"/>
-    <p:sldId id="258" r:id="rId4"/>
-    <p:sldId id="259" r:id="rId5"/>
-    <p:sldId id="260" r:id="rId6"/>
-    <p:sldId id="261" r:id="rId7"/>
-    <p:sldId id="262" r:id="rId8"/>
+  <p:sldIdLst xmlns:a="http://schemas.openxmlformats.org/drawingml/2006/main" xmlns:r="http://schemas.openxmlformats.org/officeDocument/2006/relationships" xmlns:p="http://schemas.openxmlformats.org/presentationml/2006/main">
+    <p:sldId id="256" r:id="rId8"/>
+    <p:sldId id="257" r:id="rId9"/>
+    <p:sldId id="258" r:id="rId10"/>
+    <p:sldId id="259" r:id="rId11"/>
+    <p:sldId id="260" r:id="rId12"/>
+    <p:sldId id="261" r:id="rId13"/>
+    <p:sldId id="262" r:id="rId14"/>
   </p:sldIdLst>
   <p:sldSz cx="12192000" cy="6858000"/>
   <p:notesSz cx="6858000" cy="9144000"/>
@@ -113,11 +113,6 @@
       </a:defRPr>
     </a:lvl9pPr>
   </p:defaultTextStyle>
-  <p:extLst>
-    <p:ext uri="{EFAFB233-063F-42B5-8137-9DF3F51BA10A}">
-      <p15:sldGuideLst xmlns:p15="http://schemas.microsoft.com/office/powerpoint/2012/main"/>
-    </p:ext>
-  </p:extLst>
 </p:presentation>
 </file>
 
@@ -3126,7 +3121,7 @@
           <a:chExt cx="0" cy="0"/>
         </a:xfrm>
       </p:grpSpPr>
-      <p:sp>
+      <p:sp xmlns:a="http://schemas.openxmlformats.org/drawingml/2006/main" xmlns:r="http://schemas.openxmlformats.org/officeDocument/2006/relationships" xmlns:p="http://schemas.openxmlformats.org/presentationml/2006/main">
         <p:nvSpPr>
           <p:cNvPr id="2" name="num"/>
           <p:cNvSpPr>
@@ -3147,12 +3142,13 @@
           <a:lstStyle/>
           <a:p>
             <a:r>
+              <a:rPr/>
               <a:t>2.1</a:t>
             </a:r>
           </a:p>
         </p:txBody>
       </p:sp>
-      <p:sp>
+      <p:sp xmlns:a="http://schemas.openxmlformats.org/drawingml/2006/main" xmlns:r="http://schemas.openxmlformats.org/officeDocument/2006/relationships" xmlns:p="http://schemas.openxmlformats.org/presentationml/2006/main">
         <p:nvSpPr>
           <p:cNvPr id="3" name="text"/>
           <p:cNvSpPr>
@@ -3173,12 +3169,13 @@
           <a:lstStyle/>
           <a:p>
             <a:r>
+              <a:rPr/>
               <a:t>זאת אחלה של כותרת משנה, אני ממש חושב שהיא שנונה וגאונית</a:t>
             </a:r>
           </a:p>
         </p:txBody>
       </p:sp>
-      <p:grpSp>
+      <p:grpSp xmlns:a="http://schemas.openxmlformats.org/drawingml/2006/main" xmlns:r="http://schemas.openxmlformats.org/officeDocument/2006/relationships" xmlns:p="http://schemas.openxmlformats.org/presentationml/2006/main" xmlns:pic="http://schemas.openxmlformats.org/drawingml/2006/picture">
         <p:nvGrpSpPr>
           <p:cNvPr id="4" name="plot"/>
           <p:cNvGrpSpPr/>
@@ -3224,9 +3221,7 @@
           <p:txBody>
             <a:bodyPr/>
             <a:lstStyle/>
-            <a:p>
-              <a:endParaRPr/>
-            </a:p>
+            <a:p/>
           </p:txBody>
         </p:sp>
         <p:sp>
@@ -3252,9 +3247,7 @@
           <p:txBody>
             <a:bodyPr/>
             <a:lstStyle/>
-            <a:p>
-              <a:endParaRPr/>
-            </a:p>
+            <a:p/>
           </p:txBody>
         </p:sp>
         <p:sp>
@@ -3270,12 +3263,8 @@
             </a:xfrm>
             <a:custGeom>
               <a:avLst/>
-              <a:gdLst/>
-              <a:ahLst/>
-              <a:cxnLst/>
-              <a:rect l="0" t="0" r="0" b="0"/>
               <a:pathLst>
-                <a:path w="10999005">
+                <a:path w="10999005" h="0">
                   <a:moveTo>
                     <a:pt x="0" y="0"/>
                   </a:moveTo>
@@ -3301,9 +3290,7 @@
           <p:txBody>
             <a:bodyPr/>
             <a:lstStyle/>
-            <a:p>
-              <a:endParaRPr/>
-            </a:p>
+            <a:p/>
           </p:txBody>
         </p:sp>
         <p:sp>
@@ -3319,12 +3306,8 @@
             </a:xfrm>
             <a:custGeom>
               <a:avLst/>
-              <a:gdLst/>
-              <a:ahLst/>
-              <a:cxnLst/>
-              <a:rect l="0" t="0" r="0" b="0"/>
               <a:pathLst>
-                <a:path w="10999005">
+                <a:path w="10999005" h="0">
                   <a:moveTo>
                     <a:pt x="0" y="0"/>
                   </a:moveTo>
@@ -3350,9 +3333,7 @@
           <p:txBody>
             <a:bodyPr/>
             <a:lstStyle/>
-            <a:p>
-              <a:endParaRPr/>
-            </a:p>
+            <a:p/>
           </p:txBody>
         </p:sp>
         <p:sp>
@@ -3368,12 +3349,8 @@
             </a:xfrm>
             <a:custGeom>
               <a:avLst/>
-              <a:gdLst/>
-              <a:ahLst/>
-              <a:cxnLst/>
-              <a:rect l="0" t="0" r="0" b="0"/>
               <a:pathLst>
-                <a:path w="10999005">
+                <a:path w="10999005" h="0">
                   <a:moveTo>
                     <a:pt x="0" y="0"/>
                   </a:moveTo>
@@ -3399,9 +3376,7 @@
           <p:txBody>
             <a:bodyPr/>
             <a:lstStyle/>
-            <a:p>
-              <a:endParaRPr/>
-            </a:p>
+            <a:p/>
           </p:txBody>
         </p:sp>
         <p:sp>
@@ -3417,12 +3392,8 @@
             </a:xfrm>
             <a:custGeom>
               <a:avLst/>
-              <a:gdLst/>
-              <a:ahLst/>
-              <a:cxnLst/>
-              <a:rect l="0" t="0" r="0" b="0"/>
               <a:pathLst>
-                <a:path w="10999005">
+                <a:path w="10999005" h="0">
                   <a:moveTo>
                     <a:pt x="0" y="0"/>
                   </a:moveTo>
@@ -3448,9 +3419,7 @@
           <p:txBody>
             <a:bodyPr/>
             <a:lstStyle/>
-            <a:p>
-              <a:endParaRPr/>
-            </a:p>
+            <a:p/>
           </p:txBody>
         </p:sp>
         <p:sp>
@@ -3466,12 +3435,8 @@
             </a:xfrm>
             <a:custGeom>
               <a:avLst/>
-              <a:gdLst/>
-              <a:ahLst/>
-              <a:cxnLst/>
-              <a:rect l="0" t="0" r="0" b="0"/>
               <a:pathLst>
-                <a:path w="10999005">
+                <a:path w="10999005" h="0">
                   <a:moveTo>
                     <a:pt x="0" y="0"/>
                   </a:moveTo>
@@ -3497,9 +3462,7 @@
           <p:txBody>
             <a:bodyPr/>
             <a:lstStyle/>
-            <a:p>
-              <a:endParaRPr/>
-            </a:p>
+            <a:p/>
           </p:txBody>
         </p:sp>
         <p:sp>
@@ -3515,12 +3478,8 @@
             </a:xfrm>
             <a:custGeom>
               <a:avLst/>
-              <a:gdLst/>
-              <a:ahLst/>
-              <a:cxnLst/>
-              <a:rect l="0" t="0" r="0" b="0"/>
               <a:pathLst>
-                <a:path h="3566188">
+                <a:path w="0" h="3566188">
                   <a:moveTo>
                     <a:pt x="0" y="3566188"/>
                   </a:moveTo>
@@ -3546,9 +3505,7 @@
           <p:txBody>
             <a:bodyPr/>
             <a:lstStyle/>
-            <a:p>
-              <a:endParaRPr/>
-            </a:p>
+            <a:p/>
           </p:txBody>
         </p:sp>
         <p:sp>
@@ -3564,12 +3521,8 @@
             </a:xfrm>
             <a:custGeom>
               <a:avLst/>
-              <a:gdLst/>
-              <a:ahLst/>
-              <a:cxnLst/>
-              <a:rect l="0" t="0" r="0" b="0"/>
               <a:pathLst>
-                <a:path h="3566188">
+                <a:path w="0" h="3566188">
                   <a:moveTo>
                     <a:pt x="0" y="3566188"/>
                   </a:moveTo>
@@ -3595,9 +3548,7 @@
           <p:txBody>
             <a:bodyPr/>
             <a:lstStyle/>
-            <a:p>
-              <a:endParaRPr/>
-            </a:p>
+            <a:p/>
           </p:txBody>
         </p:sp>
         <p:sp>
@@ -3613,12 +3564,8 @@
             </a:xfrm>
             <a:custGeom>
               <a:avLst/>
-              <a:gdLst/>
-              <a:ahLst/>
-              <a:cxnLst/>
-              <a:rect l="0" t="0" r="0" b="0"/>
               <a:pathLst>
-                <a:path h="3566188">
+                <a:path w="0" h="3566188">
                   <a:moveTo>
                     <a:pt x="0" y="3566188"/>
                   </a:moveTo>
@@ -3644,9 +3591,7 @@
           <p:txBody>
             <a:bodyPr/>
             <a:lstStyle/>
-            <a:p>
-              <a:endParaRPr/>
-            </a:p>
+            <a:p/>
           </p:txBody>
         </p:sp>
         <p:sp>
@@ -3662,12 +3607,8 @@
             </a:xfrm>
             <a:custGeom>
               <a:avLst/>
-              <a:gdLst/>
-              <a:ahLst/>
-              <a:cxnLst/>
-              <a:rect l="0" t="0" r="0" b="0"/>
               <a:pathLst>
-                <a:path h="3566188">
+                <a:path w="0" h="3566188">
                   <a:moveTo>
                     <a:pt x="0" y="3566188"/>
                   </a:moveTo>
@@ -3693,9 +3634,7 @@
           <p:txBody>
             <a:bodyPr/>
             <a:lstStyle/>
-            <a:p>
-              <a:endParaRPr/>
-            </a:p>
+            <a:p/>
           </p:txBody>
         </p:sp>
         <p:sp>
@@ -3711,12 +3650,8 @@
             </a:xfrm>
             <a:custGeom>
               <a:avLst/>
-              <a:gdLst/>
-              <a:ahLst/>
-              <a:cxnLst/>
-              <a:rect l="0" t="0" r="0" b="0"/>
               <a:pathLst>
-                <a:path w="10999005">
+                <a:path w="10999005" h="0">
                   <a:moveTo>
                     <a:pt x="0" y="0"/>
                   </a:moveTo>
@@ -3742,9 +3677,7 @@
           <p:txBody>
             <a:bodyPr/>
             <a:lstStyle/>
-            <a:p>
-              <a:endParaRPr/>
-            </a:p>
+            <a:p/>
           </p:txBody>
         </p:sp>
         <p:sp>
@@ -3760,12 +3693,8 @@
             </a:xfrm>
             <a:custGeom>
               <a:avLst/>
-              <a:gdLst/>
-              <a:ahLst/>
-              <a:cxnLst/>
-              <a:rect l="0" t="0" r="0" b="0"/>
               <a:pathLst>
-                <a:path w="10999005">
+                <a:path w="10999005" h="0">
                   <a:moveTo>
                     <a:pt x="0" y="0"/>
                   </a:moveTo>
@@ -3791,9 +3720,7 @@
           <p:txBody>
             <a:bodyPr/>
             <a:lstStyle/>
-            <a:p>
-              <a:endParaRPr/>
-            </a:p>
+            <a:p/>
           </p:txBody>
         </p:sp>
         <p:sp>
@@ -3809,12 +3736,8 @@
             </a:xfrm>
             <a:custGeom>
               <a:avLst/>
-              <a:gdLst/>
-              <a:ahLst/>
-              <a:cxnLst/>
-              <a:rect l="0" t="0" r="0" b="0"/>
               <a:pathLst>
-                <a:path w="10999005">
+                <a:path w="10999005" h="0">
                   <a:moveTo>
                     <a:pt x="0" y="0"/>
                   </a:moveTo>
@@ -3840,9 +3763,7 @@
           <p:txBody>
             <a:bodyPr/>
             <a:lstStyle/>
-            <a:p>
-              <a:endParaRPr/>
-            </a:p>
+            <a:p/>
           </p:txBody>
         </p:sp>
         <p:sp>
@@ -3858,12 +3779,8 @@
             </a:xfrm>
             <a:custGeom>
               <a:avLst/>
-              <a:gdLst/>
-              <a:ahLst/>
-              <a:cxnLst/>
-              <a:rect l="0" t="0" r="0" b="0"/>
               <a:pathLst>
-                <a:path w="10999005">
+                <a:path w="10999005" h="0">
                   <a:moveTo>
                     <a:pt x="0" y="0"/>
                   </a:moveTo>
@@ -3889,9 +3806,7 @@
           <p:txBody>
             <a:bodyPr/>
             <a:lstStyle/>
-            <a:p>
-              <a:endParaRPr/>
-            </a:p>
+            <a:p/>
           </p:txBody>
         </p:sp>
         <p:sp>
@@ -3907,12 +3822,8 @@
             </a:xfrm>
             <a:custGeom>
               <a:avLst/>
-              <a:gdLst/>
-              <a:ahLst/>
-              <a:cxnLst/>
-              <a:rect l="0" t="0" r="0" b="0"/>
               <a:pathLst>
-                <a:path w="10999005">
+                <a:path w="10999005" h="0">
                   <a:moveTo>
                     <a:pt x="0" y="0"/>
                   </a:moveTo>
@@ -3938,9 +3849,7 @@
           <p:txBody>
             <a:bodyPr/>
             <a:lstStyle/>
-            <a:p>
-              <a:endParaRPr/>
-            </a:p>
+            <a:p/>
           </p:txBody>
         </p:sp>
         <p:sp>
@@ -3956,12 +3865,8 @@
             </a:xfrm>
             <a:custGeom>
               <a:avLst/>
-              <a:gdLst/>
-              <a:ahLst/>
-              <a:cxnLst/>
-              <a:rect l="0" t="0" r="0" b="0"/>
               <a:pathLst>
-                <a:path w="10999005">
+                <a:path w="10999005" h="0">
                   <a:moveTo>
                     <a:pt x="0" y="0"/>
                   </a:moveTo>
@@ -3987,9 +3892,7 @@
           <p:txBody>
             <a:bodyPr/>
             <a:lstStyle/>
-            <a:p>
-              <a:endParaRPr/>
-            </a:p>
+            <a:p/>
           </p:txBody>
         </p:sp>
         <p:sp>
@@ -4005,12 +3908,8 @@
             </a:xfrm>
             <a:custGeom>
               <a:avLst/>
-              <a:gdLst/>
-              <a:ahLst/>
-              <a:cxnLst/>
-              <a:rect l="0" t="0" r="0" b="0"/>
               <a:pathLst>
-                <a:path h="3566188">
+                <a:path w="0" h="3566188">
                   <a:moveTo>
                     <a:pt x="0" y="3566188"/>
                   </a:moveTo>
@@ -4036,9 +3935,7 @@
           <p:txBody>
             <a:bodyPr/>
             <a:lstStyle/>
-            <a:p>
-              <a:endParaRPr/>
-            </a:p>
+            <a:p/>
           </p:txBody>
         </p:sp>
         <p:sp>
@@ -4054,12 +3951,8 @@
             </a:xfrm>
             <a:custGeom>
               <a:avLst/>
-              <a:gdLst/>
-              <a:ahLst/>
-              <a:cxnLst/>
-              <a:rect l="0" t="0" r="0" b="0"/>
               <a:pathLst>
-                <a:path h="3566188">
+                <a:path w="0" h="3566188">
                   <a:moveTo>
                     <a:pt x="0" y="3566188"/>
                   </a:moveTo>
@@ -4085,9 +3978,7 @@
           <p:txBody>
             <a:bodyPr/>
             <a:lstStyle/>
-            <a:p>
-              <a:endParaRPr/>
-            </a:p>
+            <a:p/>
           </p:txBody>
         </p:sp>
         <p:sp>
@@ -4103,12 +3994,8 @@
             </a:xfrm>
             <a:custGeom>
               <a:avLst/>
-              <a:gdLst/>
-              <a:ahLst/>
-              <a:cxnLst/>
-              <a:rect l="0" t="0" r="0" b="0"/>
               <a:pathLst>
-                <a:path h="3566188">
+                <a:path w="0" h="3566188">
                   <a:moveTo>
                     <a:pt x="0" y="3566188"/>
                   </a:moveTo>
@@ -4134,9 +4021,7 @@
           <p:txBody>
             <a:bodyPr/>
             <a:lstStyle/>
-            <a:p>
-              <a:endParaRPr/>
-            </a:p>
+            <a:p/>
           </p:txBody>
         </p:sp>
         <p:sp>
@@ -4152,12 +4037,8 @@
             </a:xfrm>
             <a:custGeom>
               <a:avLst/>
-              <a:gdLst/>
-              <a:ahLst/>
-              <a:cxnLst/>
-              <a:rect l="0" t="0" r="0" b="0"/>
               <a:pathLst>
-                <a:path h="3566188">
+                <a:path w="0" h="3566188">
                   <a:moveTo>
                     <a:pt x="0" y="3566188"/>
                   </a:moveTo>
@@ -4183,9 +4064,7 @@
           <p:txBody>
             <a:bodyPr/>
             <a:lstStyle/>
-            <a:p>
-              <a:endParaRPr/>
-            </a:p>
+            <a:p/>
           </p:txBody>
         </p:sp>
         <p:sp>
@@ -4220,9 +4099,7 @@
           <p:txBody>
             <a:bodyPr/>
             <a:lstStyle/>
-            <a:p>
-              <a:endParaRPr/>
-            </a:p>
+            <a:p/>
           </p:txBody>
         </p:sp>
         <p:sp>
@@ -4257,9 +4134,7 @@
           <p:txBody>
             <a:bodyPr/>
             <a:lstStyle/>
-            <a:p>
-              <a:endParaRPr/>
-            </a:p>
+            <a:p/>
           </p:txBody>
         </p:sp>
         <p:sp>
@@ -4294,9 +4169,7 @@
           <p:txBody>
             <a:bodyPr/>
             <a:lstStyle/>
-            <a:p>
-              <a:endParaRPr/>
-            </a:p>
+            <a:p/>
           </p:txBody>
         </p:sp>
         <p:sp>
@@ -4331,9 +4204,7 @@
           <p:txBody>
             <a:bodyPr/>
             <a:lstStyle/>
-            <a:p>
-              <a:endParaRPr/>
-            </a:p>
+            <a:p/>
           </p:txBody>
         </p:sp>
         <p:sp>
@@ -4368,9 +4239,7 @@
           <p:txBody>
             <a:bodyPr/>
             <a:lstStyle/>
-            <a:p>
-              <a:endParaRPr/>
-            </a:p>
+            <a:p/>
           </p:txBody>
         </p:sp>
         <p:sp>
@@ -4405,9 +4274,7 @@
           <p:txBody>
             <a:bodyPr/>
             <a:lstStyle/>
-            <a:p>
-              <a:endParaRPr/>
-            </a:p>
+            <a:p/>
           </p:txBody>
         </p:sp>
         <p:sp>
@@ -4442,9 +4309,7 @@
           <p:txBody>
             <a:bodyPr/>
             <a:lstStyle/>
-            <a:p>
-              <a:endParaRPr/>
-            </a:p>
+            <a:p/>
           </p:txBody>
         </p:sp>
         <p:sp>
@@ -4479,9 +4344,7 @@
           <p:txBody>
             <a:bodyPr/>
             <a:lstStyle/>
-            <a:p>
-              <a:endParaRPr/>
-            </a:p>
+            <a:p/>
           </p:txBody>
         </p:sp>
         <p:sp>
@@ -4516,9 +4379,7 @@
           <p:txBody>
             <a:bodyPr/>
             <a:lstStyle/>
-            <a:p>
-              <a:endParaRPr/>
-            </a:p>
+            <a:p/>
           </p:txBody>
         </p:sp>
         <p:sp>
@@ -4553,9 +4414,7 @@
           <p:txBody>
             <a:bodyPr/>
             <a:lstStyle/>
-            <a:p>
-              <a:endParaRPr/>
-            </a:p>
+            <a:p/>
           </p:txBody>
         </p:sp>
         <p:sp>
@@ -4590,9 +4449,7 @@
           <p:txBody>
             <a:bodyPr/>
             <a:lstStyle/>
-            <a:p>
-              <a:endParaRPr/>
-            </a:p>
+            <a:p/>
           </p:txBody>
         </p:sp>
         <p:sp>
@@ -4627,9 +4484,7 @@
           <p:txBody>
             <a:bodyPr/>
             <a:lstStyle/>
-            <a:p>
-              <a:endParaRPr/>
-            </a:p>
+            <a:p/>
           </p:txBody>
         </p:sp>
         <p:sp>
@@ -4664,9 +4519,7 @@
           <p:txBody>
             <a:bodyPr/>
             <a:lstStyle/>
-            <a:p>
-              <a:endParaRPr/>
-            </a:p>
+            <a:p/>
           </p:txBody>
         </p:sp>
         <p:sp>
@@ -4701,9 +4554,7 @@
           <p:txBody>
             <a:bodyPr/>
             <a:lstStyle/>
-            <a:p>
-              <a:endParaRPr/>
-            </a:p>
+            <a:p/>
           </p:txBody>
         </p:sp>
         <p:sp>
@@ -4738,9 +4589,7 @@
           <p:txBody>
             <a:bodyPr/>
             <a:lstStyle/>
-            <a:p>
-              <a:endParaRPr/>
-            </a:p>
+            <a:p/>
           </p:txBody>
         </p:sp>
         <p:sp>
@@ -4775,9 +4624,7 @@
           <p:txBody>
             <a:bodyPr/>
             <a:lstStyle/>
-            <a:p>
-              <a:endParaRPr/>
-            </a:p>
+            <a:p/>
           </p:txBody>
         </p:sp>
         <p:sp>
@@ -4812,9 +4659,7 @@
           <p:txBody>
             <a:bodyPr/>
             <a:lstStyle/>
-            <a:p>
-              <a:endParaRPr/>
-            </a:p>
+            <a:p/>
           </p:txBody>
         </p:sp>
         <p:sp>
@@ -4849,9 +4694,7 @@
           <p:txBody>
             <a:bodyPr/>
             <a:lstStyle/>
-            <a:p>
-              <a:endParaRPr/>
-            </a:p>
+            <a:p/>
           </p:txBody>
         </p:sp>
         <p:sp>
@@ -4886,9 +4729,7 @@
           <p:txBody>
             <a:bodyPr/>
             <a:lstStyle/>
-            <a:p>
-              <a:endParaRPr/>
-            </a:p>
+            <a:p/>
           </p:txBody>
         </p:sp>
         <p:sp>
@@ -4923,9 +4764,7 @@
           <p:txBody>
             <a:bodyPr/>
             <a:lstStyle/>
-            <a:p>
-              <a:endParaRPr/>
-            </a:p>
+            <a:p/>
           </p:txBody>
         </p:sp>
         <p:sp>
@@ -4960,9 +4799,7 @@
           <p:txBody>
             <a:bodyPr/>
             <a:lstStyle/>
-            <a:p>
-              <a:endParaRPr/>
-            </a:p>
+            <a:p/>
           </p:txBody>
         </p:sp>
         <p:sp>
@@ -4997,9 +4834,7 @@
           <p:txBody>
             <a:bodyPr/>
             <a:lstStyle/>
-            <a:p>
-              <a:endParaRPr/>
-            </a:p>
+            <a:p/>
           </p:txBody>
         </p:sp>
         <p:sp>
@@ -5034,9 +4869,7 @@
           <p:txBody>
             <a:bodyPr/>
             <a:lstStyle/>
-            <a:p>
-              <a:endParaRPr/>
-            </a:p>
+            <a:p/>
           </p:txBody>
         </p:sp>
         <p:sp>
@@ -5071,9 +4904,7 @@
           <p:txBody>
             <a:bodyPr/>
             <a:lstStyle/>
-            <a:p>
-              <a:endParaRPr/>
-            </a:p>
+            <a:p/>
           </p:txBody>
         </p:sp>
         <p:sp>
@@ -5108,9 +4939,7 @@
           <p:txBody>
             <a:bodyPr/>
             <a:lstStyle/>
-            <a:p>
-              <a:endParaRPr/>
-            </a:p>
+            <a:p/>
           </p:txBody>
         </p:sp>
         <p:sp>
@@ -5145,9 +4974,7 @@
           <p:txBody>
             <a:bodyPr/>
             <a:lstStyle/>
-            <a:p>
-              <a:endParaRPr/>
-            </a:p>
+            <a:p/>
           </p:txBody>
         </p:sp>
         <p:sp>
@@ -5182,9 +5009,7 @@
           <p:txBody>
             <a:bodyPr/>
             <a:lstStyle/>
-            <a:p>
-              <a:endParaRPr/>
-            </a:p>
+            <a:p/>
           </p:txBody>
         </p:sp>
         <p:sp>
@@ -5219,9 +5044,7 @@
           <p:txBody>
             <a:bodyPr/>
             <a:lstStyle/>
-            <a:p>
-              <a:endParaRPr/>
-            </a:p>
+            <a:p/>
           </p:txBody>
         </p:sp>
         <p:sp>
@@ -5256,9 +5079,7 @@
           <p:txBody>
             <a:bodyPr/>
             <a:lstStyle/>
-            <a:p>
-              <a:endParaRPr/>
-            </a:p>
+            <a:p/>
           </p:txBody>
         </p:sp>
         <p:sp>
@@ -5293,9 +5114,7 @@
           <p:txBody>
             <a:bodyPr/>
             <a:lstStyle/>
-            <a:p>
-              <a:endParaRPr/>
-            </a:p>
+            <a:p/>
           </p:txBody>
         </p:sp>
         <p:sp>
@@ -5330,9 +5149,7 @@
           <p:txBody>
             <a:bodyPr/>
             <a:lstStyle/>
-            <a:p>
-              <a:endParaRPr/>
-            </a:p>
+            <a:p/>
           </p:txBody>
         </p:sp>
         <p:sp>
@@ -5367,9 +5184,7 @@
           <p:txBody>
             <a:bodyPr/>
             <a:lstStyle/>
-            <a:p>
-              <a:endParaRPr/>
-            </a:p>
+            <a:p/>
           </p:txBody>
         </p:sp>
         <p:sp>
@@ -5404,9 +5219,7 @@
           <p:txBody>
             <a:bodyPr/>
             <a:lstStyle/>
-            <a:p>
-              <a:endParaRPr/>
-            </a:p>
+            <a:p/>
           </p:txBody>
         </p:sp>
         <p:sp>
@@ -5441,9 +5254,7 @@
           <p:txBody>
             <a:bodyPr/>
             <a:lstStyle/>
-            <a:p>
-              <a:endParaRPr/>
-            </a:p>
+            <a:p/>
           </p:txBody>
         </p:sp>
         <p:sp>
@@ -5478,9 +5289,7 @@
           <p:txBody>
             <a:bodyPr/>
             <a:lstStyle/>
-            <a:p>
-              <a:endParaRPr/>
-            </a:p>
+            <a:p/>
           </p:txBody>
         </p:sp>
         <p:sp>
@@ -5515,9 +5324,7 @@
           <p:txBody>
             <a:bodyPr/>
             <a:lstStyle/>
-            <a:p>
-              <a:endParaRPr/>
-            </a:p>
+            <a:p/>
           </p:txBody>
         </p:sp>
         <p:sp>
@@ -5552,9 +5359,7 @@
           <p:txBody>
             <a:bodyPr/>
             <a:lstStyle/>
-            <a:p>
-              <a:endParaRPr/>
-            </a:p>
+            <a:p/>
           </p:txBody>
         </p:sp>
         <p:sp>
@@ -5589,9 +5394,7 @@
           <p:txBody>
             <a:bodyPr/>
             <a:lstStyle/>
-            <a:p>
-              <a:endParaRPr/>
-            </a:p>
+            <a:p/>
           </p:txBody>
         </p:sp>
         <p:sp>
@@ -5626,9 +5429,7 @@
           <p:txBody>
             <a:bodyPr/>
             <a:lstStyle/>
-            <a:p>
-              <a:endParaRPr/>
-            </a:p>
+            <a:p/>
           </p:txBody>
         </p:sp>
         <p:sp>
@@ -5663,9 +5464,7 @@
           <p:txBody>
             <a:bodyPr/>
             <a:lstStyle/>
-            <a:p>
-              <a:endParaRPr/>
-            </a:p>
+            <a:p/>
           </p:txBody>
         </p:sp>
         <p:sp>
@@ -5700,9 +5499,7 @@
           <p:txBody>
             <a:bodyPr/>
             <a:lstStyle/>
-            <a:p>
-              <a:endParaRPr/>
-            </a:p>
+            <a:p/>
           </p:txBody>
         </p:sp>
         <p:sp>
@@ -5737,9 +5534,7 @@
           <p:txBody>
             <a:bodyPr/>
             <a:lstStyle/>
-            <a:p>
-              <a:endParaRPr/>
-            </a:p>
+            <a:p/>
           </p:txBody>
         </p:sp>
         <p:sp>
@@ -5774,9 +5569,7 @@
           <p:txBody>
             <a:bodyPr/>
             <a:lstStyle/>
-            <a:p>
-              <a:endParaRPr/>
-            </a:p>
+            <a:p/>
           </p:txBody>
         </p:sp>
         <p:sp>
@@ -5811,9 +5604,7 @@
           <p:txBody>
             <a:bodyPr/>
             <a:lstStyle/>
-            <a:p>
-              <a:endParaRPr/>
-            </a:p>
+            <a:p/>
           </p:txBody>
         </p:sp>
         <p:sp>
@@ -5848,9 +5639,7 @@
           <p:txBody>
             <a:bodyPr/>
             <a:lstStyle/>
-            <a:p>
-              <a:endParaRPr/>
-            </a:p>
+            <a:p/>
           </p:txBody>
         </p:sp>
         <p:sp>
@@ -5885,9 +5674,7 @@
           <p:txBody>
             <a:bodyPr/>
             <a:lstStyle/>
-            <a:p>
-              <a:endParaRPr/>
-            </a:p>
+            <a:p/>
           </p:txBody>
         </p:sp>
         <p:sp>
@@ -5922,9 +5709,7 @@
           <p:txBody>
             <a:bodyPr/>
             <a:lstStyle/>
-            <a:p>
-              <a:endParaRPr/>
-            </a:p>
+            <a:p/>
           </p:txBody>
         </p:sp>
         <p:sp>
@@ -5959,9 +5744,7 @@
           <p:txBody>
             <a:bodyPr/>
             <a:lstStyle/>
-            <a:p>
-              <a:endParaRPr/>
-            </a:p>
+            <a:p/>
           </p:txBody>
         </p:sp>
         <p:sp>
@@ -5996,9 +5779,7 @@
           <p:txBody>
             <a:bodyPr/>
             <a:lstStyle/>
-            <a:p>
-              <a:endParaRPr/>
-            </a:p>
+            <a:p/>
           </p:txBody>
         </p:sp>
         <p:sp>
@@ -6033,9 +5814,7 @@
           <p:txBody>
             <a:bodyPr/>
             <a:lstStyle/>
-            <a:p>
-              <a:endParaRPr/>
-            </a:p>
+            <a:p/>
           </p:txBody>
         </p:sp>
         <p:sp>
@@ -6070,9 +5849,7 @@
           <p:txBody>
             <a:bodyPr/>
             <a:lstStyle/>
-            <a:p>
-              <a:endParaRPr/>
-            </a:p>
+            <a:p/>
           </p:txBody>
         </p:sp>
         <p:sp>
@@ -6107,9 +5884,7 @@
           <p:txBody>
             <a:bodyPr/>
             <a:lstStyle/>
-            <a:p>
-              <a:endParaRPr/>
-            </a:p>
+            <a:p/>
           </p:txBody>
         </p:sp>
         <p:sp>
@@ -6144,9 +5919,7 @@
           <p:txBody>
             <a:bodyPr/>
             <a:lstStyle/>
-            <a:p>
-              <a:endParaRPr/>
-            </a:p>
+            <a:p/>
           </p:txBody>
         </p:sp>
         <p:sp>
@@ -6181,9 +5954,7 @@
           <p:txBody>
             <a:bodyPr/>
             <a:lstStyle/>
-            <a:p>
-              <a:endParaRPr/>
-            </a:p>
+            <a:p/>
           </p:txBody>
         </p:sp>
         <p:sp>
@@ -6218,9 +5989,7 @@
           <p:txBody>
             <a:bodyPr/>
             <a:lstStyle/>
-            <a:p>
-              <a:endParaRPr/>
-            </a:p>
+            <a:p/>
           </p:txBody>
         </p:sp>
         <p:sp>
@@ -6255,9 +6024,7 @@
           <p:txBody>
             <a:bodyPr/>
             <a:lstStyle/>
-            <a:p>
-              <a:endParaRPr/>
-            </a:p>
+            <a:p/>
           </p:txBody>
         </p:sp>
         <p:sp>
@@ -6292,9 +6059,7 @@
           <p:txBody>
             <a:bodyPr/>
             <a:lstStyle/>
-            <a:p>
-              <a:endParaRPr/>
-            </a:p>
+            <a:p/>
           </p:txBody>
         </p:sp>
         <p:sp>
@@ -6329,9 +6094,7 @@
           <p:txBody>
             <a:bodyPr/>
             <a:lstStyle/>
-            <a:p>
-              <a:endParaRPr/>
-            </a:p>
+            <a:p/>
           </p:txBody>
         </p:sp>
         <p:sp>
@@ -6366,9 +6129,7 @@
           <p:txBody>
             <a:bodyPr/>
             <a:lstStyle/>
-            <a:p>
-              <a:endParaRPr/>
-            </a:p>
+            <a:p/>
           </p:txBody>
         </p:sp>
         <p:sp>
@@ -6403,9 +6164,7 @@
           <p:txBody>
             <a:bodyPr/>
             <a:lstStyle/>
-            <a:p>
-              <a:endParaRPr/>
-            </a:p>
+            <a:p/>
           </p:txBody>
         </p:sp>
         <p:sp>
@@ -6440,9 +6199,7 @@
           <p:txBody>
             <a:bodyPr/>
             <a:lstStyle/>
-            <a:p>
-              <a:endParaRPr/>
-            </a:p>
+            <a:p/>
           </p:txBody>
         </p:sp>
         <p:sp>
@@ -6477,9 +6234,7 @@
           <p:txBody>
             <a:bodyPr/>
             <a:lstStyle/>
-            <a:p>
-              <a:endParaRPr/>
-            </a:p>
+            <a:p/>
           </p:txBody>
         </p:sp>
         <p:sp>
@@ -6514,9 +6269,7 @@
           <p:txBody>
             <a:bodyPr/>
             <a:lstStyle/>
-            <a:p>
-              <a:endParaRPr/>
-            </a:p>
+            <a:p/>
           </p:txBody>
         </p:sp>
         <p:sp>
@@ -6551,9 +6304,7 @@
           <p:txBody>
             <a:bodyPr/>
             <a:lstStyle/>
-            <a:p>
-              <a:endParaRPr/>
-            </a:p>
+            <a:p/>
           </p:txBody>
         </p:sp>
         <p:sp>
@@ -6588,9 +6339,7 @@
           <p:txBody>
             <a:bodyPr/>
             <a:lstStyle/>
-            <a:p>
-              <a:endParaRPr/>
-            </a:p>
+            <a:p/>
           </p:txBody>
         </p:sp>
         <p:sp>
@@ -6625,9 +6374,7 @@
           <p:txBody>
             <a:bodyPr/>
             <a:lstStyle/>
-            <a:p>
-              <a:endParaRPr/>
-            </a:p>
+            <a:p/>
           </p:txBody>
         </p:sp>
         <p:sp>
@@ -6662,9 +6409,7 @@
           <p:txBody>
             <a:bodyPr/>
             <a:lstStyle/>
-            <a:p>
-              <a:endParaRPr/>
-            </a:p>
+            <a:p/>
           </p:txBody>
         </p:sp>
         <p:sp>
@@ -6699,9 +6444,7 @@
           <p:txBody>
             <a:bodyPr/>
             <a:lstStyle/>
-            <a:p>
-              <a:endParaRPr/>
-            </a:p>
+            <a:p/>
           </p:txBody>
         </p:sp>
         <p:sp>
@@ -6736,9 +6479,7 @@
           <p:txBody>
             <a:bodyPr/>
             <a:lstStyle/>
-            <a:p>
-              <a:endParaRPr/>
-            </a:p>
+            <a:p/>
           </p:txBody>
         </p:sp>
         <p:sp>
@@ -6773,9 +6514,7 @@
           <p:txBody>
             <a:bodyPr/>
             <a:lstStyle/>
-            <a:p>
-              <a:endParaRPr/>
-            </a:p>
+            <a:p/>
           </p:txBody>
         </p:sp>
         <p:sp>
@@ -6810,9 +6549,7 @@
           <p:txBody>
             <a:bodyPr/>
             <a:lstStyle/>
-            <a:p>
-              <a:endParaRPr/>
-            </a:p>
+            <a:p/>
           </p:txBody>
         </p:sp>
         <p:sp>
@@ -6847,9 +6584,7 @@
           <p:txBody>
             <a:bodyPr/>
             <a:lstStyle/>
-            <a:p>
-              <a:endParaRPr/>
-            </a:p>
+            <a:p/>
           </p:txBody>
         </p:sp>
         <p:sp>
@@ -6884,9 +6619,7 @@
           <p:txBody>
             <a:bodyPr/>
             <a:lstStyle/>
-            <a:p>
-              <a:endParaRPr/>
-            </a:p>
+            <a:p/>
           </p:txBody>
         </p:sp>
         <p:sp>
@@ -6921,9 +6654,7 @@
           <p:txBody>
             <a:bodyPr/>
             <a:lstStyle/>
-            <a:p>
-              <a:endParaRPr/>
-            </a:p>
+            <a:p/>
           </p:txBody>
         </p:sp>
         <p:sp>
@@ -6958,9 +6689,7 @@
           <p:txBody>
             <a:bodyPr/>
             <a:lstStyle/>
-            <a:p>
-              <a:endParaRPr/>
-            </a:p>
+            <a:p/>
           </p:txBody>
         </p:sp>
         <p:sp>
@@ -6995,9 +6724,7 @@
           <p:txBody>
             <a:bodyPr/>
             <a:lstStyle/>
-            <a:p>
-              <a:endParaRPr/>
-            </a:p>
+            <a:p/>
           </p:txBody>
         </p:sp>
         <p:sp>
@@ -7032,9 +6759,7 @@
           <p:txBody>
             <a:bodyPr/>
             <a:lstStyle/>
-            <a:p>
-              <a:endParaRPr/>
-            </a:p>
+            <a:p/>
           </p:txBody>
         </p:sp>
         <p:sp>
@@ -7069,9 +6794,7 @@
           <p:txBody>
             <a:bodyPr/>
             <a:lstStyle/>
-            <a:p>
-              <a:endParaRPr/>
-            </a:p>
+            <a:p/>
           </p:txBody>
         </p:sp>
         <p:sp>
@@ -7106,9 +6829,7 @@
           <p:txBody>
             <a:bodyPr/>
             <a:lstStyle/>
-            <a:p>
-              <a:endParaRPr/>
-            </a:p>
+            <a:p/>
           </p:txBody>
         </p:sp>
         <p:sp>
@@ -7143,9 +6864,7 @@
           <p:txBody>
             <a:bodyPr/>
             <a:lstStyle/>
-            <a:p>
-              <a:endParaRPr/>
-            </a:p>
+            <a:p/>
           </p:txBody>
         </p:sp>
         <p:sp>
@@ -7180,9 +6899,7 @@
           <p:txBody>
             <a:bodyPr/>
             <a:lstStyle/>
-            <a:p>
-              <a:endParaRPr/>
-            </a:p>
+            <a:p/>
           </p:txBody>
         </p:sp>
         <p:sp>
@@ -7217,9 +6934,7 @@
           <p:txBody>
             <a:bodyPr/>
             <a:lstStyle/>
-            <a:p>
-              <a:endParaRPr/>
-            </a:p>
+            <a:p/>
           </p:txBody>
         </p:sp>
         <p:sp>
@@ -7254,9 +6969,7 @@
           <p:txBody>
             <a:bodyPr/>
             <a:lstStyle/>
-            <a:p>
-              <a:endParaRPr/>
-            </a:p>
+            <a:p/>
           </p:txBody>
         </p:sp>
         <p:sp>
@@ -7291,9 +7004,7 @@
           <p:txBody>
             <a:bodyPr/>
             <a:lstStyle/>
-            <a:p>
-              <a:endParaRPr/>
-            </a:p>
+            <a:p/>
           </p:txBody>
         </p:sp>
         <p:sp>
@@ -7328,9 +7039,7 @@
           <p:txBody>
             <a:bodyPr/>
             <a:lstStyle/>
-            <a:p>
-              <a:endParaRPr/>
-            </a:p>
+            <a:p/>
           </p:txBody>
         </p:sp>
         <p:sp>
@@ -7365,9 +7074,7 @@
           <p:txBody>
             <a:bodyPr/>
             <a:lstStyle/>
-            <a:p>
-              <a:endParaRPr/>
-            </a:p>
+            <a:p/>
           </p:txBody>
         </p:sp>
         <p:sp>
@@ -7402,9 +7109,7 @@
           <p:txBody>
             <a:bodyPr/>
             <a:lstStyle/>
-            <a:p>
-              <a:endParaRPr/>
-            </a:p>
+            <a:p/>
           </p:txBody>
         </p:sp>
         <p:sp>
@@ -7439,9 +7144,7 @@
           <p:txBody>
             <a:bodyPr/>
             <a:lstStyle/>
-            <a:p>
-              <a:endParaRPr/>
-            </a:p>
+            <a:p/>
           </p:txBody>
         </p:sp>
         <p:sp>
@@ -7476,9 +7179,7 @@
           <p:txBody>
             <a:bodyPr/>
             <a:lstStyle/>
-            <a:p>
-              <a:endParaRPr/>
-            </a:p>
+            <a:p/>
           </p:txBody>
         </p:sp>
         <p:sp>
@@ -7513,9 +7214,7 @@
           <p:txBody>
             <a:bodyPr/>
             <a:lstStyle/>
-            <a:p>
-              <a:endParaRPr/>
-            </a:p>
+            <a:p/>
           </p:txBody>
         </p:sp>
         <p:sp>
@@ -7550,9 +7249,7 @@
           <p:txBody>
             <a:bodyPr/>
             <a:lstStyle/>
-            <a:p>
-              <a:endParaRPr/>
-            </a:p>
+            <a:p/>
           </p:txBody>
         </p:sp>
         <p:sp>
@@ -7587,9 +7284,7 @@
           <p:txBody>
             <a:bodyPr/>
             <a:lstStyle/>
-            <a:p>
-              <a:endParaRPr/>
-            </a:p>
+            <a:p/>
           </p:txBody>
         </p:sp>
         <p:sp>
@@ -7624,9 +7319,7 @@
           <p:txBody>
             <a:bodyPr/>
             <a:lstStyle/>
-            <a:p>
-              <a:endParaRPr/>
-            </a:p>
+            <a:p/>
           </p:txBody>
         </p:sp>
         <p:sp>
@@ -7661,9 +7354,7 @@
           <p:txBody>
             <a:bodyPr/>
             <a:lstStyle/>
-            <a:p>
-              <a:endParaRPr/>
-            </a:p>
+            <a:p/>
           </p:txBody>
         </p:sp>
         <p:sp>
@@ -7698,9 +7389,7 @@
           <p:txBody>
             <a:bodyPr/>
             <a:lstStyle/>
-            <a:p>
-              <a:endParaRPr/>
-            </a:p>
+            <a:p/>
           </p:txBody>
         </p:sp>
         <p:sp>
@@ -7735,9 +7424,7 @@
           <p:txBody>
             <a:bodyPr/>
             <a:lstStyle/>
-            <a:p>
-              <a:endParaRPr/>
-            </a:p>
+            <a:p/>
           </p:txBody>
         </p:sp>
         <p:sp>
@@ -7772,9 +7459,7 @@
           <p:txBody>
             <a:bodyPr/>
             <a:lstStyle/>
-            <a:p>
-              <a:endParaRPr/>
-            </a:p>
+            <a:p/>
           </p:txBody>
         </p:sp>
         <p:sp>
@@ -7809,9 +7494,7 @@
           <p:txBody>
             <a:bodyPr/>
             <a:lstStyle/>
-            <a:p>
-              <a:endParaRPr/>
-            </a:p>
+            <a:p/>
           </p:txBody>
         </p:sp>
         <p:sp>
@@ -7846,9 +7529,7 @@
           <p:txBody>
             <a:bodyPr/>
             <a:lstStyle/>
-            <a:p>
-              <a:endParaRPr/>
-            </a:p>
+            <a:p/>
           </p:txBody>
         </p:sp>
         <p:sp>
@@ -7883,9 +7564,7 @@
           <p:txBody>
             <a:bodyPr/>
             <a:lstStyle/>
-            <a:p>
-              <a:endParaRPr/>
-            </a:p>
+            <a:p/>
           </p:txBody>
         </p:sp>
         <p:sp>
@@ -7920,9 +7599,7 @@
           <p:txBody>
             <a:bodyPr/>
             <a:lstStyle/>
-            <a:p>
-              <a:endParaRPr/>
-            </a:p>
+            <a:p/>
           </p:txBody>
         </p:sp>
         <p:sp>
@@ -7957,9 +7634,7 @@
           <p:txBody>
             <a:bodyPr/>
             <a:lstStyle/>
-            <a:p>
-              <a:endParaRPr/>
-            </a:p>
+            <a:p/>
           </p:txBody>
         </p:sp>
         <p:sp>
@@ -7994,9 +7669,7 @@
           <p:txBody>
             <a:bodyPr/>
             <a:lstStyle/>
-            <a:p>
-              <a:endParaRPr/>
-            </a:p>
+            <a:p/>
           </p:txBody>
         </p:sp>
         <p:sp>
@@ -8031,9 +7704,7 @@
           <p:txBody>
             <a:bodyPr/>
             <a:lstStyle/>
-            <a:p>
-              <a:endParaRPr/>
-            </a:p>
+            <a:p/>
           </p:txBody>
         </p:sp>
         <p:sp>
@@ -8068,9 +7739,7 @@
           <p:txBody>
             <a:bodyPr/>
             <a:lstStyle/>
-            <a:p>
-              <a:endParaRPr/>
-            </a:p>
+            <a:p/>
           </p:txBody>
         </p:sp>
         <p:sp>
@@ -8105,9 +7774,7 @@
           <p:txBody>
             <a:bodyPr/>
             <a:lstStyle/>
-            <a:p>
-              <a:endParaRPr/>
-            </a:p>
+            <a:p/>
           </p:txBody>
         </p:sp>
         <p:sp>
@@ -8142,9 +7809,7 @@
           <p:txBody>
             <a:bodyPr/>
             <a:lstStyle/>
-            <a:p>
-              <a:endParaRPr/>
-            </a:p>
+            <a:p/>
           </p:txBody>
         </p:sp>
         <p:sp>
@@ -8179,9 +7844,7 @@
           <p:txBody>
             <a:bodyPr/>
             <a:lstStyle/>
-            <a:p>
-              <a:endParaRPr/>
-            </a:p>
+            <a:p/>
           </p:txBody>
         </p:sp>
         <p:sp>
@@ -8216,9 +7879,7 @@
           <p:txBody>
             <a:bodyPr/>
             <a:lstStyle/>
-            <a:p>
-              <a:endParaRPr/>
-            </a:p>
+            <a:p/>
           </p:txBody>
         </p:sp>
         <p:sp>
@@ -8253,9 +7914,7 @@
           <p:txBody>
             <a:bodyPr/>
             <a:lstStyle/>
-            <a:p>
-              <a:endParaRPr/>
-            </a:p>
+            <a:p/>
           </p:txBody>
         </p:sp>
         <p:sp>
@@ -8290,9 +7949,7 @@
           <p:txBody>
             <a:bodyPr/>
             <a:lstStyle/>
-            <a:p>
-              <a:endParaRPr/>
-            </a:p>
+            <a:p/>
           </p:txBody>
         </p:sp>
         <p:sp>
@@ -8327,9 +7984,7 @@
           <p:txBody>
             <a:bodyPr/>
             <a:lstStyle/>
-            <a:p>
-              <a:endParaRPr/>
-            </a:p>
+            <a:p/>
           </p:txBody>
         </p:sp>
         <p:sp>
@@ -8364,9 +8019,7 @@
           <p:txBody>
             <a:bodyPr/>
             <a:lstStyle/>
-            <a:p>
-              <a:endParaRPr/>
-            </a:p>
+            <a:p/>
           </p:txBody>
         </p:sp>
         <p:sp>
@@ -8401,9 +8054,7 @@
           <p:txBody>
             <a:bodyPr/>
             <a:lstStyle/>
-            <a:p>
-              <a:endParaRPr/>
-            </a:p>
+            <a:p/>
           </p:txBody>
         </p:sp>
         <p:sp>
@@ -8438,9 +8089,7 @@
           <p:txBody>
             <a:bodyPr/>
             <a:lstStyle/>
-            <a:p>
-              <a:endParaRPr/>
-            </a:p>
+            <a:p/>
           </p:txBody>
         </p:sp>
         <p:sp>
@@ -8475,9 +8124,7 @@
           <p:txBody>
             <a:bodyPr/>
             <a:lstStyle/>
-            <a:p>
-              <a:endParaRPr/>
-            </a:p>
+            <a:p/>
           </p:txBody>
         </p:sp>
         <p:sp>
@@ -8512,9 +8159,7 @@
           <p:txBody>
             <a:bodyPr/>
             <a:lstStyle/>
-            <a:p>
-              <a:endParaRPr/>
-            </a:p>
+            <a:p/>
           </p:txBody>
         </p:sp>
         <p:sp>
@@ -8549,9 +8194,7 @@
           <p:txBody>
             <a:bodyPr/>
             <a:lstStyle/>
-            <a:p>
-              <a:endParaRPr/>
-            </a:p>
+            <a:p/>
           </p:txBody>
         </p:sp>
         <p:sp>
@@ -8586,9 +8229,7 @@
           <p:txBody>
             <a:bodyPr/>
             <a:lstStyle/>
-            <a:p>
-              <a:endParaRPr/>
-            </a:p>
+            <a:p/>
           </p:txBody>
         </p:sp>
         <p:sp>
@@ -8623,9 +8264,7 @@
           <p:txBody>
             <a:bodyPr/>
             <a:lstStyle/>
-            <a:p>
-              <a:endParaRPr/>
-            </a:p>
+            <a:p/>
           </p:txBody>
         </p:sp>
         <p:sp>
@@ -8660,9 +8299,7 @@
           <p:txBody>
             <a:bodyPr/>
             <a:lstStyle/>
-            <a:p>
-              <a:endParaRPr/>
-            </a:p>
+            <a:p/>
           </p:txBody>
         </p:sp>
         <p:sp>
@@ -8697,9 +8334,7 @@
           <p:txBody>
             <a:bodyPr/>
             <a:lstStyle/>
-            <a:p>
-              <a:endParaRPr/>
-            </a:p>
+            <a:p/>
           </p:txBody>
         </p:sp>
         <p:sp>
@@ -8734,9 +8369,7 @@
           <p:txBody>
             <a:bodyPr/>
             <a:lstStyle/>
-            <a:p>
-              <a:endParaRPr/>
-            </a:p>
+            <a:p/>
           </p:txBody>
         </p:sp>
         <p:sp>
@@ -8771,9 +8404,7 @@
           <p:txBody>
             <a:bodyPr/>
             <a:lstStyle/>
-            <a:p>
-              <a:endParaRPr/>
-            </a:p>
+            <a:p/>
           </p:txBody>
         </p:sp>
         <p:sp>
@@ -8808,9 +8439,7 @@
           <p:txBody>
             <a:bodyPr/>
             <a:lstStyle/>
-            <a:p>
-              <a:endParaRPr/>
-            </a:p>
+            <a:p/>
           </p:txBody>
         </p:sp>
         <p:sp>
@@ -8845,9 +8474,7 @@
           <p:txBody>
             <a:bodyPr/>
             <a:lstStyle/>
-            <a:p>
-              <a:endParaRPr/>
-            </a:p>
+            <a:p/>
           </p:txBody>
         </p:sp>
         <p:sp>
@@ -8882,9 +8509,7 @@
           <p:txBody>
             <a:bodyPr/>
             <a:lstStyle/>
-            <a:p>
-              <a:endParaRPr/>
-            </a:p>
+            <a:p/>
           </p:txBody>
         </p:sp>
         <p:sp>
@@ -8919,9 +8544,7 @@
           <p:txBody>
             <a:bodyPr/>
             <a:lstStyle/>
-            <a:p>
-              <a:endParaRPr/>
-            </a:p>
+            <a:p/>
           </p:txBody>
         </p:sp>
         <p:sp>
@@ -8956,9 +8579,7 @@
           <p:txBody>
             <a:bodyPr/>
             <a:lstStyle/>
-            <a:p>
-              <a:endParaRPr/>
-            </a:p>
+            <a:p/>
           </p:txBody>
         </p:sp>
         <p:sp>
@@ -8993,9 +8614,7 @@
           <p:txBody>
             <a:bodyPr/>
             <a:lstStyle/>
-            <a:p>
-              <a:endParaRPr/>
-            </a:p>
+            <a:p/>
           </p:txBody>
         </p:sp>
         <p:sp>
@@ -9030,9 +8649,7 @@
           <p:txBody>
             <a:bodyPr/>
             <a:lstStyle/>
-            <a:p>
-              <a:endParaRPr/>
-            </a:p>
+            <a:p/>
           </p:txBody>
         </p:sp>
         <p:sp>
@@ -9067,9 +8684,7 @@
           <p:txBody>
             <a:bodyPr/>
             <a:lstStyle/>
-            <a:p>
-              <a:endParaRPr/>
-            </a:p>
+            <a:p/>
           </p:txBody>
         </p:sp>
         <p:sp>
@@ -9104,9 +8719,7 @@
           <p:txBody>
             <a:bodyPr/>
             <a:lstStyle/>
-            <a:p>
-              <a:endParaRPr/>
-            </a:p>
+            <a:p/>
           </p:txBody>
         </p:sp>
         <p:sp>
@@ -9141,9 +8754,7 @@
           <p:txBody>
             <a:bodyPr/>
             <a:lstStyle/>
-            <a:p>
-              <a:endParaRPr/>
-            </a:p>
+            <a:p/>
           </p:txBody>
         </p:sp>
         <p:sp>
@@ -9178,9 +8789,7 @@
           <p:txBody>
             <a:bodyPr/>
             <a:lstStyle/>
-            <a:p>
-              <a:endParaRPr/>
-            </a:p>
+            <a:p/>
           </p:txBody>
         </p:sp>
         <p:sp>
@@ -9215,9 +8824,7 @@
           <p:txBody>
             <a:bodyPr/>
             <a:lstStyle/>
-            <a:p>
-              <a:endParaRPr/>
-            </a:p>
+            <a:p/>
           </p:txBody>
         </p:sp>
         <p:sp>
@@ -9252,9 +8859,7 @@
           <p:txBody>
             <a:bodyPr/>
             <a:lstStyle/>
-            <a:p>
-              <a:endParaRPr/>
-            </a:p>
+            <a:p/>
           </p:txBody>
         </p:sp>
         <p:sp>
@@ -9289,9 +8894,7 @@
           <p:txBody>
             <a:bodyPr/>
             <a:lstStyle/>
-            <a:p>
-              <a:endParaRPr/>
-            </a:p>
+            <a:p/>
           </p:txBody>
         </p:sp>
         <p:sp>
@@ -9326,9 +8929,7 @@
           <p:txBody>
             <a:bodyPr/>
             <a:lstStyle/>
-            <a:p>
-              <a:endParaRPr/>
-            </a:p>
+            <a:p/>
           </p:txBody>
         </p:sp>
         <p:sp>
@@ -9363,9 +8964,7 @@
           <p:txBody>
             <a:bodyPr/>
             <a:lstStyle/>
-            <a:p>
-              <a:endParaRPr/>
-            </a:p>
+            <a:p/>
           </p:txBody>
         </p:sp>
         <p:sp>
@@ -9400,9 +8999,7 @@
           <p:txBody>
             <a:bodyPr/>
             <a:lstStyle/>
-            <a:p>
-              <a:endParaRPr/>
-            </a:p>
+            <a:p/>
           </p:txBody>
         </p:sp>
         <p:sp>
@@ -9437,9 +9034,7 @@
           <p:txBody>
             <a:bodyPr/>
             <a:lstStyle/>
-            <a:p>
-              <a:endParaRPr/>
-            </a:p>
+            <a:p/>
           </p:txBody>
         </p:sp>
         <p:sp>
@@ -9474,9 +9069,7 @@
           <p:txBody>
             <a:bodyPr/>
             <a:lstStyle/>
-            <a:p>
-              <a:endParaRPr/>
-            </a:p>
+            <a:p/>
           </p:txBody>
         </p:sp>
         <p:sp>
@@ -9511,9 +9104,7 @@
           <p:txBody>
             <a:bodyPr/>
             <a:lstStyle/>
-            <a:p>
-              <a:endParaRPr/>
-            </a:p>
+            <a:p/>
           </p:txBody>
         </p:sp>
         <p:sp>
@@ -9548,9 +9139,7 @@
           <p:txBody>
             <a:bodyPr/>
             <a:lstStyle/>
-            <a:p>
-              <a:endParaRPr/>
-            </a:p>
+            <a:p/>
           </p:txBody>
         </p:sp>
         <p:sp>
@@ -9585,9 +9174,7 @@
           <p:txBody>
             <a:bodyPr/>
             <a:lstStyle/>
-            <a:p>
-              <a:endParaRPr/>
-            </a:p>
+            <a:p/>
           </p:txBody>
         </p:sp>
         <p:sp>
@@ -9622,9 +9209,7 @@
           <p:txBody>
             <a:bodyPr/>
             <a:lstStyle/>
-            <a:p>
-              <a:endParaRPr/>
-            </a:p>
+            <a:p/>
           </p:txBody>
         </p:sp>
         <p:sp>
@@ -9659,9 +9244,7 @@
           <p:txBody>
             <a:bodyPr/>
             <a:lstStyle/>
-            <a:p>
-              <a:endParaRPr/>
-            </a:p>
+            <a:p/>
           </p:txBody>
         </p:sp>
         <p:sp>
@@ -9696,9 +9279,7 @@
           <p:txBody>
             <a:bodyPr/>
             <a:lstStyle/>
-            <a:p>
-              <a:endParaRPr/>
-            </a:p>
+            <a:p/>
           </p:txBody>
         </p:sp>
         <p:sp>
@@ -9733,9 +9314,7 @@
           <p:txBody>
             <a:bodyPr/>
             <a:lstStyle/>
-            <a:p>
-              <a:endParaRPr/>
-            </a:p>
+            <a:p/>
           </p:txBody>
         </p:sp>
         <p:sp>
@@ -9765,9 +9344,7 @@
           <p:txBody>
             <a:bodyPr/>
             <a:lstStyle/>
-            <a:p>
-              <a:endParaRPr/>
-            </a:p>
+            <a:p/>
           </p:txBody>
         </p:sp>
         <p:sp>
@@ -9787,10 +9364,10 @@
             <a:noFill/>
           </p:spPr>
           <p:txBody>
-            <a:bodyPr wrap="none" lIns="0" tIns="0" rIns="0" bIns="0" anchor="ctr" anchorCtr="1"/>
+            <a:bodyPr lIns="0" rIns="0" tIns="0" bIns="0" anchorCtr="1" anchor="ctr" wrap="none"/>
             <a:lstStyle/>
             <a:p>
-              <a:pPr marL="0" marR="0" indent="0" algn="l">
+              <a:pPr algn="l" marL="0" marR="0" indent="0">
                 <a:lnSpc>
                   <a:spcPts val="880"/>
                 </a:lnSpc>
@@ -9833,10 +9410,10 @@
             <a:noFill/>
           </p:spPr>
           <p:txBody>
-            <a:bodyPr wrap="none" lIns="0" tIns="0" rIns="0" bIns="0" anchor="ctr" anchorCtr="1"/>
+            <a:bodyPr lIns="0" rIns="0" tIns="0" bIns="0" anchorCtr="1" anchor="ctr" wrap="none"/>
             <a:lstStyle/>
             <a:p>
-              <a:pPr marL="0" marR="0" indent="0" algn="l">
+              <a:pPr algn="l" marL="0" marR="0" indent="0">
                 <a:lnSpc>
                   <a:spcPts val="880"/>
                 </a:lnSpc>
@@ -9879,10 +9456,10 @@
             <a:noFill/>
           </p:spPr>
           <p:txBody>
-            <a:bodyPr wrap="none" lIns="0" tIns="0" rIns="0" bIns="0" anchor="ctr" anchorCtr="1"/>
+            <a:bodyPr lIns="0" rIns="0" tIns="0" bIns="0" anchorCtr="1" anchor="ctr" wrap="none"/>
             <a:lstStyle/>
             <a:p>
-              <a:pPr marL="0" marR="0" indent="0" algn="l">
+              <a:pPr algn="l" marL="0" marR="0" indent="0">
                 <a:lnSpc>
                   <a:spcPts val="880"/>
                 </a:lnSpc>
@@ -9925,10 +9502,10 @@
             <a:noFill/>
           </p:spPr>
           <p:txBody>
-            <a:bodyPr wrap="none" lIns="0" tIns="0" rIns="0" bIns="0" anchor="ctr" anchorCtr="1"/>
+            <a:bodyPr lIns="0" rIns="0" tIns="0" bIns="0" anchorCtr="1" anchor="ctr" wrap="none"/>
             <a:lstStyle/>
             <a:p>
-              <a:pPr marL="0" marR="0" indent="0" algn="l">
+              <a:pPr algn="l" marL="0" marR="0" indent="0">
                 <a:lnSpc>
                   <a:spcPts val="880"/>
                 </a:lnSpc>
@@ -9971,10 +9548,10 @@
             <a:noFill/>
           </p:spPr>
           <p:txBody>
-            <a:bodyPr wrap="none" lIns="0" tIns="0" rIns="0" bIns="0" anchor="ctr" anchorCtr="1"/>
+            <a:bodyPr lIns="0" rIns="0" tIns="0" bIns="0" anchorCtr="1" anchor="ctr" wrap="none"/>
             <a:lstStyle/>
             <a:p>
-              <a:pPr marL="0" marR="0" indent="0" algn="l">
+              <a:pPr algn="l" marL="0" marR="0" indent="0">
                 <a:lnSpc>
                   <a:spcPts val="880"/>
                 </a:lnSpc>
@@ -10017,10 +9594,10 @@
             <a:noFill/>
           </p:spPr>
           <p:txBody>
-            <a:bodyPr wrap="none" lIns="0" tIns="0" rIns="0" bIns="0" anchor="ctr" anchorCtr="1"/>
+            <a:bodyPr lIns="0" rIns="0" tIns="0" bIns="0" anchorCtr="1" anchor="ctr" wrap="none"/>
             <a:lstStyle/>
             <a:p>
-              <a:pPr marL="0" marR="0" indent="0" algn="l">
+              <a:pPr algn="l" marL="0" marR="0" indent="0">
                 <a:lnSpc>
                   <a:spcPts val="880"/>
                 </a:lnSpc>
@@ -10059,12 +9636,8 @@
             </a:xfrm>
             <a:custGeom>
               <a:avLst/>
-              <a:gdLst/>
-              <a:ahLst/>
-              <a:cxnLst/>
-              <a:rect l="0" t="0" r="0" b="0"/>
               <a:pathLst>
-                <a:path w="34794">
+                <a:path w="34794" h="0">
                   <a:moveTo>
                     <a:pt x="0" y="0"/>
                   </a:moveTo>
@@ -10087,9 +9660,7 @@
           <p:txBody>
             <a:bodyPr/>
             <a:lstStyle/>
-            <a:p>
-              <a:endParaRPr/>
-            </a:p>
+            <a:p/>
           </p:txBody>
         </p:sp>
         <p:sp>
@@ -10105,12 +9676,8 @@
             </a:xfrm>
             <a:custGeom>
               <a:avLst/>
-              <a:gdLst/>
-              <a:ahLst/>
-              <a:cxnLst/>
-              <a:rect l="0" t="0" r="0" b="0"/>
               <a:pathLst>
-                <a:path w="34794">
+                <a:path w="34794" h="0">
                   <a:moveTo>
                     <a:pt x="0" y="0"/>
                   </a:moveTo>
@@ -10133,9 +9700,7 @@
           <p:txBody>
             <a:bodyPr/>
             <a:lstStyle/>
-            <a:p>
-              <a:endParaRPr/>
-            </a:p>
+            <a:p/>
           </p:txBody>
         </p:sp>
         <p:sp>
@@ -10151,12 +9716,8 @@
             </a:xfrm>
             <a:custGeom>
               <a:avLst/>
-              <a:gdLst/>
-              <a:ahLst/>
-              <a:cxnLst/>
-              <a:rect l="0" t="0" r="0" b="0"/>
               <a:pathLst>
-                <a:path w="34794">
+                <a:path w="34794" h="0">
                   <a:moveTo>
                     <a:pt x="0" y="0"/>
                   </a:moveTo>
@@ -10179,9 +9740,7 @@
           <p:txBody>
             <a:bodyPr/>
             <a:lstStyle/>
-            <a:p>
-              <a:endParaRPr/>
-            </a:p>
+            <a:p/>
           </p:txBody>
         </p:sp>
         <p:sp>
@@ -10197,12 +9756,8 @@
             </a:xfrm>
             <a:custGeom>
               <a:avLst/>
-              <a:gdLst/>
-              <a:ahLst/>
-              <a:cxnLst/>
-              <a:rect l="0" t="0" r="0" b="0"/>
               <a:pathLst>
-                <a:path w="34794">
+                <a:path w="34794" h="0">
                   <a:moveTo>
                     <a:pt x="0" y="0"/>
                   </a:moveTo>
@@ -10225,9 +9780,7 @@
           <p:txBody>
             <a:bodyPr/>
             <a:lstStyle/>
-            <a:p>
-              <a:endParaRPr/>
-            </a:p>
+            <a:p/>
           </p:txBody>
         </p:sp>
         <p:sp>
@@ -10243,12 +9796,8 @@
             </a:xfrm>
             <a:custGeom>
               <a:avLst/>
-              <a:gdLst/>
-              <a:ahLst/>
-              <a:cxnLst/>
-              <a:rect l="0" t="0" r="0" b="0"/>
               <a:pathLst>
-                <a:path w="34794">
+                <a:path w="34794" h="0">
                   <a:moveTo>
                     <a:pt x="0" y="0"/>
                   </a:moveTo>
@@ -10271,9 +9820,7 @@
           <p:txBody>
             <a:bodyPr/>
             <a:lstStyle/>
-            <a:p>
-              <a:endParaRPr/>
-            </a:p>
+            <a:p/>
           </p:txBody>
         </p:sp>
         <p:sp>
@@ -10289,12 +9836,8 @@
             </a:xfrm>
             <a:custGeom>
               <a:avLst/>
-              <a:gdLst/>
-              <a:ahLst/>
-              <a:cxnLst/>
-              <a:rect l="0" t="0" r="0" b="0"/>
               <a:pathLst>
-                <a:path w="34794">
+                <a:path w="34794" h="0">
                   <a:moveTo>
                     <a:pt x="0" y="0"/>
                   </a:moveTo>
@@ -10317,9 +9860,7 @@
           <p:txBody>
             <a:bodyPr/>
             <a:lstStyle/>
-            <a:p>
-              <a:endParaRPr/>
-            </a:p>
+            <a:p/>
           </p:txBody>
         </p:sp>
         <p:sp>
@@ -10335,12 +9876,8 @@
             </a:xfrm>
             <a:custGeom>
               <a:avLst/>
-              <a:gdLst/>
-              <a:ahLst/>
-              <a:cxnLst/>
-              <a:rect l="0" t="0" r="0" b="0"/>
               <a:pathLst>
-                <a:path h="34794">
+                <a:path w="0" h="34794">
                   <a:moveTo>
                     <a:pt x="0" y="34794"/>
                   </a:moveTo>
@@ -10363,9 +9900,7 @@
           <p:txBody>
             <a:bodyPr/>
             <a:lstStyle/>
-            <a:p>
-              <a:endParaRPr/>
-            </a:p>
+            <a:p/>
           </p:txBody>
         </p:sp>
         <p:sp>
@@ -10381,12 +9916,8 @@
             </a:xfrm>
             <a:custGeom>
               <a:avLst/>
-              <a:gdLst/>
-              <a:ahLst/>
-              <a:cxnLst/>
-              <a:rect l="0" t="0" r="0" b="0"/>
               <a:pathLst>
-                <a:path h="34794">
+                <a:path w="0" h="34794">
                   <a:moveTo>
                     <a:pt x="0" y="34794"/>
                   </a:moveTo>
@@ -10409,9 +9940,7 @@
           <p:txBody>
             <a:bodyPr/>
             <a:lstStyle/>
-            <a:p>
-              <a:endParaRPr/>
-            </a:p>
+            <a:p/>
           </p:txBody>
         </p:sp>
         <p:sp>
@@ -10427,12 +9956,8 @@
             </a:xfrm>
             <a:custGeom>
               <a:avLst/>
-              <a:gdLst/>
-              <a:ahLst/>
-              <a:cxnLst/>
-              <a:rect l="0" t="0" r="0" b="0"/>
               <a:pathLst>
-                <a:path h="34794">
+                <a:path w="0" h="34794">
                   <a:moveTo>
                     <a:pt x="0" y="34794"/>
                   </a:moveTo>
@@ -10455,9 +9980,7 @@
           <p:txBody>
             <a:bodyPr/>
             <a:lstStyle/>
-            <a:p>
-              <a:endParaRPr/>
-            </a:p>
+            <a:p/>
           </p:txBody>
         </p:sp>
         <p:sp>
@@ -10473,12 +9996,8 @@
             </a:xfrm>
             <a:custGeom>
               <a:avLst/>
-              <a:gdLst/>
-              <a:ahLst/>
-              <a:cxnLst/>
-              <a:rect l="0" t="0" r="0" b="0"/>
               <a:pathLst>
-                <a:path h="34794">
+                <a:path w="0" h="34794">
                   <a:moveTo>
                     <a:pt x="0" y="34794"/>
                   </a:moveTo>
@@ -10501,9 +10020,7 @@
           <p:txBody>
             <a:bodyPr/>
             <a:lstStyle/>
-            <a:p>
-              <a:endParaRPr/>
-            </a:p>
+            <a:p/>
           </p:txBody>
         </p:sp>
         <p:sp>
@@ -10523,10 +10040,10 @@
             <a:noFill/>
           </p:spPr>
           <p:txBody>
-            <a:bodyPr wrap="none" lIns="0" tIns="0" rIns="0" bIns="0" anchor="ctr" anchorCtr="1"/>
+            <a:bodyPr lIns="0" rIns="0" tIns="0" bIns="0" anchorCtr="1" anchor="ctr" wrap="none"/>
             <a:lstStyle/>
             <a:p>
-              <a:pPr marL="0" marR="0" indent="0" algn="l">
+              <a:pPr algn="l" marL="0" marR="0" indent="0">
                 <a:lnSpc>
                   <a:spcPts val="880"/>
                 </a:lnSpc>
@@ -10569,10 +10086,10 @@
             <a:noFill/>
           </p:spPr>
           <p:txBody>
-            <a:bodyPr wrap="none" lIns="0" tIns="0" rIns="0" bIns="0" anchor="ctr" anchorCtr="1"/>
+            <a:bodyPr lIns="0" rIns="0" tIns="0" bIns="0" anchorCtr="1" anchor="ctr" wrap="none"/>
             <a:lstStyle/>
             <a:p>
-              <a:pPr marL="0" marR="0" indent="0" algn="l">
+              <a:pPr algn="l" marL="0" marR="0" indent="0">
                 <a:lnSpc>
                   <a:spcPts val="880"/>
                 </a:lnSpc>
@@ -10615,10 +10132,10 @@
             <a:noFill/>
           </p:spPr>
           <p:txBody>
-            <a:bodyPr wrap="none" lIns="0" tIns="0" rIns="0" bIns="0" anchor="ctr" anchorCtr="1"/>
+            <a:bodyPr lIns="0" rIns="0" tIns="0" bIns="0" anchorCtr="1" anchor="ctr" wrap="none"/>
             <a:lstStyle/>
             <a:p>
-              <a:pPr marL="0" marR="0" indent="0" algn="l">
+              <a:pPr algn="l" marL="0" marR="0" indent="0">
                 <a:lnSpc>
                   <a:spcPts val="880"/>
                 </a:lnSpc>
@@ -10661,10 +10178,10 @@
             <a:noFill/>
           </p:spPr>
           <p:txBody>
-            <a:bodyPr wrap="none" lIns="0" tIns="0" rIns="0" bIns="0" anchor="ctr" anchorCtr="1"/>
+            <a:bodyPr lIns="0" rIns="0" tIns="0" bIns="0" anchorCtr="1" anchor="ctr" wrap="none"/>
             <a:lstStyle/>
             <a:p>
-              <a:pPr marL="0" marR="0" indent="0" algn="l">
+              <a:pPr algn="l" marL="0" marR="0" indent="0">
                 <a:lnSpc>
                   <a:spcPts val="880"/>
                 </a:lnSpc>
@@ -10707,10 +10224,10 @@
             <a:noFill/>
           </p:spPr>
           <p:txBody>
-            <a:bodyPr wrap="none" lIns="0" tIns="0" rIns="0" bIns="0" anchor="ctr" anchorCtr="1"/>
+            <a:bodyPr lIns="0" rIns="0" tIns="0" bIns="0" anchorCtr="1" anchor="ctr" wrap="none"/>
             <a:lstStyle/>
             <a:p>
-              <a:pPr marL="0" marR="0" indent="0" algn="l">
+              <a:pPr algn="l" marL="0" marR="0" indent="0">
                 <a:lnSpc>
                   <a:spcPts val="1100"/>
                 </a:lnSpc>
@@ -10753,10 +10270,10 @@
             <a:noFill/>
           </p:spPr>
           <p:txBody>
-            <a:bodyPr wrap="none" lIns="0" tIns="0" rIns="0" bIns="0" anchor="ctr" anchorCtr="1"/>
+            <a:bodyPr lIns="0" rIns="0" tIns="0" bIns="0" anchorCtr="1" anchor="ctr" wrap="none"/>
             <a:lstStyle/>
             <a:p>
-              <a:pPr marL="0" marR="0" indent="0" algn="l">
+              <a:pPr algn="l" marL="0" marR="0" indent="0">
                 <a:lnSpc>
                   <a:spcPts val="1100"/>
                 </a:lnSpc>
@@ -10805,9 +10322,7 @@
           <p:txBody>
             <a:bodyPr/>
             <a:lstStyle/>
-            <a:p>
-              <a:endParaRPr/>
-            </a:p>
+            <a:p/>
           </p:txBody>
         </p:sp>
         <p:sp>
@@ -10833,9 +10348,7 @@
           <p:txBody>
             <a:bodyPr/>
             <a:lstStyle/>
-            <a:p>
-              <a:endParaRPr/>
-            </a:p>
+            <a:p/>
           </p:txBody>
         </p:sp>
         <p:sp>
@@ -10870,9 +10383,7 @@
           <p:txBody>
             <a:bodyPr/>
             <a:lstStyle/>
-            <a:p>
-              <a:endParaRPr/>
-            </a:p>
+            <a:p/>
           </p:txBody>
         </p:sp>
         <p:sp>
@@ -10898,9 +10409,7 @@
           <p:txBody>
             <a:bodyPr/>
             <a:lstStyle/>
-            <a:p>
-              <a:endParaRPr/>
-            </a:p>
+            <a:p/>
           </p:txBody>
         </p:sp>
         <p:sp>
@@ -10935,9 +10444,7 @@
           <p:txBody>
             <a:bodyPr/>
             <a:lstStyle/>
-            <a:p>
-              <a:endParaRPr/>
-            </a:p>
+            <a:p/>
           </p:txBody>
         </p:sp>
         <p:sp>
@@ -10963,9 +10470,7 @@
           <p:txBody>
             <a:bodyPr/>
             <a:lstStyle/>
-            <a:p>
-              <a:endParaRPr/>
-            </a:p>
+            <a:p/>
           </p:txBody>
         </p:sp>
         <p:sp>
@@ -11000,9 +10505,7 @@
           <p:txBody>
             <a:bodyPr/>
             <a:lstStyle/>
-            <a:p>
-              <a:endParaRPr/>
-            </a:p>
+            <a:p/>
           </p:txBody>
         </p:sp>
         <p:sp>
@@ -11022,10 +10525,10 @@
             <a:noFill/>
           </p:spPr>
           <p:txBody>
-            <a:bodyPr wrap="none" lIns="0" tIns="0" rIns="0" bIns="0" anchor="ctr" anchorCtr="1"/>
+            <a:bodyPr lIns="0" rIns="0" tIns="0" bIns="0" anchorCtr="1" anchor="ctr" wrap="none"/>
             <a:lstStyle/>
             <a:p>
-              <a:pPr marL="0" marR="0" indent="0" algn="l">
+              <a:pPr algn="l" marL="0" marR="0" indent="0">
                 <a:lnSpc>
                   <a:spcPts val="880"/>
                 </a:lnSpc>
@@ -11068,10 +10571,10 @@
             <a:noFill/>
           </p:spPr>
           <p:txBody>
-            <a:bodyPr wrap="none" lIns="0" tIns="0" rIns="0" bIns="0" anchor="ctr" anchorCtr="1"/>
+            <a:bodyPr lIns="0" rIns="0" tIns="0" bIns="0" anchorCtr="1" anchor="ctr" wrap="none"/>
             <a:lstStyle/>
             <a:p>
-              <a:pPr marL="0" marR="0" indent="0" algn="l">
+              <a:pPr algn="l" marL="0" marR="0" indent="0">
                 <a:lnSpc>
                   <a:spcPts val="880"/>
                 </a:lnSpc>
@@ -11114,10 +10617,10 @@
             <a:noFill/>
           </p:spPr>
           <p:txBody>
-            <a:bodyPr wrap="none" lIns="0" tIns="0" rIns="0" bIns="0" anchor="ctr" anchorCtr="1"/>
+            <a:bodyPr lIns="0" rIns="0" tIns="0" bIns="0" anchorCtr="1" anchor="ctr" wrap="none"/>
             <a:lstStyle/>
             <a:p>
-              <a:pPr marL="0" marR="0" indent="0" algn="l">
+              <a:pPr algn="l" marL="0" marR="0" indent="0">
                 <a:lnSpc>
                   <a:spcPts val="880"/>
                 </a:lnSpc>
@@ -11160,10 +10663,10 @@
             <a:noFill/>
           </p:spPr>
           <p:txBody>
-            <a:bodyPr wrap="none" lIns="0" tIns="0" rIns="0" bIns="0" anchor="ctr" anchorCtr="1"/>
+            <a:bodyPr lIns="0" rIns="0" tIns="0" bIns="0" anchorCtr="1" anchor="ctr" wrap="none"/>
             <a:lstStyle/>
             <a:p>
-              <a:pPr marL="0" marR="0" indent="0" algn="l">
+              <a:pPr algn="l" marL="0" marR="0" indent="0">
                 <a:lnSpc>
                   <a:spcPts val="1100"/>
                 </a:lnSpc>
@@ -11206,10 +10709,10 @@
             <a:noFill/>
           </p:spPr>
           <p:txBody>
-            <a:bodyPr wrap="none" lIns="0" tIns="0" rIns="0" bIns="0" anchor="ctr" anchorCtr="1"/>
+            <a:bodyPr lIns="0" rIns="0" tIns="0" bIns="0" anchorCtr="1" anchor="ctr" wrap="none"/>
             <a:lstStyle/>
             <a:p>
-              <a:pPr marL="0" marR="0" indent="0" algn="l">
+              <a:pPr algn="l" marL="0" marR="0" indent="0">
                 <a:lnSpc>
                   <a:spcPts val="1320"/>
                 </a:lnSpc>
@@ -11236,7 +10739,7 @@
           </p:txBody>
         </p:sp>
       </p:grpSp>
-      <p:sp>
+      <p:sp xmlns:a="http://schemas.openxmlformats.org/drawingml/2006/main" xmlns:r="http://schemas.openxmlformats.org/officeDocument/2006/relationships" xmlns:p="http://schemas.openxmlformats.org/presentationml/2006/main">
         <p:nvSpPr>
           <p:cNvPr id="211" name="page_number"/>
           <p:cNvSpPr>
@@ -11257,6 +10760,7 @@
           <a:lstStyle/>
           <a:p>
             <a:r>
+              <a:rPr/>
               <a:t>1</a:t>
             </a:r>
           </a:p>
@@ -11287,7 +10791,7 @@
           <a:chExt cx="0" cy="0"/>
         </a:xfrm>
       </p:grpSpPr>
-      <p:sp>
+      <p:sp xmlns:a="http://schemas.openxmlformats.org/drawingml/2006/main" xmlns:r="http://schemas.openxmlformats.org/officeDocument/2006/relationships" xmlns:p="http://schemas.openxmlformats.org/presentationml/2006/main">
         <p:nvSpPr>
           <p:cNvPr id="2" name="num"/>
           <p:cNvSpPr>
@@ -11308,12 +10812,13 @@
           <a:lstStyle/>
           <a:p>
             <a:r>
+              <a:rPr/>
               <a:t>2.2</a:t>
             </a:r>
           </a:p>
         </p:txBody>
       </p:sp>
-      <p:sp>
+      <p:sp xmlns:a="http://schemas.openxmlformats.org/drawingml/2006/main" xmlns:r="http://schemas.openxmlformats.org/officeDocument/2006/relationships" xmlns:p="http://schemas.openxmlformats.org/presentationml/2006/main">
         <p:nvSpPr>
           <p:cNvPr id="3" name="text"/>
           <p:cNvSpPr>
@@ -11334,12 +10839,13 @@
           <a:lstStyle/>
           <a:p>
             <a:r>
+              <a:rPr/>
               <a:t>שלום אני כותב עכשיו מלא דברים מטומטמים בעברית בלה בלה בלה בלו אני סופר רק רוצה למלא את הטקסט פה תזרמו איתי אין לי באמת מה לכתוב או לומר אבל אני חייב לראות איך זה יוצא, אז פליז תבינו את זה. תודה רבה על ההתחשבות, אוהב</a:t>
             </a:r>
           </a:p>
         </p:txBody>
       </p:sp>
-      <p:grpSp>
+      <p:grpSp xmlns:a="http://schemas.openxmlformats.org/drawingml/2006/main" xmlns:r="http://schemas.openxmlformats.org/officeDocument/2006/relationships" xmlns:p="http://schemas.openxmlformats.org/presentationml/2006/main" xmlns:pic="http://schemas.openxmlformats.org/drawingml/2006/picture">
         <p:nvGrpSpPr>
           <p:cNvPr id="4" name="plot"/>
           <p:cNvGrpSpPr/>
@@ -11385,9 +10891,7 @@
           <p:txBody>
             <a:bodyPr/>
             <a:lstStyle/>
-            <a:p>
-              <a:endParaRPr/>
-            </a:p>
+            <a:p/>
           </p:txBody>
         </p:sp>
         <p:sp>
@@ -11413,9 +10917,7 @@
           <p:txBody>
             <a:bodyPr/>
             <a:lstStyle/>
-            <a:p>
-              <a:endParaRPr/>
-            </a:p>
+            <a:p/>
           </p:txBody>
         </p:sp>
         <p:sp>
@@ -11431,12 +10933,8 @@
             </a:xfrm>
             <a:custGeom>
               <a:avLst/>
-              <a:gdLst/>
-              <a:ahLst/>
-              <a:cxnLst/>
-              <a:rect l="0" t="0" r="0" b="0"/>
               <a:pathLst>
-                <a:path w="5096718">
+                <a:path w="5096718" h="0">
                   <a:moveTo>
                     <a:pt x="0" y="0"/>
                   </a:moveTo>
@@ -11462,9 +10960,7 @@
           <p:txBody>
             <a:bodyPr/>
             <a:lstStyle/>
-            <a:p>
-              <a:endParaRPr/>
-            </a:p>
+            <a:p/>
           </p:txBody>
         </p:sp>
         <p:sp>
@@ -11480,12 +10976,8 @@
             </a:xfrm>
             <a:custGeom>
               <a:avLst/>
-              <a:gdLst/>
-              <a:ahLst/>
-              <a:cxnLst/>
-              <a:rect l="0" t="0" r="0" b="0"/>
               <a:pathLst>
-                <a:path w="5096718">
+                <a:path w="5096718" h="0">
                   <a:moveTo>
                     <a:pt x="0" y="0"/>
                   </a:moveTo>
@@ -11511,9 +11003,7 @@
           <p:txBody>
             <a:bodyPr/>
             <a:lstStyle/>
-            <a:p>
-              <a:endParaRPr/>
-            </a:p>
+            <a:p/>
           </p:txBody>
         </p:sp>
         <p:sp>
@@ -11529,12 +11019,8 @@
             </a:xfrm>
             <a:custGeom>
               <a:avLst/>
-              <a:gdLst/>
-              <a:ahLst/>
-              <a:cxnLst/>
-              <a:rect l="0" t="0" r="0" b="0"/>
               <a:pathLst>
-                <a:path w="5096718">
+                <a:path w="5096718" h="0">
                   <a:moveTo>
                     <a:pt x="0" y="0"/>
                   </a:moveTo>
@@ -11560,9 +11046,7 @@
           <p:txBody>
             <a:bodyPr/>
             <a:lstStyle/>
-            <a:p>
-              <a:endParaRPr/>
-            </a:p>
+            <a:p/>
           </p:txBody>
         </p:sp>
         <p:sp>
@@ -11578,12 +11062,8 @@
             </a:xfrm>
             <a:custGeom>
               <a:avLst/>
-              <a:gdLst/>
-              <a:ahLst/>
-              <a:cxnLst/>
-              <a:rect l="0" t="0" r="0" b="0"/>
               <a:pathLst>
-                <a:path w="5096718">
+                <a:path w="5096718" h="0">
                   <a:moveTo>
                     <a:pt x="0" y="0"/>
                   </a:moveTo>
@@ -11609,9 +11089,7 @@
           <p:txBody>
             <a:bodyPr/>
             <a:lstStyle/>
-            <a:p>
-              <a:endParaRPr/>
-            </a:p>
+            <a:p/>
           </p:txBody>
         </p:sp>
         <p:sp>
@@ -11627,12 +11105,8 @@
             </a:xfrm>
             <a:custGeom>
               <a:avLst/>
-              <a:gdLst/>
-              <a:ahLst/>
-              <a:cxnLst/>
-              <a:rect l="0" t="0" r="0" b="0"/>
               <a:pathLst>
-                <a:path w="5096718">
+                <a:path w="5096718" h="0">
                   <a:moveTo>
                     <a:pt x="0" y="0"/>
                   </a:moveTo>
@@ -11658,9 +11132,7 @@
           <p:txBody>
             <a:bodyPr/>
             <a:lstStyle/>
-            <a:p>
-              <a:endParaRPr/>
-            </a:p>
+            <a:p/>
           </p:txBody>
         </p:sp>
         <p:sp>
@@ -11676,12 +11148,8 @@
             </a:xfrm>
             <a:custGeom>
               <a:avLst/>
-              <a:gdLst/>
-              <a:ahLst/>
-              <a:cxnLst/>
-              <a:rect l="0" t="0" r="0" b="0"/>
               <a:pathLst>
-                <a:path h="4253486">
+                <a:path w="0" h="4253486">
                   <a:moveTo>
                     <a:pt x="0" y="4253486"/>
                   </a:moveTo>
@@ -11707,9 +11175,7 @@
           <p:txBody>
             <a:bodyPr/>
             <a:lstStyle/>
-            <a:p>
-              <a:endParaRPr/>
-            </a:p>
+            <a:p/>
           </p:txBody>
         </p:sp>
         <p:sp>
@@ -11725,12 +11191,8 @@
             </a:xfrm>
             <a:custGeom>
               <a:avLst/>
-              <a:gdLst/>
-              <a:ahLst/>
-              <a:cxnLst/>
-              <a:rect l="0" t="0" r="0" b="0"/>
               <a:pathLst>
-                <a:path h="4253486">
+                <a:path w="0" h="4253486">
                   <a:moveTo>
                     <a:pt x="0" y="4253486"/>
                   </a:moveTo>
@@ -11756,9 +11218,7 @@
           <p:txBody>
             <a:bodyPr/>
             <a:lstStyle/>
-            <a:p>
-              <a:endParaRPr/>
-            </a:p>
+            <a:p/>
           </p:txBody>
         </p:sp>
         <p:sp>
@@ -11774,12 +11234,8 @@
             </a:xfrm>
             <a:custGeom>
               <a:avLst/>
-              <a:gdLst/>
-              <a:ahLst/>
-              <a:cxnLst/>
-              <a:rect l="0" t="0" r="0" b="0"/>
               <a:pathLst>
-                <a:path h="4253486">
+                <a:path w="0" h="4253486">
                   <a:moveTo>
                     <a:pt x="0" y="4253486"/>
                   </a:moveTo>
@@ -11805,9 +11261,7 @@
           <p:txBody>
             <a:bodyPr/>
             <a:lstStyle/>
-            <a:p>
-              <a:endParaRPr/>
-            </a:p>
+            <a:p/>
           </p:txBody>
         </p:sp>
         <p:sp>
@@ -11823,12 +11277,8 @@
             </a:xfrm>
             <a:custGeom>
               <a:avLst/>
-              <a:gdLst/>
-              <a:ahLst/>
-              <a:cxnLst/>
-              <a:rect l="0" t="0" r="0" b="0"/>
               <a:pathLst>
-                <a:path h="4253486">
+                <a:path w="0" h="4253486">
                   <a:moveTo>
                     <a:pt x="0" y="4253486"/>
                   </a:moveTo>
@@ -11854,9 +11304,7 @@
           <p:txBody>
             <a:bodyPr/>
             <a:lstStyle/>
-            <a:p>
-              <a:endParaRPr/>
-            </a:p>
+            <a:p/>
           </p:txBody>
         </p:sp>
         <p:sp>
@@ -11872,12 +11320,8 @@
             </a:xfrm>
             <a:custGeom>
               <a:avLst/>
-              <a:gdLst/>
-              <a:ahLst/>
-              <a:cxnLst/>
-              <a:rect l="0" t="0" r="0" b="0"/>
               <a:pathLst>
-                <a:path w="5096718">
+                <a:path w="5096718" h="0">
                   <a:moveTo>
                     <a:pt x="0" y="0"/>
                   </a:moveTo>
@@ -11903,9 +11347,7 @@
           <p:txBody>
             <a:bodyPr/>
             <a:lstStyle/>
-            <a:p>
-              <a:endParaRPr/>
-            </a:p>
+            <a:p/>
           </p:txBody>
         </p:sp>
         <p:sp>
@@ -11921,12 +11363,8 @@
             </a:xfrm>
             <a:custGeom>
               <a:avLst/>
-              <a:gdLst/>
-              <a:ahLst/>
-              <a:cxnLst/>
-              <a:rect l="0" t="0" r="0" b="0"/>
               <a:pathLst>
-                <a:path w="5096718">
+                <a:path w="5096718" h="0">
                   <a:moveTo>
                     <a:pt x="0" y="0"/>
                   </a:moveTo>
@@ -11952,9 +11390,7 @@
           <p:txBody>
             <a:bodyPr/>
             <a:lstStyle/>
-            <a:p>
-              <a:endParaRPr/>
-            </a:p>
+            <a:p/>
           </p:txBody>
         </p:sp>
         <p:sp>
@@ -11970,12 +11406,8 @@
             </a:xfrm>
             <a:custGeom>
               <a:avLst/>
-              <a:gdLst/>
-              <a:ahLst/>
-              <a:cxnLst/>
-              <a:rect l="0" t="0" r="0" b="0"/>
               <a:pathLst>
-                <a:path w="5096718">
+                <a:path w="5096718" h="0">
                   <a:moveTo>
                     <a:pt x="0" y="0"/>
                   </a:moveTo>
@@ -12001,9 +11433,7 @@
           <p:txBody>
             <a:bodyPr/>
             <a:lstStyle/>
-            <a:p>
-              <a:endParaRPr/>
-            </a:p>
+            <a:p/>
           </p:txBody>
         </p:sp>
         <p:sp>
@@ -12019,12 +11449,8 @@
             </a:xfrm>
             <a:custGeom>
               <a:avLst/>
-              <a:gdLst/>
-              <a:ahLst/>
-              <a:cxnLst/>
-              <a:rect l="0" t="0" r="0" b="0"/>
               <a:pathLst>
-                <a:path w="5096718">
+                <a:path w="5096718" h="0">
                   <a:moveTo>
                     <a:pt x="0" y="0"/>
                   </a:moveTo>
@@ -12050,9 +11476,7 @@
           <p:txBody>
             <a:bodyPr/>
             <a:lstStyle/>
-            <a:p>
-              <a:endParaRPr/>
-            </a:p>
+            <a:p/>
           </p:txBody>
         </p:sp>
         <p:sp>
@@ -12068,12 +11492,8 @@
             </a:xfrm>
             <a:custGeom>
               <a:avLst/>
-              <a:gdLst/>
-              <a:ahLst/>
-              <a:cxnLst/>
-              <a:rect l="0" t="0" r="0" b="0"/>
               <a:pathLst>
-                <a:path w="5096718">
+                <a:path w="5096718" h="0">
                   <a:moveTo>
                     <a:pt x="0" y="0"/>
                   </a:moveTo>
@@ -12099,9 +11519,7 @@
           <p:txBody>
             <a:bodyPr/>
             <a:lstStyle/>
-            <a:p>
-              <a:endParaRPr/>
-            </a:p>
+            <a:p/>
           </p:txBody>
         </p:sp>
         <p:sp>
@@ -12117,12 +11535,8 @@
             </a:xfrm>
             <a:custGeom>
               <a:avLst/>
-              <a:gdLst/>
-              <a:ahLst/>
-              <a:cxnLst/>
-              <a:rect l="0" t="0" r="0" b="0"/>
               <a:pathLst>
-                <a:path w="5096718">
+                <a:path w="5096718" h="0">
                   <a:moveTo>
                     <a:pt x="0" y="0"/>
                   </a:moveTo>
@@ -12148,9 +11562,7 @@
           <p:txBody>
             <a:bodyPr/>
             <a:lstStyle/>
-            <a:p>
-              <a:endParaRPr/>
-            </a:p>
+            <a:p/>
           </p:txBody>
         </p:sp>
         <p:sp>
@@ -12166,12 +11578,8 @@
             </a:xfrm>
             <a:custGeom>
               <a:avLst/>
-              <a:gdLst/>
-              <a:ahLst/>
-              <a:cxnLst/>
-              <a:rect l="0" t="0" r="0" b="0"/>
               <a:pathLst>
-                <a:path h="4253486">
+                <a:path w="0" h="4253486">
                   <a:moveTo>
                     <a:pt x="0" y="4253486"/>
                   </a:moveTo>
@@ -12197,9 +11605,7 @@
           <p:txBody>
             <a:bodyPr/>
             <a:lstStyle/>
-            <a:p>
-              <a:endParaRPr/>
-            </a:p>
+            <a:p/>
           </p:txBody>
         </p:sp>
         <p:sp>
@@ -12215,12 +11621,8 @@
             </a:xfrm>
             <a:custGeom>
               <a:avLst/>
-              <a:gdLst/>
-              <a:ahLst/>
-              <a:cxnLst/>
-              <a:rect l="0" t="0" r="0" b="0"/>
               <a:pathLst>
-                <a:path h="4253486">
+                <a:path w="0" h="4253486">
                   <a:moveTo>
                     <a:pt x="0" y="4253486"/>
                   </a:moveTo>
@@ -12246,9 +11648,7 @@
           <p:txBody>
             <a:bodyPr/>
             <a:lstStyle/>
-            <a:p>
-              <a:endParaRPr/>
-            </a:p>
+            <a:p/>
           </p:txBody>
         </p:sp>
         <p:sp>
@@ -12264,12 +11664,8 @@
             </a:xfrm>
             <a:custGeom>
               <a:avLst/>
-              <a:gdLst/>
-              <a:ahLst/>
-              <a:cxnLst/>
-              <a:rect l="0" t="0" r="0" b="0"/>
               <a:pathLst>
-                <a:path h="4253486">
+                <a:path w="0" h="4253486">
                   <a:moveTo>
                     <a:pt x="0" y="4253486"/>
                   </a:moveTo>
@@ -12295,9 +11691,7 @@
           <p:txBody>
             <a:bodyPr/>
             <a:lstStyle/>
-            <a:p>
-              <a:endParaRPr/>
-            </a:p>
+            <a:p/>
           </p:txBody>
         </p:sp>
         <p:sp>
@@ -12313,12 +11707,8 @@
             </a:xfrm>
             <a:custGeom>
               <a:avLst/>
-              <a:gdLst/>
-              <a:ahLst/>
-              <a:cxnLst/>
-              <a:rect l="0" t="0" r="0" b="0"/>
               <a:pathLst>
-                <a:path h="4253486">
+                <a:path w="0" h="4253486">
                   <a:moveTo>
                     <a:pt x="0" y="4253486"/>
                   </a:moveTo>
@@ -12344,9 +11734,7 @@
           <p:txBody>
             <a:bodyPr/>
             <a:lstStyle/>
-            <a:p>
-              <a:endParaRPr/>
-            </a:p>
+            <a:p/>
           </p:txBody>
         </p:sp>
         <p:sp>
@@ -12381,9 +11769,7 @@
           <p:txBody>
             <a:bodyPr/>
             <a:lstStyle/>
-            <a:p>
-              <a:endParaRPr/>
-            </a:p>
+            <a:p/>
           </p:txBody>
         </p:sp>
         <p:sp>
@@ -12418,9 +11804,7 @@
           <p:txBody>
             <a:bodyPr/>
             <a:lstStyle/>
-            <a:p>
-              <a:endParaRPr/>
-            </a:p>
+            <a:p/>
           </p:txBody>
         </p:sp>
         <p:sp>
@@ -12455,9 +11839,7 @@
           <p:txBody>
             <a:bodyPr/>
             <a:lstStyle/>
-            <a:p>
-              <a:endParaRPr/>
-            </a:p>
+            <a:p/>
           </p:txBody>
         </p:sp>
         <p:sp>
@@ -12492,9 +11874,7 @@
           <p:txBody>
             <a:bodyPr/>
             <a:lstStyle/>
-            <a:p>
-              <a:endParaRPr/>
-            </a:p>
+            <a:p/>
           </p:txBody>
         </p:sp>
         <p:sp>
@@ -12529,9 +11909,7 @@
           <p:txBody>
             <a:bodyPr/>
             <a:lstStyle/>
-            <a:p>
-              <a:endParaRPr/>
-            </a:p>
+            <a:p/>
           </p:txBody>
         </p:sp>
         <p:sp>
@@ -12566,9 +11944,7 @@
           <p:txBody>
             <a:bodyPr/>
             <a:lstStyle/>
-            <a:p>
-              <a:endParaRPr/>
-            </a:p>
+            <a:p/>
           </p:txBody>
         </p:sp>
         <p:sp>
@@ -12603,9 +11979,7 @@
           <p:txBody>
             <a:bodyPr/>
             <a:lstStyle/>
-            <a:p>
-              <a:endParaRPr/>
-            </a:p>
+            <a:p/>
           </p:txBody>
         </p:sp>
         <p:sp>
@@ -12640,9 +12014,7 @@
           <p:txBody>
             <a:bodyPr/>
             <a:lstStyle/>
-            <a:p>
-              <a:endParaRPr/>
-            </a:p>
+            <a:p/>
           </p:txBody>
         </p:sp>
         <p:sp>
@@ -12677,9 +12049,7 @@
           <p:txBody>
             <a:bodyPr/>
             <a:lstStyle/>
-            <a:p>
-              <a:endParaRPr/>
-            </a:p>
+            <a:p/>
           </p:txBody>
         </p:sp>
         <p:sp>
@@ -12714,9 +12084,7 @@
           <p:txBody>
             <a:bodyPr/>
             <a:lstStyle/>
-            <a:p>
-              <a:endParaRPr/>
-            </a:p>
+            <a:p/>
           </p:txBody>
         </p:sp>
         <p:sp>
@@ -12751,9 +12119,7 @@
           <p:txBody>
             <a:bodyPr/>
             <a:lstStyle/>
-            <a:p>
-              <a:endParaRPr/>
-            </a:p>
+            <a:p/>
           </p:txBody>
         </p:sp>
         <p:sp>
@@ -12788,9 +12154,7 @@
           <p:txBody>
             <a:bodyPr/>
             <a:lstStyle/>
-            <a:p>
-              <a:endParaRPr/>
-            </a:p>
+            <a:p/>
           </p:txBody>
         </p:sp>
         <p:sp>
@@ -12825,9 +12189,7 @@
           <p:txBody>
             <a:bodyPr/>
             <a:lstStyle/>
-            <a:p>
-              <a:endParaRPr/>
-            </a:p>
+            <a:p/>
           </p:txBody>
         </p:sp>
         <p:sp>
@@ -12862,9 +12224,7 @@
           <p:txBody>
             <a:bodyPr/>
             <a:lstStyle/>
-            <a:p>
-              <a:endParaRPr/>
-            </a:p>
+            <a:p/>
           </p:txBody>
         </p:sp>
         <p:sp>
@@ -12899,9 +12259,7 @@
           <p:txBody>
             <a:bodyPr/>
             <a:lstStyle/>
-            <a:p>
-              <a:endParaRPr/>
-            </a:p>
+            <a:p/>
           </p:txBody>
         </p:sp>
         <p:sp>
@@ -12936,9 +12294,7 @@
           <p:txBody>
             <a:bodyPr/>
             <a:lstStyle/>
-            <a:p>
-              <a:endParaRPr/>
-            </a:p>
+            <a:p/>
           </p:txBody>
         </p:sp>
         <p:sp>
@@ -12973,9 +12329,7 @@
           <p:txBody>
             <a:bodyPr/>
             <a:lstStyle/>
-            <a:p>
-              <a:endParaRPr/>
-            </a:p>
+            <a:p/>
           </p:txBody>
         </p:sp>
         <p:sp>
@@ -13010,9 +12364,7 @@
           <p:txBody>
             <a:bodyPr/>
             <a:lstStyle/>
-            <a:p>
-              <a:endParaRPr/>
-            </a:p>
+            <a:p/>
           </p:txBody>
         </p:sp>
         <p:sp>
@@ -13047,9 +12399,7 @@
           <p:txBody>
             <a:bodyPr/>
             <a:lstStyle/>
-            <a:p>
-              <a:endParaRPr/>
-            </a:p>
+            <a:p/>
           </p:txBody>
         </p:sp>
         <p:sp>
@@ -13084,9 +12434,7 @@
           <p:txBody>
             <a:bodyPr/>
             <a:lstStyle/>
-            <a:p>
-              <a:endParaRPr/>
-            </a:p>
+            <a:p/>
           </p:txBody>
         </p:sp>
         <p:sp>
@@ -13121,9 +12469,7 @@
           <p:txBody>
             <a:bodyPr/>
             <a:lstStyle/>
-            <a:p>
-              <a:endParaRPr/>
-            </a:p>
+            <a:p/>
           </p:txBody>
         </p:sp>
         <p:sp>
@@ -13158,9 +12504,7 @@
           <p:txBody>
             <a:bodyPr/>
             <a:lstStyle/>
-            <a:p>
-              <a:endParaRPr/>
-            </a:p>
+            <a:p/>
           </p:txBody>
         </p:sp>
         <p:sp>
@@ -13195,9 +12539,7 @@
           <p:txBody>
             <a:bodyPr/>
             <a:lstStyle/>
-            <a:p>
-              <a:endParaRPr/>
-            </a:p>
+            <a:p/>
           </p:txBody>
         </p:sp>
         <p:sp>
@@ -13232,9 +12574,7 @@
           <p:txBody>
             <a:bodyPr/>
             <a:lstStyle/>
-            <a:p>
-              <a:endParaRPr/>
-            </a:p>
+            <a:p/>
           </p:txBody>
         </p:sp>
         <p:sp>
@@ -13269,9 +12609,7 @@
           <p:txBody>
             <a:bodyPr/>
             <a:lstStyle/>
-            <a:p>
-              <a:endParaRPr/>
-            </a:p>
+            <a:p/>
           </p:txBody>
         </p:sp>
         <p:sp>
@@ -13306,9 +12644,7 @@
           <p:txBody>
             <a:bodyPr/>
             <a:lstStyle/>
-            <a:p>
-              <a:endParaRPr/>
-            </a:p>
+            <a:p/>
           </p:txBody>
         </p:sp>
         <p:sp>
@@ -13343,9 +12679,7 @@
           <p:txBody>
             <a:bodyPr/>
             <a:lstStyle/>
-            <a:p>
-              <a:endParaRPr/>
-            </a:p>
+            <a:p/>
           </p:txBody>
         </p:sp>
         <p:sp>
@@ -13380,9 +12714,7 @@
           <p:txBody>
             <a:bodyPr/>
             <a:lstStyle/>
-            <a:p>
-              <a:endParaRPr/>
-            </a:p>
+            <a:p/>
           </p:txBody>
         </p:sp>
         <p:sp>
@@ -13417,9 +12749,7 @@
           <p:txBody>
             <a:bodyPr/>
             <a:lstStyle/>
-            <a:p>
-              <a:endParaRPr/>
-            </a:p>
+            <a:p/>
           </p:txBody>
         </p:sp>
         <p:sp>
@@ -13454,9 +12784,7 @@
           <p:txBody>
             <a:bodyPr/>
             <a:lstStyle/>
-            <a:p>
-              <a:endParaRPr/>
-            </a:p>
+            <a:p/>
           </p:txBody>
         </p:sp>
         <p:sp>
@@ -13491,9 +12819,7 @@
           <p:txBody>
             <a:bodyPr/>
             <a:lstStyle/>
-            <a:p>
-              <a:endParaRPr/>
-            </a:p>
+            <a:p/>
           </p:txBody>
         </p:sp>
         <p:sp>
@@ -13528,9 +12854,7 @@
           <p:txBody>
             <a:bodyPr/>
             <a:lstStyle/>
-            <a:p>
-              <a:endParaRPr/>
-            </a:p>
+            <a:p/>
           </p:txBody>
         </p:sp>
         <p:sp>
@@ -13565,9 +12889,7 @@
           <p:txBody>
             <a:bodyPr/>
             <a:lstStyle/>
-            <a:p>
-              <a:endParaRPr/>
-            </a:p>
+            <a:p/>
           </p:txBody>
         </p:sp>
         <p:sp>
@@ -13602,9 +12924,7 @@
           <p:txBody>
             <a:bodyPr/>
             <a:lstStyle/>
-            <a:p>
-              <a:endParaRPr/>
-            </a:p>
+            <a:p/>
           </p:txBody>
         </p:sp>
         <p:sp>
@@ -13639,9 +12959,7 @@
           <p:txBody>
             <a:bodyPr/>
             <a:lstStyle/>
-            <a:p>
-              <a:endParaRPr/>
-            </a:p>
+            <a:p/>
           </p:txBody>
         </p:sp>
         <p:sp>
@@ -13676,9 +12994,7 @@
           <p:txBody>
             <a:bodyPr/>
             <a:lstStyle/>
-            <a:p>
-              <a:endParaRPr/>
-            </a:p>
+            <a:p/>
           </p:txBody>
         </p:sp>
         <p:sp>
@@ -13713,9 +13029,7 @@
           <p:txBody>
             <a:bodyPr/>
             <a:lstStyle/>
-            <a:p>
-              <a:endParaRPr/>
-            </a:p>
+            <a:p/>
           </p:txBody>
         </p:sp>
         <p:sp>
@@ -13750,9 +13064,7 @@
           <p:txBody>
             <a:bodyPr/>
             <a:lstStyle/>
-            <a:p>
-              <a:endParaRPr/>
-            </a:p>
+            <a:p/>
           </p:txBody>
         </p:sp>
         <p:sp>
@@ -13787,9 +13099,7 @@
           <p:txBody>
             <a:bodyPr/>
             <a:lstStyle/>
-            <a:p>
-              <a:endParaRPr/>
-            </a:p>
+            <a:p/>
           </p:txBody>
         </p:sp>
         <p:sp>
@@ -13824,9 +13134,7 @@
           <p:txBody>
             <a:bodyPr/>
             <a:lstStyle/>
-            <a:p>
-              <a:endParaRPr/>
-            </a:p>
+            <a:p/>
           </p:txBody>
         </p:sp>
         <p:sp>
@@ -13861,9 +13169,7 @@
           <p:txBody>
             <a:bodyPr/>
             <a:lstStyle/>
-            <a:p>
-              <a:endParaRPr/>
-            </a:p>
+            <a:p/>
           </p:txBody>
         </p:sp>
         <p:sp>
@@ -13898,9 +13204,7 @@
           <p:txBody>
             <a:bodyPr/>
             <a:lstStyle/>
-            <a:p>
-              <a:endParaRPr/>
-            </a:p>
+            <a:p/>
           </p:txBody>
         </p:sp>
         <p:sp>
@@ -13935,9 +13239,7 @@
           <p:txBody>
             <a:bodyPr/>
             <a:lstStyle/>
-            <a:p>
-              <a:endParaRPr/>
-            </a:p>
+            <a:p/>
           </p:txBody>
         </p:sp>
         <p:sp>
@@ -13972,9 +13274,7 @@
           <p:txBody>
             <a:bodyPr/>
             <a:lstStyle/>
-            <a:p>
-              <a:endParaRPr/>
-            </a:p>
+            <a:p/>
           </p:txBody>
         </p:sp>
         <p:sp>
@@ -14009,9 +13309,7 @@
           <p:txBody>
             <a:bodyPr/>
             <a:lstStyle/>
-            <a:p>
-              <a:endParaRPr/>
-            </a:p>
+            <a:p/>
           </p:txBody>
         </p:sp>
         <p:sp>
@@ -14046,9 +13344,7 @@
           <p:txBody>
             <a:bodyPr/>
             <a:lstStyle/>
-            <a:p>
-              <a:endParaRPr/>
-            </a:p>
+            <a:p/>
           </p:txBody>
         </p:sp>
         <p:sp>
@@ -14083,9 +13379,7 @@
           <p:txBody>
             <a:bodyPr/>
             <a:lstStyle/>
-            <a:p>
-              <a:endParaRPr/>
-            </a:p>
+            <a:p/>
           </p:txBody>
         </p:sp>
         <p:sp>
@@ -14120,9 +13414,7 @@
           <p:txBody>
             <a:bodyPr/>
             <a:lstStyle/>
-            <a:p>
-              <a:endParaRPr/>
-            </a:p>
+            <a:p/>
           </p:txBody>
         </p:sp>
         <p:sp>
@@ -14157,9 +13449,7 @@
           <p:txBody>
             <a:bodyPr/>
             <a:lstStyle/>
-            <a:p>
-              <a:endParaRPr/>
-            </a:p>
+            <a:p/>
           </p:txBody>
         </p:sp>
         <p:sp>
@@ -14194,9 +13484,7 @@
           <p:txBody>
             <a:bodyPr/>
             <a:lstStyle/>
-            <a:p>
-              <a:endParaRPr/>
-            </a:p>
+            <a:p/>
           </p:txBody>
         </p:sp>
         <p:sp>
@@ -14231,9 +13519,7 @@
           <p:txBody>
             <a:bodyPr/>
             <a:lstStyle/>
-            <a:p>
-              <a:endParaRPr/>
-            </a:p>
+            <a:p/>
           </p:txBody>
         </p:sp>
         <p:sp>
@@ -14268,9 +13554,7 @@
           <p:txBody>
             <a:bodyPr/>
             <a:lstStyle/>
-            <a:p>
-              <a:endParaRPr/>
-            </a:p>
+            <a:p/>
           </p:txBody>
         </p:sp>
         <p:sp>
@@ -14305,9 +13589,7 @@
           <p:txBody>
             <a:bodyPr/>
             <a:lstStyle/>
-            <a:p>
-              <a:endParaRPr/>
-            </a:p>
+            <a:p/>
           </p:txBody>
         </p:sp>
         <p:sp>
@@ -14342,9 +13624,7 @@
           <p:txBody>
             <a:bodyPr/>
             <a:lstStyle/>
-            <a:p>
-              <a:endParaRPr/>
-            </a:p>
+            <a:p/>
           </p:txBody>
         </p:sp>
         <p:sp>
@@ -14379,9 +13659,7 @@
           <p:txBody>
             <a:bodyPr/>
             <a:lstStyle/>
-            <a:p>
-              <a:endParaRPr/>
-            </a:p>
+            <a:p/>
           </p:txBody>
         </p:sp>
         <p:sp>
@@ -14416,9 +13694,7 @@
           <p:txBody>
             <a:bodyPr/>
             <a:lstStyle/>
-            <a:p>
-              <a:endParaRPr/>
-            </a:p>
+            <a:p/>
           </p:txBody>
         </p:sp>
         <p:sp>
@@ -14453,9 +13729,7 @@
           <p:txBody>
             <a:bodyPr/>
             <a:lstStyle/>
-            <a:p>
-              <a:endParaRPr/>
-            </a:p>
+            <a:p/>
           </p:txBody>
         </p:sp>
         <p:sp>
@@ -14490,9 +13764,7 @@
           <p:txBody>
             <a:bodyPr/>
             <a:lstStyle/>
-            <a:p>
-              <a:endParaRPr/>
-            </a:p>
+            <a:p/>
           </p:txBody>
         </p:sp>
         <p:sp>
@@ -14527,9 +13799,7 @@
           <p:txBody>
             <a:bodyPr/>
             <a:lstStyle/>
-            <a:p>
-              <a:endParaRPr/>
-            </a:p>
+            <a:p/>
           </p:txBody>
         </p:sp>
         <p:sp>
@@ -14564,9 +13834,7 @@
           <p:txBody>
             <a:bodyPr/>
             <a:lstStyle/>
-            <a:p>
-              <a:endParaRPr/>
-            </a:p>
+            <a:p/>
           </p:txBody>
         </p:sp>
         <p:sp>
@@ -14601,9 +13869,7 @@
           <p:txBody>
             <a:bodyPr/>
             <a:lstStyle/>
-            <a:p>
-              <a:endParaRPr/>
-            </a:p>
+            <a:p/>
           </p:txBody>
         </p:sp>
         <p:sp>
@@ -14638,9 +13904,7 @@
           <p:txBody>
             <a:bodyPr/>
             <a:lstStyle/>
-            <a:p>
-              <a:endParaRPr/>
-            </a:p>
+            <a:p/>
           </p:txBody>
         </p:sp>
         <p:sp>
@@ -14675,9 +13939,7 @@
           <p:txBody>
             <a:bodyPr/>
             <a:lstStyle/>
-            <a:p>
-              <a:endParaRPr/>
-            </a:p>
+            <a:p/>
           </p:txBody>
         </p:sp>
         <p:sp>
@@ -14712,9 +13974,7 @@
           <p:txBody>
             <a:bodyPr/>
             <a:lstStyle/>
-            <a:p>
-              <a:endParaRPr/>
-            </a:p>
+            <a:p/>
           </p:txBody>
         </p:sp>
         <p:sp>
@@ -14749,9 +14009,7 @@
           <p:txBody>
             <a:bodyPr/>
             <a:lstStyle/>
-            <a:p>
-              <a:endParaRPr/>
-            </a:p>
+            <a:p/>
           </p:txBody>
         </p:sp>
         <p:sp>
@@ -14786,9 +14044,7 @@
           <p:txBody>
             <a:bodyPr/>
             <a:lstStyle/>
-            <a:p>
-              <a:endParaRPr/>
-            </a:p>
+            <a:p/>
           </p:txBody>
         </p:sp>
         <p:sp>
@@ -14823,9 +14079,7 @@
           <p:txBody>
             <a:bodyPr/>
             <a:lstStyle/>
-            <a:p>
-              <a:endParaRPr/>
-            </a:p>
+            <a:p/>
           </p:txBody>
         </p:sp>
         <p:sp>
@@ -14860,9 +14114,7 @@
           <p:txBody>
             <a:bodyPr/>
             <a:lstStyle/>
-            <a:p>
-              <a:endParaRPr/>
-            </a:p>
+            <a:p/>
           </p:txBody>
         </p:sp>
         <p:sp>
@@ -14897,9 +14149,7 @@
           <p:txBody>
             <a:bodyPr/>
             <a:lstStyle/>
-            <a:p>
-              <a:endParaRPr/>
-            </a:p>
+            <a:p/>
           </p:txBody>
         </p:sp>
         <p:sp>
@@ -14934,9 +14184,7 @@
           <p:txBody>
             <a:bodyPr/>
             <a:lstStyle/>
-            <a:p>
-              <a:endParaRPr/>
-            </a:p>
+            <a:p/>
           </p:txBody>
         </p:sp>
         <p:sp>
@@ -14971,9 +14219,7 @@
           <p:txBody>
             <a:bodyPr/>
             <a:lstStyle/>
-            <a:p>
-              <a:endParaRPr/>
-            </a:p>
+            <a:p/>
           </p:txBody>
         </p:sp>
         <p:sp>
@@ -15008,9 +14254,7 @@
           <p:txBody>
             <a:bodyPr/>
             <a:lstStyle/>
-            <a:p>
-              <a:endParaRPr/>
-            </a:p>
+            <a:p/>
           </p:txBody>
         </p:sp>
         <p:sp>
@@ -15045,9 +14289,7 @@
           <p:txBody>
             <a:bodyPr/>
             <a:lstStyle/>
-            <a:p>
-              <a:endParaRPr/>
-            </a:p>
+            <a:p/>
           </p:txBody>
         </p:sp>
         <p:sp>
@@ -15082,9 +14324,7 @@
           <p:txBody>
             <a:bodyPr/>
             <a:lstStyle/>
-            <a:p>
-              <a:endParaRPr/>
-            </a:p>
+            <a:p/>
           </p:txBody>
         </p:sp>
         <p:sp>
@@ -15119,9 +14359,7 @@
           <p:txBody>
             <a:bodyPr/>
             <a:lstStyle/>
-            <a:p>
-              <a:endParaRPr/>
-            </a:p>
+            <a:p/>
           </p:txBody>
         </p:sp>
         <p:sp>
@@ -15156,9 +14394,7 @@
           <p:txBody>
             <a:bodyPr/>
             <a:lstStyle/>
-            <a:p>
-              <a:endParaRPr/>
-            </a:p>
+            <a:p/>
           </p:txBody>
         </p:sp>
         <p:sp>
@@ -15193,9 +14429,7 @@
           <p:txBody>
             <a:bodyPr/>
             <a:lstStyle/>
-            <a:p>
-              <a:endParaRPr/>
-            </a:p>
+            <a:p/>
           </p:txBody>
         </p:sp>
         <p:sp>
@@ -15230,9 +14464,7 @@
           <p:txBody>
             <a:bodyPr/>
             <a:lstStyle/>
-            <a:p>
-              <a:endParaRPr/>
-            </a:p>
+            <a:p/>
           </p:txBody>
         </p:sp>
         <p:sp>
@@ -15267,9 +14499,7 @@
           <p:txBody>
             <a:bodyPr/>
             <a:lstStyle/>
-            <a:p>
-              <a:endParaRPr/>
-            </a:p>
+            <a:p/>
           </p:txBody>
         </p:sp>
         <p:sp>
@@ -15304,9 +14534,7 @@
           <p:txBody>
             <a:bodyPr/>
             <a:lstStyle/>
-            <a:p>
-              <a:endParaRPr/>
-            </a:p>
+            <a:p/>
           </p:txBody>
         </p:sp>
         <p:sp>
@@ -15341,9 +14569,7 @@
           <p:txBody>
             <a:bodyPr/>
             <a:lstStyle/>
-            <a:p>
-              <a:endParaRPr/>
-            </a:p>
+            <a:p/>
           </p:txBody>
         </p:sp>
         <p:sp>
@@ -15378,9 +14604,7 @@
           <p:txBody>
             <a:bodyPr/>
             <a:lstStyle/>
-            <a:p>
-              <a:endParaRPr/>
-            </a:p>
+            <a:p/>
           </p:txBody>
         </p:sp>
         <p:sp>
@@ -15415,9 +14639,7 @@
           <p:txBody>
             <a:bodyPr/>
             <a:lstStyle/>
-            <a:p>
-              <a:endParaRPr/>
-            </a:p>
+            <a:p/>
           </p:txBody>
         </p:sp>
         <p:sp>
@@ -15452,9 +14674,7 @@
           <p:txBody>
             <a:bodyPr/>
             <a:lstStyle/>
-            <a:p>
-              <a:endParaRPr/>
-            </a:p>
+            <a:p/>
           </p:txBody>
         </p:sp>
         <p:sp>
@@ -15489,9 +14709,7 @@
           <p:txBody>
             <a:bodyPr/>
             <a:lstStyle/>
-            <a:p>
-              <a:endParaRPr/>
-            </a:p>
+            <a:p/>
           </p:txBody>
         </p:sp>
         <p:sp>
@@ -15526,9 +14744,7 @@
           <p:txBody>
             <a:bodyPr/>
             <a:lstStyle/>
-            <a:p>
-              <a:endParaRPr/>
-            </a:p>
+            <a:p/>
           </p:txBody>
         </p:sp>
         <p:sp>
@@ -15563,9 +14779,7 @@
           <p:txBody>
             <a:bodyPr/>
             <a:lstStyle/>
-            <a:p>
-              <a:endParaRPr/>
-            </a:p>
+            <a:p/>
           </p:txBody>
         </p:sp>
         <p:sp>
@@ -15600,9 +14814,7 @@
           <p:txBody>
             <a:bodyPr/>
             <a:lstStyle/>
-            <a:p>
-              <a:endParaRPr/>
-            </a:p>
+            <a:p/>
           </p:txBody>
         </p:sp>
         <p:sp>
@@ -15637,9 +14849,7 @@
           <p:txBody>
             <a:bodyPr/>
             <a:lstStyle/>
-            <a:p>
-              <a:endParaRPr/>
-            </a:p>
+            <a:p/>
           </p:txBody>
         </p:sp>
         <p:sp>
@@ -15674,9 +14884,7 @@
           <p:txBody>
             <a:bodyPr/>
             <a:lstStyle/>
-            <a:p>
-              <a:endParaRPr/>
-            </a:p>
+            <a:p/>
           </p:txBody>
         </p:sp>
         <p:sp>
@@ -15711,9 +14919,7 @@
           <p:txBody>
             <a:bodyPr/>
             <a:lstStyle/>
-            <a:p>
-              <a:endParaRPr/>
-            </a:p>
+            <a:p/>
           </p:txBody>
         </p:sp>
         <p:sp>
@@ -15748,9 +14954,7 @@
           <p:txBody>
             <a:bodyPr/>
             <a:lstStyle/>
-            <a:p>
-              <a:endParaRPr/>
-            </a:p>
+            <a:p/>
           </p:txBody>
         </p:sp>
         <p:sp>
@@ -15785,9 +14989,7 @@
           <p:txBody>
             <a:bodyPr/>
             <a:lstStyle/>
-            <a:p>
-              <a:endParaRPr/>
-            </a:p>
+            <a:p/>
           </p:txBody>
         </p:sp>
         <p:sp>
@@ -15822,9 +15024,7 @@
           <p:txBody>
             <a:bodyPr/>
             <a:lstStyle/>
-            <a:p>
-              <a:endParaRPr/>
-            </a:p>
+            <a:p/>
           </p:txBody>
         </p:sp>
         <p:sp>
@@ -15859,9 +15059,7 @@
           <p:txBody>
             <a:bodyPr/>
             <a:lstStyle/>
-            <a:p>
-              <a:endParaRPr/>
-            </a:p>
+            <a:p/>
           </p:txBody>
         </p:sp>
         <p:sp>
@@ -15896,9 +15094,7 @@
           <p:txBody>
             <a:bodyPr/>
             <a:lstStyle/>
-            <a:p>
-              <a:endParaRPr/>
-            </a:p>
+            <a:p/>
           </p:txBody>
         </p:sp>
         <p:sp>
@@ -15933,9 +15129,7 @@
           <p:txBody>
             <a:bodyPr/>
             <a:lstStyle/>
-            <a:p>
-              <a:endParaRPr/>
-            </a:p>
+            <a:p/>
           </p:txBody>
         </p:sp>
         <p:sp>
@@ -15970,9 +15164,7 @@
           <p:txBody>
             <a:bodyPr/>
             <a:lstStyle/>
-            <a:p>
-              <a:endParaRPr/>
-            </a:p>
+            <a:p/>
           </p:txBody>
         </p:sp>
         <p:sp>
@@ -16007,9 +15199,7 @@
           <p:txBody>
             <a:bodyPr/>
             <a:lstStyle/>
-            <a:p>
-              <a:endParaRPr/>
-            </a:p>
+            <a:p/>
           </p:txBody>
         </p:sp>
         <p:sp>
@@ -16044,9 +15234,7 @@
           <p:txBody>
             <a:bodyPr/>
             <a:lstStyle/>
-            <a:p>
-              <a:endParaRPr/>
-            </a:p>
+            <a:p/>
           </p:txBody>
         </p:sp>
         <p:sp>
@@ -16081,9 +15269,7 @@
           <p:txBody>
             <a:bodyPr/>
             <a:lstStyle/>
-            <a:p>
-              <a:endParaRPr/>
-            </a:p>
+            <a:p/>
           </p:txBody>
         </p:sp>
         <p:sp>
@@ -16118,9 +15304,7 @@
           <p:txBody>
             <a:bodyPr/>
             <a:lstStyle/>
-            <a:p>
-              <a:endParaRPr/>
-            </a:p>
+            <a:p/>
           </p:txBody>
         </p:sp>
         <p:sp>
@@ -16155,9 +15339,7 @@
           <p:txBody>
             <a:bodyPr/>
             <a:lstStyle/>
-            <a:p>
-              <a:endParaRPr/>
-            </a:p>
+            <a:p/>
           </p:txBody>
         </p:sp>
         <p:sp>
@@ -16192,9 +15374,7 @@
           <p:txBody>
             <a:bodyPr/>
             <a:lstStyle/>
-            <a:p>
-              <a:endParaRPr/>
-            </a:p>
+            <a:p/>
           </p:txBody>
         </p:sp>
         <p:sp>
@@ -16229,9 +15409,7 @@
           <p:txBody>
             <a:bodyPr/>
             <a:lstStyle/>
-            <a:p>
-              <a:endParaRPr/>
-            </a:p>
+            <a:p/>
           </p:txBody>
         </p:sp>
         <p:sp>
@@ -16266,9 +15444,7 @@
           <p:txBody>
             <a:bodyPr/>
             <a:lstStyle/>
-            <a:p>
-              <a:endParaRPr/>
-            </a:p>
+            <a:p/>
           </p:txBody>
         </p:sp>
         <p:sp>
@@ -16303,9 +15479,7 @@
           <p:txBody>
             <a:bodyPr/>
             <a:lstStyle/>
-            <a:p>
-              <a:endParaRPr/>
-            </a:p>
+            <a:p/>
           </p:txBody>
         </p:sp>
         <p:sp>
@@ -16340,9 +15514,7 @@
           <p:txBody>
             <a:bodyPr/>
             <a:lstStyle/>
-            <a:p>
-              <a:endParaRPr/>
-            </a:p>
+            <a:p/>
           </p:txBody>
         </p:sp>
         <p:sp>
@@ -16377,9 +15549,7 @@
           <p:txBody>
             <a:bodyPr/>
             <a:lstStyle/>
-            <a:p>
-              <a:endParaRPr/>
-            </a:p>
+            <a:p/>
           </p:txBody>
         </p:sp>
         <p:sp>
@@ -16414,9 +15584,7 @@
           <p:txBody>
             <a:bodyPr/>
             <a:lstStyle/>
-            <a:p>
-              <a:endParaRPr/>
-            </a:p>
+            <a:p/>
           </p:txBody>
         </p:sp>
         <p:sp>
@@ -16451,9 +15619,7 @@
           <p:txBody>
             <a:bodyPr/>
             <a:lstStyle/>
-            <a:p>
-              <a:endParaRPr/>
-            </a:p>
+            <a:p/>
           </p:txBody>
         </p:sp>
         <p:sp>
@@ -16488,9 +15654,7 @@
           <p:txBody>
             <a:bodyPr/>
             <a:lstStyle/>
-            <a:p>
-              <a:endParaRPr/>
-            </a:p>
+            <a:p/>
           </p:txBody>
         </p:sp>
         <p:sp>
@@ -16525,9 +15689,7 @@
           <p:txBody>
             <a:bodyPr/>
             <a:lstStyle/>
-            <a:p>
-              <a:endParaRPr/>
-            </a:p>
+            <a:p/>
           </p:txBody>
         </p:sp>
         <p:sp>
@@ -16562,9 +15724,7 @@
           <p:txBody>
             <a:bodyPr/>
             <a:lstStyle/>
-            <a:p>
-              <a:endParaRPr/>
-            </a:p>
+            <a:p/>
           </p:txBody>
         </p:sp>
         <p:sp>
@@ -16599,9 +15759,7 @@
           <p:txBody>
             <a:bodyPr/>
             <a:lstStyle/>
-            <a:p>
-              <a:endParaRPr/>
-            </a:p>
+            <a:p/>
           </p:txBody>
         </p:sp>
         <p:sp>
@@ -16636,9 +15794,7 @@
           <p:txBody>
             <a:bodyPr/>
             <a:lstStyle/>
-            <a:p>
-              <a:endParaRPr/>
-            </a:p>
+            <a:p/>
           </p:txBody>
         </p:sp>
         <p:sp>
@@ -16673,9 +15829,7 @@
           <p:txBody>
             <a:bodyPr/>
             <a:lstStyle/>
-            <a:p>
-              <a:endParaRPr/>
-            </a:p>
+            <a:p/>
           </p:txBody>
         </p:sp>
         <p:sp>
@@ -16710,9 +15864,7 @@
           <p:txBody>
             <a:bodyPr/>
             <a:lstStyle/>
-            <a:p>
-              <a:endParaRPr/>
-            </a:p>
+            <a:p/>
           </p:txBody>
         </p:sp>
         <p:sp>
@@ -16747,9 +15899,7 @@
           <p:txBody>
             <a:bodyPr/>
             <a:lstStyle/>
-            <a:p>
-              <a:endParaRPr/>
-            </a:p>
+            <a:p/>
           </p:txBody>
         </p:sp>
         <p:sp>
@@ -16784,9 +15934,7 @@
           <p:txBody>
             <a:bodyPr/>
             <a:lstStyle/>
-            <a:p>
-              <a:endParaRPr/>
-            </a:p>
+            <a:p/>
           </p:txBody>
         </p:sp>
         <p:sp>
@@ -16821,9 +15969,7 @@
           <p:txBody>
             <a:bodyPr/>
             <a:lstStyle/>
-            <a:p>
-              <a:endParaRPr/>
-            </a:p>
+            <a:p/>
           </p:txBody>
         </p:sp>
         <p:sp>
@@ -16858,9 +16004,7 @@
           <p:txBody>
             <a:bodyPr/>
             <a:lstStyle/>
-            <a:p>
-              <a:endParaRPr/>
-            </a:p>
+            <a:p/>
           </p:txBody>
         </p:sp>
         <p:sp>
@@ -16895,9 +16039,7 @@
           <p:txBody>
             <a:bodyPr/>
             <a:lstStyle/>
-            <a:p>
-              <a:endParaRPr/>
-            </a:p>
+            <a:p/>
           </p:txBody>
         </p:sp>
         <p:sp>
@@ -16932,9 +16074,7 @@
           <p:txBody>
             <a:bodyPr/>
             <a:lstStyle/>
-            <a:p>
-              <a:endParaRPr/>
-            </a:p>
+            <a:p/>
           </p:txBody>
         </p:sp>
         <p:sp>
@@ -16969,9 +16109,7 @@
           <p:txBody>
             <a:bodyPr/>
             <a:lstStyle/>
-            <a:p>
-              <a:endParaRPr/>
-            </a:p>
+            <a:p/>
           </p:txBody>
         </p:sp>
         <p:sp>
@@ -17006,9 +16144,7 @@
           <p:txBody>
             <a:bodyPr/>
             <a:lstStyle/>
-            <a:p>
-              <a:endParaRPr/>
-            </a:p>
+            <a:p/>
           </p:txBody>
         </p:sp>
         <p:sp>
@@ -17043,9 +16179,7 @@
           <p:txBody>
             <a:bodyPr/>
             <a:lstStyle/>
-            <a:p>
-              <a:endParaRPr/>
-            </a:p>
+            <a:p/>
           </p:txBody>
         </p:sp>
         <p:sp>
@@ -17080,9 +16214,7 @@
           <p:txBody>
             <a:bodyPr/>
             <a:lstStyle/>
-            <a:p>
-              <a:endParaRPr/>
-            </a:p>
+            <a:p/>
           </p:txBody>
         </p:sp>
         <p:sp>
@@ -17117,9 +16249,7 @@
           <p:txBody>
             <a:bodyPr/>
             <a:lstStyle/>
-            <a:p>
-              <a:endParaRPr/>
-            </a:p>
+            <a:p/>
           </p:txBody>
         </p:sp>
         <p:sp>
@@ -17154,9 +16284,7 @@
           <p:txBody>
             <a:bodyPr/>
             <a:lstStyle/>
-            <a:p>
-              <a:endParaRPr/>
-            </a:p>
+            <a:p/>
           </p:txBody>
         </p:sp>
         <p:sp>
@@ -17191,9 +16319,7 @@
           <p:txBody>
             <a:bodyPr/>
             <a:lstStyle/>
-            <a:p>
-              <a:endParaRPr/>
-            </a:p>
+            <a:p/>
           </p:txBody>
         </p:sp>
         <p:sp>
@@ -17228,9 +16354,7 @@
           <p:txBody>
             <a:bodyPr/>
             <a:lstStyle/>
-            <a:p>
-              <a:endParaRPr/>
-            </a:p>
+            <a:p/>
           </p:txBody>
         </p:sp>
         <p:sp>
@@ -17265,9 +16389,7 @@
           <p:txBody>
             <a:bodyPr/>
             <a:lstStyle/>
-            <a:p>
-              <a:endParaRPr/>
-            </a:p>
+            <a:p/>
           </p:txBody>
         </p:sp>
         <p:sp>
@@ -17302,9 +16424,7 @@
           <p:txBody>
             <a:bodyPr/>
             <a:lstStyle/>
-            <a:p>
-              <a:endParaRPr/>
-            </a:p>
+            <a:p/>
           </p:txBody>
         </p:sp>
         <p:sp>
@@ -17339,9 +16459,7 @@
           <p:txBody>
             <a:bodyPr/>
             <a:lstStyle/>
-            <a:p>
-              <a:endParaRPr/>
-            </a:p>
+            <a:p/>
           </p:txBody>
         </p:sp>
         <p:sp>
@@ -17376,9 +16494,7 @@
           <p:txBody>
             <a:bodyPr/>
             <a:lstStyle/>
-            <a:p>
-              <a:endParaRPr/>
-            </a:p>
+            <a:p/>
           </p:txBody>
         </p:sp>
         <p:sp>
@@ -17413,9 +16529,7 @@
           <p:txBody>
             <a:bodyPr/>
             <a:lstStyle/>
-            <a:p>
-              <a:endParaRPr/>
-            </a:p>
+            <a:p/>
           </p:txBody>
         </p:sp>
         <p:sp>
@@ -17450,9 +16564,7 @@
           <p:txBody>
             <a:bodyPr/>
             <a:lstStyle/>
-            <a:p>
-              <a:endParaRPr/>
-            </a:p>
+            <a:p/>
           </p:txBody>
         </p:sp>
         <p:sp>
@@ -17487,9 +16599,7 @@
           <p:txBody>
             <a:bodyPr/>
             <a:lstStyle/>
-            <a:p>
-              <a:endParaRPr/>
-            </a:p>
+            <a:p/>
           </p:txBody>
         </p:sp>
         <p:sp>
@@ -17524,9 +16634,7 @@
           <p:txBody>
             <a:bodyPr/>
             <a:lstStyle/>
-            <a:p>
-              <a:endParaRPr/>
-            </a:p>
+            <a:p/>
           </p:txBody>
         </p:sp>
         <p:sp>
@@ -17561,9 +16669,7 @@
           <p:txBody>
             <a:bodyPr/>
             <a:lstStyle/>
-            <a:p>
-              <a:endParaRPr/>
-            </a:p>
+            <a:p/>
           </p:txBody>
         </p:sp>
         <p:sp>
@@ -17598,9 +16704,7 @@
           <p:txBody>
             <a:bodyPr/>
             <a:lstStyle/>
-            <a:p>
-              <a:endParaRPr/>
-            </a:p>
+            <a:p/>
           </p:txBody>
         </p:sp>
         <p:sp>
@@ -17635,9 +16739,7 @@
           <p:txBody>
             <a:bodyPr/>
             <a:lstStyle/>
-            <a:p>
-              <a:endParaRPr/>
-            </a:p>
+            <a:p/>
           </p:txBody>
         </p:sp>
         <p:sp>
@@ -17672,9 +16774,7 @@
           <p:txBody>
             <a:bodyPr/>
             <a:lstStyle/>
-            <a:p>
-              <a:endParaRPr/>
-            </a:p>
+            <a:p/>
           </p:txBody>
         </p:sp>
         <p:sp>
@@ -17709,9 +16809,7 @@
           <p:txBody>
             <a:bodyPr/>
             <a:lstStyle/>
-            <a:p>
-              <a:endParaRPr/>
-            </a:p>
+            <a:p/>
           </p:txBody>
         </p:sp>
         <p:sp>
@@ -17746,9 +16844,7 @@
           <p:txBody>
             <a:bodyPr/>
             <a:lstStyle/>
-            <a:p>
-              <a:endParaRPr/>
-            </a:p>
+            <a:p/>
           </p:txBody>
         </p:sp>
         <p:sp>
@@ -17783,9 +16879,7 @@
           <p:txBody>
             <a:bodyPr/>
             <a:lstStyle/>
-            <a:p>
-              <a:endParaRPr/>
-            </a:p>
+            <a:p/>
           </p:txBody>
         </p:sp>
         <p:sp>
@@ -17820,9 +16914,7 @@
           <p:txBody>
             <a:bodyPr/>
             <a:lstStyle/>
-            <a:p>
-              <a:endParaRPr/>
-            </a:p>
+            <a:p/>
           </p:txBody>
         </p:sp>
         <p:sp>
@@ -17857,9 +16949,7 @@
           <p:txBody>
             <a:bodyPr/>
             <a:lstStyle/>
-            <a:p>
-              <a:endParaRPr/>
-            </a:p>
+            <a:p/>
           </p:txBody>
         </p:sp>
         <p:sp>
@@ -17894,9 +16984,7 @@
           <p:txBody>
             <a:bodyPr/>
             <a:lstStyle/>
-            <a:p>
-              <a:endParaRPr/>
-            </a:p>
+            <a:p/>
           </p:txBody>
         </p:sp>
         <p:sp>
@@ -17926,9 +17014,7 @@
           <p:txBody>
             <a:bodyPr/>
             <a:lstStyle/>
-            <a:p>
-              <a:endParaRPr/>
-            </a:p>
+            <a:p/>
           </p:txBody>
         </p:sp>
         <p:sp>
@@ -17948,10 +17034,10 @@
             <a:noFill/>
           </p:spPr>
           <p:txBody>
-            <a:bodyPr wrap="none" lIns="0" tIns="0" rIns="0" bIns="0" anchor="ctr" anchorCtr="1"/>
+            <a:bodyPr lIns="0" rIns="0" tIns="0" bIns="0" anchorCtr="1" anchor="ctr" wrap="none"/>
             <a:lstStyle/>
             <a:p>
-              <a:pPr marL="0" marR="0" indent="0" algn="l">
+              <a:pPr algn="l" marL="0" marR="0" indent="0">
                 <a:lnSpc>
                   <a:spcPts val="880"/>
                 </a:lnSpc>
@@ -17994,10 +17080,10 @@
             <a:noFill/>
           </p:spPr>
           <p:txBody>
-            <a:bodyPr wrap="none" lIns="0" tIns="0" rIns="0" bIns="0" anchor="ctr" anchorCtr="1"/>
+            <a:bodyPr lIns="0" rIns="0" tIns="0" bIns="0" anchorCtr="1" anchor="ctr" wrap="none"/>
             <a:lstStyle/>
             <a:p>
-              <a:pPr marL="0" marR="0" indent="0" algn="l">
+              <a:pPr algn="l" marL="0" marR="0" indent="0">
                 <a:lnSpc>
                   <a:spcPts val="880"/>
                 </a:lnSpc>
@@ -18040,10 +17126,10 @@
             <a:noFill/>
           </p:spPr>
           <p:txBody>
-            <a:bodyPr wrap="none" lIns="0" tIns="0" rIns="0" bIns="0" anchor="ctr" anchorCtr="1"/>
+            <a:bodyPr lIns="0" rIns="0" tIns="0" bIns="0" anchorCtr="1" anchor="ctr" wrap="none"/>
             <a:lstStyle/>
             <a:p>
-              <a:pPr marL="0" marR="0" indent="0" algn="l">
+              <a:pPr algn="l" marL="0" marR="0" indent="0">
                 <a:lnSpc>
                   <a:spcPts val="880"/>
                 </a:lnSpc>
@@ -18086,10 +17172,10 @@
             <a:noFill/>
           </p:spPr>
           <p:txBody>
-            <a:bodyPr wrap="none" lIns="0" tIns="0" rIns="0" bIns="0" anchor="ctr" anchorCtr="1"/>
+            <a:bodyPr lIns="0" rIns="0" tIns="0" bIns="0" anchorCtr="1" anchor="ctr" wrap="none"/>
             <a:lstStyle/>
             <a:p>
-              <a:pPr marL="0" marR="0" indent="0" algn="l">
+              <a:pPr algn="l" marL="0" marR="0" indent="0">
                 <a:lnSpc>
                   <a:spcPts val="880"/>
                 </a:lnSpc>
@@ -18132,10 +17218,10 @@
             <a:noFill/>
           </p:spPr>
           <p:txBody>
-            <a:bodyPr wrap="none" lIns="0" tIns="0" rIns="0" bIns="0" anchor="ctr" anchorCtr="1"/>
+            <a:bodyPr lIns="0" rIns="0" tIns="0" bIns="0" anchorCtr="1" anchor="ctr" wrap="none"/>
             <a:lstStyle/>
             <a:p>
-              <a:pPr marL="0" marR="0" indent="0" algn="l">
+              <a:pPr algn="l" marL="0" marR="0" indent="0">
                 <a:lnSpc>
                   <a:spcPts val="880"/>
                 </a:lnSpc>
@@ -18178,10 +17264,10 @@
             <a:noFill/>
           </p:spPr>
           <p:txBody>
-            <a:bodyPr wrap="none" lIns="0" tIns="0" rIns="0" bIns="0" anchor="ctr" anchorCtr="1"/>
+            <a:bodyPr lIns="0" rIns="0" tIns="0" bIns="0" anchorCtr="1" anchor="ctr" wrap="none"/>
             <a:lstStyle/>
             <a:p>
-              <a:pPr marL="0" marR="0" indent="0" algn="l">
+              <a:pPr algn="l" marL="0" marR="0" indent="0">
                 <a:lnSpc>
                   <a:spcPts val="880"/>
                 </a:lnSpc>
@@ -18220,12 +17306,8 @@
             </a:xfrm>
             <a:custGeom>
               <a:avLst/>
-              <a:gdLst/>
-              <a:ahLst/>
-              <a:cxnLst/>
-              <a:rect l="0" t="0" r="0" b="0"/>
               <a:pathLst>
-                <a:path w="34794">
+                <a:path w="34794" h="0">
                   <a:moveTo>
                     <a:pt x="0" y="0"/>
                   </a:moveTo>
@@ -18248,9 +17330,7 @@
           <p:txBody>
             <a:bodyPr/>
             <a:lstStyle/>
-            <a:p>
-              <a:endParaRPr/>
-            </a:p>
+            <a:p/>
           </p:txBody>
         </p:sp>
         <p:sp>
@@ -18266,12 +17346,8 @@
             </a:xfrm>
             <a:custGeom>
               <a:avLst/>
-              <a:gdLst/>
-              <a:ahLst/>
-              <a:cxnLst/>
-              <a:rect l="0" t="0" r="0" b="0"/>
               <a:pathLst>
-                <a:path w="34794">
+                <a:path w="34794" h="0">
                   <a:moveTo>
                     <a:pt x="0" y="0"/>
                   </a:moveTo>
@@ -18294,9 +17370,7 @@
           <p:txBody>
             <a:bodyPr/>
             <a:lstStyle/>
-            <a:p>
-              <a:endParaRPr/>
-            </a:p>
+            <a:p/>
           </p:txBody>
         </p:sp>
         <p:sp>
@@ -18312,12 +17386,8 @@
             </a:xfrm>
             <a:custGeom>
               <a:avLst/>
-              <a:gdLst/>
-              <a:ahLst/>
-              <a:cxnLst/>
-              <a:rect l="0" t="0" r="0" b="0"/>
               <a:pathLst>
-                <a:path w="34794">
+                <a:path w="34794" h="0">
                   <a:moveTo>
                     <a:pt x="0" y="0"/>
                   </a:moveTo>
@@ -18340,9 +17410,7 @@
           <p:txBody>
             <a:bodyPr/>
             <a:lstStyle/>
-            <a:p>
-              <a:endParaRPr/>
-            </a:p>
+            <a:p/>
           </p:txBody>
         </p:sp>
         <p:sp>
@@ -18358,12 +17426,8 @@
             </a:xfrm>
             <a:custGeom>
               <a:avLst/>
-              <a:gdLst/>
-              <a:ahLst/>
-              <a:cxnLst/>
-              <a:rect l="0" t="0" r="0" b="0"/>
               <a:pathLst>
-                <a:path w="34794">
+                <a:path w="34794" h="0">
                   <a:moveTo>
                     <a:pt x="0" y="0"/>
                   </a:moveTo>
@@ -18386,9 +17450,7 @@
           <p:txBody>
             <a:bodyPr/>
             <a:lstStyle/>
-            <a:p>
-              <a:endParaRPr/>
-            </a:p>
+            <a:p/>
           </p:txBody>
         </p:sp>
         <p:sp>
@@ -18404,12 +17466,8 @@
             </a:xfrm>
             <a:custGeom>
               <a:avLst/>
-              <a:gdLst/>
-              <a:ahLst/>
-              <a:cxnLst/>
-              <a:rect l="0" t="0" r="0" b="0"/>
               <a:pathLst>
-                <a:path w="34794">
+                <a:path w="34794" h="0">
                   <a:moveTo>
                     <a:pt x="0" y="0"/>
                   </a:moveTo>
@@ -18432,9 +17490,7 @@
           <p:txBody>
             <a:bodyPr/>
             <a:lstStyle/>
-            <a:p>
-              <a:endParaRPr/>
-            </a:p>
+            <a:p/>
           </p:txBody>
         </p:sp>
         <p:sp>
@@ -18450,12 +17506,8 @@
             </a:xfrm>
             <a:custGeom>
               <a:avLst/>
-              <a:gdLst/>
-              <a:ahLst/>
-              <a:cxnLst/>
-              <a:rect l="0" t="0" r="0" b="0"/>
               <a:pathLst>
-                <a:path w="34794">
+                <a:path w="34794" h="0">
                   <a:moveTo>
                     <a:pt x="0" y="0"/>
                   </a:moveTo>
@@ -18478,9 +17530,7 @@
           <p:txBody>
             <a:bodyPr/>
             <a:lstStyle/>
-            <a:p>
-              <a:endParaRPr/>
-            </a:p>
+            <a:p/>
           </p:txBody>
         </p:sp>
         <p:sp>
@@ -18496,12 +17546,8 @@
             </a:xfrm>
             <a:custGeom>
               <a:avLst/>
-              <a:gdLst/>
-              <a:ahLst/>
-              <a:cxnLst/>
-              <a:rect l="0" t="0" r="0" b="0"/>
               <a:pathLst>
-                <a:path h="34794">
+                <a:path w="0" h="34794">
                   <a:moveTo>
                     <a:pt x="0" y="34794"/>
                   </a:moveTo>
@@ -18524,9 +17570,7 @@
           <p:txBody>
             <a:bodyPr/>
             <a:lstStyle/>
-            <a:p>
-              <a:endParaRPr/>
-            </a:p>
+            <a:p/>
           </p:txBody>
         </p:sp>
         <p:sp>
@@ -18542,12 +17586,8 @@
             </a:xfrm>
             <a:custGeom>
               <a:avLst/>
-              <a:gdLst/>
-              <a:ahLst/>
-              <a:cxnLst/>
-              <a:rect l="0" t="0" r="0" b="0"/>
               <a:pathLst>
-                <a:path h="34794">
+                <a:path w="0" h="34794">
                   <a:moveTo>
                     <a:pt x="0" y="34794"/>
                   </a:moveTo>
@@ -18570,9 +17610,7 @@
           <p:txBody>
             <a:bodyPr/>
             <a:lstStyle/>
-            <a:p>
-              <a:endParaRPr/>
-            </a:p>
+            <a:p/>
           </p:txBody>
         </p:sp>
         <p:sp>
@@ -18588,12 +17626,8 @@
             </a:xfrm>
             <a:custGeom>
               <a:avLst/>
-              <a:gdLst/>
-              <a:ahLst/>
-              <a:cxnLst/>
-              <a:rect l="0" t="0" r="0" b="0"/>
               <a:pathLst>
-                <a:path h="34794">
+                <a:path w="0" h="34794">
                   <a:moveTo>
                     <a:pt x="0" y="34794"/>
                   </a:moveTo>
@@ -18616,9 +17650,7 @@
           <p:txBody>
             <a:bodyPr/>
             <a:lstStyle/>
-            <a:p>
-              <a:endParaRPr/>
-            </a:p>
+            <a:p/>
           </p:txBody>
         </p:sp>
         <p:sp>
@@ -18634,12 +17666,8 @@
             </a:xfrm>
             <a:custGeom>
               <a:avLst/>
-              <a:gdLst/>
-              <a:ahLst/>
-              <a:cxnLst/>
-              <a:rect l="0" t="0" r="0" b="0"/>
               <a:pathLst>
-                <a:path h="34794">
+                <a:path w="0" h="34794">
                   <a:moveTo>
                     <a:pt x="0" y="34794"/>
                   </a:moveTo>
@@ -18662,9 +17690,7 @@
           <p:txBody>
             <a:bodyPr/>
             <a:lstStyle/>
-            <a:p>
-              <a:endParaRPr/>
-            </a:p>
+            <a:p/>
           </p:txBody>
         </p:sp>
         <p:sp>
@@ -18684,10 +17710,10 @@
             <a:noFill/>
           </p:spPr>
           <p:txBody>
-            <a:bodyPr wrap="none" lIns="0" tIns="0" rIns="0" bIns="0" anchor="ctr" anchorCtr="1"/>
+            <a:bodyPr lIns="0" rIns="0" tIns="0" bIns="0" anchorCtr="1" anchor="ctr" wrap="none"/>
             <a:lstStyle/>
             <a:p>
-              <a:pPr marL="0" marR="0" indent="0" algn="l">
+              <a:pPr algn="l" marL="0" marR="0" indent="0">
                 <a:lnSpc>
                   <a:spcPts val="880"/>
                 </a:lnSpc>
@@ -18730,10 +17756,10 @@
             <a:noFill/>
           </p:spPr>
           <p:txBody>
-            <a:bodyPr wrap="none" lIns="0" tIns="0" rIns="0" bIns="0" anchor="ctr" anchorCtr="1"/>
+            <a:bodyPr lIns="0" rIns="0" tIns="0" bIns="0" anchorCtr="1" anchor="ctr" wrap="none"/>
             <a:lstStyle/>
             <a:p>
-              <a:pPr marL="0" marR="0" indent="0" algn="l">
+              <a:pPr algn="l" marL="0" marR="0" indent="0">
                 <a:lnSpc>
                   <a:spcPts val="880"/>
                 </a:lnSpc>
@@ -18776,10 +17802,10 @@
             <a:noFill/>
           </p:spPr>
           <p:txBody>
-            <a:bodyPr wrap="none" lIns="0" tIns="0" rIns="0" bIns="0" anchor="ctr" anchorCtr="1"/>
+            <a:bodyPr lIns="0" rIns="0" tIns="0" bIns="0" anchorCtr="1" anchor="ctr" wrap="none"/>
             <a:lstStyle/>
             <a:p>
-              <a:pPr marL="0" marR="0" indent="0" algn="l">
+              <a:pPr algn="l" marL="0" marR="0" indent="0">
                 <a:lnSpc>
                   <a:spcPts val="880"/>
                 </a:lnSpc>
@@ -18822,10 +17848,10 @@
             <a:noFill/>
           </p:spPr>
           <p:txBody>
-            <a:bodyPr wrap="none" lIns="0" tIns="0" rIns="0" bIns="0" anchor="ctr" anchorCtr="1"/>
+            <a:bodyPr lIns="0" rIns="0" tIns="0" bIns="0" anchorCtr="1" anchor="ctr" wrap="none"/>
             <a:lstStyle/>
             <a:p>
-              <a:pPr marL="0" marR="0" indent="0" algn="l">
+              <a:pPr algn="l" marL="0" marR="0" indent="0">
                 <a:lnSpc>
                   <a:spcPts val="880"/>
                 </a:lnSpc>
@@ -18868,10 +17894,10 @@
             <a:noFill/>
           </p:spPr>
           <p:txBody>
-            <a:bodyPr wrap="none" lIns="0" tIns="0" rIns="0" bIns="0" anchor="ctr" anchorCtr="1"/>
+            <a:bodyPr lIns="0" rIns="0" tIns="0" bIns="0" anchorCtr="1" anchor="ctr" wrap="none"/>
             <a:lstStyle/>
             <a:p>
-              <a:pPr marL="0" marR="0" indent="0" algn="l">
+              <a:pPr algn="l" marL="0" marR="0" indent="0">
                 <a:lnSpc>
                   <a:spcPts val="1100"/>
                 </a:lnSpc>
@@ -18914,10 +17940,10 @@
             <a:noFill/>
           </p:spPr>
           <p:txBody>
-            <a:bodyPr wrap="none" lIns="0" tIns="0" rIns="0" bIns="0" anchor="ctr" anchorCtr="1"/>
+            <a:bodyPr lIns="0" rIns="0" tIns="0" bIns="0" anchorCtr="1" anchor="ctr" wrap="none"/>
             <a:lstStyle/>
             <a:p>
-              <a:pPr marL="0" marR="0" indent="0" algn="l">
+              <a:pPr algn="l" marL="0" marR="0" indent="0">
                 <a:lnSpc>
                   <a:spcPts val="1100"/>
                 </a:lnSpc>
@@ -18966,9 +17992,7 @@
           <p:txBody>
             <a:bodyPr/>
             <a:lstStyle/>
-            <a:p>
-              <a:endParaRPr/>
-            </a:p>
+            <a:p/>
           </p:txBody>
         </p:sp>
         <p:sp>
@@ -18994,9 +18018,7 @@
           <p:txBody>
             <a:bodyPr/>
             <a:lstStyle/>
-            <a:p>
-              <a:endParaRPr/>
-            </a:p>
+            <a:p/>
           </p:txBody>
         </p:sp>
         <p:sp>
@@ -19031,9 +18053,7 @@
           <p:txBody>
             <a:bodyPr/>
             <a:lstStyle/>
-            <a:p>
-              <a:endParaRPr/>
-            </a:p>
+            <a:p/>
           </p:txBody>
         </p:sp>
         <p:sp>
@@ -19059,9 +18079,7 @@
           <p:txBody>
             <a:bodyPr/>
             <a:lstStyle/>
-            <a:p>
-              <a:endParaRPr/>
-            </a:p>
+            <a:p/>
           </p:txBody>
         </p:sp>
         <p:sp>
@@ -19096,9 +18114,7 @@
           <p:txBody>
             <a:bodyPr/>
             <a:lstStyle/>
-            <a:p>
-              <a:endParaRPr/>
-            </a:p>
+            <a:p/>
           </p:txBody>
         </p:sp>
         <p:sp>
@@ -19124,9 +18140,7 @@
           <p:txBody>
             <a:bodyPr/>
             <a:lstStyle/>
-            <a:p>
-              <a:endParaRPr/>
-            </a:p>
+            <a:p/>
           </p:txBody>
         </p:sp>
         <p:sp>
@@ -19161,9 +18175,7 @@
           <p:txBody>
             <a:bodyPr/>
             <a:lstStyle/>
-            <a:p>
-              <a:endParaRPr/>
-            </a:p>
+            <a:p/>
           </p:txBody>
         </p:sp>
         <p:sp>
@@ -19183,10 +18195,10 @@
             <a:noFill/>
           </p:spPr>
           <p:txBody>
-            <a:bodyPr wrap="none" lIns="0" tIns="0" rIns="0" bIns="0" anchor="ctr" anchorCtr="1"/>
+            <a:bodyPr lIns="0" rIns="0" tIns="0" bIns="0" anchorCtr="1" anchor="ctr" wrap="none"/>
             <a:lstStyle/>
             <a:p>
-              <a:pPr marL="0" marR="0" indent="0" algn="l">
+              <a:pPr algn="l" marL="0" marR="0" indent="0">
                 <a:lnSpc>
                   <a:spcPts val="880"/>
                 </a:lnSpc>
@@ -19229,10 +18241,10 @@
             <a:noFill/>
           </p:spPr>
           <p:txBody>
-            <a:bodyPr wrap="none" lIns="0" tIns="0" rIns="0" bIns="0" anchor="ctr" anchorCtr="1"/>
+            <a:bodyPr lIns="0" rIns="0" tIns="0" bIns="0" anchorCtr="1" anchor="ctr" wrap="none"/>
             <a:lstStyle/>
             <a:p>
-              <a:pPr marL="0" marR="0" indent="0" algn="l">
+              <a:pPr algn="l" marL="0" marR="0" indent="0">
                 <a:lnSpc>
                   <a:spcPts val="880"/>
                 </a:lnSpc>
@@ -19275,10 +18287,10 @@
             <a:noFill/>
           </p:spPr>
           <p:txBody>
-            <a:bodyPr wrap="none" lIns="0" tIns="0" rIns="0" bIns="0" anchor="ctr" anchorCtr="1"/>
+            <a:bodyPr lIns="0" rIns="0" tIns="0" bIns="0" anchorCtr="1" anchor="ctr" wrap="none"/>
             <a:lstStyle/>
             <a:p>
-              <a:pPr marL="0" marR="0" indent="0" algn="l">
+              <a:pPr algn="l" marL="0" marR="0" indent="0">
                 <a:lnSpc>
                   <a:spcPts val="880"/>
                 </a:lnSpc>
@@ -19321,10 +18333,10 @@
             <a:noFill/>
           </p:spPr>
           <p:txBody>
-            <a:bodyPr wrap="none" lIns="0" tIns="0" rIns="0" bIns="0" anchor="ctr" anchorCtr="1"/>
+            <a:bodyPr lIns="0" rIns="0" tIns="0" bIns="0" anchorCtr="1" anchor="ctr" wrap="none"/>
             <a:lstStyle/>
             <a:p>
-              <a:pPr marL="0" marR="0" indent="0" algn="l">
+              <a:pPr algn="l" marL="0" marR="0" indent="0">
                 <a:lnSpc>
                   <a:spcPts val="1100"/>
                 </a:lnSpc>
@@ -19367,10 +18379,10 @@
             <a:noFill/>
           </p:spPr>
           <p:txBody>
-            <a:bodyPr wrap="none" lIns="0" tIns="0" rIns="0" bIns="0" anchor="ctr" anchorCtr="1"/>
+            <a:bodyPr lIns="0" rIns="0" tIns="0" bIns="0" anchorCtr="1" anchor="ctr" wrap="none"/>
             <a:lstStyle/>
             <a:p>
-              <a:pPr marL="0" marR="0" indent="0" algn="l">
+              <a:pPr algn="l" marL="0" marR="0" indent="0">
                 <a:lnSpc>
                   <a:spcPts val="1320"/>
                 </a:lnSpc>
@@ -19397,7 +18409,7 @@
           </p:txBody>
         </p:sp>
       </p:grpSp>
-      <p:sp>
+      <p:sp xmlns:a="http://schemas.openxmlformats.org/drawingml/2006/main" xmlns:r="http://schemas.openxmlformats.org/officeDocument/2006/relationships" xmlns:p="http://schemas.openxmlformats.org/presentationml/2006/main">
         <p:nvSpPr>
           <p:cNvPr id="211" name="page_number"/>
           <p:cNvSpPr>
@@ -19418,6 +18430,7 @@
           <a:lstStyle/>
           <a:p>
             <a:r>
+              <a:rPr/>
               <a:t>2</a:t>
             </a:r>
           </a:p>
@@ -19448,7 +18461,7 @@
           <a:chExt cx="0" cy="0"/>
         </a:xfrm>
       </p:grpSpPr>
-      <p:sp>
+      <p:sp xmlns:a="http://schemas.openxmlformats.org/drawingml/2006/main" xmlns:r="http://schemas.openxmlformats.org/officeDocument/2006/relationships" xmlns:p="http://schemas.openxmlformats.org/presentationml/2006/main">
         <p:nvSpPr>
           <p:cNvPr id="2" name="num"/>
           <p:cNvSpPr>
@@ -19469,12 +18482,13 @@
           <a:lstStyle/>
           <a:p>
             <a:r>
+              <a:rPr/>
               <a:t>2.3</a:t>
             </a:r>
           </a:p>
         </p:txBody>
       </p:sp>
-      <p:sp>
+      <p:sp xmlns:a="http://schemas.openxmlformats.org/drawingml/2006/main" xmlns:r="http://schemas.openxmlformats.org/officeDocument/2006/relationships" xmlns:p="http://schemas.openxmlformats.org/presentationml/2006/main">
         <p:nvSpPr>
           <p:cNvPr id="3" name="text"/>
           <p:cNvSpPr>
@@ -19495,12 +18509,13 @@
           <a:lstStyle/>
           <a:p>
             <a:r>
+              <a:rPr/>
               <a:t>שלום אני כותב עכשיו מלא דברים מטומטמים בעברית בלה בלה בלה בלו אני סופר רק רוצה למלא את הטקסט פה תזרמו איתי אין לי באמת מה לכתוב או לומר אבל אני חייב לראות איך זה יוצא, אז פליז תבינו את זה. תודה רבה על ההתחשבות, אוהב</a:t>
             </a:r>
           </a:p>
         </p:txBody>
       </p:sp>
-      <p:grpSp>
+      <p:grpSp xmlns:a="http://schemas.openxmlformats.org/drawingml/2006/main" xmlns:r="http://schemas.openxmlformats.org/officeDocument/2006/relationships" xmlns:p="http://schemas.openxmlformats.org/presentationml/2006/main" xmlns:pic="http://schemas.openxmlformats.org/drawingml/2006/picture">
         <p:nvGrpSpPr>
           <p:cNvPr id="4" name="plot"/>
           <p:cNvGrpSpPr/>
@@ -19546,9 +18561,7 @@
           <p:txBody>
             <a:bodyPr/>
             <a:lstStyle/>
-            <a:p>
-              <a:endParaRPr/>
-            </a:p>
+            <a:p/>
           </p:txBody>
         </p:sp>
         <p:sp>
@@ -19574,9 +18587,7 @@
           <p:txBody>
             <a:bodyPr/>
             <a:lstStyle/>
-            <a:p>
-              <a:endParaRPr/>
-            </a:p>
+            <a:p/>
           </p:txBody>
         </p:sp>
         <p:sp>
@@ -19592,12 +18603,8 @@
             </a:xfrm>
             <a:custGeom>
               <a:avLst/>
-              <a:gdLst/>
-              <a:ahLst/>
-              <a:cxnLst/>
-              <a:rect l="0" t="0" r="0" b="0"/>
               <a:pathLst>
-                <a:path w="7014728">
+                <a:path w="7014728" h="0">
                   <a:moveTo>
                     <a:pt x="0" y="0"/>
                   </a:moveTo>
@@ -19623,9 +18630,7 @@
           <p:txBody>
             <a:bodyPr/>
             <a:lstStyle/>
-            <a:p>
-              <a:endParaRPr/>
-            </a:p>
+            <a:p/>
           </p:txBody>
         </p:sp>
         <p:sp>
@@ -19641,12 +18646,8 @@
             </a:xfrm>
             <a:custGeom>
               <a:avLst/>
-              <a:gdLst/>
-              <a:ahLst/>
-              <a:cxnLst/>
-              <a:rect l="0" t="0" r="0" b="0"/>
               <a:pathLst>
-                <a:path w="7014728">
+                <a:path w="7014728" h="0">
                   <a:moveTo>
                     <a:pt x="0" y="0"/>
                   </a:moveTo>
@@ -19672,9 +18673,7 @@
           <p:txBody>
             <a:bodyPr/>
             <a:lstStyle/>
-            <a:p>
-              <a:endParaRPr/>
-            </a:p>
+            <a:p/>
           </p:txBody>
         </p:sp>
         <p:sp>
@@ -19690,12 +18689,8 @@
             </a:xfrm>
             <a:custGeom>
               <a:avLst/>
-              <a:gdLst/>
-              <a:ahLst/>
-              <a:cxnLst/>
-              <a:rect l="0" t="0" r="0" b="0"/>
               <a:pathLst>
-                <a:path w="7014728">
+                <a:path w="7014728" h="0">
                   <a:moveTo>
                     <a:pt x="0" y="0"/>
                   </a:moveTo>
@@ -19721,9 +18716,7 @@
           <p:txBody>
             <a:bodyPr/>
             <a:lstStyle/>
-            <a:p>
-              <a:endParaRPr/>
-            </a:p>
+            <a:p/>
           </p:txBody>
         </p:sp>
         <p:sp>
@@ -19739,12 +18732,8 @@
             </a:xfrm>
             <a:custGeom>
               <a:avLst/>
-              <a:gdLst/>
-              <a:ahLst/>
-              <a:cxnLst/>
-              <a:rect l="0" t="0" r="0" b="0"/>
               <a:pathLst>
-                <a:path w="7014728">
+                <a:path w="7014728" h="0">
                   <a:moveTo>
                     <a:pt x="0" y="0"/>
                   </a:moveTo>
@@ -19770,9 +18759,7 @@
           <p:txBody>
             <a:bodyPr/>
             <a:lstStyle/>
-            <a:p>
-              <a:endParaRPr/>
-            </a:p>
+            <a:p/>
           </p:txBody>
         </p:sp>
         <p:sp>
@@ -19788,12 +18775,8 @@
             </a:xfrm>
             <a:custGeom>
               <a:avLst/>
-              <a:gdLst/>
-              <a:ahLst/>
-              <a:cxnLst/>
-              <a:rect l="0" t="0" r="0" b="0"/>
               <a:pathLst>
-                <a:path w="7014728">
+                <a:path w="7014728" h="0">
                   <a:moveTo>
                     <a:pt x="0" y="0"/>
                   </a:moveTo>
@@ -19819,9 +18802,7 @@
           <p:txBody>
             <a:bodyPr/>
             <a:lstStyle/>
-            <a:p>
-              <a:endParaRPr/>
-            </a:p>
+            <a:p/>
           </p:txBody>
         </p:sp>
         <p:sp>
@@ -19837,12 +18818,8 @@
             </a:xfrm>
             <a:custGeom>
               <a:avLst/>
-              <a:gdLst/>
-              <a:ahLst/>
-              <a:cxnLst/>
-              <a:rect l="0" t="0" r="0" b="0"/>
               <a:pathLst>
-                <a:path h="4253486">
+                <a:path w="0" h="4253486">
                   <a:moveTo>
                     <a:pt x="0" y="4253486"/>
                   </a:moveTo>
@@ -19868,9 +18845,7 @@
           <p:txBody>
             <a:bodyPr/>
             <a:lstStyle/>
-            <a:p>
-              <a:endParaRPr/>
-            </a:p>
+            <a:p/>
           </p:txBody>
         </p:sp>
         <p:sp>
@@ -19886,12 +18861,8 @@
             </a:xfrm>
             <a:custGeom>
               <a:avLst/>
-              <a:gdLst/>
-              <a:ahLst/>
-              <a:cxnLst/>
-              <a:rect l="0" t="0" r="0" b="0"/>
               <a:pathLst>
-                <a:path h="4253486">
+                <a:path w="0" h="4253486">
                   <a:moveTo>
                     <a:pt x="0" y="4253486"/>
                   </a:moveTo>
@@ -19917,9 +18888,7 @@
           <p:txBody>
             <a:bodyPr/>
             <a:lstStyle/>
-            <a:p>
-              <a:endParaRPr/>
-            </a:p>
+            <a:p/>
           </p:txBody>
         </p:sp>
         <p:sp>
@@ -19935,12 +18904,8 @@
             </a:xfrm>
             <a:custGeom>
               <a:avLst/>
-              <a:gdLst/>
-              <a:ahLst/>
-              <a:cxnLst/>
-              <a:rect l="0" t="0" r="0" b="0"/>
               <a:pathLst>
-                <a:path h="4253486">
+                <a:path w="0" h="4253486">
                   <a:moveTo>
                     <a:pt x="0" y="4253486"/>
                   </a:moveTo>
@@ -19966,9 +18931,7 @@
           <p:txBody>
             <a:bodyPr/>
             <a:lstStyle/>
-            <a:p>
-              <a:endParaRPr/>
-            </a:p>
+            <a:p/>
           </p:txBody>
         </p:sp>
         <p:sp>
@@ -19984,12 +18947,8 @@
             </a:xfrm>
             <a:custGeom>
               <a:avLst/>
-              <a:gdLst/>
-              <a:ahLst/>
-              <a:cxnLst/>
-              <a:rect l="0" t="0" r="0" b="0"/>
               <a:pathLst>
-                <a:path h="4253486">
+                <a:path w="0" h="4253486">
                   <a:moveTo>
                     <a:pt x="0" y="4253486"/>
                   </a:moveTo>
@@ -20015,9 +18974,7 @@
           <p:txBody>
             <a:bodyPr/>
             <a:lstStyle/>
-            <a:p>
-              <a:endParaRPr/>
-            </a:p>
+            <a:p/>
           </p:txBody>
         </p:sp>
         <p:sp>
@@ -20033,12 +18990,8 @@
             </a:xfrm>
             <a:custGeom>
               <a:avLst/>
-              <a:gdLst/>
-              <a:ahLst/>
-              <a:cxnLst/>
-              <a:rect l="0" t="0" r="0" b="0"/>
               <a:pathLst>
-                <a:path w="7014728">
+                <a:path w="7014728" h="0">
                   <a:moveTo>
                     <a:pt x="0" y="0"/>
                   </a:moveTo>
@@ -20064,9 +19017,7 @@
           <p:txBody>
             <a:bodyPr/>
             <a:lstStyle/>
-            <a:p>
-              <a:endParaRPr/>
-            </a:p>
+            <a:p/>
           </p:txBody>
         </p:sp>
         <p:sp>
@@ -20082,12 +19033,8 @@
             </a:xfrm>
             <a:custGeom>
               <a:avLst/>
-              <a:gdLst/>
-              <a:ahLst/>
-              <a:cxnLst/>
-              <a:rect l="0" t="0" r="0" b="0"/>
               <a:pathLst>
-                <a:path w="7014728">
+                <a:path w="7014728" h="0">
                   <a:moveTo>
                     <a:pt x="0" y="0"/>
                   </a:moveTo>
@@ -20113,9 +19060,7 @@
           <p:txBody>
             <a:bodyPr/>
             <a:lstStyle/>
-            <a:p>
-              <a:endParaRPr/>
-            </a:p>
+            <a:p/>
           </p:txBody>
         </p:sp>
         <p:sp>
@@ -20131,12 +19076,8 @@
             </a:xfrm>
             <a:custGeom>
               <a:avLst/>
-              <a:gdLst/>
-              <a:ahLst/>
-              <a:cxnLst/>
-              <a:rect l="0" t="0" r="0" b="0"/>
               <a:pathLst>
-                <a:path w="7014728">
+                <a:path w="7014728" h="0">
                   <a:moveTo>
                     <a:pt x="0" y="0"/>
                   </a:moveTo>
@@ -20162,9 +19103,7 @@
           <p:txBody>
             <a:bodyPr/>
             <a:lstStyle/>
-            <a:p>
-              <a:endParaRPr/>
-            </a:p>
+            <a:p/>
           </p:txBody>
         </p:sp>
         <p:sp>
@@ -20180,12 +19119,8 @@
             </a:xfrm>
             <a:custGeom>
               <a:avLst/>
-              <a:gdLst/>
-              <a:ahLst/>
-              <a:cxnLst/>
-              <a:rect l="0" t="0" r="0" b="0"/>
               <a:pathLst>
-                <a:path w="7014728">
+                <a:path w="7014728" h="0">
                   <a:moveTo>
                     <a:pt x="0" y="0"/>
                   </a:moveTo>
@@ -20211,9 +19146,7 @@
           <p:txBody>
             <a:bodyPr/>
             <a:lstStyle/>
-            <a:p>
-              <a:endParaRPr/>
-            </a:p>
+            <a:p/>
           </p:txBody>
         </p:sp>
         <p:sp>
@@ -20229,12 +19162,8 @@
             </a:xfrm>
             <a:custGeom>
               <a:avLst/>
-              <a:gdLst/>
-              <a:ahLst/>
-              <a:cxnLst/>
-              <a:rect l="0" t="0" r="0" b="0"/>
               <a:pathLst>
-                <a:path w="7014728">
+                <a:path w="7014728" h="0">
                   <a:moveTo>
                     <a:pt x="0" y="0"/>
                   </a:moveTo>
@@ -20260,9 +19189,7 @@
           <p:txBody>
             <a:bodyPr/>
             <a:lstStyle/>
-            <a:p>
-              <a:endParaRPr/>
-            </a:p>
+            <a:p/>
           </p:txBody>
         </p:sp>
         <p:sp>
@@ -20278,12 +19205,8 @@
             </a:xfrm>
             <a:custGeom>
               <a:avLst/>
-              <a:gdLst/>
-              <a:ahLst/>
-              <a:cxnLst/>
-              <a:rect l="0" t="0" r="0" b="0"/>
               <a:pathLst>
-                <a:path w="7014728">
+                <a:path w="7014728" h="0">
                   <a:moveTo>
                     <a:pt x="0" y="0"/>
                   </a:moveTo>
@@ -20309,9 +19232,7 @@
           <p:txBody>
             <a:bodyPr/>
             <a:lstStyle/>
-            <a:p>
-              <a:endParaRPr/>
-            </a:p>
+            <a:p/>
           </p:txBody>
         </p:sp>
         <p:sp>
@@ -20327,12 +19248,8 @@
             </a:xfrm>
             <a:custGeom>
               <a:avLst/>
-              <a:gdLst/>
-              <a:ahLst/>
-              <a:cxnLst/>
-              <a:rect l="0" t="0" r="0" b="0"/>
               <a:pathLst>
-                <a:path h="4253486">
+                <a:path w="0" h="4253486">
                   <a:moveTo>
                     <a:pt x="0" y="4253486"/>
                   </a:moveTo>
@@ -20358,9 +19275,7 @@
           <p:txBody>
             <a:bodyPr/>
             <a:lstStyle/>
-            <a:p>
-              <a:endParaRPr/>
-            </a:p>
+            <a:p/>
           </p:txBody>
         </p:sp>
         <p:sp>
@@ -20376,12 +19291,8 @@
             </a:xfrm>
             <a:custGeom>
               <a:avLst/>
-              <a:gdLst/>
-              <a:ahLst/>
-              <a:cxnLst/>
-              <a:rect l="0" t="0" r="0" b="0"/>
               <a:pathLst>
-                <a:path h="4253486">
+                <a:path w="0" h="4253486">
                   <a:moveTo>
                     <a:pt x="0" y="4253486"/>
                   </a:moveTo>
@@ -20407,9 +19318,7 @@
           <p:txBody>
             <a:bodyPr/>
             <a:lstStyle/>
-            <a:p>
-              <a:endParaRPr/>
-            </a:p>
+            <a:p/>
           </p:txBody>
         </p:sp>
         <p:sp>
@@ -20425,12 +19334,8 @@
             </a:xfrm>
             <a:custGeom>
               <a:avLst/>
-              <a:gdLst/>
-              <a:ahLst/>
-              <a:cxnLst/>
-              <a:rect l="0" t="0" r="0" b="0"/>
               <a:pathLst>
-                <a:path h="4253486">
+                <a:path w="0" h="4253486">
                   <a:moveTo>
                     <a:pt x="0" y="4253486"/>
                   </a:moveTo>
@@ -20456,9 +19361,7 @@
           <p:txBody>
             <a:bodyPr/>
             <a:lstStyle/>
-            <a:p>
-              <a:endParaRPr/>
-            </a:p>
+            <a:p/>
           </p:txBody>
         </p:sp>
         <p:sp>
@@ -20474,12 +19377,8 @@
             </a:xfrm>
             <a:custGeom>
               <a:avLst/>
-              <a:gdLst/>
-              <a:ahLst/>
-              <a:cxnLst/>
-              <a:rect l="0" t="0" r="0" b="0"/>
               <a:pathLst>
-                <a:path h="4253486">
+                <a:path w="0" h="4253486">
                   <a:moveTo>
                     <a:pt x="0" y="4253486"/>
                   </a:moveTo>
@@ -20505,9 +19404,7 @@
           <p:txBody>
             <a:bodyPr/>
             <a:lstStyle/>
-            <a:p>
-              <a:endParaRPr/>
-            </a:p>
+            <a:p/>
           </p:txBody>
         </p:sp>
         <p:sp>
@@ -20542,9 +19439,7 @@
           <p:txBody>
             <a:bodyPr/>
             <a:lstStyle/>
-            <a:p>
-              <a:endParaRPr/>
-            </a:p>
+            <a:p/>
           </p:txBody>
         </p:sp>
         <p:sp>
@@ -20579,9 +19474,7 @@
           <p:txBody>
             <a:bodyPr/>
             <a:lstStyle/>
-            <a:p>
-              <a:endParaRPr/>
-            </a:p>
+            <a:p/>
           </p:txBody>
         </p:sp>
         <p:sp>
@@ -20616,9 +19509,7 @@
           <p:txBody>
             <a:bodyPr/>
             <a:lstStyle/>
-            <a:p>
-              <a:endParaRPr/>
-            </a:p>
+            <a:p/>
           </p:txBody>
         </p:sp>
         <p:sp>
@@ -20653,9 +19544,7 @@
           <p:txBody>
             <a:bodyPr/>
             <a:lstStyle/>
-            <a:p>
-              <a:endParaRPr/>
-            </a:p>
+            <a:p/>
           </p:txBody>
         </p:sp>
         <p:sp>
@@ -20690,9 +19579,7 @@
           <p:txBody>
             <a:bodyPr/>
             <a:lstStyle/>
-            <a:p>
-              <a:endParaRPr/>
-            </a:p>
+            <a:p/>
           </p:txBody>
         </p:sp>
         <p:sp>
@@ -20727,9 +19614,7 @@
           <p:txBody>
             <a:bodyPr/>
             <a:lstStyle/>
-            <a:p>
-              <a:endParaRPr/>
-            </a:p>
+            <a:p/>
           </p:txBody>
         </p:sp>
         <p:sp>
@@ -20764,9 +19649,7 @@
           <p:txBody>
             <a:bodyPr/>
             <a:lstStyle/>
-            <a:p>
-              <a:endParaRPr/>
-            </a:p>
+            <a:p/>
           </p:txBody>
         </p:sp>
         <p:sp>
@@ -20801,9 +19684,7 @@
           <p:txBody>
             <a:bodyPr/>
             <a:lstStyle/>
-            <a:p>
-              <a:endParaRPr/>
-            </a:p>
+            <a:p/>
           </p:txBody>
         </p:sp>
         <p:sp>
@@ -20838,9 +19719,7 @@
           <p:txBody>
             <a:bodyPr/>
             <a:lstStyle/>
-            <a:p>
-              <a:endParaRPr/>
-            </a:p>
+            <a:p/>
           </p:txBody>
         </p:sp>
         <p:sp>
@@ -20875,9 +19754,7 @@
           <p:txBody>
             <a:bodyPr/>
             <a:lstStyle/>
-            <a:p>
-              <a:endParaRPr/>
-            </a:p>
+            <a:p/>
           </p:txBody>
         </p:sp>
         <p:sp>
@@ -20912,9 +19789,7 @@
           <p:txBody>
             <a:bodyPr/>
             <a:lstStyle/>
-            <a:p>
-              <a:endParaRPr/>
-            </a:p>
+            <a:p/>
           </p:txBody>
         </p:sp>
         <p:sp>
@@ -20949,9 +19824,7 @@
           <p:txBody>
             <a:bodyPr/>
             <a:lstStyle/>
-            <a:p>
-              <a:endParaRPr/>
-            </a:p>
+            <a:p/>
           </p:txBody>
         </p:sp>
         <p:sp>
@@ -20986,9 +19859,7 @@
           <p:txBody>
             <a:bodyPr/>
             <a:lstStyle/>
-            <a:p>
-              <a:endParaRPr/>
-            </a:p>
+            <a:p/>
           </p:txBody>
         </p:sp>
         <p:sp>
@@ -21023,9 +19894,7 @@
           <p:txBody>
             <a:bodyPr/>
             <a:lstStyle/>
-            <a:p>
-              <a:endParaRPr/>
-            </a:p>
+            <a:p/>
           </p:txBody>
         </p:sp>
         <p:sp>
@@ -21060,9 +19929,7 @@
           <p:txBody>
             <a:bodyPr/>
             <a:lstStyle/>
-            <a:p>
-              <a:endParaRPr/>
-            </a:p>
+            <a:p/>
           </p:txBody>
         </p:sp>
         <p:sp>
@@ -21097,9 +19964,7 @@
           <p:txBody>
             <a:bodyPr/>
             <a:lstStyle/>
-            <a:p>
-              <a:endParaRPr/>
-            </a:p>
+            <a:p/>
           </p:txBody>
         </p:sp>
         <p:sp>
@@ -21134,9 +19999,7 @@
           <p:txBody>
             <a:bodyPr/>
             <a:lstStyle/>
-            <a:p>
-              <a:endParaRPr/>
-            </a:p>
+            <a:p/>
           </p:txBody>
         </p:sp>
         <p:sp>
@@ -21171,9 +20034,7 @@
           <p:txBody>
             <a:bodyPr/>
             <a:lstStyle/>
-            <a:p>
-              <a:endParaRPr/>
-            </a:p>
+            <a:p/>
           </p:txBody>
         </p:sp>
         <p:sp>
@@ -21208,9 +20069,7 @@
           <p:txBody>
             <a:bodyPr/>
             <a:lstStyle/>
-            <a:p>
-              <a:endParaRPr/>
-            </a:p>
+            <a:p/>
           </p:txBody>
         </p:sp>
         <p:sp>
@@ -21245,9 +20104,7 @@
           <p:txBody>
             <a:bodyPr/>
             <a:lstStyle/>
-            <a:p>
-              <a:endParaRPr/>
-            </a:p>
+            <a:p/>
           </p:txBody>
         </p:sp>
         <p:sp>
@@ -21282,9 +20139,7 @@
           <p:txBody>
             <a:bodyPr/>
             <a:lstStyle/>
-            <a:p>
-              <a:endParaRPr/>
-            </a:p>
+            <a:p/>
           </p:txBody>
         </p:sp>
         <p:sp>
@@ -21319,9 +20174,7 @@
           <p:txBody>
             <a:bodyPr/>
             <a:lstStyle/>
-            <a:p>
-              <a:endParaRPr/>
-            </a:p>
+            <a:p/>
           </p:txBody>
         </p:sp>
         <p:sp>
@@ -21356,9 +20209,7 @@
           <p:txBody>
             <a:bodyPr/>
             <a:lstStyle/>
-            <a:p>
-              <a:endParaRPr/>
-            </a:p>
+            <a:p/>
           </p:txBody>
         </p:sp>
         <p:sp>
@@ -21393,9 +20244,7 @@
           <p:txBody>
             <a:bodyPr/>
             <a:lstStyle/>
-            <a:p>
-              <a:endParaRPr/>
-            </a:p>
+            <a:p/>
           </p:txBody>
         </p:sp>
         <p:sp>
@@ -21430,9 +20279,7 @@
           <p:txBody>
             <a:bodyPr/>
             <a:lstStyle/>
-            <a:p>
-              <a:endParaRPr/>
-            </a:p>
+            <a:p/>
           </p:txBody>
         </p:sp>
         <p:sp>
@@ -21467,9 +20314,7 @@
           <p:txBody>
             <a:bodyPr/>
             <a:lstStyle/>
-            <a:p>
-              <a:endParaRPr/>
-            </a:p>
+            <a:p/>
           </p:txBody>
         </p:sp>
         <p:sp>
@@ -21504,9 +20349,7 @@
           <p:txBody>
             <a:bodyPr/>
             <a:lstStyle/>
-            <a:p>
-              <a:endParaRPr/>
-            </a:p>
+            <a:p/>
           </p:txBody>
         </p:sp>
         <p:sp>
@@ -21541,9 +20384,7 @@
           <p:txBody>
             <a:bodyPr/>
             <a:lstStyle/>
-            <a:p>
-              <a:endParaRPr/>
-            </a:p>
+            <a:p/>
           </p:txBody>
         </p:sp>
         <p:sp>
@@ -21578,9 +20419,7 @@
           <p:txBody>
             <a:bodyPr/>
             <a:lstStyle/>
-            <a:p>
-              <a:endParaRPr/>
-            </a:p>
+            <a:p/>
           </p:txBody>
         </p:sp>
         <p:sp>
@@ -21615,9 +20454,7 @@
           <p:txBody>
             <a:bodyPr/>
             <a:lstStyle/>
-            <a:p>
-              <a:endParaRPr/>
-            </a:p>
+            <a:p/>
           </p:txBody>
         </p:sp>
         <p:sp>
@@ -21652,9 +20489,7 @@
           <p:txBody>
             <a:bodyPr/>
             <a:lstStyle/>
-            <a:p>
-              <a:endParaRPr/>
-            </a:p>
+            <a:p/>
           </p:txBody>
         </p:sp>
         <p:sp>
@@ -21689,9 +20524,7 @@
           <p:txBody>
             <a:bodyPr/>
             <a:lstStyle/>
-            <a:p>
-              <a:endParaRPr/>
-            </a:p>
+            <a:p/>
           </p:txBody>
         </p:sp>
         <p:sp>
@@ -21726,9 +20559,7 @@
           <p:txBody>
             <a:bodyPr/>
             <a:lstStyle/>
-            <a:p>
-              <a:endParaRPr/>
-            </a:p>
+            <a:p/>
           </p:txBody>
         </p:sp>
         <p:sp>
@@ -21763,9 +20594,7 @@
           <p:txBody>
             <a:bodyPr/>
             <a:lstStyle/>
-            <a:p>
-              <a:endParaRPr/>
-            </a:p>
+            <a:p/>
           </p:txBody>
         </p:sp>
         <p:sp>
@@ -21800,9 +20629,7 @@
           <p:txBody>
             <a:bodyPr/>
             <a:lstStyle/>
-            <a:p>
-              <a:endParaRPr/>
-            </a:p>
+            <a:p/>
           </p:txBody>
         </p:sp>
         <p:sp>
@@ -21837,9 +20664,7 @@
           <p:txBody>
             <a:bodyPr/>
             <a:lstStyle/>
-            <a:p>
-              <a:endParaRPr/>
-            </a:p>
+            <a:p/>
           </p:txBody>
         </p:sp>
         <p:sp>
@@ -21874,9 +20699,7 @@
           <p:txBody>
             <a:bodyPr/>
             <a:lstStyle/>
-            <a:p>
-              <a:endParaRPr/>
-            </a:p>
+            <a:p/>
           </p:txBody>
         </p:sp>
         <p:sp>
@@ -21911,9 +20734,7 @@
           <p:txBody>
             <a:bodyPr/>
             <a:lstStyle/>
-            <a:p>
-              <a:endParaRPr/>
-            </a:p>
+            <a:p/>
           </p:txBody>
         </p:sp>
         <p:sp>
@@ -21948,9 +20769,7 @@
           <p:txBody>
             <a:bodyPr/>
             <a:lstStyle/>
-            <a:p>
-              <a:endParaRPr/>
-            </a:p>
+            <a:p/>
           </p:txBody>
         </p:sp>
         <p:sp>
@@ -21985,9 +20804,7 @@
           <p:txBody>
             <a:bodyPr/>
             <a:lstStyle/>
-            <a:p>
-              <a:endParaRPr/>
-            </a:p>
+            <a:p/>
           </p:txBody>
         </p:sp>
         <p:sp>
@@ -22022,9 +20839,7 @@
           <p:txBody>
             <a:bodyPr/>
             <a:lstStyle/>
-            <a:p>
-              <a:endParaRPr/>
-            </a:p>
+            <a:p/>
           </p:txBody>
         </p:sp>
         <p:sp>
@@ -22059,9 +20874,7 @@
           <p:txBody>
             <a:bodyPr/>
             <a:lstStyle/>
-            <a:p>
-              <a:endParaRPr/>
-            </a:p>
+            <a:p/>
           </p:txBody>
         </p:sp>
         <p:sp>
@@ -22096,9 +20909,7 @@
           <p:txBody>
             <a:bodyPr/>
             <a:lstStyle/>
-            <a:p>
-              <a:endParaRPr/>
-            </a:p>
+            <a:p/>
           </p:txBody>
         </p:sp>
         <p:sp>
@@ -22133,9 +20944,7 @@
           <p:txBody>
             <a:bodyPr/>
             <a:lstStyle/>
-            <a:p>
-              <a:endParaRPr/>
-            </a:p>
+            <a:p/>
           </p:txBody>
         </p:sp>
         <p:sp>
@@ -22170,9 +20979,7 @@
           <p:txBody>
             <a:bodyPr/>
             <a:lstStyle/>
-            <a:p>
-              <a:endParaRPr/>
-            </a:p>
+            <a:p/>
           </p:txBody>
         </p:sp>
         <p:sp>
@@ -22207,9 +21014,7 @@
           <p:txBody>
             <a:bodyPr/>
             <a:lstStyle/>
-            <a:p>
-              <a:endParaRPr/>
-            </a:p>
+            <a:p/>
           </p:txBody>
         </p:sp>
         <p:sp>
@@ -22244,9 +21049,7 @@
           <p:txBody>
             <a:bodyPr/>
             <a:lstStyle/>
-            <a:p>
-              <a:endParaRPr/>
-            </a:p>
+            <a:p/>
           </p:txBody>
         </p:sp>
         <p:sp>
@@ -22281,9 +21084,7 @@
           <p:txBody>
             <a:bodyPr/>
             <a:lstStyle/>
-            <a:p>
-              <a:endParaRPr/>
-            </a:p>
+            <a:p/>
           </p:txBody>
         </p:sp>
         <p:sp>
@@ -22318,9 +21119,7 @@
           <p:txBody>
             <a:bodyPr/>
             <a:lstStyle/>
-            <a:p>
-              <a:endParaRPr/>
-            </a:p>
+            <a:p/>
           </p:txBody>
         </p:sp>
         <p:sp>
@@ -22355,9 +21154,7 @@
           <p:txBody>
             <a:bodyPr/>
             <a:lstStyle/>
-            <a:p>
-              <a:endParaRPr/>
-            </a:p>
+            <a:p/>
           </p:txBody>
         </p:sp>
         <p:sp>
@@ -22392,9 +21189,7 @@
           <p:txBody>
             <a:bodyPr/>
             <a:lstStyle/>
-            <a:p>
-              <a:endParaRPr/>
-            </a:p>
+            <a:p/>
           </p:txBody>
         </p:sp>
         <p:sp>
@@ -22429,9 +21224,7 @@
           <p:txBody>
             <a:bodyPr/>
             <a:lstStyle/>
-            <a:p>
-              <a:endParaRPr/>
-            </a:p>
+            <a:p/>
           </p:txBody>
         </p:sp>
         <p:sp>
@@ -22466,9 +21259,7 @@
           <p:txBody>
             <a:bodyPr/>
             <a:lstStyle/>
-            <a:p>
-              <a:endParaRPr/>
-            </a:p>
+            <a:p/>
           </p:txBody>
         </p:sp>
         <p:sp>
@@ -22503,9 +21294,7 @@
           <p:txBody>
             <a:bodyPr/>
             <a:lstStyle/>
-            <a:p>
-              <a:endParaRPr/>
-            </a:p>
+            <a:p/>
           </p:txBody>
         </p:sp>
         <p:sp>
@@ -22540,9 +21329,7 @@
           <p:txBody>
             <a:bodyPr/>
             <a:lstStyle/>
-            <a:p>
-              <a:endParaRPr/>
-            </a:p>
+            <a:p/>
           </p:txBody>
         </p:sp>
         <p:sp>
@@ -22577,9 +21364,7 @@
           <p:txBody>
             <a:bodyPr/>
             <a:lstStyle/>
-            <a:p>
-              <a:endParaRPr/>
-            </a:p>
+            <a:p/>
           </p:txBody>
         </p:sp>
         <p:sp>
@@ -22614,9 +21399,7 @@
           <p:txBody>
             <a:bodyPr/>
             <a:lstStyle/>
-            <a:p>
-              <a:endParaRPr/>
-            </a:p>
+            <a:p/>
           </p:txBody>
         </p:sp>
         <p:sp>
@@ -22651,9 +21434,7 @@
           <p:txBody>
             <a:bodyPr/>
             <a:lstStyle/>
-            <a:p>
-              <a:endParaRPr/>
-            </a:p>
+            <a:p/>
           </p:txBody>
         </p:sp>
         <p:sp>
@@ -22688,9 +21469,7 @@
           <p:txBody>
             <a:bodyPr/>
             <a:lstStyle/>
-            <a:p>
-              <a:endParaRPr/>
-            </a:p>
+            <a:p/>
           </p:txBody>
         </p:sp>
         <p:sp>
@@ -22725,9 +21504,7 @@
           <p:txBody>
             <a:bodyPr/>
             <a:lstStyle/>
-            <a:p>
-              <a:endParaRPr/>
-            </a:p>
+            <a:p/>
           </p:txBody>
         </p:sp>
         <p:sp>
@@ -22762,9 +21539,7 @@
           <p:txBody>
             <a:bodyPr/>
             <a:lstStyle/>
-            <a:p>
-              <a:endParaRPr/>
-            </a:p>
+            <a:p/>
           </p:txBody>
         </p:sp>
         <p:sp>
@@ -22799,9 +21574,7 @@
           <p:txBody>
             <a:bodyPr/>
             <a:lstStyle/>
-            <a:p>
-              <a:endParaRPr/>
-            </a:p>
+            <a:p/>
           </p:txBody>
         </p:sp>
         <p:sp>
@@ -22836,9 +21609,7 @@
           <p:txBody>
             <a:bodyPr/>
             <a:lstStyle/>
-            <a:p>
-              <a:endParaRPr/>
-            </a:p>
+            <a:p/>
           </p:txBody>
         </p:sp>
         <p:sp>
@@ -22873,9 +21644,7 @@
           <p:txBody>
             <a:bodyPr/>
             <a:lstStyle/>
-            <a:p>
-              <a:endParaRPr/>
-            </a:p>
+            <a:p/>
           </p:txBody>
         </p:sp>
         <p:sp>
@@ -22910,9 +21679,7 @@
           <p:txBody>
             <a:bodyPr/>
             <a:lstStyle/>
-            <a:p>
-              <a:endParaRPr/>
-            </a:p>
+            <a:p/>
           </p:txBody>
         </p:sp>
         <p:sp>
@@ -22947,9 +21714,7 @@
           <p:txBody>
             <a:bodyPr/>
             <a:lstStyle/>
-            <a:p>
-              <a:endParaRPr/>
-            </a:p>
+            <a:p/>
           </p:txBody>
         </p:sp>
         <p:sp>
@@ -22984,9 +21749,7 @@
           <p:txBody>
             <a:bodyPr/>
             <a:lstStyle/>
-            <a:p>
-              <a:endParaRPr/>
-            </a:p>
+            <a:p/>
           </p:txBody>
         </p:sp>
         <p:sp>
@@ -23021,9 +21784,7 @@
           <p:txBody>
             <a:bodyPr/>
             <a:lstStyle/>
-            <a:p>
-              <a:endParaRPr/>
-            </a:p>
+            <a:p/>
           </p:txBody>
         </p:sp>
         <p:sp>
@@ -23058,9 +21819,7 @@
           <p:txBody>
             <a:bodyPr/>
             <a:lstStyle/>
-            <a:p>
-              <a:endParaRPr/>
-            </a:p>
+            <a:p/>
           </p:txBody>
         </p:sp>
         <p:sp>
@@ -23095,9 +21854,7 @@
           <p:txBody>
             <a:bodyPr/>
             <a:lstStyle/>
-            <a:p>
-              <a:endParaRPr/>
-            </a:p>
+            <a:p/>
           </p:txBody>
         </p:sp>
         <p:sp>
@@ -23132,9 +21889,7 @@
           <p:txBody>
             <a:bodyPr/>
             <a:lstStyle/>
-            <a:p>
-              <a:endParaRPr/>
-            </a:p>
+            <a:p/>
           </p:txBody>
         </p:sp>
         <p:sp>
@@ -23169,9 +21924,7 @@
           <p:txBody>
             <a:bodyPr/>
             <a:lstStyle/>
-            <a:p>
-              <a:endParaRPr/>
-            </a:p>
+            <a:p/>
           </p:txBody>
         </p:sp>
         <p:sp>
@@ -23206,9 +21959,7 @@
           <p:txBody>
             <a:bodyPr/>
             <a:lstStyle/>
-            <a:p>
-              <a:endParaRPr/>
-            </a:p>
+            <a:p/>
           </p:txBody>
         </p:sp>
         <p:sp>
@@ -23243,9 +21994,7 @@
           <p:txBody>
             <a:bodyPr/>
             <a:lstStyle/>
-            <a:p>
-              <a:endParaRPr/>
-            </a:p>
+            <a:p/>
           </p:txBody>
         </p:sp>
         <p:sp>
@@ -23280,9 +22029,7 @@
           <p:txBody>
             <a:bodyPr/>
             <a:lstStyle/>
-            <a:p>
-              <a:endParaRPr/>
-            </a:p>
+            <a:p/>
           </p:txBody>
         </p:sp>
         <p:sp>
@@ -23317,9 +22064,7 @@
           <p:txBody>
             <a:bodyPr/>
             <a:lstStyle/>
-            <a:p>
-              <a:endParaRPr/>
-            </a:p>
+            <a:p/>
           </p:txBody>
         </p:sp>
         <p:sp>
@@ -23354,9 +22099,7 @@
           <p:txBody>
             <a:bodyPr/>
             <a:lstStyle/>
-            <a:p>
-              <a:endParaRPr/>
-            </a:p>
+            <a:p/>
           </p:txBody>
         </p:sp>
         <p:sp>
@@ -23391,9 +22134,7 @@
           <p:txBody>
             <a:bodyPr/>
             <a:lstStyle/>
-            <a:p>
-              <a:endParaRPr/>
-            </a:p>
+            <a:p/>
           </p:txBody>
         </p:sp>
         <p:sp>
@@ -23428,9 +22169,7 @@
           <p:txBody>
             <a:bodyPr/>
             <a:lstStyle/>
-            <a:p>
-              <a:endParaRPr/>
-            </a:p>
+            <a:p/>
           </p:txBody>
         </p:sp>
         <p:sp>
@@ -23465,9 +22204,7 @@
           <p:txBody>
             <a:bodyPr/>
             <a:lstStyle/>
-            <a:p>
-              <a:endParaRPr/>
-            </a:p>
+            <a:p/>
           </p:txBody>
         </p:sp>
         <p:sp>
@@ -23502,9 +22239,7 @@
           <p:txBody>
             <a:bodyPr/>
             <a:lstStyle/>
-            <a:p>
-              <a:endParaRPr/>
-            </a:p>
+            <a:p/>
           </p:txBody>
         </p:sp>
         <p:sp>
@@ -23539,9 +22274,7 @@
           <p:txBody>
             <a:bodyPr/>
             <a:lstStyle/>
-            <a:p>
-              <a:endParaRPr/>
-            </a:p>
+            <a:p/>
           </p:txBody>
         </p:sp>
         <p:sp>
@@ -23576,9 +22309,7 @@
           <p:txBody>
             <a:bodyPr/>
             <a:lstStyle/>
-            <a:p>
-              <a:endParaRPr/>
-            </a:p>
+            <a:p/>
           </p:txBody>
         </p:sp>
         <p:sp>
@@ -23613,9 +22344,7 @@
           <p:txBody>
             <a:bodyPr/>
             <a:lstStyle/>
-            <a:p>
-              <a:endParaRPr/>
-            </a:p>
+            <a:p/>
           </p:txBody>
         </p:sp>
         <p:sp>
@@ -23650,9 +22379,7 @@
           <p:txBody>
             <a:bodyPr/>
             <a:lstStyle/>
-            <a:p>
-              <a:endParaRPr/>
-            </a:p>
+            <a:p/>
           </p:txBody>
         </p:sp>
         <p:sp>
@@ -23687,9 +22414,7 @@
           <p:txBody>
             <a:bodyPr/>
             <a:lstStyle/>
-            <a:p>
-              <a:endParaRPr/>
-            </a:p>
+            <a:p/>
           </p:txBody>
         </p:sp>
         <p:sp>
@@ -23724,9 +22449,7 @@
           <p:txBody>
             <a:bodyPr/>
             <a:lstStyle/>
-            <a:p>
-              <a:endParaRPr/>
-            </a:p>
+            <a:p/>
           </p:txBody>
         </p:sp>
         <p:sp>
@@ -23761,9 +22484,7 @@
           <p:txBody>
             <a:bodyPr/>
             <a:lstStyle/>
-            <a:p>
-              <a:endParaRPr/>
-            </a:p>
+            <a:p/>
           </p:txBody>
         </p:sp>
         <p:sp>
@@ -23798,9 +22519,7 @@
           <p:txBody>
             <a:bodyPr/>
             <a:lstStyle/>
-            <a:p>
-              <a:endParaRPr/>
-            </a:p>
+            <a:p/>
           </p:txBody>
         </p:sp>
         <p:sp>
@@ -23835,9 +22554,7 @@
           <p:txBody>
             <a:bodyPr/>
             <a:lstStyle/>
-            <a:p>
-              <a:endParaRPr/>
-            </a:p>
+            <a:p/>
           </p:txBody>
         </p:sp>
         <p:sp>
@@ -23872,9 +22589,7 @@
           <p:txBody>
             <a:bodyPr/>
             <a:lstStyle/>
-            <a:p>
-              <a:endParaRPr/>
-            </a:p>
+            <a:p/>
           </p:txBody>
         </p:sp>
         <p:sp>
@@ -23909,9 +22624,7 @@
           <p:txBody>
             <a:bodyPr/>
             <a:lstStyle/>
-            <a:p>
-              <a:endParaRPr/>
-            </a:p>
+            <a:p/>
           </p:txBody>
         </p:sp>
         <p:sp>
@@ -23946,9 +22659,7 @@
           <p:txBody>
             <a:bodyPr/>
             <a:lstStyle/>
-            <a:p>
-              <a:endParaRPr/>
-            </a:p>
+            <a:p/>
           </p:txBody>
         </p:sp>
         <p:sp>
@@ -23983,9 +22694,7 @@
           <p:txBody>
             <a:bodyPr/>
             <a:lstStyle/>
-            <a:p>
-              <a:endParaRPr/>
-            </a:p>
+            <a:p/>
           </p:txBody>
         </p:sp>
         <p:sp>
@@ -24020,9 +22729,7 @@
           <p:txBody>
             <a:bodyPr/>
             <a:lstStyle/>
-            <a:p>
-              <a:endParaRPr/>
-            </a:p>
+            <a:p/>
           </p:txBody>
         </p:sp>
         <p:sp>
@@ -24057,9 +22764,7 @@
           <p:txBody>
             <a:bodyPr/>
             <a:lstStyle/>
-            <a:p>
-              <a:endParaRPr/>
-            </a:p>
+            <a:p/>
           </p:txBody>
         </p:sp>
         <p:sp>
@@ -24094,9 +22799,7 @@
           <p:txBody>
             <a:bodyPr/>
             <a:lstStyle/>
-            <a:p>
-              <a:endParaRPr/>
-            </a:p>
+            <a:p/>
           </p:txBody>
         </p:sp>
         <p:sp>
@@ -24131,9 +22834,7 @@
           <p:txBody>
             <a:bodyPr/>
             <a:lstStyle/>
-            <a:p>
-              <a:endParaRPr/>
-            </a:p>
+            <a:p/>
           </p:txBody>
         </p:sp>
         <p:sp>
@@ -24168,9 +22869,7 @@
           <p:txBody>
             <a:bodyPr/>
             <a:lstStyle/>
-            <a:p>
-              <a:endParaRPr/>
-            </a:p>
+            <a:p/>
           </p:txBody>
         </p:sp>
         <p:sp>
@@ -24205,9 +22904,7 @@
           <p:txBody>
             <a:bodyPr/>
             <a:lstStyle/>
-            <a:p>
-              <a:endParaRPr/>
-            </a:p>
+            <a:p/>
           </p:txBody>
         </p:sp>
         <p:sp>
@@ -24242,9 +22939,7 @@
           <p:txBody>
             <a:bodyPr/>
             <a:lstStyle/>
-            <a:p>
-              <a:endParaRPr/>
-            </a:p>
+            <a:p/>
           </p:txBody>
         </p:sp>
         <p:sp>
@@ -24279,9 +22974,7 @@
           <p:txBody>
             <a:bodyPr/>
             <a:lstStyle/>
-            <a:p>
-              <a:endParaRPr/>
-            </a:p>
+            <a:p/>
           </p:txBody>
         </p:sp>
         <p:sp>
@@ -24316,9 +23009,7 @@
           <p:txBody>
             <a:bodyPr/>
             <a:lstStyle/>
-            <a:p>
-              <a:endParaRPr/>
-            </a:p>
+            <a:p/>
           </p:txBody>
         </p:sp>
         <p:sp>
@@ -24353,9 +23044,7 @@
           <p:txBody>
             <a:bodyPr/>
             <a:lstStyle/>
-            <a:p>
-              <a:endParaRPr/>
-            </a:p>
+            <a:p/>
           </p:txBody>
         </p:sp>
         <p:sp>
@@ -24390,9 +23079,7 @@
           <p:txBody>
             <a:bodyPr/>
             <a:lstStyle/>
-            <a:p>
-              <a:endParaRPr/>
-            </a:p>
+            <a:p/>
           </p:txBody>
         </p:sp>
         <p:sp>
@@ -24427,9 +23114,7 @@
           <p:txBody>
             <a:bodyPr/>
             <a:lstStyle/>
-            <a:p>
-              <a:endParaRPr/>
-            </a:p>
+            <a:p/>
           </p:txBody>
         </p:sp>
         <p:sp>
@@ -24464,9 +23149,7 @@
           <p:txBody>
             <a:bodyPr/>
             <a:lstStyle/>
-            <a:p>
-              <a:endParaRPr/>
-            </a:p>
+            <a:p/>
           </p:txBody>
         </p:sp>
         <p:sp>
@@ -24501,9 +23184,7 @@
           <p:txBody>
             <a:bodyPr/>
             <a:lstStyle/>
-            <a:p>
-              <a:endParaRPr/>
-            </a:p>
+            <a:p/>
           </p:txBody>
         </p:sp>
         <p:sp>
@@ -24538,9 +23219,7 @@
           <p:txBody>
             <a:bodyPr/>
             <a:lstStyle/>
-            <a:p>
-              <a:endParaRPr/>
-            </a:p>
+            <a:p/>
           </p:txBody>
         </p:sp>
         <p:sp>
@@ -24575,9 +23254,7 @@
           <p:txBody>
             <a:bodyPr/>
             <a:lstStyle/>
-            <a:p>
-              <a:endParaRPr/>
-            </a:p>
+            <a:p/>
           </p:txBody>
         </p:sp>
         <p:sp>
@@ -24612,9 +23289,7 @@
           <p:txBody>
             <a:bodyPr/>
             <a:lstStyle/>
-            <a:p>
-              <a:endParaRPr/>
-            </a:p>
+            <a:p/>
           </p:txBody>
         </p:sp>
         <p:sp>
@@ -24649,9 +23324,7 @@
           <p:txBody>
             <a:bodyPr/>
             <a:lstStyle/>
-            <a:p>
-              <a:endParaRPr/>
-            </a:p>
+            <a:p/>
           </p:txBody>
         </p:sp>
         <p:sp>
@@ -24686,9 +23359,7 @@
           <p:txBody>
             <a:bodyPr/>
             <a:lstStyle/>
-            <a:p>
-              <a:endParaRPr/>
-            </a:p>
+            <a:p/>
           </p:txBody>
         </p:sp>
         <p:sp>
@@ -24723,9 +23394,7 @@
           <p:txBody>
             <a:bodyPr/>
             <a:lstStyle/>
-            <a:p>
-              <a:endParaRPr/>
-            </a:p>
+            <a:p/>
           </p:txBody>
         </p:sp>
         <p:sp>
@@ -24760,9 +23429,7 @@
           <p:txBody>
             <a:bodyPr/>
             <a:lstStyle/>
-            <a:p>
-              <a:endParaRPr/>
-            </a:p>
+            <a:p/>
           </p:txBody>
         </p:sp>
         <p:sp>
@@ -24797,9 +23464,7 @@
           <p:txBody>
             <a:bodyPr/>
             <a:lstStyle/>
-            <a:p>
-              <a:endParaRPr/>
-            </a:p>
+            <a:p/>
           </p:txBody>
         </p:sp>
         <p:sp>
@@ -24834,9 +23499,7 @@
           <p:txBody>
             <a:bodyPr/>
             <a:lstStyle/>
-            <a:p>
-              <a:endParaRPr/>
-            </a:p>
+            <a:p/>
           </p:txBody>
         </p:sp>
         <p:sp>
@@ -24871,9 +23534,7 @@
           <p:txBody>
             <a:bodyPr/>
             <a:lstStyle/>
-            <a:p>
-              <a:endParaRPr/>
-            </a:p>
+            <a:p/>
           </p:txBody>
         </p:sp>
         <p:sp>
@@ -24908,9 +23569,7 @@
           <p:txBody>
             <a:bodyPr/>
             <a:lstStyle/>
-            <a:p>
-              <a:endParaRPr/>
-            </a:p>
+            <a:p/>
           </p:txBody>
         </p:sp>
         <p:sp>
@@ -24945,9 +23604,7 @@
           <p:txBody>
             <a:bodyPr/>
             <a:lstStyle/>
-            <a:p>
-              <a:endParaRPr/>
-            </a:p>
+            <a:p/>
           </p:txBody>
         </p:sp>
         <p:sp>
@@ -24982,9 +23639,7 @@
           <p:txBody>
             <a:bodyPr/>
             <a:lstStyle/>
-            <a:p>
-              <a:endParaRPr/>
-            </a:p>
+            <a:p/>
           </p:txBody>
         </p:sp>
         <p:sp>
@@ -25019,9 +23674,7 @@
           <p:txBody>
             <a:bodyPr/>
             <a:lstStyle/>
-            <a:p>
-              <a:endParaRPr/>
-            </a:p>
+            <a:p/>
           </p:txBody>
         </p:sp>
         <p:sp>
@@ -25056,9 +23709,7 @@
           <p:txBody>
             <a:bodyPr/>
             <a:lstStyle/>
-            <a:p>
-              <a:endParaRPr/>
-            </a:p>
+            <a:p/>
           </p:txBody>
         </p:sp>
         <p:sp>
@@ -25093,9 +23744,7 @@
           <p:txBody>
             <a:bodyPr/>
             <a:lstStyle/>
-            <a:p>
-              <a:endParaRPr/>
-            </a:p>
+            <a:p/>
           </p:txBody>
         </p:sp>
         <p:sp>
@@ -25130,9 +23779,7 @@
           <p:txBody>
             <a:bodyPr/>
             <a:lstStyle/>
-            <a:p>
-              <a:endParaRPr/>
-            </a:p>
+            <a:p/>
           </p:txBody>
         </p:sp>
         <p:sp>
@@ -25167,9 +23814,7 @@
           <p:txBody>
             <a:bodyPr/>
             <a:lstStyle/>
-            <a:p>
-              <a:endParaRPr/>
-            </a:p>
+            <a:p/>
           </p:txBody>
         </p:sp>
         <p:sp>
@@ -25204,9 +23849,7 @@
           <p:txBody>
             <a:bodyPr/>
             <a:lstStyle/>
-            <a:p>
-              <a:endParaRPr/>
-            </a:p>
+            <a:p/>
           </p:txBody>
         </p:sp>
         <p:sp>
@@ -25241,9 +23884,7 @@
           <p:txBody>
             <a:bodyPr/>
             <a:lstStyle/>
-            <a:p>
-              <a:endParaRPr/>
-            </a:p>
+            <a:p/>
           </p:txBody>
         </p:sp>
         <p:sp>
@@ -25278,9 +23919,7 @@
           <p:txBody>
             <a:bodyPr/>
             <a:lstStyle/>
-            <a:p>
-              <a:endParaRPr/>
-            </a:p>
+            <a:p/>
           </p:txBody>
         </p:sp>
         <p:sp>
@@ -25315,9 +23954,7 @@
           <p:txBody>
             <a:bodyPr/>
             <a:lstStyle/>
-            <a:p>
-              <a:endParaRPr/>
-            </a:p>
+            <a:p/>
           </p:txBody>
         </p:sp>
         <p:sp>
@@ -25352,9 +23989,7 @@
           <p:txBody>
             <a:bodyPr/>
             <a:lstStyle/>
-            <a:p>
-              <a:endParaRPr/>
-            </a:p>
+            <a:p/>
           </p:txBody>
         </p:sp>
         <p:sp>
@@ -25389,9 +24024,7 @@
           <p:txBody>
             <a:bodyPr/>
             <a:lstStyle/>
-            <a:p>
-              <a:endParaRPr/>
-            </a:p>
+            <a:p/>
           </p:txBody>
         </p:sp>
         <p:sp>
@@ -25426,9 +24059,7 @@
           <p:txBody>
             <a:bodyPr/>
             <a:lstStyle/>
-            <a:p>
-              <a:endParaRPr/>
-            </a:p>
+            <a:p/>
           </p:txBody>
         </p:sp>
         <p:sp>
@@ -25463,9 +24094,7 @@
           <p:txBody>
             <a:bodyPr/>
             <a:lstStyle/>
-            <a:p>
-              <a:endParaRPr/>
-            </a:p>
+            <a:p/>
           </p:txBody>
         </p:sp>
         <p:sp>
@@ -25500,9 +24129,7 @@
           <p:txBody>
             <a:bodyPr/>
             <a:lstStyle/>
-            <a:p>
-              <a:endParaRPr/>
-            </a:p>
+            <a:p/>
           </p:txBody>
         </p:sp>
         <p:sp>
@@ -25537,9 +24164,7 @@
           <p:txBody>
             <a:bodyPr/>
             <a:lstStyle/>
-            <a:p>
-              <a:endParaRPr/>
-            </a:p>
+            <a:p/>
           </p:txBody>
         </p:sp>
         <p:sp>
@@ -25574,9 +24199,7 @@
           <p:txBody>
             <a:bodyPr/>
             <a:lstStyle/>
-            <a:p>
-              <a:endParaRPr/>
-            </a:p>
+            <a:p/>
           </p:txBody>
         </p:sp>
         <p:sp>
@@ -25611,9 +24234,7 @@
           <p:txBody>
             <a:bodyPr/>
             <a:lstStyle/>
-            <a:p>
-              <a:endParaRPr/>
-            </a:p>
+            <a:p/>
           </p:txBody>
         </p:sp>
         <p:sp>
@@ -25648,9 +24269,7 @@
           <p:txBody>
             <a:bodyPr/>
             <a:lstStyle/>
-            <a:p>
-              <a:endParaRPr/>
-            </a:p>
+            <a:p/>
           </p:txBody>
         </p:sp>
         <p:sp>
@@ -25685,9 +24304,7 @@
           <p:txBody>
             <a:bodyPr/>
             <a:lstStyle/>
-            <a:p>
-              <a:endParaRPr/>
-            </a:p>
+            <a:p/>
           </p:txBody>
         </p:sp>
         <p:sp>
@@ -25722,9 +24339,7 @@
           <p:txBody>
             <a:bodyPr/>
             <a:lstStyle/>
-            <a:p>
-              <a:endParaRPr/>
-            </a:p>
+            <a:p/>
           </p:txBody>
         </p:sp>
         <p:sp>
@@ -25759,9 +24374,7 @@
           <p:txBody>
             <a:bodyPr/>
             <a:lstStyle/>
-            <a:p>
-              <a:endParaRPr/>
-            </a:p>
+            <a:p/>
           </p:txBody>
         </p:sp>
         <p:sp>
@@ -25796,9 +24409,7 @@
           <p:txBody>
             <a:bodyPr/>
             <a:lstStyle/>
-            <a:p>
-              <a:endParaRPr/>
-            </a:p>
+            <a:p/>
           </p:txBody>
         </p:sp>
         <p:sp>
@@ -25833,9 +24444,7 @@
           <p:txBody>
             <a:bodyPr/>
             <a:lstStyle/>
-            <a:p>
-              <a:endParaRPr/>
-            </a:p>
+            <a:p/>
           </p:txBody>
         </p:sp>
         <p:sp>
@@ -25870,9 +24479,7 @@
           <p:txBody>
             <a:bodyPr/>
             <a:lstStyle/>
-            <a:p>
-              <a:endParaRPr/>
-            </a:p>
+            <a:p/>
           </p:txBody>
         </p:sp>
         <p:sp>
@@ -25907,9 +24514,7 @@
           <p:txBody>
             <a:bodyPr/>
             <a:lstStyle/>
-            <a:p>
-              <a:endParaRPr/>
-            </a:p>
+            <a:p/>
           </p:txBody>
         </p:sp>
         <p:sp>
@@ -25944,9 +24549,7 @@
           <p:txBody>
             <a:bodyPr/>
             <a:lstStyle/>
-            <a:p>
-              <a:endParaRPr/>
-            </a:p>
+            <a:p/>
           </p:txBody>
         </p:sp>
         <p:sp>
@@ -25981,9 +24584,7 @@
           <p:txBody>
             <a:bodyPr/>
             <a:lstStyle/>
-            <a:p>
-              <a:endParaRPr/>
-            </a:p>
+            <a:p/>
           </p:txBody>
         </p:sp>
         <p:sp>
@@ -26018,9 +24619,7 @@
           <p:txBody>
             <a:bodyPr/>
             <a:lstStyle/>
-            <a:p>
-              <a:endParaRPr/>
-            </a:p>
+            <a:p/>
           </p:txBody>
         </p:sp>
         <p:sp>
@@ -26055,9 +24654,7 @@
           <p:txBody>
             <a:bodyPr/>
             <a:lstStyle/>
-            <a:p>
-              <a:endParaRPr/>
-            </a:p>
+            <a:p/>
           </p:txBody>
         </p:sp>
         <p:sp>
@@ -26087,9 +24684,7 @@
           <p:txBody>
             <a:bodyPr/>
             <a:lstStyle/>
-            <a:p>
-              <a:endParaRPr/>
-            </a:p>
+            <a:p/>
           </p:txBody>
         </p:sp>
         <p:sp>
@@ -26109,10 +24704,10 @@
             <a:noFill/>
           </p:spPr>
           <p:txBody>
-            <a:bodyPr wrap="none" lIns="0" tIns="0" rIns="0" bIns="0" anchor="ctr" anchorCtr="1"/>
+            <a:bodyPr lIns="0" rIns="0" tIns="0" bIns="0" anchorCtr="1" anchor="ctr" wrap="none"/>
             <a:lstStyle/>
             <a:p>
-              <a:pPr marL="0" marR="0" indent="0" algn="l">
+              <a:pPr algn="l" marL="0" marR="0" indent="0">
                 <a:lnSpc>
                   <a:spcPts val="880"/>
                 </a:lnSpc>
@@ -26155,10 +24750,10 @@
             <a:noFill/>
           </p:spPr>
           <p:txBody>
-            <a:bodyPr wrap="none" lIns="0" tIns="0" rIns="0" bIns="0" anchor="ctr" anchorCtr="1"/>
+            <a:bodyPr lIns="0" rIns="0" tIns="0" bIns="0" anchorCtr="1" anchor="ctr" wrap="none"/>
             <a:lstStyle/>
             <a:p>
-              <a:pPr marL="0" marR="0" indent="0" algn="l">
+              <a:pPr algn="l" marL="0" marR="0" indent="0">
                 <a:lnSpc>
                   <a:spcPts val="880"/>
                 </a:lnSpc>
@@ -26201,10 +24796,10 @@
             <a:noFill/>
           </p:spPr>
           <p:txBody>
-            <a:bodyPr wrap="none" lIns="0" tIns="0" rIns="0" bIns="0" anchor="ctr" anchorCtr="1"/>
+            <a:bodyPr lIns="0" rIns="0" tIns="0" bIns="0" anchorCtr="1" anchor="ctr" wrap="none"/>
             <a:lstStyle/>
             <a:p>
-              <a:pPr marL="0" marR="0" indent="0" algn="l">
+              <a:pPr algn="l" marL="0" marR="0" indent="0">
                 <a:lnSpc>
                   <a:spcPts val="880"/>
                 </a:lnSpc>
@@ -26247,10 +24842,10 @@
             <a:noFill/>
           </p:spPr>
           <p:txBody>
-            <a:bodyPr wrap="none" lIns="0" tIns="0" rIns="0" bIns="0" anchor="ctr" anchorCtr="1"/>
+            <a:bodyPr lIns="0" rIns="0" tIns="0" bIns="0" anchorCtr="1" anchor="ctr" wrap="none"/>
             <a:lstStyle/>
             <a:p>
-              <a:pPr marL="0" marR="0" indent="0" algn="l">
+              <a:pPr algn="l" marL="0" marR="0" indent="0">
                 <a:lnSpc>
                   <a:spcPts val="880"/>
                 </a:lnSpc>
@@ -26293,10 +24888,10 @@
             <a:noFill/>
           </p:spPr>
           <p:txBody>
-            <a:bodyPr wrap="none" lIns="0" tIns="0" rIns="0" bIns="0" anchor="ctr" anchorCtr="1"/>
+            <a:bodyPr lIns="0" rIns="0" tIns="0" bIns="0" anchorCtr="1" anchor="ctr" wrap="none"/>
             <a:lstStyle/>
             <a:p>
-              <a:pPr marL="0" marR="0" indent="0" algn="l">
+              <a:pPr algn="l" marL="0" marR="0" indent="0">
                 <a:lnSpc>
                   <a:spcPts val="880"/>
                 </a:lnSpc>
@@ -26339,10 +24934,10 @@
             <a:noFill/>
           </p:spPr>
           <p:txBody>
-            <a:bodyPr wrap="none" lIns="0" tIns="0" rIns="0" bIns="0" anchor="ctr" anchorCtr="1"/>
+            <a:bodyPr lIns="0" rIns="0" tIns="0" bIns="0" anchorCtr="1" anchor="ctr" wrap="none"/>
             <a:lstStyle/>
             <a:p>
-              <a:pPr marL="0" marR="0" indent="0" algn="l">
+              <a:pPr algn="l" marL="0" marR="0" indent="0">
                 <a:lnSpc>
                   <a:spcPts val="880"/>
                 </a:lnSpc>
@@ -26381,12 +24976,8 @@
             </a:xfrm>
             <a:custGeom>
               <a:avLst/>
-              <a:gdLst/>
-              <a:ahLst/>
-              <a:cxnLst/>
-              <a:rect l="0" t="0" r="0" b="0"/>
               <a:pathLst>
-                <a:path w="34794">
+                <a:path w="34794" h="0">
                   <a:moveTo>
                     <a:pt x="0" y="0"/>
                   </a:moveTo>
@@ -26409,9 +25000,7 @@
           <p:txBody>
             <a:bodyPr/>
             <a:lstStyle/>
-            <a:p>
-              <a:endParaRPr/>
-            </a:p>
+            <a:p/>
           </p:txBody>
         </p:sp>
         <p:sp>
@@ -26427,12 +25016,8 @@
             </a:xfrm>
             <a:custGeom>
               <a:avLst/>
-              <a:gdLst/>
-              <a:ahLst/>
-              <a:cxnLst/>
-              <a:rect l="0" t="0" r="0" b="0"/>
               <a:pathLst>
-                <a:path w="34794">
+                <a:path w="34794" h="0">
                   <a:moveTo>
                     <a:pt x="0" y="0"/>
                   </a:moveTo>
@@ -26455,9 +25040,7 @@
           <p:txBody>
             <a:bodyPr/>
             <a:lstStyle/>
-            <a:p>
-              <a:endParaRPr/>
-            </a:p>
+            <a:p/>
           </p:txBody>
         </p:sp>
         <p:sp>
@@ -26473,12 +25056,8 @@
             </a:xfrm>
             <a:custGeom>
               <a:avLst/>
-              <a:gdLst/>
-              <a:ahLst/>
-              <a:cxnLst/>
-              <a:rect l="0" t="0" r="0" b="0"/>
               <a:pathLst>
-                <a:path w="34794">
+                <a:path w="34794" h="0">
                   <a:moveTo>
                     <a:pt x="0" y="0"/>
                   </a:moveTo>
@@ -26501,9 +25080,7 @@
           <p:txBody>
             <a:bodyPr/>
             <a:lstStyle/>
-            <a:p>
-              <a:endParaRPr/>
-            </a:p>
+            <a:p/>
           </p:txBody>
         </p:sp>
         <p:sp>
@@ -26519,12 +25096,8 @@
             </a:xfrm>
             <a:custGeom>
               <a:avLst/>
-              <a:gdLst/>
-              <a:ahLst/>
-              <a:cxnLst/>
-              <a:rect l="0" t="0" r="0" b="0"/>
               <a:pathLst>
-                <a:path w="34794">
+                <a:path w="34794" h="0">
                   <a:moveTo>
                     <a:pt x="0" y="0"/>
                   </a:moveTo>
@@ -26547,9 +25120,7 @@
           <p:txBody>
             <a:bodyPr/>
             <a:lstStyle/>
-            <a:p>
-              <a:endParaRPr/>
-            </a:p>
+            <a:p/>
           </p:txBody>
         </p:sp>
         <p:sp>
@@ -26565,12 +25136,8 @@
             </a:xfrm>
             <a:custGeom>
               <a:avLst/>
-              <a:gdLst/>
-              <a:ahLst/>
-              <a:cxnLst/>
-              <a:rect l="0" t="0" r="0" b="0"/>
               <a:pathLst>
-                <a:path w="34794">
+                <a:path w="34794" h="0">
                   <a:moveTo>
                     <a:pt x="0" y="0"/>
                   </a:moveTo>
@@ -26593,9 +25160,7 @@
           <p:txBody>
             <a:bodyPr/>
             <a:lstStyle/>
-            <a:p>
-              <a:endParaRPr/>
-            </a:p>
+            <a:p/>
           </p:txBody>
         </p:sp>
         <p:sp>
@@ -26611,12 +25176,8 @@
             </a:xfrm>
             <a:custGeom>
               <a:avLst/>
-              <a:gdLst/>
-              <a:ahLst/>
-              <a:cxnLst/>
-              <a:rect l="0" t="0" r="0" b="0"/>
               <a:pathLst>
-                <a:path w="34794">
+                <a:path w="34794" h="0">
                   <a:moveTo>
                     <a:pt x="0" y="0"/>
                   </a:moveTo>
@@ -26639,9 +25200,7 @@
           <p:txBody>
             <a:bodyPr/>
             <a:lstStyle/>
-            <a:p>
-              <a:endParaRPr/>
-            </a:p>
+            <a:p/>
           </p:txBody>
         </p:sp>
         <p:sp>
@@ -26657,12 +25216,8 @@
             </a:xfrm>
             <a:custGeom>
               <a:avLst/>
-              <a:gdLst/>
-              <a:ahLst/>
-              <a:cxnLst/>
-              <a:rect l="0" t="0" r="0" b="0"/>
               <a:pathLst>
-                <a:path h="34794">
+                <a:path w="0" h="34794">
                   <a:moveTo>
                     <a:pt x="0" y="34794"/>
                   </a:moveTo>
@@ -26685,9 +25240,7 @@
           <p:txBody>
             <a:bodyPr/>
             <a:lstStyle/>
-            <a:p>
-              <a:endParaRPr/>
-            </a:p>
+            <a:p/>
           </p:txBody>
         </p:sp>
         <p:sp>
@@ -26703,12 +25256,8 @@
             </a:xfrm>
             <a:custGeom>
               <a:avLst/>
-              <a:gdLst/>
-              <a:ahLst/>
-              <a:cxnLst/>
-              <a:rect l="0" t="0" r="0" b="0"/>
               <a:pathLst>
-                <a:path h="34794">
+                <a:path w="0" h="34794">
                   <a:moveTo>
                     <a:pt x="0" y="34794"/>
                   </a:moveTo>
@@ -26731,9 +25280,7 @@
           <p:txBody>
             <a:bodyPr/>
             <a:lstStyle/>
-            <a:p>
-              <a:endParaRPr/>
-            </a:p>
+            <a:p/>
           </p:txBody>
         </p:sp>
         <p:sp>
@@ -26749,12 +25296,8 @@
             </a:xfrm>
             <a:custGeom>
               <a:avLst/>
-              <a:gdLst/>
-              <a:ahLst/>
-              <a:cxnLst/>
-              <a:rect l="0" t="0" r="0" b="0"/>
               <a:pathLst>
-                <a:path h="34794">
+                <a:path w="0" h="34794">
                   <a:moveTo>
                     <a:pt x="0" y="34794"/>
                   </a:moveTo>
@@ -26777,9 +25320,7 @@
           <p:txBody>
             <a:bodyPr/>
             <a:lstStyle/>
-            <a:p>
-              <a:endParaRPr/>
-            </a:p>
+            <a:p/>
           </p:txBody>
         </p:sp>
         <p:sp>
@@ -26795,12 +25336,8 @@
             </a:xfrm>
             <a:custGeom>
               <a:avLst/>
-              <a:gdLst/>
-              <a:ahLst/>
-              <a:cxnLst/>
-              <a:rect l="0" t="0" r="0" b="0"/>
               <a:pathLst>
-                <a:path h="34794">
+                <a:path w="0" h="34794">
                   <a:moveTo>
                     <a:pt x="0" y="34794"/>
                   </a:moveTo>
@@ -26823,9 +25360,7 @@
           <p:txBody>
             <a:bodyPr/>
             <a:lstStyle/>
-            <a:p>
-              <a:endParaRPr/>
-            </a:p>
+            <a:p/>
           </p:txBody>
         </p:sp>
         <p:sp>
@@ -26845,10 +25380,10 @@
             <a:noFill/>
           </p:spPr>
           <p:txBody>
-            <a:bodyPr wrap="none" lIns="0" tIns="0" rIns="0" bIns="0" anchor="ctr" anchorCtr="1"/>
+            <a:bodyPr lIns="0" rIns="0" tIns="0" bIns="0" anchorCtr="1" anchor="ctr" wrap="none"/>
             <a:lstStyle/>
             <a:p>
-              <a:pPr marL="0" marR="0" indent="0" algn="l">
+              <a:pPr algn="l" marL="0" marR="0" indent="0">
                 <a:lnSpc>
                   <a:spcPts val="880"/>
                 </a:lnSpc>
@@ -26891,10 +25426,10 @@
             <a:noFill/>
           </p:spPr>
           <p:txBody>
-            <a:bodyPr wrap="none" lIns="0" tIns="0" rIns="0" bIns="0" anchor="ctr" anchorCtr="1"/>
+            <a:bodyPr lIns="0" rIns="0" tIns="0" bIns="0" anchorCtr="1" anchor="ctr" wrap="none"/>
             <a:lstStyle/>
             <a:p>
-              <a:pPr marL="0" marR="0" indent="0" algn="l">
+              <a:pPr algn="l" marL="0" marR="0" indent="0">
                 <a:lnSpc>
                   <a:spcPts val="880"/>
                 </a:lnSpc>
@@ -26937,10 +25472,10 @@
             <a:noFill/>
           </p:spPr>
           <p:txBody>
-            <a:bodyPr wrap="none" lIns="0" tIns="0" rIns="0" bIns="0" anchor="ctr" anchorCtr="1"/>
+            <a:bodyPr lIns="0" rIns="0" tIns="0" bIns="0" anchorCtr="1" anchor="ctr" wrap="none"/>
             <a:lstStyle/>
             <a:p>
-              <a:pPr marL="0" marR="0" indent="0" algn="l">
+              <a:pPr algn="l" marL="0" marR="0" indent="0">
                 <a:lnSpc>
                   <a:spcPts val="880"/>
                 </a:lnSpc>
@@ -26983,10 +25518,10 @@
             <a:noFill/>
           </p:spPr>
           <p:txBody>
-            <a:bodyPr wrap="none" lIns="0" tIns="0" rIns="0" bIns="0" anchor="ctr" anchorCtr="1"/>
+            <a:bodyPr lIns="0" rIns="0" tIns="0" bIns="0" anchorCtr="1" anchor="ctr" wrap="none"/>
             <a:lstStyle/>
             <a:p>
-              <a:pPr marL="0" marR="0" indent="0" algn="l">
+              <a:pPr algn="l" marL="0" marR="0" indent="0">
                 <a:lnSpc>
                   <a:spcPts val="880"/>
                 </a:lnSpc>
@@ -27029,10 +25564,10 @@
             <a:noFill/>
           </p:spPr>
           <p:txBody>
-            <a:bodyPr wrap="none" lIns="0" tIns="0" rIns="0" bIns="0" anchor="ctr" anchorCtr="1"/>
+            <a:bodyPr lIns="0" rIns="0" tIns="0" bIns="0" anchorCtr="1" anchor="ctr" wrap="none"/>
             <a:lstStyle/>
             <a:p>
-              <a:pPr marL="0" marR="0" indent="0" algn="l">
+              <a:pPr algn="l" marL="0" marR="0" indent="0">
                 <a:lnSpc>
                   <a:spcPts val="1100"/>
                 </a:lnSpc>
@@ -27075,10 +25610,10 @@
             <a:noFill/>
           </p:spPr>
           <p:txBody>
-            <a:bodyPr wrap="none" lIns="0" tIns="0" rIns="0" bIns="0" anchor="ctr" anchorCtr="1"/>
+            <a:bodyPr lIns="0" rIns="0" tIns="0" bIns="0" anchorCtr="1" anchor="ctr" wrap="none"/>
             <a:lstStyle/>
             <a:p>
-              <a:pPr marL="0" marR="0" indent="0" algn="l">
+              <a:pPr algn="l" marL="0" marR="0" indent="0">
                 <a:lnSpc>
                   <a:spcPts val="1100"/>
                 </a:lnSpc>
@@ -27127,9 +25662,7 @@
           <p:txBody>
             <a:bodyPr/>
             <a:lstStyle/>
-            <a:p>
-              <a:endParaRPr/>
-            </a:p>
+            <a:p/>
           </p:txBody>
         </p:sp>
         <p:sp>
@@ -27155,9 +25688,7 @@
           <p:txBody>
             <a:bodyPr/>
             <a:lstStyle/>
-            <a:p>
-              <a:endParaRPr/>
-            </a:p>
+            <a:p/>
           </p:txBody>
         </p:sp>
         <p:sp>
@@ -27192,9 +25723,7 @@
           <p:txBody>
             <a:bodyPr/>
             <a:lstStyle/>
-            <a:p>
-              <a:endParaRPr/>
-            </a:p>
+            <a:p/>
           </p:txBody>
         </p:sp>
         <p:sp>
@@ -27220,9 +25749,7 @@
           <p:txBody>
             <a:bodyPr/>
             <a:lstStyle/>
-            <a:p>
-              <a:endParaRPr/>
-            </a:p>
+            <a:p/>
           </p:txBody>
         </p:sp>
         <p:sp>
@@ -27257,9 +25784,7 @@
           <p:txBody>
             <a:bodyPr/>
             <a:lstStyle/>
-            <a:p>
-              <a:endParaRPr/>
-            </a:p>
+            <a:p/>
           </p:txBody>
         </p:sp>
         <p:sp>
@@ -27285,9 +25810,7 @@
           <p:txBody>
             <a:bodyPr/>
             <a:lstStyle/>
-            <a:p>
-              <a:endParaRPr/>
-            </a:p>
+            <a:p/>
           </p:txBody>
         </p:sp>
         <p:sp>
@@ -27322,9 +25845,7 @@
           <p:txBody>
             <a:bodyPr/>
             <a:lstStyle/>
-            <a:p>
-              <a:endParaRPr/>
-            </a:p>
+            <a:p/>
           </p:txBody>
         </p:sp>
         <p:sp>
@@ -27344,10 +25865,10 @@
             <a:noFill/>
           </p:spPr>
           <p:txBody>
-            <a:bodyPr wrap="none" lIns="0" tIns="0" rIns="0" bIns="0" anchor="ctr" anchorCtr="1"/>
+            <a:bodyPr lIns="0" rIns="0" tIns="0" bIns="0" anchorCtr="1" anchor="ctr" wrap="none"/>
             <a:lstStyle/>
             <a:p>
-              <a:pPr marL="0" marR="0" indent="0" algn="l">
+              <a:pPr algn="l" marL="0" marR="0" indent="0">
                 <a:lnSpc>
                   <a:spcPts val="880"/>
                 </a:lnSpc>
@@ -27390,10 +25911,10 @@
             <a:noFill/>
           </p:spPr>
           <p:txBody>
-            <a:bodyPr wrap="none" lIns="0" tIns="0" rIns="0" bIns="0" anchor="ctr" anchorCtr="1"/>
+            <a:bodyPr lIns="0" rIns="0" tIns="0" bIns="0" anchorCtr="1" anchor="ctr" wrap="none"/>
             <a:lstStyle/>
             <a:p>
-              <a:pPr marL="0" marR="0" indent="0" algn="l">
+              <a:pPr algn="l" marL="0" marR="0" indent="0">
                 <a:lnSpc>
                   <a:spcPts val="880"/>
                 </a:lnSpc>
@@ -27436,10 +25957,10 @@
             <a:noFill/>
           </p:spPr>
           <p:txBody>
-            <a:bodyPr wrap="none" lIns="0" tIns="0" rIns="0" bIns="0" anchor="ctr" anchorCtr="1"/>
+            <a:bodyPr lIns="0" rIns="0" tIns="0" bIns="0" anchorCtr="1" anchor="ctr" wrap="none"/>
             <a:lstStyle/>
             <a:p>
-              <a:pPr marL="0" marR="0" indent="0" algn="l">
+              <a:pPr algn="l" marL="0" marR="0" indent="0">
                 <a:lnSpc>
                   <a:spcPts val="880"/>
                 </a:lnSpc>
@@ -27482,10 +26003,10 @@
             <a:noFill/>
           </p:spPr>
           <p:txBody>
-            <a:bodyPr wrap="none" lIns="0" tIns="0" rIns="0" bIns="0" anchor="ctr" anchorCtr="1"/>
+            <a:bodyPr lIns="0" rIns="0" tIns="0" bIns="0" anchorCtr="1" anchor="ctr" wrap="none"/>
             <a:lstStyle/>
             <a:p>
-              <a:pPr marL="0" marR="0" indent="0" algn="l">
+              <a:pPr algn="l" marL="0" marR="0" indent="0">
                 <a:lnSpc>
                   <a:spcPts val="1100"/>
                 </a:lnSpc>
@@ -27528,10 +26049,10 @@
             <a:noFill/>
           </p:spPr>
           <p:txBody>
-            <a:bodyPr wrap="none" lIns="0" tIns="0" rIns="0" bIns="0" anchor="ctr" anchorCtr="1"/>
+            <a:bodyPr lIns="0" rIns="0" tIns="0" bIns="0" anchorCtr="1" anchor="ctr" wrap="none"/>
             <a:lstStyle/>
             <a:p>
-              <a:pPr marL="0" marR="0" indent="0" algn="l">
+              <a:pPr algn="l" marL="0" marR="0" indent="0">
                 <a:lnSpc>
                   <a:spcPts val="1320"/>
                 </a:lnSpc>
@@ -27558,7 +26079,7 @@
           </p:txBody>
         </p:sp>
       </p:grpSp>
-      <p:sp>
+      <p:sp xmlns:a="http://schemas.openxmlformats.org/drawingml/2006/main" xmlns:r="http://schemas.openxmlformats.org/officeDocument/2006/relationships" xmlns:p="http://schemas.openxmlformats.org/presentationml/2006/main">
         <p:nvSpPr>
           <p:cNvPr id="211" name="page_number"/>
           <p:cNvSpPr>
@@ -27579,6 +26100,7 @@
           <a:lstStyle/>
           <a:p>
             <a:r>
+              <a:rPr/>
               <a:t>3</a:t>
             </a:r>
           </a:p>
@@ -27609,7 +26131,7 @@
           <a:chExt cx="0" cy="0"/>
         </a:xfrm>
       </p:grpSpPr>
-      <p:sp>
+      <p:sp xmlns:a="http://schemas.openxmlformats.org/drawingml/2006/main" xmlns:r="http://schemas.openxmlformats.org/officeDocument/2006/relationships" xmlns:p="http://schemas.openxmlformats.org/presentationml/2006/main">
         <p:nvSpPr>
           <p:cNvPr id="2" name="num"/>
           <p:cNvSpPr>
@@ -27630,12 +26152,13 @@
           <a:lstStyle/>
           <a:p>
             <a:r>
+              <a:rPr/>
               <a:t>2.4</a:t>
             </a:r>
           </a:p>
         </p:txBody>
       </p:sp>
-      <p:sp>
+      <p:sp xmlns:a="http://schemas.openxmlformats.org/drawingml/2006/main" xmlns:r="http://schemas.openxmlformats.org/officeDocument/2006/relationships" xmlns:p="http://schemas.openxmlformats.org/presentationml/2006/main">
         <p:nvSpPr>
           <p:cNvPr id="3" name="header"/>
           <p:cNvSpPr>
@@ -27656,12 +26179,13 @@
           <a:lstStyle/>
           <a:p>
             <a:r>
+              <a:rPr/>
               <a:t>זאת אחלה של כותרת משנה, אני ממש חושב שהיא שנונה וגאונית</a:t>
             </a:r>
           </a:p>
         </p:txBody>
       </p:sp>
-      <p:sp>
+      <p:sp xmlns:a="http://schemas.openxmlformats.org/drawingml/2006/main" xmlns:r="http://schemas.openxmlformats.org/officeDocument/2006/relationships" xmlns:p="http://schemas.openxmlformats.org/presentationml/2006/main">
         <p:nvSpPr>
           <p:cNvPr id="4" name="text"/>
           <p:cNvSpPr>
@@ -27682,12 +26206,13 @@
           <a:lstStyle/>
           <a:p>
             <a:r>
+              <a:rPr/>
               <a:t>השרה מתחה גם ביקורת על השיח הציבורי בנוששנות את השיח, אני חייבת לומר כבת הקהילה שזה כל כך לא הוגן כלפי קהילה שלמה לתת לנו להרג שכביכול יש לנו איזה אקדח על פרים מסתיימים, אמרה.אני לא זוכרת מעקב כזה על עולים מאף מדינה אחרת. לצד זה, הדאגה שלי היא שיעלו יהודים לישראל. אני חושבת שכל עוד המדינה לא לקחה אחריות על הרשימות שהיו במחנות ועל זה שפוצלו משפחות באופן גס, צריך לפתור את זה. זה פשע. אני פוגשת אימהות, אין לי מה לומרלהם,20שנהלתהילדים שלהם- שנתיים של מגפה עולמית שבה למרות כל הקשיים והסגרים והמגבלות, עמדת מול גורמי הבריאות שביקשו לא להכניס ארצה בכלל שום אנשים שהםלא אזרחי המדינה והצלחת בכל זאת להמשיך את העלייה לישראל. איך מה שקודם עמד לנגד עיניי זה התמונות ההיסטוריות, אפילו מלפני קום המדינה, המעפילים שהגיעו ארצה בדרך לא דרך, עליות קשות של אנשים שצעדו ממדינות ועברו מדבריות, כולל אני שעשיתי מסע. בעיניי אין שום משבר בעולם שיכול לעצור עליית יהודים או יהודי שרוצה להגיע הביתה לישראל ושהשערים יהיו סגורים. זה עיקרון בסיסי והממשלה הסכימה איתי. נכון, כשנכנסתי לתפקיד הייתי איזו מדיניות שקטה של עיכוב העלייה, וזה משהו שלא יכולתי לקבל אותו והבאנו את זה לשולחן הממשלה - וגם לממשלה הנוכחית זה היה ברור מאליו עם כל הקשיים והאתגרים שאנחנו נייצר את המתווים הירוקים כךשכליהודישירצהלהגיע והוא בריא, עם הבדיקות הנדרשות, יוכל להגיע לישראל סיבה שאנשים בכלל עלו דווקא בזמן הקורונה אנשים נורמטיביים. אוו רגעים שלא הצטיינו במיוחד. למה הם הגיעו? אני יכולה להגיד לכן שהתשובה העיקרית היא ציונות. לא כדי להיטיב עם עצמם, אנשים יכלו ללכת לכל מדינה אחרת, אבל היהודים בוחרים לבוא הביתה לישראל מהסיבה הפשוטה שבתקופת הקורונה רבים הרגישו שמה שמובן מאליו הוא לא מובן מאליו יותר. הרגישו שהחיים מתערערים ושזה הזמן להגשים חלום. לכן אנחנו רואים גם קפיצה משמעותית השנה, גידול של 30 אחוזים בכמות העולים שהגיעו מתחילת השנה ביחס למה שהיה בשנה הקודמת, וזה מרגש. שלוש השנים האחרונות עלו יותר מ-80 אלף עולים. זאת עיר גדולה במדינת ישר</a:t>
             </a:r>
           </a:p>
         </p:txBody>
       </p:sp>
-      <p:sp>
+      <p:sp xmlns:a="http://schemas.openxmlformats.org/drawingml/2006/main" xmlns:r="http://schemas.openxmlformats.org/officeDocument/2006/relationships" xmlns:p="http://schemas.openxmlformats.org/presentationml/2006/main">
         <p:nvSpPr>
           <p:cNvPr id="5" name="page_number"/>
           <p:cNvSpPr>
@@ -27708,6 +26233,7 @@
           <a:lstStyle/>
           <a:p>
             <a:r>
+              <a:rPr/>
               <a:t>4</a:t>
             </a:r>
           </a:p>

--- a/pptx_from_R_123.pptx
+++ b/pptx_from_R_123.pptx
@@ -15,6 +15,7 @@
     <p:sldId id="260" r:id="rId12"/>
     <p:sldId id="261" r:id="rId13"/>
     <p:sldId id="262" r:id="rId14"/>
+    <p:sldId id="263" r:id="rId15"/>
   </p:sldIdLst>
   <p:sldSz cx="12192000" cy="6858000"/>
   <p:notesSz cx="6858000" cy="9144000"/>
@@ -113,6 +114,11 @@
       </a:defRPr>
     </a:lvl9pPr>
   </p:defaultTextStyle>
+  <p:extLst>
+    <p:ext uri="{EFAFB233-063F-42B5-8137-9DF3F51BA10A}">
+      <p15:sldGuideLst xmlns:p15="http://schemas.microsoft.com/office/powerpoint/2012/main"/>
+    </p:ext>
+  </p:extLst>
 </p:presentation>
 </file>
 
@@ -198,7 +204,7 @@
           <a:p>
             <a:fld id="{FDD5AD1A-A3D3-BC42-AD03-7C3A9910604D}" type="datetimeFigureOut">
               <a:rPr lang="en-IL" smtClean="0"/>
-              <a:t>18/10/2021</a:t>
+              <a:t>20/10/2021</a:t>
             </a:fld>
             <a:endParaRPr lang="en-IL"/>
           </a:p>
@@ -2487,6 +2493,443 @@
 </p:sldLayout>
 </file>
 
+<file path=ppt/slideLayouts/slideLayout8.xml><?xml version="1.0" encoding="utf-8"?>
+<p:sldLayout xmlns:a="http://schemas.openxmlformats.org/drawingml/2006/main" xmlns:r="http://schemas.openxmlformats.org/officeDocument/2006/relationships" xmlns:p="http://schemas.openxmlformats.org/presentationml/2006/main" preserve="1" userDrawn="1">
+  <p:cSld name="layout_full_plot_with_text">
+    <p:spTree>
+      <p:nvGrpSpPr>
+        <p:cNvPr id="1" name=""/>
+        <p:cNvGrpSpPr/>
+        <p:nvPr/>
+      </p:nvGrpSpPr>
+      <p:grpSpPr>
+        <a:xfrm>
+          <a:off x="0" y="0"/>
+          <a:ext cx="0" cy="0"/>
+          <a:chOff x="0" y="0"/>
+          <a:chExt cx="0" cy="0"/>
+        </a:xfrm>
+      </p:grpSpPr>
+      <p:sp>
+        <p:nvSpPr>
+          <p:cNvPr id="9" name="line">
+            <a:extLst>
+              <a:ext uri="{FF2B5EF4-FFF2-40B4-BE49-F238E27FC236}">
+                <a16:creationId xmlns:a16="http://schemas.microsoft.com/office/drawing/2014/main" id="{C7AD5482-5C49-A543-B5AB-3602B721425E}"/>
+              </a:ext>
+            </a:extLst>
+          </p:cNvPr>
+          <p:cNvSpPr/>
+          <p:nvPr userDrawn="1"/>
+        </p:nvSpPr>
+        <p:spPr>
+          <a:xfrm>
+            <a:off x="334963" y="822325"/>
+            <a:ext cx="11522075" cy="50800"/>
+          </a:xfrm>
+          <a:prstGeom prst="rect">
+            <a:avLst/>
+          </a:prstGeom>
+        </p:spPr>
+        <p:style>
+          <a:lnRef idx="2">
+            <a:schemeClr val="accent1">
+              <a:shade val="50000"/>
+            </a:schemeClr>
+          </a:lnRef>
+          <a:fillRef idx="1">
+            <a:schemeClr val="accent1"/>
+          </a:fillRef>
+          <a:effectRef idx="0">
+            <a:schemeClr val="accent1"/>
+          </a:effectRef>
+          <a:fontRef idx="minor">
+            <a:schemeClr val="lt1"/>
+          </a:fontRef>
+        </p:style>
+        <p:txBody>
+          <a:bodyPr rtlCol="0" anchor="ctr"/>
+          <a:lstStyle/>
+          <a:p>
+            <a:pPr algn="ctr"/>
+            <a:endParaRPr lang="en-IL"/>
+          </a:p>
+        </p:txBody>
+      </p:sp>
+      <p:sp>
+        <p:nvSpPr>
+          <p:cNvPr id="13" name="plot">
+            <a:extLst>
+              <a:ext uri="{FF2B5EF4-FFF2-40B4-BE49-F238E27FC236}">
+                <a16:creationId xmlns:a16="http://schemas.microsoft.com/office/drawing/2014/main" id="{4A76181B-4DA1-AD48-B588-6B5F665F0852}"/>
+              </a:ext>
+            </a:extLst>
+          </p:cNvPr>
+          <p:cNvSpPr>
+            <a:spLocks noGrp="1"/>
+          </p:cNvSpPr>
+          <p:nvPr>
+            <p:ph type="pic" sz="quarter" idx="11"/>
+          </p:nvPr>
+        </p:nvSpPr>
+        <p:spPr>
+          <a:xfrm>
+            <a:off x="334963" y="2268882"/>
+            <a:ext cx="11522075" cy="4255743"/>
+          </a:xfrm>
+        </p:spPr>
+        <p:txBody>
+          <a:bodyPr/>
+          <a:lstStyle/>
+          <a:p>
+            <a:pPr marL="0" indent="0" algn="l" defTabSz="914400" rtl="0" eaLnBrk="1" latinLnBrk="0" hangingPunct="1">
+              <a:lnSpc>
+                <a:spcPct val="90000"/>
+              </a:lnSpc>
+              <a:spcBef>
+                <a:spcPts val="1000"/>
+              </a:spcBef>
+              <a:buFont typeface="Arial" panose="020B0604020202020204" pitchFamily="34" charset="0"/>
+              <a:buNone/>
+            </a:pPr>
+            <a:endParaRPr lang="en-IL"/>
+          </a:p>
+        </p:txBody>
+      </p:sp>
+      <p:sp>
+        <p:nvSpPr>
+          <p:cNvPr id="18" name="title_text">
+            <a:extLst>
+              <a:ext uri="{FF2B5EF4-FFF2-40B4-BE49-F238E27FC236}">
+                <a16:creationId xmlns:a16="http://schemas.microsoft.com/office/drawing/2014/main" id="{3CC5A938-AF1B-024B-BDC1-849901ED11C0}"/>
+              </a:ext>
+            </a:extLst>
+          </p:cNvPr>
+          <p:cNvSpPr>
+            <a:spLocks noGrp="1"/>
+          </p:cNvSpPr>
+          <p:nvPr>
+            <p:ph type="body" sz="quarter" idx="12"/>
+          </p:nvPr>
+        </p:nvSpPr>
+        <p:spPr>
+          <a:xfrm>
+            <a:off x="334963" y="974725"/>
+            <a:ext cx="11522075" cy="500063"/>
+          </a:xfrm>
+        </p:spPr>
+        <p:txBody>
+          <a:bodyPr lIns="0" tIns="0" rIns="0" bIns="0"/>
+          <a:lstStyle>
+            <a:lvl1pPr algn="r">
+              <a:defRPr b="1"/>
+            </a:lvl1pPr>
+          </a:lstStyle>
+          <a:p>
+            <a:pPr marL="0" lvl="0" indent="0" algn="l" defTabSz="914400" rtl="0" eaLnBrk="1" latinLnBrk="0" hangingPunct="1">
+              <a:lnSpc>
+                <a:spcPct val="90000"/>
+              </a:lnSpc>
+              <a:spcBef>
+                <a:spcPts val="1000"/>
+              </a:spcBef>
+              <a:buFont typeface="Arial" panose="020B0604020202020204" pitchFamily="34" charset="0"/>
+              <a:buNone/>
+            </a:pPr>
+            <a:endParaRPr lang="en-IL" dirty="0"/>
+          </a:p>
+        </p:txBody>
+      </p:sp>
+      <p:sp>
+        <p:nvSpPr>
+          <p:cNvPr id="8" name="num">
+            <a:extLst>
+              <a:ext uri="{FF2B5EF4-FFF2-40B4-BE49-F238E27FC236}">
+                <a16:creationId xmlns:a16="http://schemas.microsoft.com/office/drawing/2014/main" id="{3570499E-609F-EC49-A518-B9B5D8123A90}"/>
+              </a:ext>
+            </a:extLst>
+          </p:cNvPr>
+          <p:cNvSpPr>
+            <a:spLocks noGrp="1"/>
+          </p:cNvSpPr>
+          <p:nvPr>
+            <p:ph type="body" sz="quarter" idx="10" hasCustomPrompt="1"/>
+          </p:nvPr>
+        </p:nvSpPr>
+        <p:spPr>
+          <a:xfrm>
+            <a:off x="10637838" y="333375"/>
+            <a:ext cx="1219200" cy="488950"/>
+          </a:xfrm>
+        </p:spPr>
+        <p:txBody>
+          <a:bodyPr lIns="0" tIns="0" rIns="0" bIns="0"/>
+          <a:lstStyle>
+            <a:lvl1pPr algn="r">
+              <a:defRPr b="1">
+                <a:solidFill>
+                  <a:schemeClr val="accent1"/>
+                </a:solidFill>
+              </a:defRPr>
+            </a:lvl1pPr>
+          </a:lstStyle>
+          <a:p>
+            <a:pPr lvl="0"/>
+            <a:r>
+              <a:rPr lang="en-US" dirty="0"/>
+              <a:t>num</a:t>
+            </a:r>
+            <a:endParaRPr lang="en-IL" dirty="0"/>
+          </a:p>
+        </p:txBody>
+      </p:sp>
+      <p:sp>
+        <p:nvSpPr>
+          <p:cNvPr id="23" name="box">
+            <a:extLst>
+              <a:ext uri="{FF2B5EF4-FFF2-40B4-BE49-F238E27FC236}">
+                <a16:creationId xmlns:a16="http://schemas.microsoft.com/office/drawing/2014/main" id="{857EFE2E-E44E-AF44-8141-1D1C4D7DC626}"/>
+              </a:ext>
+            </a:extLst>
+          </p:cNvPr>
+          <p:cNvSpPr/>
+          <p:nvPr userDrawn="1"/>
+        </p:nvSpPr>
+        <p:spPr>
+          <a:xfrm>
+            <a:off x="-20409" y="6610260"/>
+            <a:ext cx="646801" cy="192207"/>
+          </a:xfrm>
+          <a:prstGeom prst="rect">
+            <a:avLst/>
+          </a:prstGeom>
+        </p:spPr>
+        <p:style>
+          <a:lnRef idx="2">
+            <a:schemeClr val="accent1">
+              <a:shade val="50000"/>
+            </a:schemeClr>
+          </a:lnRef>
+          <a:fillRef idx="1">
+            <a:schemeClr val="accent1"/>
+          </a:fillRef>
+          <a:effectRef idx="0">
+            <a:schemeClr val="accent1"/>
+          </a:effectRef>
+          <a:fontRef idx="minor">
+            <a:schemeClr val="lt1"/>
+          </a:fontRef>
+        </p:style>
+        <p:txBody>
+          <a:bodyPr rtlCol="0" anchor="ctr"/>
+          <a:lstStyle/>
+          <a:p>
+            <a:pPr marL="0" algn="ctr" defTabSz="914400" rtl="1" eaLnBrk="1" latinLnBrk="0" hangingPunct="1"/>
+            <a:endParaRPr lang="en-IL"/>
+          </a:p>
+        </p:txBody>
+      </p:sp>
+      <p:sp>
+        <p:nvSpPr>
+          <p:cNvPr id="24" name="page_number">
+            <a:extLst>
+              <a:ext uri="{FF2B5EF4-FFF2-40B4-BE49-F238E27FC236}">
+                <a16:creationId xmlns:a16="http://schemas.microsoft.com/office/drawing/2014/main" id="{8DDCF2EC-570E-2244-84E1-9EEF7B8BDA20}"/>
+              </a:ext>
+            </a:extLst>
+          </p:cNvPr>
+          <p:cNvSpPr>
+            <a:spLocks noGrp="1"/>
+          </p:cNvSpPr>
+          <p:nvPr>
+            <p:ph type="body" sz="quarter" idx="14"/>
+          </p:nvPr>
+        </p:nvSpPr>
+        <p:spPr>
+          <a:xfrm>
+            <a:off x="52960" y="6578569"/>
+            <a:ext cx="500062" cy="255588"/>
+          </a:xfrm>
+        </p:spPr>
+        <p:txBody>
+          <a:bodyPr>
+            <a:noAutofit/>
+          </a:bodyPr>
+          <a:lstStyle>
+            <a:lvl1pPr algn="ctr">
+              <a:defRPr sz="1200">
+                <a:solidFill>
+                  <a:schemeClr val="bg1"/>
+                </a:solidFill>
+              </a:defRPr>
+            </a:lvl1pPr>
+          </a:lstStyle>
+          <a:p>
+            <a:pPr marL="0" lvl="0" indent="0" algn="ctr" defTabSz="914400" rtl="1" eaLnBrk="1" latinLnBrk="0" hangingPunct="1">
+              <a:lnSpc>
+                <a:spcPct val="90000"/>
+              </a:lnSpc>
+              <a:spcBef>
+                <a:spcPts val="1000"/>
+              </a:spcBef>
+              <a:buFont typeface="Arial" panose="020B0604020202020204" pitchFamily="34" charset="0"/>
+              <a:buNone/>
+            </a:pPr>
+            <a:endParaRPr lang="en-IL" dirty="0"/>
+          </a:p>
+        </p:txBody>
+      </p:sp>
+      <p:sp>
+        <p:nvSpPr>
+          <p:cNvPr id="25" name="name_of_capter">
+            <a:extLst>
+              <a:ext uri="{FF2B5EF4-FFF2-40B4-BE49-F238E27FC236}">
+                <a16:creationId xmlns:a16="http://schemas.microsoft.com/office/drawing/2014/main" id="{56460E1B-6A1C-8B47-AD33-88CF022E0B63}"/>
+              </a:ext>
+            </a:extLst>
+          </p:cNvPr>
+          <p:cNvSpPr txBox="1"/>
+          <p:nvPr userDrawn="1"/>
+        </p:nvSpPr>
+        <p:spPr>
+          <a:xfrm>
+            <a:off x="616559" y="6568737"/>
+            <a:ext cx="2337758" cy="276999"/>
+          </a:xfrm>
+          <a:prstGeom prst="rect">
+            <a:avLst/>
+          </a:prstGeom>
+          <a:noFill/>
+        </p:spPr>
+        <p:txBody>
+          <a:bodyPr wrap="square" rtlCol="0">
+            <a:spAutoFit/>
+          </a:bodyPr>
+          <a:lstStyle/>
+          <a:p>
+            <a:r>
+              <a:rPr lang="he-IL" sz="1200" dirty="0"/>
+              <a:t>פרק 4 מערכת הבריאות הממשלתית</a:t>
+            </a:r>
+            <a:endParaRPr lang="en-IL" sz="1200" dirty="0"/>
+          </a:p>
+        </p:txBody>
+      </p:sp>
+      <p:sp>
+        <p:nvSpPr>
+          <p:cNvPr id="10" name="text">
+            <a:extLst>
+              <a:ext uri="{FF2B5EF4-FFF2-40B4-BE49-F238E27FC236}">
+                <a16:creationId xmlns:a16="http://schemas.microsoft.com/office/drawing/2014/main" id="{E5480BE3-6258-FA41-A5AB-ABFA7D36D928}"/>
+              </a:ext>
+            </a:extLst>
+          </p:cNvPr>
+          <p:cNvSpPr>
+            <a:spLocks noGrp="1"/>
+          </p:cNvSpPr>
+          <p:nvPr>
+            <p:ph type="body" sz="quarter" idx="15"/>
+          </p:nvPr>
+        </p:nvSpPr>
+        <p:spPr>
+          <a:xfrm>
+            <a:off x="334962" y="1576389"/>
+            <a:ext cx="11522075" cy="590892"/>
+          </a:xfrm>
+        </p:spPr>
+        <p:txBody>
+          <a:bodyPr lIns="0" tIns="0" rIns="0" bIns="0">
+            <a:normAutofit/>
+          </a:bodyPr>
+          <a:lstStyle>
+            <a:lvl1pPr algn="r">
+              <a:defRPr sz="1200"/>
+            </a:lvl1pPr>
+          </a:lstStyle>
+          <a:p>
+            <a:pPr marL="0" lvl="0" indent="0" algn="r" defTabSz="914400" rtl="1" eaLnBrk="1" latinLnBrk="0" hangingPunct="1">
+              <a:lnSpc>
+                <a:spcPct val="90000"/>
+              </a:lnSpc>
+              <a:spcBef>
+                <a:spcPts val="1000"/>
+              </a:spcBef>
+              <a:buFont typeface="Arial" panose="020B0604020202020204" pitchFamily="34" charset="0"/>
+              <a:buNone/>
+            </a:pPr>
+            <a:endParaRPr lang="he-IL" dirty="0"/>
+          </a:p>
+        </p:txBody>
+      </p:sp>
+    </p:spTree>
+    <p:extLst>
+      <p:ext uri="{BB962C8B-B14F-4D97-AF65-F5344CB8AC3E}">
+        <p14:creationId xmlns:p14="http://schemas.microsoft.com/office/powerpoint/2010/main" val="3393580618"/>
+      </p:ext>
+    </p:extLst>
+  </p:cSld>
+  <p:clrMapOvr>
+    <a:masterClrMapping/>
+  </p:clrMapOvr>
+  <p:extLst>
+    <p:ext uri="{DCECCB84-F9BA-43D5-87BE-67443E8EF086}">
+      <p15:sldGuideLst xmlns:p15="http://schemas.microsoft.com/office/powerpoint/2012/main">
+        <p15:guide id="1" orient="horz" pos="210" userDrawn="1">
+          <p15:clr>
+            <a:srgbClr val="FBAE40"/>
+          </p15:clr>
+        </p15:guide>
+        <p15:guide id="2" pos="211" userDrawn="1">
+          <p15:clr>
+            <a:srgbClr val="FBAE40"/>
+          </p15:clr>
+        </p15:guide>
+        <p15:guide id="3" orient="horz" pos="4110" userDrawn="1">
+          <p15:clr>
+            <a:srgbClr val="FBAE40"/>
+          </p15:clr>
+        </p15:guide>
+        <p15:guide id="4" pos="7469" userDrawn="1">
+          <p15:clr>
+            <a:srgbClr val="FBAE40"/>
+          </p15:clr>
+        </p15:guide>
+        <p15:guide id="5" pos="1912" userDrawn="1">
+          <p15:clr>
+            <a:srgbClr val="FBAE40"/>
+          </p15:clr>
+        </p15:guide>
+        <p15:guide id="6" orient="horz" pos="799" userDrawn="1">
+          <p15:clr>
+            <a:srgbClr val="FBAE40"/>
+          </p15:clr>
+        </p15:guide>
+        <p15:guide id="7" pos="5768" userDrawn="1">
+          <p15:clr>
+            <a:srgbClr val="FBAE40"/>
+          </p15:clr>
+        </p15:guide>
+        <p15:guide id="8" orient="horz" pos="550" userDrawn="1">
+          <p15:clr>
+            <a:srgbClr val="FBAE40"/>
+          </p15:clr>
+        </p15:guide>
+        <p15:guide id="9" orient="horz" pos="2160" userDrawn="1">
+          <p15:clr>
+            <a:srgbClr val="FBAE40"/>
+          </p15:clr>
+        </p15:guide>
+        <p15:guide id="10" pos="3840" userDrawn="1">
+          <p15:clr>
+            <a:srgbClr val="FBAE40"/>
+          </p15:clr>
+        </p15:guide>
+      </p15:sldGuideLst>
+    </p:ext>
+  </p:extLst>
+</p:sldLayout>
+</file>
+
 <file path=ppt/slideMasters/slideMaster1.xml><?xml version="1.0" encoding="utf-8"?>
 <p:sldMaster xmlns:a="http://schemas.openxmlformats.org/drawingml/2006/main" xmlns:r="http://schemas.openxmlformats.org/officeDocument/2006/relationships" xmlns:p="http://schemas.openxmlformats.org/presentationml/2006/main">
   <p:cSld>
@@ -2657,7 +3100,7 @@
           <a:p>
             <a:fld id="{DCF901EB-F9BC-564B-B97D-4101A6D72F07}" type="datetime1">
               <a:rPr lang="en-US" smtClean="0"/>
-              <a:t>10/18/21</a:t>
+              <a:t>10/20/21</a:t>
             </a:fld>
             <a:endParaRPr lang="en-IL"/>
           </a:p>
@@ -2769,6 +3212,7 @@
     <p:sldLayoutId id="2147483651" r:id="rId5"/>
     <p:sldLayoutId id="2147483653" r:id="rId6"/>
     <p:sldLayoutId id="2147483654" r:id="rId7"/>
+    <p:sldLayoutId id="2147483656" r:id="rId8"/>
   </p:sldLayoutIdLst>
   <p:hf hdr="0" ftr="0" dt="0"/>
   <p:txStyles>
@@ -26264,6 +26708,7703 @@
           <a:chExt cx="0" cy="0"/>
         </a:xfrm>
       </p:grpSpPr>
+      <p:sp xmlns:a="http://schemas.openxmlformats.org/drawingml/2006/main" xmlns:r="http://schemas.openxmlformats.org/officeDocument/2006/relationships" xmlns:p="http://schemas.openxmlformats.org/presentationml/2006/main">
+        <p:nvSpPr>
+          <p:cNvPr id="2" name="num"/>
+          <p:cNvSpPr>
+            <a:spLocks noGrp="1"/>
+          </p:cNvSpPr>
+          <p:nvPr>
+            <p:ph type="body" sz="quarter" idx="10" hasCustomPrompt="1"/>
+          </p:nvPr>
+        </p:nvSpPr>
+        <p:spPr>
+          <a:xfrm>
+            <a:off x="10637838" y="333375"/>
+            <a:ext cx="1219200" cy="488950"/>
+          </a:xfrm>
+        </p:spPr>
+        <p:txBody>
+          <a:bodyPr/>
+          <a:lstStyle/>
+          <a:p>
+            <a:r>
+              <a:rPr/>
+              <a:t>2.5</a:t>
+            </a:r>
+          </a:p>
+        </p:txBody>
+      </p:sp>
+      <p:sp xmlns:a="http://schemas.openxmlformats.org/drawingml/2006/main" xmlns:r="http://schemas.openxmlformats.org/officeDocument/2006/relationships" xmlns:p="http://schemas.openxmlformats.org/presentationml/2006/main">
+        <p:nvSpPr>
+          <p:cNvPr id="3" name="title_text"/>
+          <p:cNvSpPr>
+            <a:spLocks noGrp="1"/>
+          </p:cNvSpPr>
+          <p:nvPr>
+            <p:ph type="body" sz="quarter" idx="12"/>
+          </p:nvPr>
+        </p:nvSpPr>
+        <p:spPr>
+          <a:xfrm>
+            <a:off x="334963" y="974725"/>
+            <a:ext cx="11522075" cy="500063"/>
+          </a:xfrm>
+        </p:spPr>
+        <p:txBody>
+          <a:bodyPr/>
+          <a:lstStyle/>
+          <a:p>
+            <a:r>
+              <a:rPr/>
+              <a:t>זאת אחלה של כותרת משנה, אני ממש חושב שהיא שנונה וגאונית</a:t>
+            </a:r>
+          </a:p>
+        </p:txBody>
+      </p:sp>
+      <p:sp xmlns:a="http://schemas.openxmlformats.org/drawingml/2006/main" xmlns:r="http://schemas.openxmlformats.org/officeDocument/2006/relationships" xmlns:p="http://schemas.openxmlformats.org/presentationml/2006/main">
+        <p:nvSpPr>
+          <p:cNvPr id="4" name="text"/>
+          <p:cNvSpPr>
+            <a:spLocks noGrp="1"/>
+          </p:cNvSpPr>
+          <p:nvPr>
+            <p:ph type="body" sz="quarter" idx="15"/>
+          </p:nvPr>
+        </p:nvSpPr>
+        <p:spPr>
+          <a:xfrm>
+            <a:off x="334962" y="1576389"/>
+            <a:ext cx="11522075" cy="590892"/>
+          </a:xfrm>
+        </p:spPr>
+        <p:txBody>
+          <a:bodyPr/>
+          <a:lstStyle/>
+          <a:p>
+            <a:r>
+              <a:rPr/>
+              <a:t>זאת אחלה של כותרת משנה, אני ממש חושב שהיא שנונה וגאונית</a:t>
+            </a:r>
+          </a:p>
+        </p:txBody>
+      </p:sp>
+      <p:grpSp xmlns:a="http://schemas.openxmlformats.org/drawingml/2006/main" xmlns:r="http://schemas.openxmlformats.org/officeDocument/2006/relationships" xmlns:p="http://schemas.openxmlformats.org/presentationml/2006/main" xmlns:pic="http://schemas.openxmlformats.org/drawingml/2006/picture">
+        <p:nvGrpSpPr>
+          <p:cNvPr id="5" name="plot"/>
+          <p:cNvGrpSpPr/>
+          <p:nvPr/>
+        </p:nvGrpSpPr>
+        <p:grpSpPr>
+          <a:xfrm>
+            <a:off x="334963" y="2268882"/>
+            <a:ext cx="11522075" cy="4255743"/>
+            <a:chOff x="334963" y="2268882"/>
+            <a:chExt cx="11522075" cy="4255743"/>
+          </a:xfrm>
+        </p:grpSpPr>
+        <p:sp>
+          <p:nvSpPr>
+            <p:cNvPr id="6" name="rc3"/>
+            <p:cNvSpPr/>
+            <p:nvPr/>
+          </p:nvSpPr>
+          <p:spPr>
+            <a:xfrm>
+              <a:off x="334963" y="2268881"/>
+              <a:ext cx="11522074" cy="4255743"/>
+            </a:xfrm>
+            <a:prstGeom prst="rect">
+              <a:avLst/>
+            </a:prstGeom>
+            <a:solidFill>
+              <a:srgbClr val="FFFFFF">
+                <a:alpha val="100000"/>
+              </a:srgbClr>
+            </a:solidFill>
+            <a:ln w="13550" cap="rnd">
+              <a:solidFill>
+                <a:srgbClr val="FFFFFF">
+                  <a:alpha val="100000"/>
+                </a:srgbClr>
+              </a:solidFill>
+              <a:prstDash val="solid"/>
+              <a:round/>
+            </a:ln>
+          </p:spPr>
+          <p:txBody>
+            <a:bodyPr/>
+            <a:lstStyle/>
+            <a:p/>
+          </p:txBody>
+        </p:sp>
+        <p:sp>
+          <p:nvSpPr>
+            <p:cNvPr id="7" name="rc4"/>
+            <p:cNvSpPr/>
+            <p:nvPr/>
+          </p:nvSpPr>
+          <p:spPr>
+            <a:xfrm>
+              <a:off x="788443" y="3263892"/>
+              <a:ext cx="10999005" cy="2857729"/>
+            </a:xfrm>
+            <a:prstGeom prst="rect">
+              <a:avLst/>
+            </a:prstGeom>
+            <a:solidFill>
+              <a:srgbClr val="FFFFFF">
+                <a:alpha val="100000"/>
+              </a:srgbClr>
+            </a:solidFill>
+          </p:spPr>
+          <p:txBody>
+            <a:bodyPr/>
+            <a:lstStyle/>
+            <a:p/>
+          </p:txBody>
+        </p:sp>
+        <p:sp>
+          <p:nvSpPr>
+            <p:cNvPr id="8" name="pl5"/>
+            <p:cNvSpPr/>
+            <p:nvPr/>
+          </p:nvSpPr>
+          <p:spPr>
+            <a:xfrm>
+              <a:off x="788443" y="5721106"/>
+              <a:ext cx="10999005" cy="0"/>
+            </a:xfrm>
+            <a:custGeom>
+              <a:avLst/>
+              <a:pathLst>
+                <a:path w="10999005" h="0">
+                  <a:moveTo>
+                    <a:pt x="0" y="0"/>
+                  </a:moveTo>
+                  <a:lnTo>
+                    <a:pt x="10999005" y="0"/>
+                  </a:lnTo>
+                  <a:lnTo>
+                    <a:pt x="10999005" y="0"/>
+                  </a:lnTo>
+                </a:path>
+              </a:pathLst>
+            </a:custGeom>
+            <a:ln w="6775" cap="flat">
+              <a:solidFill>
+                <a:srgbClr val="EBEBEB">
+                  <a:alpha val="100000"/>
+                </a:srgbClr>
+              </a:solidFill>
+              <a:prstDash val="solid"/>
+              <a:round/>
+            </a:ln>
+          </p:spPr>
+          <p:txBody>
+            <a:bodyPr/>
+            <a:lstStyle/>
+            <a:p/>
+          </p:txBody>
+        </p:sp>
+        <p:sp>
+          <p:nvSpPr>
+            <p:cNvPr id="9" name="pl6"/>
+            <p:cNvSpPr/>
+            <p:nvPr/>
+          </p:nvSpPr>
+          <p:spPr>
+            <a:xfrm>
+              <a:off x="788443" y="5179870"/>
+              <a:ext cx="10999005" cy="0"/>
+            </a:xfrm>
+            <a:custGeom>
+              <a:avLst/>
+              <a:pathLst>
+                <a:path w="10999005" h="0">
+                  <a:moveTo>
+                    <a:pt x="0" y="0"/>
+                  </a:moveTo>
+                  <a:lnTo>
+                    <a:pt x="10999005" y="0"/>
+                  </a:lnTo>
+                  <a:lnTo>
+                    <a:pt x="10999005" y="0"/>
+                  </a:lnTo>
+                </a:path>
+              </a:pathLst>
+            </a:custGeom>
+            <a:ln w="6775" cap="flat">
+              <a:solidFill>
+                <a:srgbClr val="EBEBEB">
+                  <a:alpha val="100000"/>
+                </a:srgbClr>
+              </a:solidFill>
+              <a:prstDash val="solid"/>
+              <a:round/>
+            </a:ln>
+          </p:spPr>
+          <p:txBody>
+            <a:bodyPr/>
+            <a:lstStyle/>
+            <a:p/>
+          </p:txBody>
+        </p:sp>
+        <p:sp>
+          <p:nvSpPr>
+            <p:cNvPr id="10" name="pl7"/>
+            <p:cNvSpPr/>
+            <p:nvPr/>
+          </p:nvSpPr>
+          <p:spPr>
+            <a:xfrm>
+              <a:off x="788443" y="4638633"/>
+              <a:ext cx="10999005" cy="0"/>
+            </a:xfrm>
+            <a:custGeom>
+              <a:avLst/>
+              <a:pathLst>
+                <a:path w="10999005" h="0">
+                  <a:moveTo>
+                    <a:pt x="0" y="0"/>
+                  </a:moveTo>
+                  <a:lnTo>
+                    <a:pt x="10999005" y="0"/>
+                  </a:lnTo>
+                  <a:lnTo>
+                    <a:pt x="10999005" y="0"/>
+                  </a:lnTo>
+                </a:path>
+              </a:pathLst>
+            </a:custGeom>
+            <a:ln w="6775" cap="flat">
+              <a:solidFill>
+                <a:srgbClr val="EBEBEB">
+                  <a:alpha val="100000"/>
+                </a:srgbClr>
+              </a:solidFill>
+              <a:prstDash val="solid"/>
+              <a:round/>
+            </a:ln>
+          </p:spPr>
+          <p:txBody>
+            <a:bodyPr/>
+            <a:lstStyle/>
+            <a:p/>
+          </p:txBody>
+        </p:sp>
+        <p:sp>
+          <p:nvSpPr>
+            <p:cNvPr id="11" name="pl8"/>
+            <p:cNvSpPr/>
+            <p:nvPr/>
+          </p:nvSpPr>
+          <p:spPr>
+            <a:xfrm>
+              <a:off x="788443" y="4097397"/>
+              <a:ext cx="10999005" cy="0"/>
+            </a:xfrm>
+            <a:custGeom>
+              <a:avLst/>
+              <a:pathLst>
+                <a:path w="10999005" h="0">
+                  <a:moveTo>
+                    <a:pt x="0" y="0"/>
+                  </a:moveTo>
+                  <a:lnTo>
+                    <a:pt x="10999005" y="0"/>
+                  </a:lnTo>
+                  <a:lnTo>
+                    <a:pt x="10999005" y="0"/>
+                  </a:lnTo>
+                </a:path>
+              </a:pathLst>
+            </a:custGeom>
+            <a:ln w="6775" cap="flat">
+              <a:solidFill>
+                <a:srgbClr val="EBEBEB">
+                  <a:alpha val="100000"/>
+                </a:srgbClr>
+              </a:solidFill>
+              <a:prstDash val="solid"/>
+              <a:round/>
+            </a:ln>
+          </p:spPr>
+          <p:txBody>
+            <a:bodyPr/>
+            <a:lstStyle/>
+            <a:p/>
+          </p:txBody>
+        </p:sp>
+        <p:sp>
+          <p:nvSpPr>
+            <p:cNvPr id="12" name="pl9"/>
+            <p:cNvSpPr/>
+            <p:nvPr/>
+          </p:nvSpPr>
+          <p:spPr>
+            <a:xfrm>
+              <a:off x="788443" y="3556160"/>
+              <a:ext cx="10999005" cy="0"/>
+            </a:xfrm>
+            <a:custGeom>
+              <a:avLst/>
+              <a:pathLst>
+                <a:path w="10999005" h="0">
+                  <a:moveTo>
+                    <a:pt x="0" y="0"/>
+                  </a:moveTo>
+                  <a:lnTo>
+                    <a:pt x="10999005" y="0"/>
+                  </a:lnTo>
+                  <a:lnTo>
+                    <a:pt x="10999005" y="0"/>
+                  </a:lnTo>
+                </a:path>
+              </a:pathLst>
+            </a:custGeom>
+            <a:ln w="6775" cap="flat">
+              <a:solidFill>
+                <a:srgbClr val="EBEBEB">
+                  <a:alpha val="100000"/>
+                </a:srgbClr>
+              </a:solidFill>
+              <a:prstDash val="solid"/>
+              <a:round/>
+            </a:ln>
+          </p:spPr>
+          <p:txBody>
+            <a:bodyPr/>
+            <a:lstStyle/>
+            <a:p/>
+          </p:txBody>
+        </p:sp>
+        <p:sp>
+          <p:nvSpPr>
+            <p:cNvPr id="13" name="pl10"/>
+            <p:cNvSpPr/>
+            <p:nvPr/>
+          </p:nvSpPr>
+          <p:spPr>
+            <a:xfrm>
+              <a:off x="1843903" y="3263892"/>
+              <a:ext cx="0" cy="2857729"/>
+            </a:xfrm>
+            <a:custGeom>
+              <a:avLst/>
+              <a:pathLst>
+                <a:path w="0" h="2857729">
+                  <a:moveTo>
+                    <a:pt x="0" y="2857729"/>
+                  </a:moveTo>
+                  <a:lnTo>
+                    <a:pt x="0" y="0"/>
+                  </a:lnTo>
+                  <a:lnTo>
+                    <a:pt x="0" y="0"/>
+                  </a:lnTo>
+                </a:path>
+              </a:pathLst>
+            </a:custGeom>
+            <a:ln w="6775" cap="flat">
+              <a:solidFill>
+                <a:srgbClr val="EBEBEB">
+                  <a:alpha val="100000"/>
+                </a:srgbClr>
+              </a:solidFill>
+              <a:prstDash val="solid"/>
+              <a:round/>
+            </a:ln>
+          </p:spPr>
+          <p:txBody>
+            <a:bodyPr/>
+            <a:lstStyle/>
+            <a:p/>
+          </p:txBody>
+        </p:sp>
+        <p:sp>
+          <p:nvSpPr>
+            <p:cNvPr id="14" name="pl11"/>
+            <p:cNvSpPr/>
+            <p:nvPr/>
+          </p:nvSpPr>
+          <p:spPr>
+            <a:xfrm>
+              <a:off x="4621430" y="3263892"/>
+              <a:ext cx="0" cy="2857729"/>
+            </a:xfrm>
+            <a:custGeom>
+              <a:avLst/>
+              <a:pathLst>
+                <a:path w="0" h="2857729">
+                  <a:moveTo>
+                    <a:pt x="0" y="2857729"/>
+                  </a:moveTo>
+                  <a:lnTo>
+                    <a:pt x="0" y="0"/>
+                  </a:lnTo>
+                  <a:lnTo>
+                    <a:pt x="0" y="0"/>
+                  </a:lnTo>
+                </a:path>
+              </a:pathLst>
+            </a:custGeom>
+            <a:ln w="6775" cap="flat">
+              <a:solidFill>
+                <a:srgbClr val="EBEBEB">
+                  <a:alpha val="100000"/>
+                </a:srgbClr>
+              </a:solidFill>
+              <a:prstDash val="solid"/>
+              <a:round/>
+            </a:ln>
+          </p:spPr>
+          <p:txBody>
+            <a:bodyPr/>
+            <a:lstStyle/>
+            <a:p/>
+          </p:txBody>
+        </p:sp>
+        <p:sp>
+          <p:nvSpPr>
+            <p:cNvPr id="15" name="pl12"/>
+            <p:cNvSpPr/>
+            <p:nvPr/>
+          </p:nvSpPr>
+          <p:spPr>
+            <a:xfrm>
+              <a:off x="7398956" y="3263892"/>
+              <a:ext cx="0" cy="2857729"/>
+            </a:xfrm>
+            <a:custGeom>
+              <a:avLst/>
+              <a:pathLst>
+                <a:path w="0" h="2857729">
+                  <a:moveTo>
+                    <a:pt x="0" y="2857729"/>
+                  </a:moveTo>
+                  <a:lnTo>
+                    <a:pt x="0" y="0"/>
+                  </a:lnTo>
+                  <a:lnTo>
+                    <a:pt x="0" y="0"/>
+                  </a:lnTo>
+                </a:path>
+              </a:pathLst>
+            </a:custGeom>
+            <a:ln w="6775" cap="flat">
+              <a:solidFill>
+                <a:srgbClr val="EBEBEB">
+                  <a:alpha val="100000"/>
+                </a:srgbClr>
+              </a:solidFill>
+              <a:prstDash val="solid"/>
+              <a:round/>
+            </a:ln>
+          </p:spPr>
+          <p:txBody>
+            <a:bodyPr/>
+            <a:lstStyle/>
+            <a:p/>
+          </p:txBody>
+        </p:sp>
+        <p:sp>
+          <p:nvSpPr>
+            <p:cNvPr id="16" name="pl13"/>
+            <p:cNvSpPr/>
+            <p:nvPr/>
+          </p:nvSpPr>
+          <p:spPr>
+            <a:xfrm>
+              <a:off x="10176483" y="3263892"/>
+              <a:ext cx="0" cy="2857729"/>
+            </a:xfrm>
+            <a:custGeom>
+              <a:avLst/>
+              <a:pathLst>
+                <a:path w="0" h="2857729">
+                  <a:moveTo>
+                    <a:pt x="0" y="2857729"/>
+                  </a:moveTo>
+                  <a:lnTo>
+                    <a:pt x="0" y="0"/>
+                  </a:lnTo>
+                  <a:lnTo>
+                    <a:pt x="0" y="0"/>
+                  </a:lnTo>
+                </a:path>
+              </a:pathLst>
+            </a:custGeom>
+            <a:ln w="6775" cap="flat">
+              <a:solidFill>
+                <a:srgbClr val="EBEBEB">
+                  <a:alpha val="100000"/>
+                </a:srgbClr>
+              </a:solidFill>
+              <a:prstDash val="solid"/>
+              <a:round/>
+            </a:ln>
+          </p:spPr>
+          <p:txBody>
+            <a:bodyPr/>
+            <a:lstStyle/>
+            <a:p/>
+          </p:txBody>
+        </p:sp>
+        <p:sp>
+          <p:nvSpPr>
+            <p:cNvPr id="17" name="pl14"/>
+            <p:cNvSpPr/>
+            <p:nvPr/>
+          </p:nvSpPr>
+          <p:spPr>
+            <a:xfrm>
+              <a:off x="788443" y="5991725"/>
+              <a:ext cx="10999005" cy="0"/>
+            </a:xfrm>
+            <a:custGeom>
+              <a:avLst/>
+              <a:pathLst>
+                <a:path w="10999005" h="0">
+                  <a:moveTo>
+                    <a:pt x="0" y="0"/>
+                  </a:moveTo>
+                  <a:lnTo>
+                    <a:pt x="10999005" y="0"/>
+                  </a:lnTo>
+                  <a:lnTo>
+                    <a:pt x="10999005" y="0"/>
+                  </a:lnTo>
+                </a:path>
+              </a:pathLst>
+            </a:custGeom>
+            <a:ln w="13550" cap="flat">
+              <a:solidFill>
+                <a:srgbClr val="EBEBEB">
+                  <a:alpha val="100000"/>
+                </a:srgbClr>
+              </a:solidFill>
+              <a:prstDash val="solid"/>
+              <a:round/>
+            </a:ln>
+          </p:spPr>
+          <p:txBody>
+            <a:bodyPr/>
+            <a:lstStyle/>
+            <a:p/>
+          </p:txBody>
+        </p:sp>
+        <p:sp>
+          <p:nvSpPr>
+            <p:cNvPr id="18" name="pl15"/>
+            <p:cNvSpPr/>
+            <p:nvPr/>
+          </p:nvSpPr>
+          <p:spPr>
+            <a:xfrm>
+              <a:off x="788443" y="5450488"/>
+              <a:ext cx="10999005" cy="0"/>
+            </a:xfrm>
+            <a:custGeom>
+              <a:avLst/>
+              <a:pathLst>
+                <a:path w="10999005" h="0">
+                  <a:moveTo>
+                    <a:pt x="0" y="0"/>
+                  </a:moveTo>
+                  <a:lnTo>
+                    <a:pt x="10999005" y="0"/>
+                  </a:lnTo>
+                  <a:lnTo>
+                    <a:pt x="10999005" y="0"/>
+                  </a:lnTo>
+                </a:path>
+              </a:pathLst>
+            </a:custGeom>
+            <a:ln w="13550" cap="flat">
+              <a:solidFill>
+                <a:srgbClr val="EBEBEB">
+                  <a:alpha val="100000"/>
+                </a:srgbClr>
+              </a:solidFill>
+              <a:prstDash val="solid"/>
+              <a:round/>
+            </a:ln>
+          </p:spPr>
+          <p:txBody>
+            <a:bodyPr/>
+            <a:lstStyle/>
+            <a:p/>
+          </p:txBody>
+        </p:sp>
+        <p:sp>
+          <p:nvSpPr>
+            <p:cNvPr id="19" name="pl16"/>
+            <p:cNvSpPr/>
+            <p:nvPr/>
+          </p:nvSpPr>
+          <p:spPr>
+            <a:xfrm>
+              <a:off x="788443" y="4909251"/>
+              <a:ext cx="10999005" cy="0"/>
+            </a:xfrm>
+            <a:custGeom>
+              <a:avLst/>
+              <a:pathLst>
+                <a:path w="10999005" h="0">
+                  <a:moveTo>
+                    <a:pt x="0" y="0"/>
+                  </a:moveTo>
+                  <a:lnTo>
+                    <a:pt x="10999005" y="0"/>
+                  </a:lnTo>
+                  <a:lnTo>
+                    <a:pt x="10999005" y="0"/>
+                  </a:lnTo>
+                </a:path>
+              </a:pathLst>
+            </a:custGeom>
+            <a:ln w="13550" cap="flat">
+              <a:solidFill>
+                <a:srgbClr val="EBEBEB">
+                  <a:alpha val="100000"/>
+                </a:srgbClr>
+              </a:solidFill>
+              <a:prstDash val="solid"/>
+              <a:round/>
+            </a:ln>
+          </p:spPr>
+          <p:txBody>
+            <a:bodyPr/>
+            <a:lstStyle/>
+            <a:p/>
+          </p:txBody>
+        </p:sp>
+        <p:sp>
+          <p:nvSpPr>
+            <p:cNvPr id="20" name="pl17"/>
+            <p:cNvSpPr/>
+            <p:nvPr/>
+          </p:nvSpPr>
+          <p:spPr>
+            <a:xfrm>
+              <a:off x="788443" y="4368015"/>
+              <a:ext cx="10999005" cy="0"/>
+            </a:xfrm>
+            <a:custGeom>
+              <a:avLst/>
+              <a:pathLst>
+                <a:path w="10999005" h="0">
+                  <a:moveTo>
+                    <a:pt x="0" y="0"/>
+                  </a:moveTo>
+                  <a:lnTo>
+                    <a:pt x="10999005" y="0"/>
+                  </a:lnTo>
+                  <a:lnTo>
+                    <a:pt x="10999005" y="0"/>
+                  </a:lnTo>
+                </a:path>
+              </a:pathLst>
+            </a:custGeom>
+            <a:ln w="13550" cap="flat">
+              <a:solidFill>
+                <a:srgbClr val="EBEBEB">
+                  <a:alpha val="100000"/>
+                </a:srgbClr>
+              </a:solidFill>
+              <a:prstDash val="solid"/>
+              <a:round/>
+            </a:ln>
+          </p:spPr>
+          <p:txBody>
+            <a:bodyPr/>
+            <a:lstStyle/>
+            <a:p/>
+          </p:txBody>
+        </p:sp>
+        <p:sp>
+          <p:nvSpPr>
+            <p:cNvPr id="21" name="pl18"/>
+            <p:cNvSpPr/>
+            <p:nvPr/>
+          </p:nvSpPr>
+          <p:spPr>
+            <a:xfrm>
+              <a:off x="788443" y="3826778"/>
+              <a:ext cx="10999005" cy="0"/>
+            </a:xfrm>
+            <a:custGeom>
+              <a:avLst/>
+              <a:pathLst>
+                <a:path w="10999005" h="0">
+                  <a:moveTo>
+                    <a:pt x="0" y="0"/>
+                  </a:moveTo>
+                  <a:lnTo>
+                    <a:pt x="10999005" y="0"/>
+                  </a:lnTo>
+                  <a:lnTo>
+                    <a:pt x="10999005" y="0"/>
+                  </a:lnTo>
+                </a:path>
+              </a:pathLst>
+            </a:custGeom>
+            <a:ln w="13550" cap="flat">
+              <a:solidFill>
+                <a:srgbClr val="EBEBEB">
+                  <a:alpha val="100000"/>
+                </a:srgbClr>
+              </a:solidFill>
+              <a:prstDash val="solid"/>
+              <a:round/>
+            </a:ln>
+          </p:spPr>
+          <p:txBody>
+            <a:bodyPr/>
+            <a:lstStyle/>
+            <a:p/>
+          </p:txBody>
+        </p:sp>
+        <p:sp>
+          <p:nvSpPr>
+            <p:cNvPr id="22" name="pl19"/>
+            <p:cNvSpPr/>
+            <p:nvPr/>
+          </p:nvSpPr>
+          <p:spPr>
+            <a:xfrm>
+              <a:off x="788443" y="3285542"/>
+              <a:ext cx="10999005" cy="0"/>
+            </a:xfrm>
+            <a:custGeom>
+              <a:avLst/>
+              <a:pathLst>
+                <a:path w="10999005" h="0">
+                  <a:moveTo>
+                    <a:pt x="0" y="0"/>
+                  </a:moveTo>
+                  <a:lnTo>
+                    <a:pt x="10999005" y="0"/>
+                  </a:lnTo>
+                  <a:lnTo>
+                    <a:pt x="10999005" y="0"/>
+                  </a:lnTo>
+                </a:path>
+              </a:pathLst>
+            </a:custGeom>
+            <a:ln w="13550" cap="flat">
+              <a:solidFill>
+                <a:srgbClr val="EBEBEB">
+                  <a:alpha val="100000"/>
+                </a:srgbClr>
+              </a:solidFill>
+              <a:prstDash val="solid"/>
+              <a:round/>
+            </a:ln>
+          </p:spPr>
+          <p:txBody>
+            <a:bodyPr/>
+            <a:lstStyle/>
+            <a:p/>
+          </p:txBody>
+        </p:sp>
+        <p:sp>
+          <p:nvSpPr>
+            <p:cNvPr id="23" name="pl20"/>
+            <p:cNvSpPr/>
+            <p:nvPr/>
+          </p:nvSpPr>
+          <p:spPr>
+            <a:xfrm>
+              <a:off x="3232666" y="3263892"/>
+              <a:ext cx="0" cy="2857729"/>
+            </a:xfrm>
+            <a:custGeom>
+              <a:avLst/>
+              <a:pathLst>
+                <a:path w="0" h="2857729">
+                  <a:moveTo>
+                    <a:pt x="0" y="2857729"/>
+                  </a:moveTo>
+                  <a:lnTo>
+                    <a:pt x="0" y="0"/>
+                  </a:lnTo>
+                  <a:lnTo>
+                    <a:pt x="0" y="0"/>
+                  </a:lnTo>
+                </a:path>
+              </a:pathLst>
+            </a:custGeom>
+            <a:ln w="13550" cap="flat">
+              <a:solidFill>
+                <a:srgbClr val="EBEBEB">
+                  <a:alpha val="100000"/>
+                </a:srgbClr>
+              </a:solidFill>
+              <a:prstDash val="solid"/>
+              <a:round/>
+            </a:ln>
+          </p:spPr>
+          <p:txBody>
+            <a:bodyPr/>
+            <a:lstStyle/>
+            <a:p/>
+          </p:txBody>
+        </p:sp>
+        <p:sp>
+          <p:nvSpPr>
+            <p:cNvPr id="24" name="pl21"/>
+            <p:cNvSpPr/>
+            <p:nvPr/>
+          </p:nvSpPr>
+          <p:spPr>
+            <a:xfrm>
+              <a:off x="6010193" y="3263892"/>
+              <a:ext cx="0" cy="2857729"/>
+            </a:xfrm>
+            <a:custGeom>
+              <a:avLst/>
+              <a:pathLst>
+                <a:path w="0" h="2857729">
+                  <a:moveTo>
+                    <a:pt x="0" y="2857729"/>
+                  </a:moveTo>
+                  <a:lnTo>
+                    <a:pt x="0" y="0"/>
+                  </a:lnTo>
+                  <a:lnTo>
+                    <a:pt x="0" y="0"/>
+                  </a:lnTo>
+                </a:path>
+              </a:pathLst>
+            </a:custGeom>
+            <a:ln w="13550" cap="flat">
+              <a:solidFill>
+                <a:srgbClr val="EBEBEB">
+                  <a:alpha val="100000"/>
+                </a:srgbClr>
+              </a:solidFill>
+              <a:prstDash val="solid"/>
+              <a:round/>
+            </a:ln>
+          </p:spPr>
+          <p:txBody>
+            <a:bodyPr/>
+            <a:lstStyle/>
+            <a:p/>
+          </p:txBody>
+        </p:sp>
+        <p:sp>
+          <p:nvSpPr>
+            <p:cNvPr id="25" name="pl22"/>
+            <p:cNvSpPr/>
+            <p:nvPr/>
+          </p:nvSpPr>
+          <p:spPr>
+            <a:xfrm>
+              <a:off x="8787720" y="3263892"/>
+              <a:ext cx="0" cy="2857729"/>
+            </a:xfrm>
+            <a:custGeom>
+              <a:avLst/>
+              <a:pathLst>
+                <a:path w="0" h="2857729">
+                  <a:moveTo>
+                    <a:pt x="0" y="2857729"/>
+                  </a:moveTo>
+                  <a:lnTo>
+                    <a:pt x="0" y="0"/>
+                  </a:lnTo>
+                  <a:lnTo>
+                    <a:pt x="0" y="0"/>
+                  </a:lnTo>
+                </a:path>
+              </a:pathLst>
+            </a:custGeom>
+            <a:ln w="13550" cap="flat">
+              <a:solidFill>
+                <a:srgbClr val="EBEBEB">
+                  <a:alpha val="100000"/>
+                </a:srgbClr>
+              </a:solidFill>
+              <a:prstDash val="solid"/>
+              <a:round/>
+            </a:ln>
+          </p:spPr>
+          <p:txBody>
+            <a:bodyPr/>
+            <a:lstStyle/>
+            <a:p/>
+          </p:txBody>
+        </p:sp>
+        <p:sp>
+          <p:nvSpPr>
+            <p:cNvPr id="26" name="pl23"/>
+            <p:cNvSpPr/>
+            <p:nvPr/>
+          </p:nvSpPr>
+          <p:spPr>
+            <a:xfrm>
+              <a:off x="11565246" y="3263892"/>
+              <a:ext cx="0" cy="2857729"/>
+            </a:xfrm>
+            <a:custGeom>
+              <a:avLst/>
+              <a:pathLst>
+                <a:path w="0" h="2857729">
+                  <a:moveTo>
+                    <a:pt x="0" y="2857729"/>
+                  </a:moveTo>
+                  <a:lnTo>
+                    <a:pt x="0" y="0"/>
+                  </a:lnTo>
+                  <a:lnTo>
+                    <a:pt x="0" y="0"/>
+                  </a:lnTo>
+                </a:path>
+              </a:pathLst>
+            </a:custGeom>
+            <a:ln w="13550" cap="flat">
+              <a:solidFill>
+                <a:srgbClr val="EBEBEB">
+                  <a:alpha val="100000"/>
+                </a:srgbClr>
+              </a:solidFill>
+              <a:prstDash val="solid"/>
+              <a:round/>
+            </a:ln>
+          </p:spPr>
+          <p:txBody>
+            <a:bodyPr/>
+            <a:lstStyle/>
+            <a:p/>
+          </p:txBody>
+        </p:sp>
+        <p:sp>
+          <p:nvSpPr>
+            <p:cNvPr id="27" name="pt24"/>
+            <p:cNvSpPr/>
+            <p:nvPr/>
+          </p:nvSpPr>
+          <p:spPr>
+            <a:xfrm>
+              <a:off x="3485593" y="4343189"/>
+              <a:ext cx="49651" cy="49651"/>
+            </a:xfrm>
+            <a:prstGeom prst="ellipse">
+              <a:avLst/>
+            </a:prstGeom>
+            <a:solidFill>
+              <a:srgbClr val="F8766D">
+                <a:alpha val="100000"/>
+              </a:srgbClr>
+            </a:solidFill>
+            <a:ln w="9000" cap="rnd">
+              <a:solidFill>
+                <a:srgbClr val="F8766D">
+                  <a:alpha val="100000"/>
+                </a:srgbClr>
+              </a:solidFill>
+              <a:prstDash val="solid"/>
+              <a:round/>
+            </a:ln>
+          </p:spPr>
+          <p:txBody>
+            <a:bodyPr/>
+            <a:lstStyle/>
+            <a:p/>
+          </p:txBody>
+        </p:sp>
+        <p:sp>
+          <p:nvSpPr>
+            <p:cNvPr id="28" name="pt25"/>
+            <p:cNvSpPr/>
+            <p:nvPr/>
+          </p:nvSpPr>
+          <p:spPr>
+            <a:xfrm>
+              <a:off x="2930088" y="4884426"/>
+              <a:ext cx="49651" cy="49651"/>
+            </a:xfrm>
+            <a:prstGeom prst="ellipse">
+              <a:avLst/>
+            </a:prstGeom>
+            <a:solidFill>
+              <a:srgbClr val="F8766D">
+                <a:alpha val="100000"/>
+              </a:srgbClr>
+            </a:solidFill>
+            <a:ln w="9000" cap="rnd">
+              <a:solidFill>
+                <a:srgbClr val="F8766D">
+                  <a:alpha val="100000"/>
+                </a:srgbClr>
+              </a:solidFill>
+              <a:prstDash val="solid"/>
+              <a:round/>
+            </a:ln>
+          </p:spPr>
+          <p:txBody>
+            <a:bodyPr/>
+            <a:lstStyle/>
+            <a:p/>
+          </p:txBody>
+        </p:sp>
+        <p:sp>
+          <p:nvSpPr>
+            <p:cNvPr id="29" name="pt26"/>
+            <p:cNvSpPr/>
+            <p:nvPr/>
+          </p:nvSpPr>
+          <p:spPr>
+            <a:xfrm>
+              <a:off x="2374583" y="4667931"/>
+              <a:ext cx="49651" cy="49651"/>
+            </a:xfrm>
+            <a:prstGeom prst="ellipse">
+              <a:avLst/>
+            </a:prstGeom>
+            <a:solidFill>
+              <a:srgbClr val="F8766D">
+                <a:alpha val="100000"/>
+              </a:srgbClr>
+            </a:solidFill>
+            <a:ln w="9000" cap="rnd">
+              <a:solidFill>
+                <a:srgbClr val="F8766D">
+                  <a:alpha val="100000"/>
+                </a:srgbClr>
+              </a:solidFill>
+              <a:prstDash val="solid"/>
+              <a:round/>
+            </a:ln>
+          </p:spPr>
+          <p:txBody>
+            <a:bodyPr/>
+            <a:lstStyle/>
+            <a:p/>
+          </p:txBody>
+        </p:sp>
+        <p:sp>
+          <p:nvSpPr>
+            <p:cNvPr id="30" name="pt27"/>
+            <p:cNvSpPr/>
+            <p:nvPr/>
+          </p:nvSpPr>
+          <p:spPr>
+            <a:xfrm>
+              <a:off x="2096830" y="4776178"/>
+              <a:ext cx="49651" cy="49651"/>
+            </a:xfrm>
+            <a:prstGeom prst="ellipse">
+              <a:avLst/>
+            </a:prstGeom>
+            <a:solidFill>
+              <a:srgbClr val="F8766D">
+                <a:alpha val="100000"/>
+              </a:srgbClr>
+            </a:solidFill>
+            <a:ln w="9000" cap="rnd">
+              <a:solidFill>
+                <a:srgbClr val="F8766D">
+                  <a:alpha val="100000"/>
+                </a:srgbClr>
+              </a:solidFill>
+              <a:prstDash val="solid"/>
+              <a:round/>
+            </a:ln>
+          </p:spPr>
+          <p:txBody>
+            <a:bodyPr/>
+            <a:lstStyle/>
+            <a:p/>
+          </p:txBody>
+        </p:sp>
+        <p:sp>
+          <p:nvSpPr>
+            <p:cNvPr id="31" name="pt28"/>
+            <p:cNvSpPr/>
+            <p:nvPr/>
+          </p:nvSpPr>
+          <p:spPr>
+            <a:xfrm>
+              <a:off x="3207841" y="4234942"/>
+              <a:ext cx="49651" cy="49651"/>
+            </a:xfrm>
+            <a:prstGeom prst="ellipse">
+              <a:avLst/>
+            </a:prstGeom>
+            <a:solidFill>
+              <a:srgbClr val="F8766D">
+                <a:alpha val="100000"/>
+              </a:srgbClr>
+            </a:solidFill>
+            <a:ln w="9000" cap="rnd">
+              <a:solidFill>
+                <a:srgbClr val="F8766D">
+                  <a:alpha val="100000"/>
+                </a:srgbClr>
+              </a:solidFill>
+              <a:prstDash val="solid"/>
+              <a:round/>
+            </a:ln>
+          </p:spPr>
+          <p:txBody>
+            <a:bodyPr/>
+            <a:lstStyle/>
+            <a:p/>
+          </p:txBody>
+        </p:sp>
+        <p:sp>
+          <p:nvSpPr>
+            <p:cNvPr id="32" name="pt29"/>
+            <p:cNvSpPr/>
+            <p:nvPr/>
+          </p:nvSpPr>
+          <p:spPr>
+            <a:xfrm>
+              <a:off x="4318851" y="3910200"/>
+              <a:ext cx="49651" cy="49651"/>
+            </a:xfrm>
+            <a:prstGeom prst="ellipse">
+              <a:avLst/>
+            </a:prstGeom>
+            <a:solidFill>
+              <a:srgbClr val="F8766D">
+                <a:alpha val="100000"/>
+              </a:srgbClr>
+            </a:solidFill>
+            <a:ln w="9000" cap="rnd">
+              <a:solidFill>
+                <a:srgbClr val="F8766D">
+                  <a:alpha val="100000"/>
+                </a:srgbClr>
+              </a:solidFill>
+              <a:prstDash val="solid"/>
+              <a:round/>
+            </a:ln>
+          </p:spPr>
+          <p:txBody>
+            <a:bodyPr/>
+            <a:lstStyle/>
+            <a:p/>
+          </p:txBody>
+        </p:sp>
+        <p:sp>
+          <p:nvSpPr>
+            <p:cNvPr id="33" name="pt30"/>
+            <p:cNvSpPr/>
+            <p:nvPr/>
+          </p:nvSpPr>
+          <p:spPr>
+            <a:xfrm>
+              <a:off x="2096830" y="4451436"/>
+              <a:ext cx="49651" cy="49651"/>
+            </a:xfrm>
+            <a:prstGeom prst="ellipse">
+              <a:avLst/>
+            </a:prstGeom>
+            <a:solidFill>
+              <a:srgbClr val="F8766D">
+                <a:alpha val="100000"/>
+              </a:srgbClr>
+            </a:solidFill>
+            <a:ln w="9000" cap="rnd">
+              <a:solidFill>
+                <a:srgbClr val="F8766D">
+                  <a:alpha val="100000"/>
+                </a:srgbClr>
+              </a:solidFill>
+              <a:prstDash val="solid"/>
+              <a:round/>
+            </a:ln>
+          </p:spPr>
+          <p:txBody>
+            <a:bodyPr/>
+            <a:lstStyle/>
+            <a:p/>
+          </p:txBody>
+        </p:sp>
+        <p:sp>
+          <p:nvSpPr>
+            <p:cNvPr id="34" name="pt31"/>
+            <p:cNvSpPr/>
+            <p:nvPr/>
+          </p:nvSpPr>
+          <p:spPr>
+            <a:xfrm>
+              <a:off x="3207841" y="4451436"/>
+              <a:ext cx="49651" cy="49651"/>
+            </a:xfrm>
+            <a:prstGeom prst="ellipse">
+              <a:avLst/>
+            </a:prstGeom>
+            <a:solidFill>
+              <a:srgbClr val="F8766D">
+                <a:alpha val="100000"/>
+              </a:srgbClr>
+            </a:solidFill>
+            <a:ln w="9000" cap="rnd">
+              <a:solidFill>
+                <a:srgbClr val="F8766D">
+                  <a:alpha val="100000"/>
+                </a:srgbClr>
+              </a:solidFill>
+              <a:prstDash val="solid"/>
+              <a:round/>
+            </a:ln>
+          </p:spPr>
+          <p:txBody>
+            <a:bodyPr/>
+            <a:lstStyle/>
+            <a:p/>
+          </p:txBody>
+        </p:sp>
+        <p:sp>
+          <p:nvSpPr>
+            <p:cNvPr id="35" name="pt32"/>
+            <p:cNvSpPr/>
+            <p:nvPr/>
+          </p:nvSpPr>
+          <p:spPr>
+            <a:xfrm>
+              <a:off x="1541325" y="4992673"/>
+              <a:ext cx="49651" cy="49651"/>
+            </a:xfrm>
+            <a:prstGeom prst="ellipse">
+              <a:avLst/>
+            </a:prstGeom>
+            <a:solidFill>
+              <a:srgbClr val="F8766D">
+                <a:alpha val="100000"/>
+              </a:srgbClr>
+            </a:solidFill>
+            <a:ln w="9000" cap="rnd">
+              <a:solidFill>
+                <a:srgbClr val="F8766D">
+                  <a:alpha val="100000"/>
+                </a:srgbClr>
+              </a:solidFill>
+              <a:prstDash val="solid"/>
+              <a:round/>
+            </a:ln>
+          </p:spPr>
+          <p:txBody>
+            <a:bodyPr/>
+            <a:lstStyle/>
+            <a:p/>
+          </p:txBody>
+        </p:sp>
+        <p:sp>
+          <p:nvSpPr>
+            <p:cNvPr id="36" name="pt33"/>
+            <p:cNvSpPr/>
+            <p:nvPr/>
+          </p:nvSpPr>
+          <p:spPr>
+            <a:xfrm>
+              <a:off x="2930088" y="4776178"/>
+              <a:ext cx="49651" cy="49651"/>
+            </a:xfrm>
+            <a:prstGeom prst="ellipse">
+              <a:avLst/>
+            </a:prstGeom>
+            <a:solidFill>
+              <a:srgbClr val="F8766D">
+                <a:alpha val="100000"/>
+              </a:srgbClr>
+            </a:solidFill>
+            <a:ln w="9000" cap="rnd">
+              <a:solidFill>
+                <a:srgbClr val="F8766D">
+                  <a:alpha val="100000"/>
+                </a:srgbClr>
+              </a:solidFill>
+              <a:prstDash val="solid"/>
+              <a:round/>
+            </a:ln>
+          </p:spPr>
+          <p:txBody>
+            <a:bodyPr/>
+            <a:lstStyle/>
+            <a:p/>
+          </p:txBody>
+        </p:sp>
+        <p:sp>
+          <p:nvSpPr>
+            <p:cNvPr id="37" name="pt34"/>
+            <p:cNvSpPr/>
+            <p:nvPr/>
+          </p:nvSpPr>
+          <p:spPr>
+            <a:xfrm>
+              <a:off x="4318851" y="4126694"/>
+              <a:ext cx="49651" cy="49651"/>
+            </a:xfrm>
+            <a:prstGeom prst="ellipse">
+              <a:avLst/>
+            </a:prstGeom>
+            <a:solidFill>
+              <a:srgbClr val="F8766D">
+                <a:alpha val="100000"/>
+              </a:srgbClr>
+            </a:solidFill>
+            <a:ln w="9000" cap="rnd">
+              <a:solidFill>
+                <a:srgbClr val="F8766D">
+                  <a:alpha val="100000"/>
+                </a:srgbClr>
+              </a:solidFill>
+              <a:prstDash val="solid"/>
+              <a:round/>
+            </a:ln>
+          </p:spPr>
+          <p:txBody>
+            <a:bodyPr/>
+            <a:lstStyle/>
+            <a:p/>
+          </p:txBody>
+        </p:sp>
+        <p:sp>
+          <p:nvSpPr>
+            <p:cNvPr id="38" name="pt35"/>
+            <p:cNvSpPr/>
+            <p:nvPr/>
+          </p:nvSpPr>
+          <p:spPr>
+            <a:xfrm>
+              <a:off x="2652335" y="4451436"/>
+              <a:ext cx="49651" cy="49651"/>
+            </a:xfrm>
+            <a:prstGeom prst="ellipse">
+              <a:avLst/>
+            </a:prstGeom>
+            <a:solidFill>
+              <a:srgbClr val="F8766D">
+                <a:alpha val="100000"/>
+              </a:srgbClr>
+            </a:solidFill>
+            <a:ln w="9000" cap="rnd">
+              <a:solidFill>
+                <a:srgbClr val="F8766D">
+                  <a:alpha val="100000"/>
+                </a:srgbClr>
+              </a:solidFill>
+              <a:prstDash val="solid"/>
+              <a:round/>
+            </a:ln>
+          </p:spPr>
+          <p:txBody>
+            <a:bodyPr/>
+            <a:lstStyle/>
+            <a:p/>
+          </p:txBody>
+        </p:sp>
+        <p:sp>
+          <p:nvSpPr>
+            <p:cNvPr id="39" name="pt36"/>
+            <p:cNvSpPr/>
+            <p:nvPr/>
+          </p:nvSpPr>
+          <p:spPr>
+            <a:xfrm>
+              <a:off x="2652335" y="4884426"/>
+              <a:ext cx="49651" cy="49651"/>
+            </a:xfrm>
+            <a:prstGeom prst="ellipse">
+              <a:avLst/>
+            </a:prstGeom>
+            <a:solidFill>
+              <a:srgbClr val="F8766D">
+                <a:alpha val="100000"/>
+              </a:srgbClr>
+            </a:solidFill>
+            <a:ln w="9000" cap="rnd">
+              <a:solidFill>
+                <a:srgbClr val="F8766D">
+                  <a:alpha val="100000"/>
+                </a:srgbClr>
+              </a:solidFill>
+              <a:prstDash val="solid"/>
+              <a:round/>
+            </a:ln>
+          </p:spPr>
+          <p:txBody>
+            <a:bodyPr/>
+            <a:lstStyle/>
+            <a:p/>
+          </p:txBody>
+        </p:sp>
+        <p:sp>
+          <p:nvSpPr>
+            <p:cNvPr id="40" name="pt37"/>
+            <p:cNvSpPr/>
+            <p:nvPr/>
+          </p:nvSpPr>
+          <p:spPr>
+            <a:xfrm>
+              <a:off x="1263572" y="4884426"/>
+              <a:ext cx="49651" cy="49651"/>
+            </a:xfrm>
+            <a:prstGeom prst="ellipse">
+              <a:avLst/>
+            </a:prstGeom>
+            <a:solidFill>
+              <a:srgbClr val="F8766D">
+                <a:alpha val="100000"/>
+              </a:srgbClr>
+            </a:solidFill>
+            <a:ln w="9000" cap="rnd">
+              <a:solidFill>
+                <a:srgbClr val="F8766D">
+                  <a:alpha val="100000"/>
+                </a:srgbClr>
+              </a:solidFill>
+              <a:prstDash val="solid"/>
+              <a:round/>
+            </a:ln>
+          </p:spPr>
+          <p:txBody>
+            <a:bodyPr/>
+            <a:lstStyle/>
+            <a:p/>
+          </p:txBody>
+        </p:sp>
+        <p:sp>
+          <p:nvSpPr>
+            <p:cNvPr id="41" name="pt38"/>
+            <p:cNvSpPr/>
+            <p:nvPr/>
+          </p:nvSpPr>
+          <p:spPr>
+            <a:xfrm>
+              <a:off x="5429862" y="3801952"/>
+              <a:ext cx="49651" cy="49651"/>
+            </a:xfrm>
+            <a:prstGeom prst="ellipse">
+              <a:avLst/>
+            </a:prstGeom>
+            <a:solidFill>
+              <a:srgbClr val="F8766D">
+                <a:alpha val="100000"/>
+              </a:srgbClr>
+            </a:solidFill>
+            <a:ln w="9000" cap="rnd">
+              <a:solidFill>
+                <a:srgbClr val="F8766D">
+                  <a:alpha val="100000"/>
+                </a:srgbClr>
+              </a:solidFill>
+              <a:prstDash val="solid"/>
+              <a:round/>
+            </a:ln>
+          </p:spPr>
+          <p:txBody>
+            <a:bodyPr/>
+            <a:lstStyle/>
+            <a:p/>
+          </p:txBody>
+        </p:sp>
+        <p:sp>
+          <p:nvSpPr>
+            <p:cNvPr id="42" name="pt39"/>
+            <p:cNvSpPr/>
+            <p:nvPr/>
+          </p:nvSpPr>
+          <p:spPr>
+            <a:xfrm>
+              <a:off x="5152109" y="3368963"/>
+              <a:ext cx="49651" cy="49651"/>
+            </a:xfrm>
+            <a:prstGeom prst="ellipse">
+              <a:avLst/>
+            </a:prstGeom>
+            <a:solidFill>
+              <a:srgbClr val="F8766D">
+                <a:alpha val="100000"/>
+              </a:srgbClr>
+            </a:solidFill>
+            <a:ln w="9000" cap="rnd">
+              <a:solidFill>
+                <a:srgbClr val="F8766D">
+                  <a:alpha val="100000"/>
+                </a:srgbClr>
+              </a:solidFill>
+              <a:prstDash val="solid"/>
+              <a:round/>
+            </a:ln>
+          </p:spPr>
+          <p:txBody>
+            <a:bodyPr/>
+            <a:lstStyle/>
+            <a:p/>
+          </p:txBody>
+        </p:sp>
+        <p:sp>
+          <p:nvSpPr>
+            <p:cNvPr id="43" name="pt40"/>
+            <p:cNvSpPr/>
+            <p:nvPr/>
+          </p:nvSpPr>
+          <p:spPr>
+            <a:xfrm>
+              <a:off x="4318851" y="3910200"/>
+              <a:ext cx="49651" cy="49651"/>
+            </a:xfrm>
+            <a:prstGeom prst="ellipse">
+              <a:avLst/>
+            </a:prstGeom>
+            <a:solidFill>
+              <a:srgbClr val="F8766D">
+                <a:alpha val="100000"/>
+              </a:srgbClr>
+            </a:solidFill>
+            <a:ln w="9000" cap="rnd">
+              <a:solidFill>
+                <a:srgbClr val="F8766D">
+                  <a:alpha val="100000"/>
+                </a:srgbClr>
+              </a:solidFill>
+              <a:prstDash val="solid"/>
+              <a:round/>
+            </a:ln>
+          </p:spPr>
+          <p:txBody>
+            <a:bodyPr/>
+            <a:lstStyle/>
+            <a:p/>
+          </p:txBody>
+        </p:sp>
+        <p:sp>
+          <p:nvSpPr>
+            <p:cNvPr id="44" name="pt41"/>
+            <p:cNvSpPr/>
+            <p:nvPr/>
+          </p:nvSpPr>
+          <p:spPr>
+            <a:xfrm>
+              <a:off x="3485593" y="4343189"/>
+              <a:ext cx="49651" cy="49651"/>
+            </a:xfrm>
+            <a:prstGeom prst="ellipse">
+              <a:avLst/>
+            </a:prstGeom>
+            <a:solidFill>
+              <a:srgbClr val="F8766D">
+                <a:alpha val="100000"/>
+              </a:srgbClr>
+            </a:solidFill>
+            <a:ln w="9000" cap="rnd">
+              <a:solidFill>
+                <a:srgbClr val="F8766D">
+                  <a:alpha val="100000"/>
+                </a:srgbClr>
+              </a:solidFill>
+              <a:prstDash val="solid"/>
+              <a:round/>
+            </a:ln>
+          </p:spPr>
+          <p:txBody>
+            <a:bodyPr/>
+            <a:lstStyle/>
+            <a:p/>
+          </p:txBody>
+        </p:sp>
+        <p:sp>
+          <p:nvSpPr>
+            <p:cNvPr id="45" name="pt42"/>
+            <p:cNvSpPr/>
+            <p:nvPr/>
+          </p:nvSpPr>
+          <p:spPr>
+            <a:xfrm>
+              <a:off x="5152109" y="4018447"/>
+              <a:ext cx="49651" cy="49651"/>
+            </a:xfrm>
+            <a:prstGeom prst="ellipse">
+              <a:avLst/>
+            </a:prstGeom>
+            <a:solidFill>
+              <a:srgbClr val="F8766D">
+                <a:alpha val="100000"/>
+              </a:srgbClr>
+            </a:solidFill>
+            <a:ln w="9000" cap="rnd">
+              <a:solidFill>
+                <a:srgbClr val="F8766D">
+                  <a:alpha val="100000"/>
+                </a:srgbClr>
+              </a:solidFill>
+              <a:prstDash val="solid"/>
+              <a:round/>
+            </a:ln>
+          </p:spPr>
+          <p:txBody>
+            <a:bodyPr/>
+            <a:lstStyle/>
+            <a:p/>
+          </p:txBody>
+        </p:sp>
+        <p:sp>
+          <p:nvSpPr>
+            <p:cNvPr id="46" name="pt43"/>
+            <p:cNvSpPr/>
+            <p:nvPr/>
+          </p:nvSpPr>
+          <p:spPr>
+            <a:xfrm>
+              <a:off x="3485593" y="4018447"/>
+              <a:ext cx="49651" cy="49651"/>
+            </a:xfrm>
+            <a:prstGeom prst="ellipse">
+              <a:avLst/>
+            </a:prstGeom>
+            <a:solidFill>
+              <a:srgbClr val="F8766D">
+                <a:alpha val="100000"/>
+              </a:srgbClr>
+            </a:solidFill>
+            <a:ln w="9000" cap="rnd">
+              <a:solidFill>
+                <a:srgbClr val="F8766D">
+                  <a:alpha val="100000"/>
+                </a:srgbClr>
+              </a:solidFill>
+              <a:prstDash val="solid"/>
+              <a:round/>
+            </a:ln>
+          </p:spPr>
+          <p:txBody>
+            <a:bodyPr/>
+            <a:lstStyle/>
+            <a:p/>
+          </p:txBody>
+        </p:sp>
+        <p:sp>
+          <p:nvSpPr>
+            <p:cNvPr id="47" name="pt44"/>
+            <p:cNvSpPr/>
+            <p:nvPr/>
+          </p:nvSpPr>
+          <p:spPr>
+            <a:xfrm>
+              <a:off x="4318851" y="4451436"/>
+              <a:ext cx="49651" cy="49651"/>
+            </a:xfrm>
+            <a:prstGeom prst="ellipse">
+              <a:avLst/>
+            </a:prstGeom>
+            <a:solidFill>
+              <a:srgbClr val="F8766D">
+                <a:alpha val="100000"/>
+              </a:srgbClr>
+            </a:solidFill>
+            <a:ln w="9000" cap="rnd">
+              <a:solidFill>
+                <a:srgbClr val="F8766D">
+                  <a:alpha val="100000"/>
+                </a:srgbClr>
+              </a:solidFill>
+              <a:prstDash val="solid"/>
+              <a:round/>
+            </a:ln>
+          </p:spPr>
+          <p:txBody>
+            <a:bodyPr/>
+            <a:lstStyle/>
+            <a:p/>
+          </p:txBody>
+        </p:sp>
+        <p:sp>
+          <p:nvSpPr>
+            <p:cNvPr id="48" name="pt45"/>
+            <p:cNvSpPr/>
+            <p:nvPr/>
+          </p:nvSpPr>
+          <p:spPr>
+            <a:xfrm>
+              <a:off x="3485593" y="4126694"/>
+              <a:ext cx="49651" cy="49651"/>
+            </a:xfrm>
+            <a:prstGeom prst="ellipse">
+              <a:avLst/>
+            </a:prstGeom>
+            <a:solidFill>
+              <a:srgbClr val="F8766D">
+                <a:alpha val="100000"/>
+              </a:srgbClr>
+            </a:solidFill>
+            <a:ln w="9000" cap="rnd">
+              <a:solidFill>
+                <a:srgbClr val="F8766D">
+                  <a:alpha val="100000"/>
+                </a:srgbClr>
+              </a:solidFill>
+              <a:prstDash val="solid"/>
+              <a:round/>
+            </a:ln>
+          </p:spPr>
+          <p:txBody>
+            <a:bodyPr/>
+            <a:lstStyle/>
+            <a:p/>
+          </p:txBody>
+        </p:sp>
+        <p:sp>
+          <p:nvSpPr>
+            <p:cNvPr id="49" name="pt46"/>
+            <p:cNvSpPr/>
+            <p:nvPr/>
+          </p:nvSpPr>
+          <p:spPr>
+            <a:xfrm>
+              <a:off x="2096830" y="4234942"/>
+              <a:ext cx="49651" cy="49651"/>
+            </a:xfrm>
+            <a:prstGeom prst="ellipse">
+              <a:avLst/>
+            </a:prstGeom>
+            <a:solidFill>
+              <a:srgbClr val="F8766D">
+                <a:alpha val="100000"/>
+              </a:srgbClr>
+            </a:solidFill>
+            <a:ln w="9000" cap="rnd">
+              <a:solidFill>
+                <a:srgbClr val="F8766D">
+                  <a:alpha val="100000"/>
+                </a:srgbClr>
+              </a:solidFill>
+              <a:prstDash val="solid"/>
+              <a:round/>
+            </a:ln>
+          </p:spPr>
+          <p:txBody>
+            <a:bodyPr/>
+            <a:lstStyle/>
+            <a:p/>
+          </p:txBody>
+        </p:sp>
+        <p:sp>
+          <p:nvSpPr>
+            <p:cNvPr id="50" name="pt47"/>
+            <p:cNvSpPr/>
+            <p:nvPr/>
+          </p:nvSpPr>
+          <p:spPr>
+            <a:xfrm>
+              <a:off x="3485593" y="4559684"/>
+              <a:ext cx="49651" cy="49651"/>
+            </a:xfrm>
+            <a:prstGeom prst="ellipse">
+              <a:avLst/>
+            </a:prstGeom>
+            <a:solidFill>
+              <a:srgbClr val="F8766D">
+                <a:alpha val="100000"/>
+              </a:srgbClr>
+            </a:solidFill>
+            <a:ln w="9000" cap="rnd">
+              <a:solidFill>
+                <a:srgbClr val="F8766D">
+                  <a:alpha val="100000"/>
+                </a:srgbClr>
+              </a:solidFill>
+              <a:prstDash val="solid"/>
+              <a:round/>
+            </a:ln>
+          </p:spPr>
+          <p:txBody>
+            <a:bodyPr/>
+            <a:lstStyle/>
+            <a:p/>
+          </p:txBody>
+        </p:sp>
+        <p:sp>
+          <p:nvSpPr>
+            <p:cNvPr id="51" name="pt48"/>
+            <p:cNvSpPr/>
+            <p:nvPr/>
+          </p:nvSpPr>
+          <p:spPr>
+            <a:xfrm>
+              <a:off x="2652335" y="4451436"/>
+              <a:ext cx="49651" cy="49651"/>
+            </a:xfrm>
+            <a:prstGeom prst="ellipse">
+              <a:avLst/>
+            </a:prstGeom>
+            <a:solidFill>
+              <a:srgbClr val="F8766D">
+                <a:alpha val="100000"/>
+              </a:srgbClr>
+            </a:solidFill>
+            <a:ln w="9000" cap="rnd">
+              <a:solidFill>
+                <a:srgbClr val="F8766D">
+                  <a:alpha val="100000"/>
+                </a:srgbClr>
+              </a:solidFill>
+              <a:prstDash val="solid"/>
+              <a:round/>
+            </a:ln>
+          </p:spPr>
+          <p:txBody>
+            <a:bodyPr/>
+            <a:lstStyle/>
+            <a:p/>
+          </p:txBody>
+        </p:sp>
+        <p:sp>
+          <p:nvSpPr>
+            <p:cNvPr id="52" name="pt49"/>
+            <p:cNvSpPr/>
+            <p:nvPr/>
+          </p:nvSpPr>
+          <p:spPr>
+            <a:xfrm>
+              <a:off x="3207841" y="4884426"/>
+              <a:ext cx="49651" cy="49651"/>
+            </a:xfrm>
+            <a:prstGeom prst="ellipse">
+              <a:avLst/>
+            </a:prstGeom>
+            <a:solidFill>
+              <a:srgbClr val="F8766D">
+                <a:alpha val="100000"/>
+              </a:srgbClr>
+            </a:solidFill>
+            <a:ln w="9000" cap="rnd">
+              <a:solidFill>
+                <a:srgbClr val="F8766D">
+                  <a:alpha val="100000"/>
+                </a:srgbClr>
+              </a:solidFill>
+              <a:prstDash val="solid"/>
+              <a:round/>
+            </a:ln>
+          </p:spPr>
+          <p:txBody>
+            <a:bodyPr/>
+            <a:lstStyle/>
+            <a:p/>
+          </p:txBody>
+        </p:sp>
+        <p:sp>
+          <p:nvSpPr>
+            <p:cNvPr id="53" name="pt50"/>
+            <p:cNvSpPr/>
+            <p:nvPr/>
+          </p:nvSpPr>
+          <p:spPr>
+            <a:xfrm>
+              <a:off x="3207841" y="4451436"/>
+              <a:ext cx="49651" cy="49651"/>
+            </a:xfrm>
+            <a:prstGeom prst="ellipse">
+              <a:avLst/>
+            </a:prstGeom>
+            <a:solidFill>
+              <a:srgbClr val="F8766D">
+                <a:alpha val="100000"/>
+              </a:srgbClr>
+            </a:solidFill>
+            <a:ln w="9000" cap="rnd">
+              <a:solidFill>
+                <a:srgbClr val="F8766D">
+                  <a:alpha val="100000"/>
+                </a:srgbClr>
+              </a:solidFill>
+              <a:prstDash val="solid"/>
+              <a:round/>
+            </a:ln>
+          </p:spPr>
+          <p:txBody>
+            <a:bodyPr/>
+            <a:lstStyle/>
+            <a:p/>
+          </p:txBody>
+        </p:sp>
+        <p:sp>
+          <p:nvSpPr>
+            <p:cNvPr id="54" name="pt51"/>
+            <p:cNvSpPr/>
+            <p:nvPr/>
+          </p:nvSpPr>
+          <p:spPr>
+            <a:xfrm>
+              <a:off x="3763346" y="4343189"/>
+              <a:ext cx="49651" cy="49651"/>
+            </a:xfrm>
+            <a:prstGeom prst="ellipse">
+              <a:avLst/>
+            </a:prstGeom>
+            <a:solidFill>
+              <a:srgbClr val="F8766D">
+                <a:alpha val="100000"/>
+              </a:srgbClr>
+            </a:solidFill>
+            <a:ln w="9000" cap="rnd">
+              <a:solidFill>
+                <a:srgbClr val="F8766D">
+                  <a:alpha val="100000"/>
+                </a:srgbClr>
+              </a:solidFill>
+              <a:prstDash val="solid"/>
+              <a:round/>
+            </a:ln>
+          </p:spPr>
+          <p:txBody>
+            <a:bodyPr/>
+            <a:lstStyle/>
+            <a:p/>
+          </p:txBody>
+        </p:sp>
+        <p:sp>
+          <p:nvSpPr>
+            <p:cNvPr id="55" name="pt52"/>
+            <p:cNvSpPr/>
+            <p:nvPr/>
+          </p:nvSpPr>
+          <p:spPr>
+            <a:xfrm>
+              <a:off x="3763346" y="4451436"/>
+              <a:ext cx="49651" cy="49651"/>
+            </a:xfrm>
+            <a:prstGeom prst="ellipse">
+              <a:avLst/>
+            </a:prstGeom>
+            <a:solidFill>
+              <a:srgbClr val="F8766D">
+                <a:alpha val="100000"/>
+              </a:srgbClr>
+            </a:solidFill>
+            <a:ln w="9000" cap="rnd">
+              <a:solidFill>
+                <a:srgbClr val="F8766D">
+                  <a:alpha val="100000"/>
+                </a:srgbClr>
+              </a:solidFill>
+              <a:prstDash val="solid"/>
+              <a:round/>
+            </a:ln>
+          </p:spPr>
+          <p:txBody>
+            <a:bodyPr/>
+            <a:lstStyle/>
+            <a:p/>
+          </p:txBody>
+        </p:sp>
+        <p:sp>
+          <p:nvSpPr>
+            <p:cNvPr id="56" name="pt53"/>
+            <p:cNvSpPr/>
+            <p:nvPr/>
+          </p:nvSpPr>
+          <p:spPr>
+            <a:xfrm>
+              <a:off x="2374583" y="4667931"/>
+              <a:ext cx="49651" cy="49651"/>
+            </a:xfrm>
+            <a:prstGeom prst="ellipse">
+              <a:avLst/>
+            </a:prstGeom>
+            <a:solidFill>
+              <a:srgbClr val="F8766D">
+                <a:alpha val="100000"/>
+              </a:srgbClr>
+            </a:solidFill>
+            <a:ln w="9000" cap="rnd">
+              <a:solidFill>
+                <a:srgbClr val="F8766D">
+                  <a:alpha val="100000"/>
+                </a:srgbClr>
+              </a:solidFill>
+              <a:prstDash val="solid"/>
+              <a:round/>
+            </a:ln>
+          </p:spPr>
+          <p:txBody>
+            <a:bodyPr/>
+            <a:lstStyle/>
+            <a:p/>
+          </p:txBody>
+        </p:sp>
+        <p:sp>
+          <p:nvSpPr>
+            <p:cNvPr id="57" name="pt54"/>
+            <p:cNvSpPr/>
+            <p:nvPr/>
+          </p:nvSpPr>
+          <p:spPr>
+            <a:xfrm>
+              <a:off x="2652335" y="4776178"/>
+              <a:ext cx="49651" cy="49651"/>
+            </a:xfrm>
+            <a:prstGeom prst="ellipse">
+              <a:avLst/>
+            </a:prstGeom>
+            <a:solidFill>
+              <a:srgbClr val="F8766D">
+                <a:alpha val="100000"/>
+              </a:srgbClr>
+            </a:solidFill>
+            <a:ln w="9000" cap="rnd">
+              <a:solidFill>
+                <a:srgbClr val="F8766D">
+                  <a:alpha val="100000"/>
+                </a:srgbClr>
+              </a:solidFill>
+              <a:prstDash val="solid"/>
+              <a:round/>
+            </a:ln>
+          </p:spPr>
+          <p:txBody>
+            <a:bodyPr/>
+            <a:lstStyle/>
+            <a:p/>
+          </p:txBody>
+        </p:sp>
+        <p:sp>
+          <p:nvSpPr>
+            <p:cNvPr id="58" name="pt55"/>
+            <p:cNvSpPr/>
+            <p:nvPr/>
+          </p:nvSpPr>
+          <p:spPr>
+            <a:xfrm>
+              <a:off x="4318851" y="4451436"/>
+              <a:ext cx="49651" cy="49651"/>
+            </a:xfrm>
+            <a:prstGeom prst="ellipse">
+              <a:avLst/>
+            </a:prstGeom>
+            <a:solidFill>
+              <a:srgbClr val="F8766D">
+                <a:alpha val="100000"/>
+              </a:srgbClr>
+            </a:solidFill>
+            <a:ln w="9000" cap="rnd">
+              <a:solidFill>
+                <a:srgbClr val="F8766D">
+                  <a:alpha val="100000"/>
+                </a:srgbClr>
+              </a:solidFill>
+              <a:prstDash val="solid"/>
+              <a:round/>
+            </a:ln>
+          </p:spPr>
+          <p:txBody>
+            <a:bodyPr/>
+            <a:lstStyle/>
+            <a:p/>
+          </p:txBody>
+        </p:sp>
+        <p:sp>
+          <p:nvSpPr>
+            <p:cNvPr id="59" name="pt56"/>
+            <p:cNvSpPr/>
+            <p:nvPr/>
+          </p:nvSpPr>
+          <p:spPr>
+            <a:xfrm>
+              <a:off x="3763346" y="3693705"/>
+              <a:ext cx="49651" cy="49651"/>
+            </a:xfrm>
+            <a:prstGeom prst="ellipse">
+              <a:avLst/>
+            </a:prstGeom>
+            <a:solidFill>
+              <a:srgbClr val="F8766D">
+                <a:alpha val="100000"/>
+              </a:srgbClr>
+            </a:solidFill>
+            <a:ln w="9000" cap="rnd">
+              <a:solidFill>
+                <a:srgbClr val="F8766D">
+                  <a:alpha val="100000"/>
+                </a:srgbClr>
+              </a:solidFill>
+              <a:prstDash val="solid"/>
+              <a:round/>
+            </a:ln>
+          </p:spPr>
+          <p:txBody>
+            <a:bodyPr/>
+            <a:lstStyle/>
+            <a:p/>
+          </p:txBody>
+        </p:sp>
+        <p:sp>
+          <p:nvSpPr>
+            <p:cNvPr id="60" name="pt57"/>
+            <p:cNvSpPr/>
+            <p:nvPr/>
+          </p:nvSpPr>
+          <p:spPr>
+            <a:xfrm>
+              <a:off x="4596604" y="3585458"/>
+              <a:ext cx="49651" cy="49651"/>
+            </a:xfrm>
+            <a:prstGeom prst="ellipse">
+              <a:avLst/>
+            </a:prstGeom>
+            <a:solidFill>
+              <a:srgbClr val="F8766D">
+                <a:alpha val="100000"/>
+              </a:srgbClr>
+            </a:solidFill>
+            <a:ln w="9000" cap="rnd">
+              <a:solidFill>
+                <a:srgbClr val="F8766D">
+                  <a:alpha val="100000"/>
+                </a:srgbClr>
+              </a:solidFill>
+              <a:prstDash val="solid"/>
+              <a:round/>
+            </a:ln>
+          </p:spPr>
+          <p:txBody>
+            <a:bodyPr/>
+            <a:lstStyle/>
+            <a:p/>
+          </p:txBody>
+        </p:sp>
+        <p:sp>
+          <p:nvSpPr>
+            <p:cNvPr id="61" name="pt58"/>
+            <p:cNvSpPr/>
+            <p:nvPr/>
+          </p:nvSpPr>
+          <p:spPr>
+            <a:xfrm>
+              <a:off x="2930088" y="4776178"/>
+              <a:ext cx="49651" cy="49651"/>
+            </a:xfrm>
+            <a:prstGeom prst="ellipse">
+              <a:avLst/>
+            </a:prstGeom>
+            <a:solidFill>
+              <a:srgbClr val="F8766D">
+                <a:alpha val="100000"/>
+              </a:srgbClr>
+            </a:solidFill>
+            <a:ln w="9000" cap="rnd">
+              <a:solidFill>
+                <a:srgbClr val="F8766D">
+                  <a:alpha val="100000"/>
+                </a:srgbClr>
+              </a:solidFill>
+              <a:prstDash val="solid"/>
+              <a:round/>
+            </a:ln>
+          </p:spPr>
+          <p:txBody>
+            <a:bodyPr/>
+            <a:lstStyle/>
+            <a:p/>
+          </p:txBody>
+        </p:sp>
+        <p:sp>
+          <p:nvSpPr>
+            <p:cNvPr id="62" name="pt59"/>
+            <p:cNvSpPr/>
+            <p:nvPr/>
+          </p:nvSpPr>
+          <p:spPr>
+            <a:xfrm>
+              <a:off x="3207841" y="4667931"/>
+              <a:ext cx="49651" cy="49651"/>
+            </a:xfrm>
+            <a:prstGeom prst="ellipse">
+              <a:avLst/>
+            </a:prstGeom>
+            <a:solidFill>
+              <a:srgbClr val="F8766D">
+                <a:alpha val="100000"/>
+              </a:srgbClr>
+            </a:solidFill>
+            <a:ln w="9000" cap="rnd">
+              <a:solidFill>
+                <a:srgbClr val="F8766D">
+                  <a:alpha val="100000"/>
+                </a:srgbClr>
+              </a:solidFill>
+              <a:prstDash val="solid"/>
+              <a:round/>
+            </a:ln>
+          </p:spPr>
+          <p:txBody>
+            <a:bodyPr/>
+            <a:lstStyle/>
+            <a:p/>
+          </p:txBody>
+        </p:sp>
+        <p:sp>
+          <p:nvSpPr>
+            <p:cNvPr id="63" name="pt60"/>
+            <p:cNvSpPr/>
+            <p:nvPr/>
+          </p:nvSpPr>
+          <p:spPr>
+            <a:xfrm>
+              <a:off x="4596604" y="4343189"/>
+              <a:ext cx="49651" cy="49651"/>
+            </a:xfrm>
+            <a:prstGeom prst="ellipse">
+              <a:avLst/>
+            </a:prstGeom>
+            <a:solidFill>
+              <a:srgbClr val="F8766D">
+                <a:alpha val="100000"/>
+              </a:srgbClr>
+            </a:solidFill>
+            <a:ln w="9000" cap="rnd">
+              <a:solidFill>
+                <a:srgbClr val="F8766D">
+                  <a:alpha val="100000"/>
+                </a:srgbClr>
+              </a:solidFill>
+              <a:prstDash val="solid"/>
+              <a:round/>
+            </a:ln>
+          </p:spPr>
+          <p:txBody>
+            <a:bodyPr/>
+            <a:lstStyle/>
+            <a:p/>
+          </p:txBody>
+        </p:sp>
+        <p:sp>
+          <p:nvSpPr>
+            <p:cNvPr id="64" name="pt61"/>
+            <p:cNvSpPr/>
+            <p:nvPr/>
+          </p:nvSpPr>
+          <p:spPr>
+            <a:xfrm>
+              <a:off x="2930088" y="4234942"/>
+              <a:ext cx="49651" cy="49651"/>
+            </a:xfrm>
+            <a:prstGeom prst="ellipse">
+              <a:avLst/>
+            </a:prstGeom>
+            <a:solidFill>
+              <a:srgbClr val="F8766D">
+                <a:alpha val="100000"/>
+              </a:srgbClr>
+            </a:solidFill>
+            <a:ln w="9000" cap="rnd">
+              <a:solidFill>
+                <a:srgbClr val="F8766D">
+                  <a:alpha val="100000"/>
+                </a:srgbClr>
+              </a:solidFill>
+              <a:prstDash val="solid"/>
+              <a:round/>
+            </a:ln>
+          </p:spPr>
+          <p:txBody>
+            <a:bodyPr/>
+            <a:lstStyle/>
+            <a:p/>
+          </p:txBody>
+        </p:sp>
+        <p:sp>
+          <p:nvSpPr>
+            <p:cNvPr id="65" name="pt62"/>
+            <p:cNvSpPr/>
+            <p:nvPr/>
+          </p:nvSpPr>
+          <p:spPr>
+            <a:xfrm>
+              <a:off x="1541325" y="4884426"/>
+              <a:ext cx="49651" cy="49651"/>
+            </a:xfrm>
+            <a:prstGeom prst="ellipse">
+              <a:avLst/>
+            </a:prstGeom>
+            <a:solidFill>
+              <a:srgbClr val="F8766D">
+                <a:alpha val="100000"/>
+              </a:srgbClr>
+            </a:solidFill>
+            <a:ln w="9000" cap="rnd">
+              <a:solidFill>
+                <a:srgbClr val="F8766D">
+                  <a:alpha val="100000"/>
+                </a:srgbClr>
+              </a:solidFill>
+              <a:prstDash val="solid"/>
+              <a:round/>
+            </a:ln>
+          </p:spPr>
+          <p:txBody>
+            <a:bodyPr/>
+            <a:lstStyle/>
+            <a:p/>
+          </p:txBody>
+        </p:sp>
+        <p:sp>
+          <p:nvSpPr>
+            <p:cNvPr id="66" name="pt63"/>
+            <p:cNvSpPr/>
+            <p:nvPr/>
+          </p:nvSpPr>
+          <p:spPr>
+            <a:xfrm>
+              <a:off x="3485593" y="4451436"/>
+              <a:ext cx="49651" cy="49651"/>
+            </a:xfrm>
+            <a:prstGeom prst="ellipse">
+              <a:avLst/>
+            </a:prstGeom>
+            <a:solidFill>
+              <a:srgbClr val="F8766D">
+                <a:alpha val="100000"/>
+              </a:srgbClr>
+            </a:solidFill>
+            <a:ln w="9000" cap="rnd">
+              <a:solidFill>
+                <a:srgbClr val="F8766D">
+                  <a:alpha val="100000"/>
+                </a:srgbClr>
+              </a:solidFill>
+              <a:prstDash val="solid"/>
+              <a:round/>
+            </a:ln>
+          </p:spPr>
+          <p:txBody>
+            <a:bodyPr/>
+            <a:lstStyle/>
+            <a:p/>
+          </p:txBody>
+        </p:sp>
+        <p:sp>
+          <p:nvSpPr>
+            <p:cNvPr id="67" name="pt64"/>
+            <p:cNvSpPr/>
+            <p:nvPr/>
+          </p:nvSpPr>
+          <p:spPr>
+            <a:xfrm>
+              <a:off x="3207841" y="4343189"/>
+              <a:ext cx="49651" cy="49651"/>
+            </a:xfrm>
+            <a:prstGeom prst="ellipse">
+              <a:avLst/>
+            </a:prstGeom>
+            <a:solidFill>
+              <a:srgbClr val="F8766D">
+                <a:alpha val="100000"/>
+              </a:srgbClr>
+            </a:solidFill>
+            <a:ln w="9000" cap="rnd">
+              <a:solidFill>
+                <a:srgbClr val="F8766D">
+                  <a:alpha val="100000"/>
+                </a:srgbClr>
+              </a:solidFill>
+              <a:prstDash val="solid"/>
+              <a:round/>
+            </a:ln>
+          </p:spPr>
+          <p:txBody>
+            <a:bodyPr/>
+            <a:lstStyle/>
+            <a:p/>
+          </p:txBody>
+        </p:sp>
+        <p:sp>
+          <p:nvSpPr>
+            <p:cNvPr id="68" name="pt65"/>
+            <p:cNvSpPr/>
+            <p:nvPr/>
+          </p:nvSpPr>
+          <p:spPr>
+            <a:xfrm>
+              <a:off x="1819077" y="5642157"/>
+              <a:ext cx="49651" cy="49651"/>
+            </a:xfrm>
+            <a:prstGeom prst="ellipse">
+              <a:avLst/>
+            </a:prstGeom>
+            <a:solidFill>
+              <a:srgbClr val="F8766D">
+                <a:alpha val="100000"/>
+              </a:srgbClr>
+            </a:solidFill>
+            <a:ln w="9000" cap="rnd">
+              <a:solidFill>
+                <a:srgbClr val="F8766D">
+                  <a:alpha val="100000"/>
+                </a:srgbClr>
+              </a:solidFill>
+              <a:prstDash val="solid"/>
+              <a:round/>
+            </a:ln>
+          </p:spPr>
+          <p:txBody>
+            <a:bodyPr/>
+            <a:lstStyle/>
+            <a:p/>
+          </p:txBody>
+        </p:sp>
+        <p:sp>
+          <p:nvSpPr>
+            <p:cNvPr id="69" name="pt66"/>
+            <p:cNvSpPr/>
+            <p:nvPr/>
+          </p:nvSpPr>
+          <p:spPr>
+            <a:xfrm>
+              <a:off x="1541325" y="4667931"/>
+              <a:ext cx="49651" cy="49651"/>
+            </a:xfrm>
+            <a:prstGeom prst="ellipse">
+              <a:avLst/>
+            </a:prstGeom>
+            <a:solidFill>
+              <a:srgbClr val="F8766D">
+                <a:alpha val="100000"/>
+              </a:srgbClr>
+            </a:solidFill>
+            <a:ln w="9000" cap="rnd">
+              <a:solidFill>
+                <a:srgbClr val="F8766D">
+                  <a:alpha val="100000"/>
+                </a:srgbClr>
+              </a:solidFill>
+              <a:prstDash val="solid"/>
+              <a:round/>
+            </a:ln>
+          </p:spPr>
+          <p:txBody>
+            <a:bodyPr/>
+            <a:lstStyle/>
+            <a:p/>
+          </p:txBody>
+        </p:sp>
+        <p:sp>
+          <p:nvSpPr>
+            <p:cNvPr id="70" name="pt67"/>
+            <p:cNvSpPr/>
+            <p:nvPr/>
+          </p:nvSpPr>
+          <p:spPr>
+            <a:xfrm>
+              <a:off x="3207841" y="4343189"/>
+              <a:ext cx="49651" cy="49651"/>
+            </a:xfrm>
+            <a:prstGeom prst="ellipse">
+              <a:avLst/>
+            </a:prstGeom>
+            <a:solidFill>
+              <a:srgbClr val="F8766D">
+                <a:alpha val="100000"/>
+              </a:srgbClr>
+            </a:solidFill>
+            <a:ln w="9000" cap="rnd">
+              <a:solidFill>
+                <a:srgbClr val="F8766D">
+                  <a:alpha val="100000"/>
+                </a:srgbClr>
+              </a:solidFill>
+              <a:prstDash val="solid"/>
+              <a:round/>
+            </a:ln>
+          </p:spPr>
+          <p:txBody>
+            <a:bodyPr/>
+            <a:lstStyle/>
+            <a:p/>
+          </p:txBody>
+        </p:sp>
+        <p:sp>
+          <p:nvSpPr>
+            <p:cNvPr id="71" name="pt68"/>
+            <p:cNvSpPr/>
+            <p:nvPr/>
+          </p:nvSpPr>
+          <p:spPr>
+            <a:xfrm>
+              <a:off x="3485593" y="4018447"/>
+              <a:ext cx="49651" cy="49651"/>
+            </a:xfrm>
+            <a:prstGeom prst="ellipse">
+              <a:avLst/>
+            </a:prstGeom>
+            <a:solidFill>
+              <a:srgbClr val="F8766D">
+                <a:alpha val="100000"/>
+              </a:srgbClr>
+            </a:solidFill>
+            <a:ln w="9000" cap="rnd">
+              <a:solidFill>
+                <a:srgbClr val="F8766D">
+                  <a:alpha val="100000"/>
+                </a:srgbClr>
+              </a:solidFill>
+              <a:prstDash val="solid"/>
+              <a:round/>
+            </a:ln>
+          </p:spPr>
+          <p:txBody>
+            <a:bodyPr/>
+            <a:lstStyle/>
+            <a:p/>
+          </p:txBody>
+        </p:sp>
+        <p:sp>
+          <p:nvSpPr>
+            <p:cNvPr id="72" name="pt69"/>
+            <p:cNvSpPr/>
+            <p:nvPr/>
+          </p:nvSpPr>
+          <p:spPr>
+            <a:xfrm>
+              <a:off x="2652335" y="4884426"/>
+              <a:ext cx="49651" cy="49651"/>
+            </a:xfrm>
+            <a:prstGeom prst="ellipse">
+              <a:avLst/>
+            </a:prstGeom>
+            <a:solidFill>
+              <a:srgbClr val="F8766D">
+                <a:alpha val="100000"/>
+              </a:srgbClr>
+            </a:solidFill>
+            <a:ln w="9000" cap="rnd">
+              <a:solidFill>
+                <a:srgbClr val="F8766D">
+                  <a:alpha val="100000"/>
+                </a:srgbClr>
+              </a:solidFill>
+              <a:prstDash val="solid"/>
+              <a:round/>
+            </a:ln>
+          </p:spPr>
+          <p:txBody>
+            <a:bodyPr/>
+            <a:lstStyle/>
+            <a:p/>
+          </p:txBody>
+        </p:sp>
+        <p:sp>
+          <p:nvSpPr>
+            <p:cNvPr id="73" name="pt70"/>
+            <p:cNvSpPr/>
+            <p:nvPr/>
+          </p:nvSpPr>
+          <p:spPr>
+            <a:xfrm>
+              <a:off x="3485593" y="4018447"/>
+              <a:ext cx="49651" cy="49651"/>
+            </a:xfrm>
+            <a:prstGeom prst="ellipse">
+              <a:avLst/>
+            </a:prstGeom>
+            <a:solidFill>
+              <a:srgbClr val="F8766D">
+                <a:alpha val="100000"/>
+              </a:srgbClr>
+            </a:solidFill>
+            <a:ln w="9000" cap="rnd">
+              <a:solidFill>
+                <a:srgbClr val="F8766D">
+                  <a:alpha val="100000"/>
+                </a:srgbClr>
+              </a:solidFill>
+              <a:prstDash val="solid"/>
+              <a:round/>
+            </a:ln>
+          </p:spPr>
+          <p:txBody>
+            <a:bodyPr/>
+            <a:lstStyle/>
+            <a:p/>
+          </p:txBody>
+        </p:sp>
+        <p:sp>
+          <p:nvSpPr>
+            <p:cNvPr id="74" name="pt71"/>
+            <p:cNvSpPr/>
+            <p:nvPr/>
+          </p:nvSpPr>
+          <p:spPr>
+            <a:xfrm>
+              <a:off x="2096830" y="4667931"/>
+              <a:ext cx="49651" cy="49651"/>
+            </a:xfrm>
+            <a:prstGeom prst="ellipse">
+              <a:avLst/>
+            </a:prstGeom>
+            <a:solidFill>
+              <a:srgbClr val="F8766D">
+                <a:alpha val="100000"/>
+              </a:srgbClr>
+            </a:solidFill>
+            <a:ln w="9000" cap="rnd">
+              <a:solidFill>
+                <a:srgbClr val="F8766D">
+                  <a:alpha val="100000"/>
+                </a:srgbClr>
+              </a:solidFill>
+              <a:prstDash val="solid"/>
+              <a:round/>
+            </a:ln>
+          </p:spPr>
+          <p:txBody>
+            <a:bodyPr/>
+            <a:lstStyle/>
+            <a:p/>
+          </p:txBody>
+        </p:sp>
+        <p:sp>
+          <p:nvSpPr>
+            <p:cNvPr id="75" name="pt72"/>
+            <p:cNvSpPr/>
+            <p:nvPr/>
+          </p:nvSpPr>
+          <p:spPr>
+            <a:xfrm>
+              <a:off x="4041099" y="4126694"/>
+              <a:ext cx="49651" cy="49651"/>
+            </a:xfrm>
+            <a:prstGeom prst="ellipse">
+              <a:avLst/>
+            </a:prstGeom>
+            <a:solidFill>
+              <a:srgbClr val="F8766D">
+                <a:alpha val="100000"/>
+              </a:srgbClr>
+            </a:solidFill>
+            <a:ln w="9000" cap="rnd">
+              <a:solidFill>
+                <a:srgbClr val="F8766D">
+                  <a:alpha val="100000"/>
+                </a:srgbClr>
+              </a:solidFill>
+              <a:prstDash val="solid"/>
+              <a:round/>
+            </a:ln>
+          </p:spPr>
+          <p:txBody>
+            <a:bodyPr/>
+            <a:lstStyle/>
+            <a:p/>
+          </p:txBody>
+        </p:sp>
+        <p:sp>
+          <p:nvSpPr>
+            <p:cNvPr id="76" name="pt73"/>
+            <p:cNvSpPr/>
+            <p:nvPr/>
+          </p:nvSpPr>
+          <p:spPr>
+            <a:xfrm>
+              <a:off x="3207841" y="4559684"/>
+              <a:ext cx="49651" cy="49651"/>
+            </a:xfrm>
+            <a:prstGeom prst="ellipse">
+              <a:avLst/>
+            </a:prstGeom>
+            <a:solidFill>
+              <a:srgbClr val="F8766D">
+                <a:alpha val="100000"/>
+              </a:srgbClr>
+            </a:solidFill>
+            <a:ln w="9000" cap="rnd">
+              <a:solidFill>
+                <a:srgbClr val="F8766D">
+                  <a:alpha val="100000"/>
+                </a:srgbClr>
+              </a:solidFill>
+              <a:prstDash val="solid"/>
+              <a:round/>
+            </a:ln>
+          </p:spPr>
+          <p:txBody>
+            <a:bodyPr/>
+            <a:lstStyle/>
+            <a:p/>
+          </p:txBody>
+        </p:sp>
+        <p:sp>
+          <p:nvSpPr>
+            <p:cNvPr id="77" name="pt74"/>
+            <p:cNvSpPr/>
+            <p:nvPr/>
+          </p:nvSpPr>
+          <p:spPr>
+            <a:xfrm>
+              <a:off x="8762894" y="4667931"/>
+              <a:ext cx="49651" cy="49651"/>
+            </a:xfrm>
+            <a:prstGeom prst="ellipse">
+              <a:avLst/>
+            </a:prstGeom>
+            <a:solidFill>
+              <a:srgbClr val="00BA38">
+                <a:alpha val="100000"/>
+              </a:srgbClr>
+            </a:solidFill>
+            <a:ln w="9000" cap="rnd">
+              <a:solidFill>
+                <a:srgbClr val="00BA38">
+                  <a:alpha val="100000"/>
+                </a:srgbClr>
+              </a:solidFill>
+              <a:prstDash val="solid"/>
+              <a:round/>
+            </a:ln>
+          </p:spPr>
+          <p:txBody>
+            <a:bodyPr/>
+            <a:lstStyle/>
+            <a:p/>
+          </p:txBody>
+        </p:sp>
+        <p:sp>
+          <p:nvSpPr>
+            <p:cNvPr id="78" name="pt75"/>
+            <p:cNvSpPr/>
+            <p:nvPr/>
+          </p:nvSpPr>
+          <p:spPr>
+            <a:xfrm>
+              <a:off x="7096378" y="4667931"/>
+              <a:ext cx="49651" cy="49651"/>
+            </a:xfrm>
+            <a:prstGeom prst="ellipse">
+              <a:avLst/>
+            </a:prstGeom>
+            <a:solidFill>
+              <a:srgbClr val="00BA38">
+                <a:alpha val="100000"/>
+              </a:srgbClr>
+            </a:solidFill>
+            <a:ln w="9000" cap="rnd">
+              <a:solidFill>
+                <a:srgbClr val="00BA38">
+                  <a:alpha val="100000"/>
+                </a:srgbClr>
+              </a:solidFill>
+              <a:prstDash val="solid"/>
+              <a:round/>
+            </a:ln>
+          </p:spPr>
+          <p:txBody>
+            <a:bodyPr/>
+            <a:lstStyle/>
+            <a:p/>
+          </p:txBody>
+        </p:sp>
+        <p:sp>
+          <p:nvSpPr>
+            <p:cNvPr id="79" name="pt76"/>
+            <p:cNvSpPr/>
+            <p:nvPr/>
+          </p:nvSpPr>
+          <p:spPr>
+            <a:xfrm>
+              <a:off x="8485141" y="4776178"/>
+              <a:ext cx="49651" cy="49651"/>
+            </a:xfrm>
+            <a:prstGeom prst="ellipse">
+              <a:avLst/>
+            </a:prstGeom>
+            <a:solidFill>
+              <a:srgbClr val="00BA38">
+                <a:alpha val="100000"/>
+              </a:srgbClr>
+            </a:solidFill>
+            <a:ln w="9000" cap="rnd">
+              <a:solidFill>
+                <a:srgbClr val="00BA38">
+                  <a:alpha val="100000"/>
+                </a:srgbClr>
+              </a:solidFill>
+              <a:prstDash val="solid"/>
+              <a:round/>
+            </a:ln>
+          </p:spPr>
+          <p:txBody>
+            <a:bodyPr/>
+            <a:lstStyle/>
+            <a:p/>
+          </p:txBody>
+        </p:sp>
+        <p:sp>
+          <p:nvSpPr>
+            <p:cNvPr id="80" name="pt77"/>
+            <p:cNvSpPr/>
+            <p:nvPr/>
+          </p:nvSpPr>
+          <p:spPr>
+            <a:xfrm>
+              <a:off x="4596604" y="5642157"/>
+              <a:ext cx="49651" cy="49651"/>
+            </a:xfrm>
+            <a:prstGeom prst="ellipse">
+              <a:avLst/>
+            </a:prstGeom>
+            <a:solidFill>
+              <a:srgbClr val="00BA38">
+                <a:alpha val="100000"/>
+              </a:srgbClr>
+            </a:solidFill>
+            <a:ln w="9000" cap="rnd">
+              <a:solidFill>
+                <a:srgbClr val="00BA38">
+                  <a:alpha val="100000"/>
+                </a:srgbClr>
+              </a:solidFill>
+              <a:prstDash val="solid"/>
+              <a:round/>
+            </a:ln>
+          </p:spPr>
+          <p:txBody>
+            <a:bodyPr/>
+            <a:lstStyle/>
+            <a:p/>
+          </p:txBody>
+        </p:sp>
+        <p:sp>
+          <p:nvSpPr>
+            <p:cNvPr id="81" name="pt78"/>
+            <p:cNvSpPr/>
+            <p:nvPr/>
+          </p:nvSpPr>
+          <p:spPr>
+            <a:xfrm>
+              <a:off x="7374130" y="5100920"/>
+              <a:ext cx="49651" cy="49651"/>
+            </a:xfrm>
+            <a:prstGeom prst="ellipse">
+              <a:avLst/>
+            </a:prstGeom>
+            <a:solidFill>
+              <a:srgbClr val="00BA38">
+                <a:alpha val="100000"/>
+              </a:srgbClr>
+            </a:solidFill>
+            <a:ln w="9000" cap="rnd">
+              <a:solidFill>
+                <a:srgbClr val="00BA38">
+                  <a:alpha val="100000"/>
+                </a:srgbClr>
+              </a:solidFill>
+              <a:prstDash val="solid"/>
+              <a:round/>
+            </a:ln>
+          </p:spPr>
+          <p:txBody>
+            <a:bodyPr/>
+            <a:lstStyle/>
+            <a:p/>
+          </p:txBody>
+        </p:sp>
+        <p:sp>
+          <p:nvSpPr>
+            <p:cNvPr id="82" name="pt79"/>
+            <p:cNvSpPr/>
+            <p:nvPr/>
+          </p:nvSpPr>
+          <p:spPr>
+            <a:xfrm>
+              <a:off x="5152109" y="5100920"/>
+              <a:ext cx="49651" cy="49651"/>
+            </a:xfrm>
+            <a:prstGeom prst="ellipse">
+              <a:avLst/>
+            </a:prstGeom>
+            <a:solidFill>
+              <a:srgbClr val="00BA38">
+                <a:alpha val="100000"/>
+              </a:srgbClr>
+            </a:solidFill>
+            <a:ln w="9000" cap="rnd">
+              <a:solidFill>
+                <a:srgbClr val="00BA38">
+                  <a:alpha val="100000"/>
+                </a:srgbClr>
+              </a:solidFill>
+              <a:prstDash val="solid"/>
+              <a:round/>
+            </a:ln>
+          </p:spPr>
+          <p:txBody>
+            <a:bodyPr/>
+            <a:lstStyle/>
+            <a:p/>
+          </p:txBody>
+        </p:sp>
+        <p:sp>
+          <p:nvSpPr>
+            <p:cNvPr id="83" name="pt80"/>
+            <p:cNvSpPr/>
+            <p:nvPr/>
+          </p:nvSpPr>
+          <p:spPr>
+            <a:xfrm>
+              <a:off x="6818625" y="4559684"/>
+              <a:ext cx="49651" cy="49651"/>
+            </a:xfrm>
+            <a:prstGeom prst="ellipse">
+              <a:avLst/>
+            </a:prstGeom>
+            <a:solidFill>
+              <a:srgbClr val="00BA38">
+                <a:alpha val="100000"/>
+              </a:srgbClr>
+            </a:solidFill>
+            <a:ln w="9000" cap="rnd">
+              <a:solidFill>
+                <a:srgbClr val="00BA38">
+                  <a:alpha val="100000"/>
+                </a:srgbClr>
+              </a:solidFill>
+              <a:prstDash val="solid"/>
+              <a:round/>
+            </a:ln>
+          </p:spPr>
+          <p:txBody>
+            <a:bodyPr/>
+            <a:lstStyle/>
+            <a:p/>
+          </p:txBody>
+        </p:sp>
+        <p:sp>
+          <p:nvSpPr>
+            <p:cNvPr id="84" name="pt81"/>
+            <p:cNvSpPr/>
+            <p:nvPr/>
+          </p:nvSpPr>
+          <p:spPr>
+            <a:xfrm>
+              <a:off x="2930088" y="5533909"/>
+              <a:ext cx="49651" cy="49651"/>
+            </a:xfrm>
+            <a:prstGeom prst="ellipse">
+              <a:avLst/>
+            </a:prstGeom>
+            <a:solidFill>
+              <a:srgbClr val="00BA38">
+                <a:alpha val="100000"/>
+              </a:srgbClr>
+            </a:solidFill>
+            <a:ln w="9000" cap="rnd">
+              <a:solidFill>
+                <a:srgbClr val="00BA38">
+                  <a:alpha val="100000"/>
+                </a:srgbClr>
+              </a:solidFill>
+              <a:prstDash val="solid"/>
+              <a:round/>
+            </a:ln>
+          </p:spPr>
+          <p:txBody>
+            <a:bodyPr/>
+            <a:lstStyle/>
+            <a:p/>
+          </p:txBody>
+        </p:sp>
+        <p:sp>
+          <p:nvSpPr>
+            <p:cNvPr id="85" name="pt82"/>
+            <p:cNvSpPr/>
+            <p:nvPr/>
+          </p:nvSpPr>
+          <p:spPr>
+            <a:xfrm>
+              <a:off x="7651883" y="4992673"/>
+              <a:ext cx="49651" cy="49651"/>
+            </a:xfrm>
+            <a:prstGeom prst="ellipse">
+              <a:avLst/>
+            </a:prstGeom>
+            <a:solidFill>
+              <a:srgbClr val="00BA38">
+                <a:alpha val="100000"/>
+              </a:srgbClr>
+            </a:solidFill>
+            <a:ln w="9000" cap="rnd">
+              <a:solidFill>
+                <a:srgbClr val="00BA38">
+                  <a:alpha val="100000"/>
+                </a:srgbClr>
+              </a:solidFill>
+              <a:prstDash val="solid"/>
+              <a:round/>
+            </a:ln>
+          </p:spPr>
+          <p:txBody>
+            <a:bodyPr/>
+            <a:lstStyle/>
+            <a:p/>
+          </p:txBody>
+        </p:sp>
+        <p:sp>
+          <p:nvSpPr>
+            <p:cNvPr id="86" name="pt83"/>
+            <p:cNvSpPr/>
+            <p:nvPr/>
+          </p:nvSpPr>
+          <p:spPr>
+            <a:xfrm>
+              <a:off x="3763346" y="5209168"/>
+              <a:ext cx="49651" cy="49651"/>
+            </a:xfrm>
+            <a:prstGeom prst="ellipse">
+              <a:avLst/>
+            </a:prstGeom>
+            <a:solidFill>
+              <a:srgbClr val="00BA38">
+                <a:alpha val="100000"/>
+              </a:srgbClr>
+            </a:solidFill>
+            <a:ln w="9000" cap="rnd">
+              <a:solidFill>
+                <a:srgbClr val="00BA38">
+                  <a:alpha val="100000"/>
+                </a:srgbClr>
+              </a:solidFill>
+              <a:prstDash val="solid"/>
+              <a:round/>
+            </a:ln>
+          </p:spPr>
+          <p:txBody>
+            <a:bodyPr/>
+            <a:lstStyle/>
+            <a:p/>
+          </p:txBody>
+        </p:sp>
+        <p:sp>
+          <p:nvSpPr>
+            <p:cNvPr id="87" name="pt84"/>
+            <p:cNvSpPr/>
+            <p:nvPr/>
+          </p:nvSpPr>
+          <p:spPr>
+            <a:xfrm>
+              <a:off x="3207841" y="5966899"/>
+              <a:ext cx="49651" cy="49651"/>
+            </a:xfrm>
+            <a:prstGeom prst="ellipse">
+              <a:avLst/>
+            </a:prstGeom>
+            <a:solidFill>
+              <a:srgbClr val="00BA38">
+                <a:alpha val="100000"/>
+              </a:srgbClr>
+            </a:solidFill>
+            <a:ln w="9000" cap="rnd">
+              <a:solidFill>
+                <a:srgbClr val="00BA38">
+                  <a:alpha val="100000"/>
+                </a:srgbClr>
+              </a:solidFill>
+              <a:prstDash val="solid"/>
+              <a:round/>
+            </a:ln>
+          </p:spPr>
+          <p:txBody>
+            <a:bodyPr/>
+            <a:lstStyle/>
+            <a:p/>
+          </p:txBody>
+        </p:sp>
+        <p:sp>
+          <p:nvSpPr>
+            <p:cNvPr id="88" name="pt85"/>
+            <p:cNvSpPr/>
+            <p:nvPr/>
+          </p:nvSpPr>
+          <p:spPr>
+            <a:xfrm>
+              <a:off x="5707614" y="4884426"/>
+              <a:ext cx="49651" cy="49651"/>
+            </a:xfrm>
+            <a:prstGeom prst="ellipse">
+              <a:avLst/>
+            </a:prstGeom>
+            <a:solidFill>
+              <a:srgbClr val="00BA38">
+                <a:alpha val="100000"/>
+              </a:srgbClr>
+            </a:solidFill>
+            <a:ln w="9000" cap="rnd">
+              <a:solidFill>
+                <a:srgbClr val="00BA38">
+                  <a:alpha val="100000"/>
+                </a:srgbClr>
+              </a:solidFill>
+              <a:prstDash val="solid"/>
+              <a:round/>
+            </a:ln>
+          </p:spPr>
+          <p:txBody>
+            <a:bodyPr/>
+            <a:lstStyle/>
+            <a:p/>
+          </p:txBody>
+        </p:sp>
+        <p:sp>
+          <p:nvSpPr>
+            <p:cNvPr id="89" name="pt86"/>
+            <p:cNvSpPr/>
+            <p:nvPr/>
+          </p:nvSpPr>
+          <p:spPr>
+            <a:xfrm>
+              <a:off x="5985367" y="5750404"/>
+              <a:ext cx="49651" cy="49651"/>
+            </a:xfrm>
+            <a:prstGeom prst="ellipse">
+              <a:avLst/>
+            </a:prstGeom>
+            <a:solidFill>
+              <a:srgbClr val="00BA38">
+                <a:alpha val="100000"/>
+              </a:srgbClr>
+            </a:solidFill>
+            <a:ln w="9000" cap="rnd">
+              <a:solidFill>
+                <a:srgbClr val="00BA38">
+                  <a:alpha val="100000"/>
+                </a:srgbClr>
+              </a:solidFill>
+              <a:prstDash val="solid"/>
+              <a:round/>
+            </a:ln>
+          </p:spPr>
+          <p:txBody>
+            <a:bodyPr/>
+            <a:lstStyle/>
+            <a:p/>
+          </p:txBody>
+        </p:sp>
+        <p:sp>
+          <p:nvSpPr>
+            <p:cNvPr id="90" name="pt87"/>
+            <p:cNvSpPr/>
+            <p:nvPr/>
+          </p:nvSpPr>
+          <p:spPr>
+            <a:xfrm>
+              <a:off x="6263120" y="4992673"/>
+              <a:ext cx="49651" cy="49651"/>
+            </a:xfrm>
+            <a:prstGeom prst="ellipse">
+              <a:avLst/>
+            </a:prstGeom>
+            <a:solidFill>
+              <a:srgbClr val="00BA38">
+                <a:alpha val="100000"/>
+              </a:srgbClr>
+            </a:solidFill>
+            <a:ln w="9000" cap="rnd">
+              <a:solidFill>
+                <a:srgbClr val="00BA38">
+                  <a:alpha val="100000"/>
+                </a:srgbClr>
+              </a:solidFill>
+              <a:prstDash val="solid"/>
+              <a:round/>
+            </a:ln>
+          </p:spPr>
+          <p:txBody>
+            <a:bodyPr/>
+            <a:lstStyle/>
+            <a:p/>
+          </p:txBody>
+        </p:sp>
+        <p:sp>
+          <p:nvSpPr>
+            <p:cNvPr id="91" name="pt88"/>
+            <p:cNvSpPr/>
+            <p:nvPr/>
+          </p:nvSpPr>
+          <p:spPr>
+            <a:xfrm>
+              <a:off x="4874357" y="4992673"/>
+              <a:ext cx="49651" cy="49651"/>
+            </a:xfrm>
+            <a:prstGeom prst="ellipse">
+              <a:avLst/>
+            </a:prstGeom>
+            <a:solidFill>
+              <a:srgbClr val="00BA38">
+                <a:alpha val="100000"/>
+              </a:srgbClr>
+            </a:solidFill>
+            <a:ln w="9000" cap="rnd">
+              <a:solidFill>
+                <a:srgbClr val="00BA38">
+                  <a:alpha val="100000"/>
+                </a:srgbClr>
+              </a:solidFill>
+              <a:prstDash val="solid"/>
+              <a:round/>
+            </a:ln>
+          </p:spPr>
+          <p:txBody>
+            <a:bodyPr/>
+            <a:lstStyle/>
+            <a:p/>
+          </p:txBody>
+        </p:sp>
+        <p:sp>
+          <p:nvSpPr>
+            <p:cNvPr id="92" name="pt89"/>
+            <p:cNvSpPr/>
+            <p:nvPr/>
+          </p:nvSpPr>
+          <p:spPr>
+            <a:xfrm>
+              <a:off x="7929636" y="4776178"/>
+              <a:ext cx="49651" cy="49651"/>
+            </a:xfrm>
+            <a:prstGeom prst="ellipse">
+              <a:avLst/>
+            </a:prstGeom>
+            <a:solidFill>
+              <a:srgbClr val="00BA38">
+                <a:alpha val="100000"/>
+              </a:srgbClr>
+            </a:solidFill>
+            <a:ln w="9000" cap="rnd">
+              <a:solidFill>
+                <a:srgbClr val="00BA38">
+                  <a:alpha val="100000"/>
+                </a:srgbClr>
+              </a:solidFill>
+              <a:prstDash val="solid"/>
+              <a:round/>
+            </a:ln>
+          </p:spPr>
+          <p:txBody>
+            <a:bodyPr/>
+            <a:lstStyle/>
+            <a:p/>
+          </p:txBody>
+        </p:sp>
+        <p:sp>
+          <p:nvSpPr>
+            <p:cNvPr id="93" name="pt90"/>
+            <p:cNvSpPr/>
+            <p:nvPr/>
+          </p:nvSpPr>
+          <p:spPr>
+            <a:xfrm>
+              <a:off x="4874357" y="4884426"/>
+              <a:ext cx="49651" cy="49651"/>
+            </a:xfrm>
+            <a:prstGeom prst="ellipse">
+              <a:avLst/>
+            </a:prstGeom>
+            <a:solidFill>
+              <a:srgbClr val="00BA38">
+                <a:alpha val="100000"/>
+              </a:srgbClr>
+            </a:solidFill>
+            <a:ln w="9000" cap="rnd">
+              <a:solidFill>
+                <a:srgbClr val="00BA38">
+                  <a:alpha val="100000"/>
+                </a:srgbClr>
+              </a:solidFill>
+              <a:prstDash val="solid"/>
+              <a:round/>
+            </a:ln>
+          </p:spPr>
+          <p:txBody>
+            <a:bodyPr/>
+            <a:lstStyle/>
+            <a:p/>
+          </p:txBody>
+        </p:sp>
+        <p:sp>
+          <p:nvSpPr>
+            <p:cNvPr id="94" name="pt91"/>
+            <p:cNvSpPr/>
+            <p:nvPr/>
+          </p:nvSpPr>
+          <p:spPr>
+            <a:xfrm>
+              <a:off x="5429862" y="5209168"/>
+              <a:ext cx="49651" cy="49651"/>
+            </a:xfrm>
+            <a:prstGeom prst="ellipse">
+              <a:avLst/>
+            </a:prstGeom>
+            <a:solidFill>
+              <a:srgbClr val="00BA38">
+                <a:alpha val="100000"/>
+              </a:srgbClr>
+            </a:solidFill>
+            <a:ln w="9000" cap="rnd">
+              <a:solidFill>
+                <a:srgbClr val="00BA38">
+                  <a:alpha val="100000"/>
+                </a:srgbClr>
+              </a:solidFill>
+              <a:prstDash val="solid"/>
+              <a:round/>
+            </a:ln>
+          </p:spPr>
+          <p:txBody>
+            <a:bodyPr/>
+            <a:lstStyle/>
+            <a:p/>
+          </p:txBody>
+        </p:sp>
+        <p:sp>
+          <p:nvSpPr>
+            <p:cNvPr id="95" name="pt92"/>
+            <p:cNvSpPr/>
+            <p:nvPr/>
+          </p:nvSpPr>
+          <p:spPr>
+            <a:xfrm>
+              <a:off x="6540872" y="5750404"/>
+              <a:ext cx="49651" cy="49651"/>
+            </a:xfrm>
+            <a:prstGeom prst="ellipse">
+              <a:avLst/>
+            </a:prstGeom>
+            <a:solidFill>
+              <a:srgbClr val="00BA38">
+                <a:alpha val="100000"/>
+              </a:srgbClr>
+            </a:solidFill>
+            <a:ln w="9000" cap="rnd">
+              <a:solidFill>
+                <a:srgbClr val="00BA38">
+                  <a:alpha val="100000"/>
+                </a:srgbClr>
+              </a:solidFill>
+              <a:prstDash val="solid"/>
+              <a:round/>
+            </a:ln>
+          </p:spPr>
+          <p:txBody>
+            <a:bodyPr/>
+            <a:lstStyle/>
+            <a:p/>
+          </p:txBody>
+        </p:sp>
+        <p:sp>
+          <p:nvSpPr>
+            <p:cNvPr id="96" name="pt93"/>
+            <p:cNvSpPr/>
+            <p:nvPr/>
+          </p:nvSpPr>
+          <p:spPr>
+            <a:xfrm>
+              <a:off x="4874357" y="5425662"/>
+              <a:ext cx="49651" cy="49651"/>
+            </a:xfrm>
+            <a:prstGeom prst="ellipse">
+              <a:avLst/>
+            </a:prstGeom>
+            <a:solidFill>
+              <a:srgbClr val="00BA38">
+                <a:alpha val="100000"/>
+              </a:srgbClr>
+            </a:solidFill>
+            <a:ln w="9000" cap="rnd">
+              <a:solidFill>
+                <a:srgbClr val="00BA38">
+                  <a:alpha val="100000"/>
+                </a:srgbClr>
+              </a:solidFill>
+              <a:prstDash val="solid"/>
+              <a:round/>
+            </a:ln>
+          </p:spPr>
+          <p:txBody>
+            <a:bodyPr/>
+            <a:lstStyle/>
+            <a:p/>
+          </p:txBody>
+        </p:sp>
+        <p:sp>
+          <p:nvSpPr>
+            <p:cNvPr id="97" name="pt94"/>
+            <p:cNvSpPr/>
+            <p:nvPr/>
+          </p:nvSpPr>
+          <p:spPr>
+            <a:xfrm>
+              <a:off x="5707614" y="4667931"/>
+              <a:ext cx="49651" cy="49651"/>
+            </a:xfrm>
+            <a:prstGeom prst="ellipse">
+              <a:avLst/>
+            </a:prstGeom>
+            <a:solidFill>
+              <a:srgbClr val="00BA38">
+                <a:alpha val="100000"/>
+              </a:srgbClr>
+            </a:solidFill>
+            <a:ln w="9000" cap="rnd">
+              <a:solidFill>
+                <a:srgbClr val="00BA38">
+                  <a:alpha val="100000"/>
+                </a:srgbClr>
+              </a:solidFill>
+              <a:prstDash val="solid"/>
+              <a:round/>
+            </a:ln>
+          </p:spPr>
+          <p:txBody>
+            <a:bodyPr/>
+            <a:lstStyle/>
+            <a:p/>
+          </p:txBody>
+        </p:sp>
+        <p:sp>
+          <p:nvSpPr>
+            <p:cNvPr id="98" name="pt95"/>
+            <p:cNvSpPr/>
+            <p:nvPr/>
+          </p:nvSpPr>
+          <p:spPr>
+            <a:xfrm>
+              <a:off x="6263120" y="5100920"/>
+              <a:ext cx="49651" cy="49651"/>
+            </a:xfrm>
+            <a:prstGeom prst="ellipse">
+              <a:avLst/>
+            </a:prstGeom>
+            <a:solidFill>
+              <a:srgbClr val="00BA38">
+                <a:alpha val="100000"/>
+              </a:srgbClr>
+            </a:solidFill>
+            <a:ln w="9000" cap="rnd">
+              <a:solidFill>
+                <a:srgbClr val="00BA38">
+                  <a:alpha val="100000"/>
+                </a:srgbClr>
+              </a:solidFill>
+              <a:prstDash val="solid"/>
+              <a:round/>
+            </a:ln>
+          </p:spPr>
+          <p:txBody>
+            <a:bodyPr/>
+            <a:lstStyle/>
+            <a:p/>
+          </p:txBody>
+        </p:sp>
+        <p:sp>
+          <p:nvSpPr>
+            <p:cNvPr id="99" name="pt96"/>
+            <p:cNvSpPr/>
+            <p:nvPr/>
+          </p:nvSpPr>
+          <p:spPr>
+            <a:xfrm>
+              <a:off x="6818625" y="5425662"/>
+              <a:ext cx="49651" cy="49651"/>
+            </a:xfrm>
+            <a:prstGeom prst="ellipse">
+              <a:avLst/>
+            </a:prstGeom>
+            <a:solidFill>
+              <a:srgbClr val="00BA38">
+                <a:alpha val="100000"/>
+              </a:srgbClr>
+            </a:solidFill>
+            <a:ln w="9000" cap="rnd">
+              <a:solidFill>
+                <a:srgbClr val="00BA38">
+                  <a:alpha val="100000"/>
+                </a:srgbClr>
+              </a:solidFill>
+              <a:prstDash val="solid"/>
+              <a:round/>
+            </a:ln>
+          </p:spPr>
+          <p:txBody>
+            <a:bodyPr/>
+            <a:lstStyle/>
+            <a:p/>
+          </p:txBody>
+        </p:sp>
+        <p:sp>
+          <p:nvSpPr>
+            <p:cNvPr id="100" name="pt97"/>
+            <p:cNvSpPr/>
+            <p:nvPr/>
+          </p:nvSpPr>
+          <p:spPr>
+            <a:xfrm>
+              <a:off x="6263120" y="5100920"/>
+              <a:ext cx="49651" cy="49651"/>
+            </a:xfrm>
+            <a:prstGeom prst="ellipse">
+              <a:avLst/>
+            </a:prstGeom>
+            <a:solidFill>
+              <a:srgbClr val="00BA38">
+                <a:alpha val="100000"/>
+              </a:srgbClr>
+            </a:solidFill>
+            <a:ln w="9000" cap="rnd">
+              <a:solidFill>
+                <a:srgbClr val="00BA38">
+                  <a:alpha val="100000"/>
+                </a:srgbClr>
+              </a:solidFill>
+              <a:prstDash val="solid"/>
+              <a:round/>
+            </a:ln>
+          </p:spPr>
+          <p:txBody>
+            <a:bodyPr/>
+            <a:lstStyle/>
+            <a:p/>
+          </p:txBody>
+        </p:sp>
+        <p:sp>
+          <p:nvSpPr>
+            <p:cNvPr id="101" name="pt98"/>
+            <p:cNvSpPr/>
+            <p:nvPr/>
+          </p:nvSpPr>
+          <p:spPr>
+            <a:xfrm>
+              <a:off x="7096378" y="4992673"/>
+              <a:ext cx="49651" cy="49651"/>
+            </a:xfrm>
+            <a:prstGeom prst="ellipse">
+              <a:avLst/>
+            </a:prstGeom>
+            <a:solidFill>
+              <a:srgbClr val="00BA38">
+                <a:alpha val="100000"/>
+              </a:srgbClr>
+            </a:solidFill>
+            <a:ln w="9000" cap="rnd">
+              <a:solidFill>
+                <a:srgbClr val="00BA38">
+                  <a:alpha val="100000"/>
+                </a:srgbClr>
+              </a:solidFill>
+              <a:prstDash val="solid"/>
+              <a:round/>
+            </a:ln>
+          </p:spPr>
+          <p:txBody>
+            <a:bodyPr/>
+            <a:lstStyle/>
+            <a:p/>
+          </p:txBody>
+        </p:sp>
+        <p:sp>
+          <p:nvSpPr>
+            <p:cNvPr id="102" name="pt99"/>
+            <p:cNvSpPr/>
+            <p:nvPr/>
+          </p:nvSpPr>
+          <p:spPr>
+            <a:xfrm>
+              <a:off x="7651883" y="4884426"/>
+              <a:ext cx="49651" cy="49651"/>
+            </a:xfrm>
+            <a:prstGeom prst="ellipse">
+              <a:avLst/>
+            </a:prstGeom>
+            <a:solidFill>
+              <a:srgbClr val="00BA38">
+                <a:alpha val="100000"/>
+              </a:srgbClr>
+            </a:solidFill>
+            <a:ln w="9000" cap="rnd">
+              <a:solidFill>
+                <a:srgbClr val="00BA38">
+                  <a:alpha val="100000"/>
+                </a:srgbClr>
+              </a:solidFill>
+              <a:prstDash val="solid"/>
+              <a:round/>
+            </a:ln>
+          </p:spPr>
+          <p:txBody>
+            <a:bodyPr/>
+            <a:lstStyle/>
+            <a:p/>
+          </p:txBody>
+        </p:sp>
+        <p:sp>
+          <p:nvSpPr>
+            <p:cNvPr id="103" name="pt100"/>
+            <p:cNvSpPr/>
+            <p:nvPr/>
+          </p:nvSpPr>
+          <p:spPr>
+            <a:xfrm>
+              <a:off x="8207388" y="5100920"/>
+              <a:ext cx="49651" cy="49651"/>
+            </a:xfrm>
+            <a:prstGeom prst="ellipse">
+              <a:avLst/>
+            </a:prstGeom>
+            <a:solidFill>
+              <a:srgbClr val="00BA38">
+                <a:alpha val="100000"/>
+              </a:srgbClr>
+            </a:solidFill>
+            <a:ln w="9000" cap="rnd">
+              <a:solidFill>
+                <a:srgbClr val="00BA38">
+                  <a:alpha val="100000"/>
+                </a:srgbClr>
+              </a:solidFill>
+              <a:prstDash val="solid"/>
+              <a:round/>
+            </a:ln>
+          </p:spPr>
+          <p:txBody>
+            <a:bodyPr/>
+            <a:lstStyle/>
+            <a:p/>
+          </p:txBody>
+        </p:sp>
+        <p:sp>
+          <p:nvSpPr>
+            <p:cNvPr id="104" name="pt101"/>
+            <p:cNvSpPr/>
+            <p:nvPr/>
+          </p:nvSpPr>
+          <p:spPr>
+            <a:xfrm>
+              <a:off x="7929636" y="4884426"/>
+              <a:ext cx="49651" cy="49651"/>
+            </a:xfrm>
+            <a:prstGeom prst="ellipse">
+              <a:avLst/>
+            </a:prstGeom>
+            <a:solidFill>
+              <a:srgbClr val="00BA38">
+                <a:alpha val="100000"/>
+              </a:srgbClr>
+            </a:solidFill>
+            <a:ln w="9000" cap="rnd">
+              <a:solidFill>
+                <a:srgbClr val="00BA38">
+                  <a:alpha val="100000"/>
+                </a:srgbClr>
+              </a:solidFill>
+              <a:prstDash val="solid"/>
+              <a:round/>
+            </a:ln>
+          </p:spPr>
+          <p:txBody>
+            <a:bodyPr/>
+            <a:lstStyle/>
+            <a:p/>
+          </p:txBody>
+        </p:sp>
+        <p:sp>
+          <p:nvSpPr>
+            <p:cNvPr id="105" name="pt102"/>
+            <p:cNvSpPr/>
+            <p:nvPr/>
+          </p:nvSpPr>
+          <p:spPr>
+            <a:xfrm>
+              <a:off x="5985367" y="4992673"/>
+              <a:ext cx="49651" cy="49651"/>
+            </a:xfrm>
+            <a:prstGeom prst="ellipse">
+              <a:avLst/>
+            </a:prstGeom>
+            <a:solidFill>
+              <a:srgbClr val="00BA38">
+                <a:alpha val="100000"/>
+              </a:srgbClr>
+            </a:solidFill>
+            <a:ln w="9000" cap="rnd">
+              <a:solidFill>
+                <a:srgbClr val="00BA38">
+                  <a:alpha val="100000"/>
+                </a:srgbClr>
+              </a:solidFill>
+              <a:prstDash val="solid"/>
+              <a:round/>
+            </a:ln>
+          </p:spPr>
+          <p:txBody>
+            <a:bodyPr/>
+            <a:lstStyle/>
+            <a:p/>
+          </p:txBody>
+        </p:sp>
+        <p:sp>
+          <p:nvSpPr>
+            <p:cNvPr id="106" name="pt103"/>
+            <p:cNvSpPr/>
+            <p:nvPr/>
+          </p:nvSpPr>
+          <p:spPr>
+            <a:xfrm>
+              <a:off x="5152109" y="5317415"/>
+              <a:ext cx="49651" cy="49651"/>
+            </a:xfrm>
+            <a:prstGeom prst="ellipse">
+              <a:avLst/>
+            </a:prstGeom>
+            <a:solidFill>
+              <a:srgbClr val="00BA38">
+                <a:alpha val="100000"/>
+              </a:srgbClr>
+            </a:solidFill>
+            <a:ln w="9000" cap="rnd">
+              <a:solidFill>
+                <a:srgbClr val="00BA38">
+                  <a:alpha val="100000"/>
+                </a:srgbClr>
+              </a:solidFill>
+              <a:prstDash val="solid"/>
+              <a:round/>
+            </a:ln>
+          </p:spPr>
+          <p:txBody>
+            <a:bodyPr/>
+            <a:lstStyle/>
+            <a:p/>
+          </p:txBody>
+        </p:sp>
+        <p:sp>
+          <p:nvSpPr>
+            <p:cNvPr id="107" name="pt104"/>
+            <p:cNvSpPr/>
+            <p:nvPr/>
+          </p:nvSpPr>
+          <p:spPr>
+            <a:xfrm>
+              <a:off x="4596604" y="5533909"/>
+              <a:ext cx="49651" cy="49651"/>
+            </a:xfrm>
+            <a:prstGeom prst="ellipse">
+              <a:avLst/>
+            </a:prstGeom>
+            <a:solidFill>
+              <a:srgbClr val="00BA38">
+                <a:alpha val="100000"/>
+              </a:srgbClr>
+            </a:solidFill>
+            <a:ln w="9000" cap="rnd">
+              <a:solidFill>
+                <a:srgbClr val="00BA38">
+                  <a:alpha val="100000"/>
+                </a:srgbClr>
+              </a:solidFill>
+              <a:prstDash val="solid"/>
+              <a:round/>
+            </a:ln>
+          </p:spPr>
+          <p:txBody>
+            <a:bodyPr/>
+            <a:lstStyle/>
+            <a:p/>
+          </p:txBody>
+        </p:sp>
+        <p:sp>
+          <p:nvSpPr>
+            <p:cNvPr id="108" name="pt105"/>
+            <p:cNvSpPr/>
+            <p:nvPr/>
+          </p:nvSpPr>
+          <p:spPr>
+            <a:xfrm>
+              <a:off x="4596604" y="5533909"/>
+              <a:ext cx="49651" cy="49651"/>
+            </a:xfrm>
+            <a:prstGeom prst="ellipse">
+              <a:avLst/>
+            </a:prstGeom>
+            <a:solidFill>
+              <a:srgbClr val="00BA38">
+                <a:alpha val="100000"/>
+              </a:srgbClr>
+            </a:solidFill>
+            <a:ln w="9000" cap="rnd">
+              <a:solidFill>
+                <a:srgbClr val="00BA38">
+                  <a:alpha val="100000"/>
+                </a:srgbClr>
+              </a:solidFill>
+              <a:prstDash val="solid"/>
+              <a:round/>
+            </a:ln>
+          </p:spPr>
+          <p:txBody>
+            <a:bodyPr/>
+            <a:lstStyle/>
+            <a:p/>
+          </p:txBody>
+        </p:sp>
+        <p:sp>
+          <p:nvSpPr>
+            <p:cNvPr id="109" name="pt106"/>
+            <p:cNvSpPr/>
+            <p:nvPr/>
+          </p:nvSpPr>
+          <p:spPr>
+            <a:xfrm>
+              <a:off x="5429862" y="5209168"/>
+              <a:ext cx="49651" cy="49651"/>
+            </a:xfrm>
+            <a:prstGeom prst="ellipse">
+              <a:avLst/>
+            </a:prstGeom>
+            <a:solidFill>
+              <a:srgbClr val="00BA38">
+                <a:alpha val="100000"/>
+              </a:srgbClr>
+            </a:solidFill>
+            <a:ln w="9000" cap="rnd">
+              <a:solidFill>
+                <a:srgbClr val="00BA38">
+                  <a:alpha val="100000"/>
+                </a:srgbClr>
+              </a:solidFill>
+              <a:prstDash val="solid"/>
+              <a:round/>
+            </a:ln>
+          </p:spPr>
+          <p:txBody>
+            <a:bodyPr/>
+            <a:lstStyle/>
+            <a:p/>
+          </p:txBody>
+        </p:sp>
+        <p:sp>
+          <p:nvSpPr>
+            <p:cNvPr id="110" name="pt107"/>
+            <p:cNvSpPr/>
+            <p:nvPr/>
+          </p:nvSpPr>
+          <p:spPr>
+            <a:xfrm>
+              <a:off x="5985367" y="5209168"/>
+              <a:ext cx="49651" cy="49651"/>
+            </a:xfrm>
+            <a:prstGeom prst="ellipse">
+              <a:avLst/>
+            </a:prstGeom>
+            <a:solidFill>
+              <a:srgbClr val="00BA38">
+                <a:alpha val="100000"/>
+              </a:srgbClr>
+            </a:solidFill>
+            <a:ln w="9000" cap="rnd">
+              <a:solidFill>
+                <a:srgbClr val="00BA38">
+                  <a:alpha val="100000"/>
+                </a:srgbClr>
+              </a:solidFill>
+              <a:prstDash val="solid"/>
+              <a:round/>
+            </a:ln>
+          </p:spPr>
+          <p:txBody>
+            <a:bodyPr/>
+            <a:lstStyle/>
+            <a:p/>
+          </p:txBody>
+        </p:sp>
+        <p:sp>
+          <p:nvSpPr>
+            <p:cNvPr id="111" name="pt108"/>
+            <p:cNvSpPr/>
+            <p:nvPr/>
+          </p:nvSpPr>
+          <p:spPr>
+            <a:xfrm>
+              <a:off x="4318851" y="4884426"/>
+              <a:ext cx="49651" cy="49651"/>
+            </a:xfrm>
+            <a:prstGeom prst="ellipse">
+              <a:avLst/>
+            </a:prstGeom>
+            <a:solidFill>
+              <a:srgbClr val="00BA38">
+                <a:alpha val="100000"/>
+              </a:srgbClr>
+            </a:solidFill>
+            <a:ln w="9000" cap="rnd">
+              <a:solidFill>
+                <a:srgbClr val="00BA38">
+                  <a:alpha val="100000"/>
+                </a:srgbClr>
+              </a:solidFill>
+              <a:prstDash val="solid"/>
+              <a:round/>
+            </a:ln>
+          </p:spPr>
+          <p:txBody>
+            <a:bodyPr/>
+            <a:lstStyle/>
+            <a:p/>
+          </p:txBody>
+        </p:sp>
+        <p:sp>
+          <p:nvSpPr>
+            <p:cNvPr id="112" name="pt109"/>
+            <p:cNvSpPr/>
+            <p:nvPr/>
+          </p:nvSpPr>
+          <p:spPr>
+            <a:xfrm>
+              <a:off x="5985367" y="4451436"/>
+              <a:ext cx="49651" cy="49651"/>
+            </a:xfrm>
+            <a:prstGeom prst="ellipse">
+              <a:avLst/>
+            </a:prstGeom>
+            <a:solidFill>
+              <a:srgbClr val="00BA38">
+                <a:alpha val="100000"/>
+              </a:srgbClr>
+            </a:solidFill>
+            <a:ln w="9000" cap="rnd">
+              <a:solidFill>
+                <a:srgbClr val="00BA38">
+                  <a:alpha val="100000"/>
+                </a:srgbClr>
+              </a:solidFill>
+              <a:prstDash val="solid"/>
+              <a:round/>
+            </a:ln>
+          </p:spPr>
+          <p:txBody>
+            <a:bodyPr/>
+            <a:lstStyle/>
+            <a:p/>
+          </p:txBody>
+        </p:sp>
+        <p:sp>
+          <p:nvSpPr>
+            <p:cNvPr id="113" name="pt110"/>
+            <p:cNvSpPr/>
+            <p:nvPr/>
+          </p:nvSpPr>
+          <p:spPr>
+            <a:xfrm>
+              <a:off x="7929636" y="4776178"/>
+              <a:ext cx="49651" cy="49651"/>
+            </a:xfrm>
+            <a:prstGeom prst="ellipse">
+              <a:avLst/>
+            </a:prstGeom>
+            <a:solidFill>
+              <a:srgbClr val="00BA38">
+                <a:alpha val="100000"/>
+              </a:srgbClr>
+            </a:solidFill>
+            <a:ln w="9000" cap="rnd">
+              <a:solidFill>
+                <a:srgbClr val="00BA38">
+                  <a:alpha val="100000"/>
+                </a:srgbClr>
+              </a:solidFill>
+              <a:prstDash val="solid"/>
+              <a:round/>
+            </a:ln>
+          </p:spPr>
+          <p:txBody>
+            <a:bodyPr/>
+            <a:lstStyle/>
+            <a:p/>
+          </p:txBody>
+        </p:sp>
+        <p:sp>
+          <p:nvSpPr>
+            <p:cNvPr id="114" name="pt111"/>
+            <p:cNvSpPr/>
+            <p:nvPr/>
+          </p:nvSpPr>
+          <p:spPr>
+            <a:xfrm>
+              <a:off x="6818625" y="5642157"/>
+              <a:ext cx="49651" cy="49651"/>
+            </a:xfrm>
+            <a:prstGeom prst="ellipse">
+              <a:avLst/>
+            </a:prstGeom>
+            <a:solidFill>
+              <a:srgbClr val="00BA38">
+                <a:alpha val="100000"/>
+              </a:srgbClr>
+            </a:solidFill>
+            <a:ln w="9000" cap="rnd">
+              <a:solidFill>
+                <a:srgbClr val="00BA38">
+                  <a:alpha val="100000"/>
+                </a:srgbClr>
+              </a:solidFill>
+              <a:prstDash val="solid"/>
+              <a:round/>
+            </a:ln>
+          </p:spPr>
+          <p:txBody>
+            <a:bodyPr/>
+            <a:lstStyle/>
+            <a:p/>
+          </p:txBody>
+        </p:sp>
+        <p:sp>
+          <p:nvSpPr>
+            <p:cNvPr id="115" name="pt112"/>
+            <p:cNvSpPr/>
+            <p:nvPr/>
+          </p:nvSpPr>
+          <p:spPr>
+            <a:xfrm>
+              <a:off x="4874357" y="4884426"/>
+              <a:ext cx="49651" cy="49651"/>
+            </a:xfrm>
+            <a:prstGeom prst="ellipse">
+              <a:avLst/>
+            </a:prstGeom>
+            <a:solidFill>
+              <a:srgbClr val="00BA38">
+                <a:alpha val="100000"/>
+              </a:srgbClr>
+            </a:solidFill>
+            <a:ln w="9000" cap="rnd">
+              <a:solidFill>
+                <a:srgbClr val="00BA38">
+                  <a:alpha val="100000"/>
+                </a:srgbClr>
+              </a:solidFill>
+              <a:prstDash val="solid"/>
+              <a:round/>
+            </a:ln>
+          </p:spPr>
+          <p:txBody>
+            <a:bodyPr/>
+            <a:lstStyle/>
+            <a:p/>
+          </p:txBody>
+        </p:sp>
+        <p:sp>
+          <p:nvSpPr>
+            <p:cNvPr id="116" name="pt113"/>
+            <p:cNvSpPr/>
+            <p:nvPr/>
+          </p:nvSpPr>
+          <p:spPr>
+            <a:xfrm>
+              <a:off x="4596604" y="5425662"/>
+              <a:ext cx="49651" cy="49651"/>
+            </a:xfrm>
+            <a:prstGeom prst="ellipse">
+              <a:avLst/>
+            </a:prstGeom>
+            <a:solidFill>
+              <a:srgbClr val="00BA38">
+                <a:alpha val="100000"/>
+              </a:srgbClr>
+            </a:solidFill>
+            <a:ln w="9000" cap="rnd">
+              <a:solidFill>
+                <a:srgbClr val="00BA38">
+                  <a:alpha val="100000"/>
+                </a:srgbClr>
+              </a:solidFill>
+              <a:prstDash val="solid"/>
+              <a:round/>
+            </a:ln>
+          </p:spPr>
+          <p:txBody>
+            <a:bodyPr/>
+            <a:lstStyle/>
+            <a:p/>
+          </p:txBody>
+        </p:sp>
+        <p:sp>
+          <p:nvSpPr>
+            <p:cNvPr id="117" name="pt114"/>
+            <p:cNvSpPr/>
+            <p:nvPr/>
+          </p:nvSpPr>
+          <p:spPr>
+            <a:xfrm>
+              <a:off x="4596604" y="5317415"/>
+              <a:ext cx="49651" cy="49651"/>
+            </a:xfrm>
+            <a:prstGeom prst="ellipse">
+              <a:avLst/>
+            </a:prstGeom>
+            <a:solidFill>
+              <a:srgbClr val="00BA38">
+                <a:alpha val="100000"/>
+              </a:srgbClr>
+            </a:solidFill>
+            <a:ln w="9000" cap="rnd">
+              <a:solidFill>
+                <a:srgbClr val="00BA38">
+                  <a:alpha val="100000"/>
+                </a:srgbClr>
+              </a:solidFill>
+              <a:prstDash val="solid"/>
+              <a:round/>
+            </a:ln>
+          </p:spPr>
+          <p:txBody>
+            <a:bodyPr/>
+            <a:lstStyle/>
+            <a:p/>
+          </p:txBody>
+        </p:sp>
+        <p:sp>
+          <p:nvSpPr>
+            <p:cNvPr id="118" name="pt115"/>
+            <p:cNvSpPr/>
+            <p:nvPr/>
+          </p:nvSpPr>
+          <p:spPr>
+            <a:xfrm>
+              <a:off x="6263120" y="4884426"/>
+              <a:ext cx="49651" cy="49651"/>
+            </a:xfrm>
+            <a:prstGeom prst="ellipse">
+              <a:avLst/>
+            </a:prstGeom>
+            <a:solidFill>
+              <a:srgbClr val="00BA38">
+                <a:alpha val="100000"/>
+              </a:srgbClr>
+            </a:solidFill>
+            <a:ln w="9000" cap="rnd">
+              <a:solidFill>
+                <a:srgbClr val="00BA38">
+                  <a:alpha val="100000"/>
+                </a:srgbClr>
+              </a:solidFill>
+              <a:prstDash val="solid"/>
+              <a:round/>
+            </a:ln>
+          </p:spPr>
+          <p:txBody>
+            <a:bodyPr/>
+            <a:lstStyle/>
+            <a:p/>
+          </p:txBody>
+        </p:sp>
+        <p:sp>
+          <p:nvSpPr>
+            <p:cNvPr id="119" name="pt116"/>
+            <p:cNvSpPr/>
+            <p:nvPr/>
+          </p:nvSpPr>
+          <p:spPr>
+            <a:xfrm>
+              <a:off x="5429862" y="5317415"/>
+              <a:ext cx="49651" cy="49651"/>
+            </a:xfrm>
+            <a:prstGeom prst="ellipse">
+              <a:avLst/>
+            </a:prstGeom>
+            <a:solidFill>
+              <a:srgbClr val="00BA38">
+                <a:alpha val="100000"/>
+              </a:srgbClr>
+            </a:solidFill>
+            <a:ln w="9000" cap="rnd">
+              <a:solidFill>
+                <a:srgbClr val="00BA38">
+                  <a:alpha val="100000"/>
+                </a:srgbClr>
+              </a:solidFill>
+              <a:prstDash val="solid"/>
+              <a:round/>
+            </a:ln>
+          </p:spPr>
+          <p:txBody>
+            <a:bodyPr/>
+            <a:lstStyle/>
+            <a:p/>
+          </p:txBody>
+        </p:sp>
+        <p:sp>
+          <p:nvSpPr>
+            <p:cNvPr id="120" name="pt117"/>
+            <p:cNvSpPr/>
+            <p:nvPr/>
+          </p:nvSpPr>
+          <p:spPr>
+            <a:xfrm>
+              <a:off x="3207841" y="5642157"/>
+              <a:ext cx="49651" cy="49651"/>
+            </a:xfrm>
+            <a:prstGeom prst="ellipse">
+              <a:avLst/>
+            </a:prstGeom>
+            <a:solidFill>
+              <a:srgbClr val="00BA38">
+                <a:alpha val="100000"/>
+              </a:srgbClr>
+            </a:solidFill>
+            <a:ln w="9000" cap="rnd">
+              <a:solidFill>
+                <a:srgbClr val="00BA38">
+                  <a:alpha val="100000"/>
+                </a:srgbClr>
+              </a:solidFill>
+              <a:prstDash val="solid"/>
+              <a:round/>
+            </a:ln>
+          </p:spPr>
+          <p:txBody>
+            <a:bodyPr/>
+            <a:lstStyle/>
+            <a:p/>
+          </p:txBody>
+        </p:sp>
+        <p:sp>
+          <p:nvSpPr>
+            <p:cNvPr id="121" name="pt118"/>
+            <p:cNvSpPr/>
+            <p:nvPr/>
+          </p:nvSpPr>
+          <p:spPr>
+            <a:xfrm>
+              <a:off x="4874357" y="5209168"/>
+              <a:ext cx="49651" cy="49651"/>
+            </a:xfrm>
+            <a:prstGeom prst="ellipse">
+              <a:avLst/>
+            </a:prstGeom>
+            <a:solidFill>
+              <a:srgbClr val="00BA38">
+                <a:alpha val="100000"/>
+              </a:srgbClr>
+            </a:solidFill>
+            <a:ln w="9000" cap="rnd">
+              <a:solidFill>
+                <a:srgbClr val="00BA38">
+                  <a:alpha val="100000"/>
+                </a:srgbClr>
+              </a:solidFill>
+              <a:prstDash val="solid"/>
+              <a:round/>
+            </a:ln>
+          </p:spPr>
+          <p:txBody>
+            <a:bodyPr/>
+            <a:lstStyle/>
+            <a:p/>
+          </p:txBody>
+        </p:sp>
+        <p:sp>
+          <p:nvSpPr>
+            <p:cNvPr id="122" name="pt119"/>
+            <p:cNvSpPr/>
+            <p:nvPr/>
+          </p:nvSpPr>
+          <p:spPr>
+            <a:xfrm>
+              <a:off x="5152109" y="4884426"/>
+              <a:ext cx="49651" cy="49651"/>
+            </a:xfrm>
+            <a:prstGeom prst="ellipse">
+              <a:avLst/>
+            </a:prstGeom>
+            <a:solidFill>
+              <a:srgbClr val="00BA38">
+                <a:alpha val="100000"/>
+              </a:srgbClr>
+            </a:solidFill>
+            <a:ln w="9000" cap="rnd">
+              <a:solidFill>
+                <a:srgbClr val="00BA38">
+                  <a:alpha val="100000"/>
+                </a:srgbClr>
+              </a:solidFill>
+              <a:prstDash val="solid"/>
+              <a:round/>
+            </a:ln>
+          </p:spPr>
+          <p:txBody>
+            <a:bodyPr/>
+            <a:lstStyle/>
+            <a:p/>
+          </p:txBody>
+        </p:sp>
+        <p:sp>
+          <p:nvSpPr>
+            <p:cNvPr id="123" name="pt120"/>
+            <p:cNvSpPr/>
+            <p:nvPr/>
+          </p:nvSpPr>
+          <p:spPr>
+            <a:xfrm>
+              <a:off x="5152109" y="4992673"/>
+              <a:ext cx="49651" cy="49651"/>
+            </a:xfrm>
+            <a:prstGeom prst="ellipse">
+              <a:avLst/>
+            </a:prstGeom>
+            <a:solidFill>
+              <a:srgbClr val="00BA38">
+                <a:alpha val="100000"/>
+              </a:srgbClr>
+            </a:solidFill>
+            <a:ln w="9000" cap="rnd">
+              <a:solidFill>
+                <a:srgbClr val="00BA38">
+                  <a:alpha val="100000"/>
+                </a:srgbClr>
+              </a:solidFill>
+              <a:prstDash val="solid"/>
+              <a:round/>
+            </a:ln>
+          </p:spPr>
+          <p:txBody>
+            <a:bodyPr/>
+            <a:lstStyle/>
+            <a:p/>
+          </p:txBody>
+        </p:sp>
+        <p:sp>
+          <p:nvSpPr>
+            <p:cNvPr id="124" name="pt121"/>
+            <p:cNvSpPr/>
+            <p:nvPr/>
+          </p:nvSpPr>
+          <p:spPr>
+            <a:xfrm>
+              <a:off x="6540872" y="4992673"/>
+              <a:ext cx="49651" cy="49651"/>
+            </a:xfrm>
+            <a:prstGeom prst="ellipse">
+              <a:avLst/>
+            </a:prstGeom>
+            <a:solidFill>
+              <a:srgbClr val="00BA38">
+                <a:alpha val="100000"/>
+              </a:srgbClr>
+            </a:solidFill>
+            <a:ln w="9000" cap="rnd">
+              <a:solidFill>
+                <a:srgbClr val="00BA38">
+                  <a:alpha val="100000"/>
+                </a:srgbClr>
+              </a:solidFill>
+              <a:prstDash val="solid"/>
+              <a:round/>
+            </a:ln>
+          </p:spPr>
+          <p:txBody>
+            <a:bodyPr/>
+            <a:lstStyle/>
+            <a:p/>
+          </p:txBody>
+        </p:sp>
+        <p:sp>
+          <p:nvSpPr>
+            <p:cNvPr id="125" name="pt122"/>
+            <p:cNvSpPr/>
+            <p:nvPr/>
+          </p:nvSpPr>
+          <p:spPr>
+            <a:xfrm>
+              <a:off x="3485593" y="5425662"/>
+              <a:ext cx="49651" cy="49651"/>
+            </a:xfrm>
+            <a:prstGeom prst="ellipse">
+              <a:avLst/>
+            </a:prstGeom>
+            <a:solidFill>
+              <a:srgbClr val="00BA38">
+                <a:alpha val="100000"/>
+              </a:srgbClr>
+            </a:solidFill>
+            <a:ln w="9000" cap="rnd">
+              <a:solidFill>
+                <a:srgbClr val="00BA38">
+                  <a:alpha val="100000"/>
+                </a:srgbClr>
+              </a:solidFill>
+              <a:prstDash val="solid"/>
+              <a:round/>
+            </a:ln>
+          </p:spPr>
+          <p:txBody>
+            <a:bodyPr/>
+            <a:lstStyle/>
+            <a:p/>
+          </p:txBody>
+        </p:sp>
+        <p:sp>
+          <p:nvSpPr>
+            <p:cNvPr id="126" name="pt123"/>
+            <p:cNvSpPr/>
+            <p:nvPr/>
+          </p:nvSpPr>
+          <p:spPr>
+            <a:xfrm>
+              <a:off x="5152109" y="5100920"/>
+              <a:ext cx="49651" cy="49651"/>
+            </a:xfrm>
+            <a:prstGeom prst="ellipse">
+              <a:avLst/>
+            </a:prstGeom>
+            <a:solidFill>
+              <a:srgbClr val="00BA38">
+                <a:alpha val="100000"/>
+              </a:srgbClr>
+            </a:solidFill>
+            <a:ln w="9000" cap="rnd">
+              <a:solidFill>
+                <a:srgbClr val="00BA38">
+                  <a:alpha val="100000"/>
+                </a:srgbClr>
+              </a:solidFill>
+              <a:prstDash val="solid"/>
+              <a:round/>
+            </a:ln>
+          </p:spPr>
+          <p:txBody>
+            <a:bodyPr/>
+            <a:lstStyle/>
+            <a:p/>
+          </p:txBody>
+        </p:sp>
+        <p:sp>
+          <p:nvSpPr>
+            <p:cNvPr id="127" name="pt124"/>
+            <p:cNvSpPr/>
+            <p:nvPr/>
+          </p:nvSpPr>
+          <p:spPr>
+            <a:xfrm>
+              <a:off x="6818625" y="4559684"/>
+              <a:ext cx="49651" cy="49651"/>
+            </a:xfrm>
+            <a:prstGeom prst="ellipse">
+              <a:avLst/>
+            </a:prstGeom>
+            <a:solidFill>
+              <a:srgbClr val="619CFF">
+                <a:alpha val="100000"/>
+              </a:srgbClr>
+            </a:solidFill>
+            <a:ln w="9000" cap="rnd">
+              <a:solidFill>
+                <a:srgbClr val="619CFF">
+                  <a:alpha val="100000"/>
+                </a:srgbClr>
+              </a:solidFill>
+              <a:prstDash val="solid"/>
+              <a:round/>
+            </a:ln>
+          </p:spPr>
+          <p:txBody>
+            <a:bodyPr/>
+            <a:lstStyle/>
+            <a:p/>
+          </p:txBody>
+        </p:sp>
+        <p:sp>
+          <p:nvSpPr>
+            <p:cNvPr id="128" name="pt125"/>
+            <p:cNvSpPr/>
+            <p:nvPr/>
+          </p:nvSpPr>
+          <p:spPr>
+            <a:xfrm>
+              <a:off x="5429862" y="5209168"/>
+              <a:ext cx="49651" cy="49651"/>
+            </a:xfrm>
+            <a:prstGeom prst="ellipse">
+              <a:avLst/>
+            </a:prstGeom>
+            <a:solidFill>
+              <a:srgbClr val="619CFF">
+                <a:alpha val="100000"/>
+              </a:srgbClr>
+            </a:solidFill>
+            <a:ln w="9000" cap="rnd">
+              <a:solidFill>
+                <a:srgbClr val="619CFF">
+                  <a:alpha val="100000"/>
+                </a:srgbClr>
+              </a:solidFill>
+              <a:prstDash val="solid"/>
+              <a:round/>
+            </a:ln>
+          </p:spPr>
+          <p:txBody>
+            <a:bodyPr/>
+            <a:lstStyle/>
+            <a:p/>
+          </p:txBody>
+        </p:sp>
+        <p:sp>
+          <p:nvSpPr>
+            <p:cNvPr id="129" name="pt126"/>
+            <p:cNvSpPr/>
+            <p:nvPr/>
+          </p:nvSpPr>
+          <p:spPr>
+            <a:xfrm>
+              <a:off x="9040646" y="4884426"/>
+              <a:ext cx="49651" cy="49651"/>
+            </a:xfrm>
+            <a:prstGeom prst="ellipse">
+              <a:avLst/>
+            </a:prstGeom>
+            <a:solidFill>
+              <a:srgbClr val="619CFF">
+                <a:alpha val="100000"/>
+              </a:srgbClr>
+            </a:solidFill>
+            <a:ln w="9000" cap="rnd">
+              <a:solidFill>
+                <a:srgbClr val="619CFF">
+                  <a:alpha val="100000"/>
+                </a:srgbClr>
+              </a:solidFill>
+              <a:prstDash val="solid"/>
+              <a:round/>
+            </a:ln>
+          </p:spPr>
+          <p:txBody>
+            <a:bodyPr/>
+            <a:lstStyle/>
+            <a:p/>
+          </p:txBody>
+        </p:sp>
+        <p:sp>
+          <p:nvSpPr>
+            <p:cNvPr id="130" name="pt127"/>
+            <p:cNvSpPr/>
+            <p:nvPr/>
+          </p:nvSpPr>
+          <p:spPr>
+            <a:xfrm>
+              <a:off x="6818625" y="4992673"/>
+              <a:ext cx="49651" cy="49651"/>
+            </a:xfrm>
+            <a:prstGeom prst="ellipse">
+              <a:avLst/>
+            </a:prstGeom>
+            <a:solidFill>
+              <a:srgbClr val="619CFF">
+                <a:alpha val="100000"/>
+              </a:srgbClr>
+            </a:solidFill>
+            <a:ln w="9000" cap="rnd">
+              <a:solidFill>
+                <a:srgbClr val="619CFF">
+                  <a:alpha val="100000"/>
+                </a:srgbClr>
+              </a:solidFill>
+              <a:prstDash val="solid"/>
+              <a:round/>
+            </a:ln>
+          </p:spPr>
+          <p:txBody>
+            <a:bodyPr/>
+            <a:lstStyle/>
+            <a:p/>
+          </p:txBody>
+        </p:sp>
+        <p:sp>
+          <p:nvSpPr>
+            <p:cNvPr id="131" name="pt128"/>
+            <p:cNvSpPr/>
+            <p:nvPr/>
+          </p:nvSpPr>
+          <p:spPr>
+            <a:xfrm>
+              <a:off x="7374130" y="4884426"/>
+              <a:ext cx="49651" cy="49651"/>
+            </a:xfrm>
+            <a:prstGeom prst="ellipse">
+              <a:avLst/>
+            </a:prstGeom>
+            <a:solidFill>
+              <a:srgbClr val="619CFF">
+                <a:alpha val="100000"/>
+              </a:srgbClr>
+            </a:solidFill>
+            <a:ln w="9000" cap="rnd">
+              <a:solidFill>
+                <a:srgbClr val="619CFF">
+                  <a:alpha val="100000"/>
+                </a:srgbClr>
+              </a:solidFill>
+              <a:prstDash val="solid"/>
+              <a:round/>
+            </a:ln>
+          </p:spPr>
+          <p:txBody>
+            <a:bodyPr/>
+            <a:lstStyle/>
+            <a:p/>
+          </p:txBody>
+        </p:sp>
+        <p:sp>
+          <p:nvSpPr>
+            <p:cNvPr id="132" name="pt129"/>
+            <p:cNvSpPr/>
+            <p:nvPr/>
+          </p:nvSpPr>
+          <p:spPr>
+            <a:xfrm>
+              <a:off x="10429410" y="4884426"/>
+              <a:ext cx="49651" cy="49651"/>
+            </a:xfrm>
+            <a:prstGeom prst="ellipse">
+              <a:avLst/>
+            </a:prstGeom>
+            <a:solidFill>
+              <a:srgbClr val="619CFF">
+                <a:alpha val="100000"/>
+              </a:srgbClr>
+            </a:solidFill>
+            <a:ln w="9000" cap="rnd">
+              <a:solidFill>
+                <a:srgbClr val="619CFF">
+                  <a:alpha val="100000"/>
+                </a:srgbClr>
+              </a:solidFill>
+              <a:prstDash val="solid"/>
+              <a:round/>
+            </a:ln>
+          </p:spPr>
+          <p:txBody>
+            <a:bodyPr/>
+            <a:lstStyle/>
+            <a:p/>
+          </p:txBody>
+        </p:sp>
+        <p:sp>
+          <p:nvSpPr>
+            <p:cNvPr id="133" name="pt130"/>
+            <p:cNvSpPr/>
+            <p:nvPr/>
+          </p:nvSpPr>
+          <p:spPr>
+            <a:xfrm>
+              <a:off x="2930088" y="5425662"/>
+              <a:ext cx="49651" cy="49651"/>
+            </a:xfrm>
+            <a:prstGeom prst="ellipse">
+              <a:avLst/>
+            </a:prstGeom>
+            <a:solidFill>
+              <a:srgbClr val="619CFF">
+                <a:alpha val="100000"/>
+              </a:srgbClr>
+            </a:solidFill>
+            <a:ln w="9000" cap="rnd">
+              <a:solidFill>
+                <a:srgbClr val="619CFF">
+                  <a:alpha val="100000"/>
+                </a:srgbClr>
+              </a:solidFill>
+              <a:prstDash val="solid"/>
+              <a:round/>
+            </a:ln>
+          </p:spPr>
+          <p:txBody>
+            <a:bodyPr/>
+            <a:lstStyle/>
+            <a:p/>
+          </p:txBody>
+        </p:sp>
+        <p:sp>
+          <p:nvSpPr>
+            <p:cNvPr id="134" name="pt131"/>
+            <p:cNvSpPr/>
+            <p:nvPr/>
+          </p:nvSpPr>
+          <p:spPr>
+            <a:xfrm>
+              <a:off x="9596152" y="4992673"/>
+              <a:ext cx="49651" cy="49651"/>
+            </a:xfrm>
+            <a:prstGeom prst="ellipse">
+              <a:avLst/>
+            </a:prstGeom>
+            <a:solidFill>
+              <a:srgbClr val="619CFF">
+                <a:alpha val="100000"/>
+              </a:srgbClr>
+            </a:solidFill>
+            <a:ln w="9000" cap="rnd">
+              <a:solidFill>
+                <a:srgbClr val="619CFF">
+                  <a:alpha val="100000"/>
+                </a:srgbClr>
+              </a:solidFill>
+              <a:prstDash val="solid"/>
+              <a:round/>
+            </a:ln>
+          </p:spPr>
+          <p:txBody>
+            <a:bodyPr/>
+            <a:lstStyle/>
+            <a:p/>
+          </p:txBody>
+        </p:sp>
+        <p:sp>
+          <p:nvSpPr>
+            <p:cNvPr id="135" name="pt132"/>
+            <p:cNvSpPr/>
+            <p:nvPr/>
+          </p:nvSpPr>
+          <p:spPr>
+            <a:xfrm>
+              <a:off x="7929636" y="5425662"/>
+              <a:ext cx="49651" cy="49651"/>
+            </a:xfrm>
+            <a:prstGeom prst="ellipse">
+              <a:avLst/>
+            </a:prstGeom>
+            <a:solidFill>
+              <a:srgbClr val="619CFF">
+                <a:alpha val="100000"/>
+              </a:srgbClr>
+            </a:solidFill>
+            <a:ln w="9000" cap="rnd">
+              <a:solidFill>
+                <a:srgbClr val="619CFF">
+                  <a:alpha val="100000"/>
+                </a:srgbClr>
+              </a:solidFill>
+              <a:prstDash val="solid"/>
+              <a:round/>
+            </a:ln>
+          </p:spPr>
+          <p:txBody>
+            <a:bodyPr/>
+            <a:lstStyle/>
+            <a:p/>
+          </p:txBody>
+        </p:sp>
+        <p:sp>
+          <p:nvSpPr>
+            <p:cNvPr id="136" name="pt133"/>
+            <p:cNvSpPr/>
+            <p:nvPr/>
+          </p:nvSpPr>
+          <p:spPr>
+            <a:xfrm>
+              <a:off x="9318399" y="4234942"/>
+              <a:ext cx="49651" cy="49651"/>
+            </a:xfrm>
+            <a:prstGeom prst="ellipse">
+              <a:avLst/>
+            </a:prstGeom>
+            <a:solidFill>
+              <a:srgbClr val="619CFF">
+                <a:alpha val="100000"/>
+              </a:srgbClr>
+            </a:solidFill>
+            <a:ln w="9000" cap="rnd">
+              <a:solidFill>
+                <a:srgbClr val="619CFF">
+                  <a:alpha val="100000"/>
+                </a:srgbClr>
+              </a:solidFill>
+              <a:prstDash val="solid"/>
+              <a:round/>
+            </a:ln>
+          </p:spPr>
+          <p:txBody>
+            <a:bodyPr/>
+            <a:lstStyle/>
+            <a:p/>
+          </p:txBody>
+        </p:sp>
+        <p:sp>
+          <p:nvSpPr>
+            <p:cNvPr id="137" name="pt134"/>
+            <p:cNvSpPr/>
+            <p:nvPr/>
+          </p:nvSpPr>
+          <p:spPr>
+            <a:xfrm>
+              <a:off x="7374130" y="4667931"/>
+              <a:ext cx="49651" cy="49651"/>
+            </a:xfrm>
+            <a:prstGeom prst="ellipse">
+              <a:avLst/>
+            </a:prstGeom>
+            <a:solidFill>
+              <a:srgbClr val="619CFF">
+                <a:alpha val="100000"/>
+              </a:srgbClr>
+            </a:solidFill>
+            <a:ln w="9000" cap="rnd">
+              <a:solidFill>
+                <a:srgbClr val="619CFF">
+                  <a:alpha val="100000"/>
+                </a:srgbClr>
+              </a:solidFill>
+              <a:prstDash val="solid"/>
+              <a:round/>
+            </a:ln>
+          </p:spPr>
+          <p:txBody>
+            <a:bodyPr/>
+            <a:lstStyle/>
+            <a:p/>
+          </p:txBody>
+        </p:sp>
+        <p:sp>
+          <p:nvSpPr>
+            <p:cNvPr id="138" name="pt135"/>
+            <p:cNvSpPr/>
+            <p:nvPr/>
+          </p:nvSpPr>
+          <p:spPr>
+            <a:xfrm>
+              <a:off x="7096378" y="5209168"/>
+              <a:ext cx="49651" cy="49651"/>
+            </a:xfrm>
+            <a:prstGeom prst="ellipse">
+              <a:avLst/>
+            </a:prstGeom>
+            <a:solidFill>
+              <a:srgbClr val="619CFF">
+                <a:alpha val="100000"/>
+              </a:srgbClr>
+            </a:solidFill>
+            <a:ln w="9000" cap="rnd">
+              <a:solidFill>
+                <a:srgbClr val="619CFF">
+                  <a:alpha val="100000"/>
+                </a:srgbClr>
+              </a:solidFill>
+              <a:prstDash val="solid"/>
+              <a:round/>
+            </a:ln>
+          </p:spPr>
+          <p:txBody>
+            <a:bodyPr/>
+            <a:lstStyle/>
+            <a:p/>
+          </p:txBody>
+        </p:sp>
+        <p:sp>
+          <p:nvSpPr>
+            <p:cNvPr id="139" name="pt136"/>
+            <p:cNvSpPr/>
+            <p:nvPr/>
+          </p:nvSpPr>
+          <p:spPr>
+            <a:xfrm>
+              <a:off x="8207388" y="4884426"/>
+              <a:ext cx="49651" cy="49651"/>
+            </a:xfrm>
+            <a:prstGeom prst="ellipse">
+              <a:avLst/>
+            </a:prstGeom>
+            <a:solidFill>
+              <a:srgbClr val="619CFF">
+                <a:alpha val="100000"/>
+              </a:srgbClr>
+            </a:solidFill>
+            <a:ln w="9000" cap="rnd">
+              <a:solidFill>
+                <a:srgbClr val="619CFF">
+                  <a:alpha val="100000"/>
+                </a:srgbClr>
+              </a:solidFill>
+              <a:prstDash val="solid"/>
+              <a:round/>
+            </a:ln>
+          </p:spPr>
+          <p:txBody>
+            <a:bodyPr/>
+            <a:lstStyle/>
+            <a:p/>
+          </p:txBody>
+        </p:sp>
+        <p:sp>
+          <p:nvSpPr>
+            <p:cNvPr id="140" name="pt137"/>
+            <p:cNvSpPr/>
+            <p:nvPr/>
+          </p:nvSpPr>
+          <p:spPr>
+            <a:xfrm>
+              <a:off x="5152109" y="5425662"/>
+              <a:ext cx="49651" cy="49651"/>
+            </a:xfrm>
+            <a:prstGeom prst="ellipse">
+              <a:avLst/>
+            </a:prstGeom>
+            <a:solidFill>
+              <a:srgbClr val="619CFF">
+                <a:alpha val="100000"/>
+              </a:srgbClr>
+            </a:solidFill>
+            <a:ln w="9000" cap="rnd">
+              <a:solidFill>
+                <a:srgbClr val="619CFF">
+                  <a:alpha val="100000"/>
+                </a:srgbClr>
+              </a:solidFill>
+              <a:prstDash val="solid"/>
+              <a:round/>
+            </a:ln>
+          </p:spPr>
+          <p:txBody>
+            <a:bodyPr/>
+            <a:lstStyle/>
+            <a:p/>
+          </p:txBody>
+        </p:sp>
+        <p:sp>
+          <p:nvSpPr>
+            <p:cNvPr id="141" name="pt138"/>
+            <p:cNvSpPr/>
+            <p:nvPr/>
+          </p:nvSpPr>
+          <p:spPr>
+            <a:xfrm>
+              <a:off x="5429862" y="5100920"/>
+              <a:ext cx="49651" cy="49651"/>
+            </a:xfrm>
+            <a:prstGeom prst="ellipse">
+              <a:avLst/>
+            </a:prstGeom>
+            <a:solidFill>
+              <a:srgbClr val="619CFF">
+                <a:alpha val="100000"/>
+              </a:srgbClr>
+            </a:solidFill>
+            <a:ln w="9000" cap="rnd">
+              <a:solidFill>
+                <a:srgbClr val="619CFF">
+                  <a:alpha val="100000"/>
+                </a:srgbClr>
+              </a:solidFill>
+              <a:prstDash val="solid"/>
+              <a:round/>
+            </a:ln>
+          </p:spPr>
+          <p:txBody>
+            <a:bodyPr/>
+            <a:lstStyle/>
+            <a:p/>
+          </p:txBody>
+        </p:sp>
+        <p:sp>
+          <p:nvSpPr>
+            <p:cNvPr id="142" name="pt139"/>
+            <p:cNvSpPr/>
+            <p:nvPr/>
+          </p:nvSpPr>
+          <p:spPr>
+            <a:xfrm>
+              <a:off x="7096378" y="4667931"/>
+              <a:ext cx="49651" cy="49651"/>
+            </a:xfrm>
+            <a:prstGeom prst="ellipse">
+              <a:avLst/>
+            </a:prstGeom>
+            <a:solidFill>
+              <a:srgbClr val="619CFF">
+                <a:alpha val="100000"/>
+              </a:srgbClr>
+            </a:solidFill>
+            <a:ln w="9000" cap="rnd">
+              <a:solidFill>
+                <a:srgbClr val="619CFF">
+                  <a:alpha val="100000"/>
+                </a:srgbClr>
+              </a:solidFill>
+              <a:prstDash val="solid"/>
+              <a:round/>
+            </a:ln>
+          </p:spPr>
+          <p:txBody>
+            <a:bodyPr/>
+            <a:lstStyle/>
+            <a:p/>
+          </p:txBody>
+        </p:sp>
+        <p:sp>
+          <p:nvSpPr>
+            <p:cNvPr id="143" name="pt140"/>
+            <p:cNvSpPr/>
+            <p:nvPr/>
+          </p:nvSpPr>
+          <p:spPr>
+            <a:xfrm>
+              <a:off x="7374130" y="4884426"/>
+              <a:ext cx="49651" cy="49651"/>
+            </a:xfrm>
+            <a:prstGeom prst="ellipse">
+              <a:avLst/>
+            </a:prstGeom>
+            <a:solidFill>
+              <a:srgbClr val="619CFF">
+                <a:alpha val="100000"/>
+              </a:srgbClr>
+            </a:solidFill>
+            <a:ln w="9000" cap="rnd">
+              <a:solidFill>
+                <a:srgbClr val="619CFF">
+                  <a:alpha val="100000"/>
+                </a:srgbClr>
+              </a:solidFill>
+              <a:prstDash val="solid"/>
+              <a:round/>
+            </a:ln>
+          </p:spPr>
+          <p:txBody>
+            <a:bodyPr/>
+            <a:lstStyle/>
+            <a:p/>
+          </p:txBody>
+        </p:sp>
+        <p:sp>
+          <p:nvSpPr>
+            <p:cNvPr id="144" name="pt141"/>
+            <p:cNvSpPr/>
+            <p:nvPr/>
+          </p:nvSpPr>
+          <p:spPr>
+            <a:xfrm>
+              <a:off x="10707162" y="4018447"/>
+              <a:ext cx="49651" cy="49651"/>
+            </a:xfrm>
+            <a:prstGeom prst="ellipse">
+              <a:avLst/>
+            </a:prstGeom>
+            <a:solidFill>
+              <a:srgbClr val="619CFF">
+                <a:alpha val="100000"/>
+              </a:srgbClr>
+            </a:solidFill>
+            <a:ln w="9000" cap="rnd">
+              <a:solidFill>
+                <a:srgbClr val="619CFF">
+                  <a:alpha val="100000"/>
+                </a:srgbClr>
+              </a:solidFill>
+              <a:prstDash val="solid"/>
+              <a:round/>
+            </a:ln>
+          </p:spPr>
+          <p:txBody>
+            <a:bodyPr/>
+            <a:lstStyle/>
+            <a:p/>
+          </p:txBody>
+        </p:sp>
+        <p:sp>
+          <p:nvSpPr>
+            <p:cNvPr id="145" name="pt142"/>
+            <p:cNvSpPr/>
+            <p:nvPr/>
+          </p:nvSpPr>
+          <p:spPr>
+            <a:xfrm>
+              <a:off x="10707162" y="5317415"/>
+              <a:ext cx="49651" cy="49651"/>
+            </a:xfrm>
+            <a:prstGeom prst="ellipse">
+              <a:avLst/>
+            </a:prstGeom>
+            <a:solidFill>
+              <a:srgbClr val="619CFF">
+                <a:alpha val="100000"/>
+              </a:srgbClr>
+            </a:solidFill>
+            <a:ln w="9000" cap="rnd">
+              <a:solidFill>
+                <a:srgbClr val="619CFF">
+                  <a:alpha val="100000"/>
+                </a:srgbClr>
+              </a:solidFill>
+              <a:prstDash val="solid"/>
+              <a:round/>
+            </a:ln>
+          </p:spPr>
+          <p:txBody>
+            <a:bodyPr/>
+            <a:lstStyle/>
+            <a:p/>
+          </p:txBody>
+        </p:sp>
+        <p:sp>
+          <p:nvSpPr>
+            <p:cNvPr id="146" name="pt143"/>
+            <p:cNvSpPr/>
+            <p:nvPr/>
+          </p:nvSpPr>
+          <p:spPr>
+            <a:xfrm>
+              <a:off x="5985367" y="5750404"/>
+              <a:ext cx="49651" cy="49651"/>
+            </a:xfrm>
+            <a:prstGeom prst="ellipse">
+              <a:avLst/>
+            </a:prstGeom>
+            <a:solidFill>
+              <a:srgbClr val="619CFF">
+                <a:alpha val="100000"/>
+              </a:srgbClr>
+            </a:solidFill>
+            <a:ln w="9000" cap="rnd">
+              <a:solidFill>
+                <a:srgbClr val="619CFF">
+                  <a:alpha val="100000"/>
+                </a:srgbClr>
+              </a:solidFill>
+              <a:prstDash val="solid"/>
+              <a:round/>
+            </a:ln>
+          </p:spPr>
+          <p:txBody>
+            <a:bodyPr/>
+            <a:lstStyle/>
+            <a:p/>
+          </p:txBody>
+        </p:sp>
+        <p:sp>
+          <p:nvSpPr>
+            <p:cNvPr id="147" name="pt144"/>
+            <p:cNvSpPr/>
+            <p:nvPr/>
+          </p:nvSpPr>
+          <p:spPr>
+            <a:xfrm>
+              <a:off x="8485141" y="4667931"/>
+              <a:ext cx="49651" cy="49651"/>
+            </a:xfrm>
+            <a:prstGeom prst="ellipse">
+              <a:avLst/>
+            </a:prstGeom>
+            <a:solidFill>
+              <a:srgbClr val="619CFF">
+                <a:alpha val="100000"/>
+              </a:srgbClr>
+            </a:solidFill>
+            <a:ln w="9000" cap="rnd">
+              <a:solidFill>
+                <a:srgbClr val="619CFF">
+                  <a:alpha val="100000"/>
+                </a:srgbClr>
+              </a:solidFill>
+              <a:prstDash val="solid"/>
+              <a:round/>
+            </a:ln>
+          </p:spPr>
+          <p:txBody>
+            <a:bodyPr/>
+            <a:lstStyle/>
+            <a:p/>
+          </p:txBody>
+        </p:sp>
+        <p:sp>
+          <p:nvSpPr>
+            <p:cNvPr id="148" name="pt145"/>
+            <p:cNvSpPr/>
+            <p:nvPr/>
+          </p:nvSpPr>
+          <p:spPr>
+            <a:xfrm>
+              <a:off x="4874357" y="5100920"/>
+              <a:ext cx="49651" cy="49651"/>
+            </a:xfrm>
+            <a:prstGeom prst="ellipse">
+              <a:avLst/>
+            </a:prstGeom>
+            <a:solidFill>
+              <a:srgbClr val="619CFF">
+                <a:alpha val="100000"/>
+              </a:srgbClr>
+            </a:solidFill>
+            <a:ln w="9000" cap="rnd">
+              <a:solidFill>
+                <a:srgbClr val="619CFF">
+                  <a:alpha val="100000"/>
+                </a:srgbClr>
+              </a:solidFill>
+              <a:prstDash val="solid"/>
+              <a:round/>
+            </a:ln>
+          </p:spPr>
+          <p:txBody>
+            <a:bodyPr/>
+            <a:lstStyle/>
+            <a:p/>
+          </p:txBody>
+        </p:sp>
+        <p:sp>
+          <p:nvSpPr>
+            <p:cNvPr id="149" name="pt146"/>
+            <p:cNvSpPr/>
+            <p:nvPr/>
+          </p:nvSpPr>
+          <p:spPr>
+            <a:xfrm>
+              <a:off x="10707162" y="5100920"/>
+              <a:ext cx="49651" cy="49651"/>
+            </a:xfrm>
+            <a:prstGeom prst="ellipse">
+              <a:avLst/>
+            </a:prstGeom>
+            <a:solidFill>
+              <a:srgbClr val="619CFF">
+                <a:alpha val="100000"/>
+              </a:srgbClr>
+            </a:solidFill>
+            <a:ln w="9000" cap="rnd">
+              <a:solidFill>
+                <a:srgbClr val="619CFF">
+                  <a:alpha val="100000"/>
+                </a:srgbClr>
+              </a:solidFill>
+              <a:prstDash val="solid"/>
+              <a:round/>
+            </a:ln>
+          </p:spPr>
+          <p:txBody>
+            <a:bodyPr/>
+            <a:lstStyle/>
+            <a:p/>
+          </p:txBody>
+        </p:sp>
+        <p:sp>
+          <p:nvSpPr>
+            <p:cNvPr id="150" name="pt147"/>
+            <p:cNvSpPr/>
+            <p:nvPr/>
+          </p:nvSpPr>
+          <p:spPr>
+            <a:xfrm>
+              <a:off x="6818625" y="5209168"/>
+              <a:ext cx="49651" cy="49651"/>
+            </a:xfrm>
+            <a:prstGeom prst="ellipse">
+              <a:avLst/>
+            </a:prstGeom>
+            <a:solidFill>
+              <a:srgbClr val="619CFF">
+                <a:alpha val="100000"/>
+              </a:srgbClr>
+            </a:solidFill>
+            <a:ln w="9000" cap="rnd">
+              <a:solidFill>
+                <a:srgbClr val="619CFF">
+                  <a:alpha val="100000"/>
+                </a:srgbClr>
+              </a:solidFill>
+              <a:prstDash val="solid"/>
+              <a:round/>
+            </a:ln>
+          </p:spPr>
+          <p:txBody>
+            <a:bodyPr/>
+            <a:lstStyle/>
+            <a:p/>
+          </p:txBody>
+        </p:sp>
+        <p:sp>
+          <p:nvSpPr>
+            <p:cNvPr id="151" name="pt148"/>
+            <p:cNvSpPr/>
+            <p:nvPr/>
+          </p:nvSpPr>
+          <p:spPr>
+            <a:xfrm>
+              <a:off x="7929636" y="4559684"/>
+              <a:ext cx="49651" cy="49651"/>
+            </a:xfrm>
+            <a:prstGeom prst="ellipse">
+              <a:avLst/>
+            </a:prstGeom>
+            <a:solidFill>
+              <a:srgbClr val="619CFF">
+                <a:alpha val="100000"/>
+              </a:srgbClr>
+            </a:solidFill>
+            <a:ln w="9000" cap="rnd">
+              <a:solidFill>
+                <a:srgbClr val="619CFF">
+                  <a:alpha val="100000"/>
+                </a:srgbClr>
+              </a:solidFill>
+              <a:prstDash val="solid"/>
+              <a:round/>
+            </a:ln>
+          </p:spPr>
+          <p:txBody>
+            <a:bodyPr/>
+            <a:lstStyle/>
+            <a:p/>
+          </p:txBody>
+        </p:sp>
+        <p:sp>
+          <p:nvSpPr>
+            <p:cNvPr id="152" name="pt149"/>
+            <p:cNvSpPr/>
+            <p:nvPr/>
+          </p:nvSpPr>
+          <p:spPr>
+            <a:xfrm>
+              <a:off x="9318399" y="4667931"/>
+              <a:ext cx="49651" cy="49651"/>
+            </a:xfrm>
+            <a:prstGeom prst="ellipse">
+              <a:avLst/>
+            </a:prstGeom>
+            <a:solidFill>
+              <a:srgbClr val="619CFF">
+                <a:alpha val="100000"/>
+              </a:srgbClr>
+            </a:solidFill>
+            <a:ln w="9000" cap="rnd">
+              <a:solidFill>
+                <a:srgbClr val="619CFF">
+                  <a:alpha val="100000"/>
+                </a:srgbClr>
+              </a:solidFill>
+              <a:prstDash val="solid"/>
+              <a:round/>
+            </a:ln>
+          </p:spPr>
+          <p:txBody>
+            <a:bodyPr/>
+            <a:lstStyle/>
+            <a:p/>
+          </p:txBody>
+        </p:sp>
+        <p:sp>
+          <p:nvSpPr>
+            <p:cNvPr id="153" name="pt150"/>
+            <p:cNvSpPr/>
+            <p:nvPr/>
+          </p:nvSpPr>
+          <p:spPr>
+            <a:xfrm>
+              <a:off x="6540872" y="5100920"/>
+              <a:ext cx="49651" cy="49651"/>
+            </a:xfrm>
+            <a:prstGeom prst="ellipse">
+              <a:avLst/>
+            </a:prstGeom>
+            <a:solidFill>
+              <a:srgbClr val="619CFF">
+                <a:alpha val="100000"/>
+              </a:srgbClr>
+            </a:solidFill>
+            <a:ln w="9000" cap="rnd">
+              <a:solidFill>
+                <a:srgbClr val="619CFF">
+                  <a:alpha val="100000"/>
+                </a:srgbClr>
+              </a:solidFill>
+              <a:prstDash val="solid"/>
+              <a:round/>
+            </a:ln>
+          </p:spPr>
+          <p:txBody>
+            <a:bodyPr/>
+            <a:lstStyle/>
+            <a:p/>
+          </p:txBody>
+        </p:sp>
+        <p:sp>
+          <p:nvSpPr>
+            <p:cNvPr id="154" name="pt151"/>
+            <p:cNvSpPr/>
+            <p:nvPr/>
+          </p:nvSpPr>
+          <p:spPr>
+            <a:xfrm>
+              <a:off x="6263120" y="4884426"/>
+              <a:ext cx="49651" cy="49651"/>
+            </a:xfrm>
+            <a:prstGeom prst="ellipse">
+              <a:avLst/>
+            </a:prstGeom>
+            <a:solidFill>
+              <a:srgbClr val="619CFF">
+                <a:alpha val="100000"/>
+              </a:srgbClr>
+            </a:solidFill>
+            <a:ln w="9000" cap="rnd">
+              <a:solidFill>
+                <a:srgbClr val="619CFF">
+                  <a:alpha val="100000"/>
+                </a:srgbClr>
+              </a:solidFill>
+              <a:prstDash val="solid"/>
+              <a:round/>
+            </a:ln>
+          </p:spPr>
+          <p:txBody>
+            <a:bodyPr/>
+            <a:lstStyle/>
+            <a:p/>
+          </p:txBody>
+        </p:sp>
+        <p:sp>
+          <p:nvSpPr>
+            <p:cNvPr id="155" name="pt152"/>
+            <p:cNvSpPr/>
+            <p:nvPr/>
+          </p:nvSpPr>
+          <p:spPr>
+            <a:xfrm>
+              <a:off x="7096378" y="5100920"/>
+              <a:ext cx="49651" cy="49651"/>
+            </a:xfrm>
+            <a:prstGeom prst="ellipse">
+              <a:avLst/>
+            </a:prstGeom>
+            <a:solidFill>
+              <a:srgbClr val="619CFF">
+                <a:alpha val="100000"/>
+              </a:srgbClr>
+            </a:solidFill>
+            <a:ln w="9000" cap="rnd">
+              <a:solidFill>
+                <a:srgbClr val="619CFF">
+                  <a:alpha val="100000"/>
+                </a:srgbClr>
+              </a:solidFill>
+              <a:prstDash val="solid"/>
+              <a:round/>
+            </a:ln>
+          </p:spPr>
+          <p:txBody>
+            <a:bodyPr/>
+            <a:lstStyle/>
+            <a:p/>
+          </p:txBody>
+        </p:sp>
+        <p:sp>
+          <p:nvSpPr>
+            <p:cNvPr id="156" name="pt153"/>
+            <p:cNvSpPr/>
+            <p:nvPr/>
+          </p:nvSpPr>
+          <p:spPr>
+            <a:xfrm>
+              <a:off x="9318399" y="4884426"/>
+              <a:ext cx="49651" cy="49651"/>
+            </a:xfrm>
+            <a:prstGeom prst="ellipse">
+              <a:avLst/>
+            </a:prstGeom>
+            <a:solidFill>
+              <a:srgbClr val="619CFF">
+                <a:alpha val="100000"/>
+              </a:srgbClr>
+            </a:solidFill>
+            <a:ln w="9000" cap="rnd">
+              <a:solidFill>
+                <a:srgbClr val="619CFF">
+                  <a:alpha val="100000"/>
+                </a:srgbClr>
+              </a:solidFill>
+              <a:prstDash val="solid"/>
+              <a:round/>
+            </a:ln>
+          </p:spPr>
+          <p:txBody>
+            <a:bodyPr/>
+            <a:lstStyle/>
+            <a:p/>
+          </p:txBody>
+        </p:sp>
+        <p:sp>
+          <p:nvSpPr>
+            <p:cNvPr id="157" name="pt154"/>
+            <p:cNvSpPr/>
+            <p:nvPr/>
+          </p:nvSpPr>
+          <p:spPr>
+            <a:xfrm>
+              <a:off x="9873904" y="5100920"/>
+              <a:ext cx="49651" cy="49651"/>
+            </a:xfrm>
+            <a:prstGeom prst="ellipse">
+              <a:avLst/>
+            </a:prstGeom>
+            <a:solidFill>
+              <a:srgbClr val="619CFF">
+                <a:alpha val="100000"/>
+              </a:srgbClr>
+            </a:solidFill>
+            <a:ln w="9000" cap="rnd">
+              <a:solidFill>
+                <a:srgbClr val="619CFF">
+                  <a:alpha val="100000"/>
+                </a:srgbClr>
+              </a:solidFill>
+              <a:prstDash val="solid"/>
+              <a:round/>
+            </a:ln>
+          </p:spPr>
+          <p:txBody>
+            <a:bodyPr/>
+            <a:lstStyle/>
+            <a:p/>
+          </p:txBody>
+        </p:sp>
+        <p:sp>
+          <p:nvSpPr>
+            <p:cNvPr id="158" name="pt155"/>
+            <p:cNvSpPr/>
+            <p:nvPr/>
+          </p:nvSpPr>
+          <p:spPr>
+            <a:xfrm>
+              <a:off x="11262668" y="4018447"/>
+              <a:ext cx="49651" cy="49651"/>
+            </a:xfrm>
+            <a:prstGeom prst="ellipse">
+              <a:avLst/>
+            </a:prstGeom>
+            <a:solidFill>
+              <a:srgbClr val="619CFF">
+                <a:alpha val="100000"/>
+              </a:srgbClr>
+            </a:solidFill>
+            <a:ln w="9000" cap="rnd">
+              <a:solidFill>
+                <a:srgbClr val="619CFF">
+                  <a:alpha val="100000"/>
+                </a:srgbClr>
+              </a:solidFill>
+              <a:prstDash val="solid"/>
+              <a:round/>
+            </a:ln>
+          </p:spPr>
+          <p:txBody>
+            <a:bodyPr/>
+            <a:lstStyle/>
+            <a:p/>
+          </p:txBody>
+        </p:sp>
+        <p:sp>
+          <p:nvSpPr>
+            <p:cNvPr id="159" name="pt156"/>
+            <p:cNvSpPr/>
+            <p:nvPr/>
+          </p:nvSpPr>
+          <p:spPr>
+            <a:xfrm>
+              <a:off x="7096378" y="5100920"/>
+              <a:ext cx="49651" cy="49651"/>
+            </a:xfrm>
+            <a:prstGeom prst="ellipse">
+              <a:avLst/>
+            </a:prstGeom>
+            <a:solidFill>
+              <a:srgbClr val="619CFF">
+                <a:alpha val="100000"/>
+              </a:srgbClr>
+            </a:solidFill>
+            <a:ln w="9000" cap="rnd">
+              <a:solidFill>
+                <a:srgbClr val="619CFF">
+                  <a:alpha val="100000"/>
+                </a:srgbClr>
+              </a:solidFill>
+              <a:prstDash val="solid"/>
+              <a:round/>
+            </a:ln>
+          </p:spPr>
+          <p:txBody>
+            <a:bodyPr/>
+            <a:lstStyle/>
+            <a:p/>
+          </p:txBody>
+        </p:sp>
+        <p:sp>
+          <p:nvSpPr>
+            <p:cNvPr id="160" name="pt157"/>
+            <p:cNvSpPr/>
+            <p:nvPr/>
+          </p:nvSpPr>
+          <p:spPr>
+            <a:xfrm>
+              <a:off x="6818625" y="5100920"/>
+              <a:ext cx="49651" cy="49651"/>
+            </a:xfrm>
+            <a:prstGeom prst="ellipse">
+              <a:avLst/>
+            </a:prstGeom>
+            <a:solidFill>
+              <a:srgbClr val="619CFF">
+                <a:alpha val="100000"/>
+              </a:srgbClr>
+            </a:solidFill>
+            <a:ln w="9000" cap="rnd">
+              <a:solidFill>
+                <a:srgbClr val="619CFF">
+                  <a:alpha val="100000"/>
+                </a:srgbClr>
+              </a:solidFill>
+              <a:prstDash val="solid"/>
+              <a:round/>
+            </a:ln>
+          </p:spPr>
+          <p:txBody>
+            <a:bodyPr/>
+            <a:lstStyle/>
+            <a:p/>
+          </p:txBody>
+        </p:sp>
+        <p:sp>
+          <p:nvSpPr>
+            <p:cNvPr id="161" name="pt158"/>
+            <p:cNvSpPr/>
+            <p:nvPr/>
+          </p:nvSpPr>
+          <p:spPr>
+            <a:xfrm>
+              <a:off x="6263120" y="5317415"/>
+              <a:ext cx="49651" cy="49651"/>
+            </a:xfrm>
+            <a:prstGeom prst="ellipse">
+              <a:avLst/>
+            </a:prstGeom>
+            <a:solidFill>
+              <a:srgbClr val="619CFF">
+                <a:alpha val="100000"/>
+              </a:srgbClr>
+            </a:solidFill>
+            <a:ln w="9000" cap="rnd">
+              <a:solidFill>
+                <a:srgbClr val="619CFF">
+                  <a:alpha val="100000"/>
+                </a:srgbClr>
+              </a:solidFill>
+              <a:prstDash val="solid"/>
+              <a:round/>
+            </a:ln>
+          </p:spPr>
+          <p:txBody>
+            <a:bodyPr/>
+            <a:lstStyle/>
+            <a:p/>
+          </p:txBody>
+        </p:sp>
+        <p:sp>
+          <p:nvSpPr>
+            <p:cNvPr id="162" name="pt159"/>
+            <p:cNvSpPr/>
+            <p:nvPr/>
+          </p:nvSpPr>
+          <p:spPr>
+            <a:xfrm>
+              <a:off x="10707162" y="4884426"/>
+              <a:ext cx="49651" cy="49651"/>
+            </a:xfrm>
+            <a:prstGeom prst="ellipse">
+              <a:avLst/>
+            </a:prstGeom>
+            <a:solidFill>
+              <a:srgbClr val="619CFF">
+                <a:alpha val="100000"/>
+              </a:srgbClr>
+            </a:solidFill>
+            <a:ln w="9000" cap="rnd">
+              <a:solidFill>
+                <a:srgbClr val="619CFF">
+                  <a:alpha val="100000"/>
+                </a:srgbClr>
+              </a:solidFill>
+              <a:prstDash val="solid"/>
+              <a:round/>
+            </a:ln>
+          </p:spPr>
+          <p:txBody>
+            <a:bodyPr/>
+            <a:lstStyle/>
+            <a:p/>
+          </p:txBody>
+        </p:sp>
+        <p:sp>
+          <p:nvSpPr>
+            <p:cNvPr id="163" name="pt160"/>
+            <p:cNvSpPr/>
+            <p:nvPr/>
+          </p:nvSpPr>
+          <p:spPr>
+            <a:xfrm>
+              <a:off x="6818625" y="4451436"/>
+              <a:ext cx="49651" cy="49651"/>
+            </a:xfrm>
+            <a:prstGeom prst="ellipse">
+              <a:avLst/>
+            </a:prstGeom>
+            <a:solidFill>
+              <a:srgbClr val="619CFF">
+                <a:alpha val="100000"/>
+              </a:srgbClr>
+            </a:solidFill>
+            <a:ln w="9000" cap="rnd">
+              <a:solidFill>
+                <a:srgbClr val="619CFF">
+                  <a:alpha val="100000"/>
+                </a:srgbClr>
+              </a:solidFill>
+              <a:prstDash val="solid"/>
+              <a:round/>
+            </a:ln>
+          </p:spPr>
+          <p:txBody>
+            <a:bodyPr/>
+            <a:lstStyle/>
+            <a:p/>
+          </p:txBody>
+        </p:sp>
+        <p:sp>
+          <p:nvSpPr>
+            <p:cNvPr id="164" name="pt161"/>
+            <p:cNvSpPr/>
+            <p:nvPr/>
+          </p:nvSpPr>
+          <p:spPr>
+            <a:xfrm>
+              <a:off x="7096378" y="4776178"/>
+              <a:ext cx="49651" cy="49651"/>
+            </a:xfrm>
+            <a:prstGeom prst="ellipse">
+              <a:avLst/>
+            </a:prstGeom>
+            <a:solidFill>
+              <a:srgbClr val="619CFF">
+                <a:alpha val="100000"/>
+              </a:srgbClr>
+            </a:solidFill>
+            <a:ln w="9000" cap="rnd">
+              <a:solidFill>
+                <a:srgbClr val="619CFF">
+                  <a:alpha val="100000"/>
+                </a:srgbClr>
+              </a:solidFill>
+              <a:prstDash val="solid"/>
+              <a:round/>
+            </a:ln>
+          </p:spPr>
+          <p:txBody>
+            <a:bodyPr/>
+            <a:lstStyle/>
+            <a:p/>
+          </p:txBody>
+        </p:sp>
+        <p:sp>
+          <p:nvSpPr>
+            <p:cNvPr id="165" name="pt162"/>
+            <p:cNvSpPr/>
+            <p:nvPr/>
+          </p:nvSpPr>
+          <p:spPr>
+            <a:xfrm>
+              <a:off x="5985367" y="4884426"/>
+              <a:ext cx="49651" cy="49651"/>
+            </a:xfrm>
+            <a:prstGeom prst="ellipse">
+              <a:avLst/>
+            </a:prstGeom>
+            <a:solidFill>
+              <a:srgbClr val="619CFF">
+                <a:alpha val="100000"/>
+              </a:srgbClr>
+            </a:solidFill>
+            <a:ln w="9000" cap="rnd">
+              <a:solidFill>
+                <a:srgbClr val="619CFF">
+                  <a:alpha val="100000"/>
+                </a:srgbClr>
+              </a:solidFill>
+              <a:prstDash val="solid"/>
+              <a:round/>
+            </a:ln>
+          </p:spPr>
+          <p:txBody>
+            <a:bodyPr/>
+            <a:lstStyle/>
+            <a:p/>
+          </p:txBody>
+        </p:sp>
+        <p:sp>
+          <p:nvSpPr>
+            <p:cNvPr id="166" name="pt163"/>
+            <p:cNvSpPr/>
+            <p:nvPr/>
+          </p:nvSpPr>
+          <p:spPr>
+            <a:xfrm>
+              <a:off x="8485141" y="4776178"/>
+              <a:ext cx="49651" cy="49651"/>
+            </a:xfrm>
+            <a:prstGeom prst="ellipse">
+              <a:avLst/>
+            </a:prstGeom>
+            <a:solidFill>
+              <a:srgbClr val="619CFF">
+                <a:alpha val="100000"/>
+              </a:srgbClr>
+            </a:solidFill>
+            <a:ln w="9000" cap="rnd">
+              <a:solidFill>
+                <a:srgbClr val="619CFF">
+                  <a:alpha val="100000"/>
+                </a:srgbClr>
+              </a:solidFill>
+              <a:prstDash val="solid"/>
+              <a:round/>
+            </a:ln>
+          </p:spPr>
+          <p:txBody>
+            <a:bodyPr/>
+            <a:lstStyle/>
+            <a:p/>
+          </p:txBody>
+        </p:sp>
+        <p:sp>
+          <p:nvSpPr>
+            <p:cNvPr id="167" name="pt164"/>
+            <p:cNvSpPr/>
+            <p:nvPr/>
+          </p:nvSpPr>
+          <p:spPr>
+            <a:xfrm>
+              <a:off x="7929636" y="4776178"/>
+              <a:ext cx="49651" cy="49651"/>
+            </a:xfrm>
+            <a:prstGeom prst="ellipse">
+              <a:avLst/>
+            </a:prstGeom>
+            <a:solidFill>
+              <a:srgbClr val="619CFF">
+                <a:alpha val="100000"/>
+              </a:srgbClr>
+            </a:solidFill>
+            <a:ln w="9000" cap="rnd">
+              <a:solidFill>
+                <a:srgbClr val="619CFF">
+                  <a:alpha val="100000"/>
+                </a:srgbClr>
+              </a:solidFill>
+              <a:prstDash val="solid"/>
+              <a:round/>
+            </a:ln>
+          </p:spPr>
+          <p:txBody>
+            <a:bodyPr/>
+            <a:lstStyle/>
+            <a:p/>
+          </p:txBody>
+        </p:sp>
+        <p:sp>
+          <p:nvSpPr>
+            <p:cNvPr id="168" name="pt165"/>
+            <p:cNvSpPr/>
+            <p:nvPr/>
+          </p:nvSpPr>
+          <p:spPr>
+            <a:xfrm>
+              <a:off x="8485141" y="4776178"/>
+              <a:ext cx="49651" cy="49651"/>
+            </a:xfrm>
+            <a:prstGeom prst="ellipse">
+              <a:avLst/>
+            </a:prstGeom>
+            <a:solidFill>
+              <a:srgbClr val="619CFF">
+                <a:alpha val="100000"/>
+              </a:srgbClr>
+            </a:solidFill>
+            <a:ln w="9000" cap="rnd">
+              <a:solidFill>
+                <a:srgbClr val="619CFF">
+                  <a:alpha val="100000"/>
+                </a:srgbClr>
+              </a:solidFill>
+              <a:prstDash val="solid"/>
+              <a:round/>
+            </a:ln>
+          </p:spPr>
+          <p:txBody>
+            <a:bodyPr/>
+            <a:lstStyle/>
+            <a:p/>
+          </p:txBody>
+        </p:sp>
+        <p:sp>
+          <p:nvSpPr>
+            <p:cNvPr id="169" name="pt166"/>
+            <p:cNvSpPr/>
+            <p:nvPr/>
+          </p:nvSpPr>
+          <p:spPr>
+            <a:xfrm>
+              <a:off x="5429862" y="5209168"/>
+              <a:ext cx="49651" cy="49651"/>
+            </a:xfrm>
+            <a:prstGeom prst="ellipse">
+              <a:avLst/>
+            </a:prstGeom>
+            <a:solidFill>
+              <a:srgbClr val="619CFF">
+                <a:alpha val="100000"/>
+              </a:srgbClr>
+            </a:solidFill>
+            <a:ln w="9000" cap="rnd">
+              <a:solidFill>
+                <a:srgbClr val="619CFF">
+                  <a:alpha val="100000"/>
+                </a:srgbClr>
+              </a:solidFill>
+              <a:prstDash val="solid"/>
+              <a:round/>
+            </a:ln>
+          </p:spPr>
+          <p:txBody>
+            <a:bodyPr/>
+            <a:lstStyle/>
+            <a:p/>
+          </p:txBody>
+        </p:sp>
+        <p:sp>
+          <p:nvSpPr>
+            <p:cNvPr id="170" name="pt167"/>
+            <p:cNvSpPr/>
+            <p:nvPr/>
+          </p:nvSpPr>
+          <p:spPr>
+            <a:xfrm>
+              <a:off x="8207388" y="4667931"/>
+              <a:ext cx="49651" cy="49651"/>
+            </a:xfrm>
+            <a:prstGeom prst="ellipse">
+              <a:avLst/>
+            </a:prstGeom>
+            <a:solidFill>
+              <a:srgbClr val="619CFF">
+                <a:alpha val="100000"/>
+              </a:srgbClr>
+            </a:solidFill>
+            <a:ln w="9000" cap="rnd">
+              <a:solidFill>
+                <a:srgbClr val="619CFF">
+                  <a:alpha val="100000"/>
+                </a:srgbClr>
+              </a:solidFill>
+              <a:prstDash val="solid"/>
+              <a:round/>
+            </a:ln>
+          </p:spPr>
+          <p:txBody>
+            <a:bodyPr/>
+            <a:lstStyle/>
+            <a:p/>
+          </p:txBody>
+        </p:sp>
+        <p:sp>
+          <p:nvSpPr>
+            <p:cNvPr id="171" name="pt168"/>
+            <p:cNvSpPr/>
+            <p:nvPr/>
+          </p:nvSpPr>
+          <p:spPr>
+            <a:xfrm>
+              <a:off x="7929636" y="4559684"/>
+              <a:ext cx="49651" cy="49651"/>
+            </a:xfrm>
+            <a:prstGeom prst="ellipse">
+              <a:avLst/>
+            </a:prstGeom>
+            <a:solidFill>
+              <a:srgbClr val="619CFF">
+                <a:alpha val="100000"/>
+              </a:srgbClr>
+            </a:solidFill>
+            <a:ln w="9000" cap="rnd">
+              <a:solidFill>
+                <a:srgbClr val="619CFF">
+                  <a:alpha val="100000"/>
+                </a:srgbClr>
+              </a:solidFill>
+              <a:prstDash val="solid"/>
+              <a:round/>
+            </a:ln>
+          </p:spPr>
+          <p:txBody>
+            <a:bodyPr/>
+            <a:lstStyle/>
+            <a:p/>
+          </p:txBody>
+        </p:sp>
+        <p:sp>
+          <p:nvSpPr>
+            <p:cNvPr id="172" name="pt169"/>
+            <p:cNvSpPr/>
+            <p:nvPr/>
+          </p:nvSpPr>
+          <p:spPr>
+            <a:xfrm>
+              <a:off x="7929636" y="4884426"/>
+              <a:ext cx="49651" cy="49651"/>
+            </a:xfrm>
+            <a:prstGeom prst="ellipse">
+              <a:avLst/>
+            </a:prstGeom>
+            <a:solidFill>
+              <a:srgbClr val="619CFF">
+                <a:alpha val="100000"/>
+              </a:srgbClr>
+            </a:solidFill>
+            <a:ln w="9000" cap="rnd">
+              <a:solidFill>
+                <a:srgbClr val="619CFF">
+                  <a:alpha val="100000"/>
+                </a:srgbClr>
+              </a:solidFill>
+              <a:prstDash val="solid"/>
+              <a:round/>
+            </a:ln>
+          </p:spPr>
+          <p:txBody>
+            <a:bodyPr/>
+            <a:lstStyle/>
+            <a:p/>
+          </p:txBody>
+        </p:sp>
+        <p:sp>
+          <p:nvSpPr>
+            <p:cNvPr id="173" name="pt170"/>
+            <p:cNvSpPr/>
+            <p:nvPr/>
+          </p:nvSpPr>
+          <p:spPr>
+            <a:xfrm>
+              <a:off x="6818625" y="5425662"/>
+              <a:ext cx="49651" cy="49651"/>
+            </a:xfrm>
+            <a:prstGeom prst="ellipse">
+              <a:avLst/>
+            </a:prstGeom>
+            <a:solidFill>
+              <a:srgbClr val="619CFF">
+                <a:alpha val="100000"/>
+              </a:srgbClr>
+            </a:solidFill>
+            <a:ln w="9000" cap="rnd">
+              <a:solidFill>
+                <a:srgbClr val="619CFF">
+                  <a:alpha val="100000"/>
+                </a:srgbClr>
+              </a:solidFill>
+              <a:prstDash val="solid"/>
+              <a:round/>
+            </a:ln>
+          </p:spPr>
+          <p:txBody>
+            <a:bodyPr/>
+            <a:lstStyle/>
+            <a:p/>
+          </p:txBody>
+        </p:sp>
+        <p:sp>
+          <p:nvSpPr>
+            <p:cNvPr id="174" name="pt171"/>
+            <p:cNvSpPr/>
+            <p:nvPr/>
+          </p:nvSpPr>
+          <p:spPr>
+            <a:xfrm>
+              <a:off x="7374130" y="4884426"/>
+              <a:ext cx="49651" cy="49651"/>
+            </a:xfrm>
+            <a:prstGeom prst="ellipse">
+              <a:avLst/>
+            </a:prstGeom>
+            <a:solidFill>
+              <a:srgbClr val="619CFF">
+                <a:alpha val="100000"/>
+              </a:srgbClr>
+            </a:solidFill>
+            <a:ln w="9000" cap="rnd">
+              <a:solidFill>
+                <a:srgbClr val="619CFF">
+                  <a:alpha val="100000"/>
+                </a:srgbClr>
+              </a:solidFill>
+              <a:prstDash val="solid"/>
+              <a:round/>
+            </a:ln>
+          </p:spPr>
+          <p:txBody>
+            <a:bodyPr/>
+            <a:lstStyle/>
+            <a:p/>
+          </p:txBody>
+        </p:sp>
+        <p:sp>
+          <p:nvSpPr>
+            <p:cNvPr id="175" name="pt172"/>
+            <p:cNvSpPr/>
+            <p:nvPr/>
+          </p:nvSpPr>
+          <p:spPr>
+            <a:xfrm>
+              <a:off x="6540872" y="4451436"/>
+              <a:ext cx="49651" cy="49651"/>
+            </a:xfrm>
+            <a:prstGeom prst="ellipse">
+              <a:avLst/>
+            </a:prstGeom>
+            <a:solidFill>
+              <a:srgbClr val="619CFF">
+                <a:alpha val="100000"/>
+              </a:srgbClr>
+            </a:solidFill>
+            <a:ln w="9000" cap="rnd">
+              <a:solidFill>
+                <a:srgbClr val="619CFF">
+                  <a:alpha val="100000"/>
+                </a:srgbClr>
+              </a:solidFill>
+              <a:prstDash val="solid"/>
+              <a:round/>
+            </a:ln>
+          </p:spPr>
+          <p:txBody>
+            <a:bodyPr/>
+            <a:lstStyle/>
+            <a:p/>
+          </p:txBody>
+        </p:sp>
+        <p:sp>
+          <p:nvSpPr>
+            <p:cNvPr id="176" name="pt173"/>
+            <p:cNvSpPr/>
+            <p:nvPr/>
+          </p:nvSpPr>
+          <p:spPr>
+            <a:xfrm>
+              <a:off x="5707614" y="4884426"/>
+              <a:ext cx="49651" cy="49651"/>
+            </a:xfrm>
+            <a:prstGeom prst="ellipse">
+              <a:avLst/>
+            </a:prstGeom>
+            <a:solidFill>
+              <a:srgbClr val="619CFF">
+                <a:alpha val="100000"/>
+              </a:srgbClr>
+            </a:solidFill>
+            <a:ln w="9000" cap="rnd">
+              <a:solidFill>
+                <a:srgbClr val="619CFF">
+                  <a:alpha val="100000"/>
+                </a:srgbClr>
+              </a:solidFill>
+              <a:prstDash val="solid"/>
+              <a:round/>
+            </a:ln>
+          </p:spPr>
+          <p:txBody>
+            <a:bodyPr/>
+            <a:lstStyle/>
+            <a:p/>
+          </p:txBody>
+        </p:sp>
+        <p:sp>
+          <p:nvSpPr>
+            <p:cNvPr id="177" name="rc174"/>
+            <p:cNvSpPr/>
+            <p:nvPr/>
+          </p:nvSpPr>
+          <p:spPr>
+            <a:xfrm>
+              <a:off x="788443" y="3263892"/>
+              <a:ext cx="10999005" cy="2857729"/>
+            </a:xfrm>
+            <a:prstGeom prst="rect">
+              <a:avLst/>
+            </a:prstGeom>
+            <a:ln w="13550" cap="rnd">
+              <a:solidFill>
+                <a:srgbClr val="333333">
+                  <a:alpha val="100000"/>
+                </a:srgbClr>
+              </a:solidFill>
+              <a:prstDash val="solid"/>
+              <a:round/>
+            </a:ln>
+          </p:spPr>
+          <p:txBody>
+            <a:bodyPr/>
+            <a:lstStyle/>
+            <a:p/>
+          </p:txBody>
+        </p:sp>
+        <p:sp>
+          <p:nvSpPr>
+            <p:cNvPr id="178" name="tx175"/>
+            <p:cNvSpPr/>
+            <p:nvPr/>
+          </p:nvSpPr>
+          <p:spPr>
+            <a:xfrm>
+              <a:off x="570451" y="5951261"/>
+              <a:ext cx="155361" cy="80545"/>
+            </a:xfrm>
+            <a:prstGeom prst="rect">
+              <a:avLst/>
+            </a:prstGeom>
+            <a:noFill/>
+          </p:spPr>
+          <p:txBody>
+            <a:bodyPr lIns="0" rIns="0" tIns="0" bIns="0" anchorCtr="1" anchor="ctr" wrap="none"/>
+            <a:lstStyle/>
+            <a:p>
+              <a:pPr algn="l" marL="0" marR="0" indent="0">
+                <a:lnSpc>
+                  <a:spcPts val="880"/>
+                </a:lnSpc>
+                <a:spcBef>
+                  <a:spcPts val="0"/>
+                </a:spcBef>
+                <a:spcAft>
+                  <a:spcPts val="0"/>
+                </a:spcAft>
+              </a:pPr>
+              <a:r>
+                <a:rPr sz="880">
+                  <a:solidFill>
+                    <a:srgbClr val="4D4D4D">
+                      <a:alpha val="100000"/>
+                    </a:srgbClr>
+                  </a:solidFill>
+                  <a:latin typeface="Helvetica"/>
+                  <a:cs typeface="Helvetica"/>
+                </a:rPr>
+                <a:t>2.0</a:t>
+              </a:r>
+            </a:p>
+          </p:txBody>
+        </p:sp>
+        <p:sp>
+          <p:nvSpPr>
+            <p:cNvPr id="179" name="tx176"/>
+            <p:cNvSpPr/>
+            <p:nvPr/>
+          </p:nvSpPr>
+          <p:spPr>
+            <a:xfrm>
+              <a:off x="570451" y="5410188"/>
+              <a:ext cx="155361" cy="80382"/>
+            </a:xfrm>
+            <a:prstGeom prst="rect">
+              <a:avLst/>
+            </a:prstGeom>
+            <a:noFill/>
+          </p:spPr>
+          <p:txBody>
+            <a:bodyPr lIns="0" rIns="0" tIns="0" bIns="0" anchorCtr="1" anchor="ctr" wrap="none"/>
+            <a:lstStyle/>
+            <a:p>
+              <a:pPr algn="l" marL="0" marR="0" indent="0">
+                <a:lnSpc>
+                  <a:spcPts val="880"/>
+                </a:lnSpc>
+                <a:spcBef>
+                  <a:spcPts val="0"/>
+                </a:spcBef>
+                <a:spcAft>
+                  <a:spcPts val="0"/>
+                </a:spcAft>
+              </a:pPr>
+              <a:r>
+                <a:rPr sz="880">
+                  <a:solidFill>
+                    <a:srgbClr val="4D4D4D">
+                      <a:alpha val="100000"/>
+                    </a:srgbClr>
+                  </a:solidFill>
+                  <a:latin typeface="Helvetica"/>
+                  <a:cs typeface="Helvetica"/>
+                </a:rPr>
+                <a:t>2.5</a:t>
+              </a:r>
+            </a:p>
+          </p:txBody>
+        </p:sp>
+        <p:sp>
+          <p:nvSpPr>
+            <p:cNvPr id="180" name="tx177"/>
+            <p:cNvSpPr/>
+            <p:nvPr/>
+          </p:nvSpPr>
+          <p:spPr>
+            <a:xfrm>
+              <a:off x="570451" y="4868951"/>
+              <a:ext cx="155361" cy="80382"/>
+            </a:xfrm>
+            <a:prstGeom prst="rect">
+              <a:avLst/>
+            </a:prstGeom>
+            <a:noFill/>
+          </p:spPr>
+          <p:txBody>
+            <a:bodyPr lIns="0" rIns="0" tIns="0" bIns="0" anchorCtr="1" anchor="ctr" wrap="none"/>
+            <a:lstStyle/>
+            <a:p>
+              <a:pPr algn="l" marL="0" marR="0" indent="0">
+                <a:lnSpc>
+                  <a:spcPts val="880"/>
+                </a:lnSpc>
+                <a:spcBef>
+                  <a:spcPts val="0"/>
+                </a:spcBef>
+                <a:spcAft>
+                  <a:spcPts val="0"/>
+                </a:spcAft>
+              </a:pPr>
+              <a:r>
+                <a:rPr sz="880">
+                  <a:solidFill>
+                    <a:srgbClr val="4D4D4D">
+                      <a:alpha val="100000"/>
+                    </a:srgbClr>
+                  </a:solidFill>
+                  <a:latin typeface="Helvetica"/>
+                  <a:cs typeface="Helvetica"/>
+                </a:rPr>
+                <a:t>3.0</a:t>
+              </a:r>
+            </a:p>
+          </p:txBody>
+        </p:sp>
+        <p:sp>
+          <p:nvSpPr>
+            <p:cNvPr id="181" name="tx178"/>
+            <p:cNvSpPr/>
+            <p:nvPr/>
+          </p:nvSpPr>
+          <p:spPr>
+            <a:xfrm>
+              <a:off x="570451" y="4327715"/>
+              <a:ext cx="155361" cy="80382"/>
+            </a:xfrm>
+            <a:prstGeom prst="rect">
+              <a:avLst/>
+            </a:prstGeom>
+            <a:noFill/>
+          </p:spPr>
+          <p:txBody>
+            <a:bodyPr lIns="0" rIns="0" tIns="0" bIns="0" anchorCtr="1" anchor="ctr" wrap="none"/>
+            <a:lstStyle/>
+            <a:p>
+              <a:pPr algn="l" marL="0" marR="0" indent="0">
+                <a:lnSpc>
+                  <a:spcPts val="880"/>
+                </a:lnSpc>
+                <a:spcBef>
+                  <a:spcPts val="0"/>
+                </a:spcBef>
+                <a:spcAft>
+                  <a:spcPts val="0"/>
+                </a:spcAft>
+              </a:pPr>
+              <a:r>
+                <a:rPr sz="880">
+                  <a:solidFill>
+                    <a:srgbClr val="4D4D4D">
+                      <a:alpha val="100000"/>
+                    </a:srgbClr>
+                  </a:solidFill>
+                  <a:latin typeface="Helvetica"/>
+                  <a:cs typeface="Helvetica"/>
+                </a:rPr>
+                <a:t>3.5</a:t>
+              </a:r>
+            </a:p>
+          </p:txBody>
+        </p:sp>
+        <p:sp>
+          <p:nvSpPr>
+            <p:cNvPr id="182" name="tx179"/>
+            <p:cNvSpPr/>
+            <p:nvPr/>
+          </p:nvSpPr>
+          <p:spPr>
+            <a:xfrm>
+              <a:off x="570451" y="3786369"/>
+              <a:ext cx="155361" cy="80491"/>
+            </a:xfrm>
+            <a:prstGeom prst="rect">
+              <a:avLst/>
+            </a:prstGeom>
+            <a:noFill/>
+          </p:spPr>
+          <p:txBody>
+            <a:bodyPr lIns="0" rIns="0" tIns="0" bIns="0" anchorCtr="1" anchor="ctr" wrap="none"/>
+            <a:lstStyle/>
+            <a:p>
+              <a:pPr algn="l" marL="0" marR="0" indent="0">
+                <a:lnSpc>
+                  <a:spcPts val="880"/>
+                </a:lnSpc>
+                <a:spcBef>
+                  <a:spcPts val="0"/>
+                </a:spcBef>
+                <a:spcAft>
+                  <a:spcPts val="0"/>
+                </a:spcAft>
+              </a:pPr>
+              <a:r>
+                <a:rPr sz="880">
+                  <a:solidFill>
+                    <a:srgbClr val="4D4D4D">
+                      <a:alpha val="100000"/>
+                    </a:srgbClr>
+                  </a:solidFill>
+                  <a:latin typeface="Helvetica"/>
+                  <a:cs typeface="Helvetica"/>
+                </a:rPr>
+                <a:t>4.0</a:t>
+              </a:r>
+            </a:p>
+          </p:txBody>
+        </p:sp>
+        <p:sp>
+          <p:nvSpPr>
+            <p:cNvPr id="183" name="tx180"/>
+            <p:cNvSpPr/>
+            <p:nvPr/>
+          </p:nvSpPr>
+          <p:spPr>
+            <a:xfrm>
+              <a:off x="570451" y="3245296"/>
+              <a:ext cx="155361" cy="80327"/>
+            </a:xfrm>
+            <a:prstGeom prst="rect">
+              <a:avLst/>
+            </a:prstGeom>
+            <a:noFill/>
+          </p:spPr>
+          <p:txBody>
+            <a:bodyPr lIns="0" rIns="0" tIns="0" bIns="0" anchorCtr="1" anchor="ctr" wrap="none"/>
+            <a:lstStyle/>
+            <a:p>
+              <a:pPr algn="l" marL="0" marR="0" indent="0">
+                <a:lnSpc>
+                  <a:spcPts val="880"/>
+                </a:lnSpc>
+                <a:spcBef>
+                  <a:spcPts val="0"/>
+                </a:spcBef>
+                <a:spcAft>
+                  <a:spcPts val="0"/>
+                </a:spcAft>
+              </a:pPr>
+              <a:r>
+                <a:rPr sz="880">
+                  <a:solidFill>
+                    <a:srgbClr val="4D4D4D">
+                      <a:alpha val="100000"/>
+                    </a:srgbClr>
+                  </a:solidFill>
+                  <a:latin typeface="Helvetica"/>
+                  <a:cs typeface="Helvetica"/>
+                </a:rPr>
+                <a:t>4.5</a:t>
+              </a:r>
+            </a:p>
+          </p:txBody>
+        </p:sp>
+        <p:sp>
+          <p:nvSpPr>
+            <p:cNvPr id="184" name="pl181"/>
+            <p:cNvSpPr/>
+            <p:nvPr/>
+          </p:nvSpPr>
+          <p:spPr>
+            <a:xfrm>
+              <a:off x="753649" y="5991725"/>
+              <a:ext cx="34794" cy="0"/>
+            </a:xfrm>
+            <a:custGeom>
+              <a:avLst/>
+              <a:pathLst>
+                <a:path w="34794" h="0">
+                  <a:moveTo>
+                    <a:pt x="0" y="0"/>
+                  </a:moveTo>
+                  <a:lnTo>
+                    <a:pt x="34794" y="0"/>
+                  </a:lnTo>
+                </a:path>
+              </a:pathLst>
+            </a:custGeom>
+            <a:ln w="13550" cap="flat">
+              <a:solidFill>
+                <a:srgbClr val="333333">
+                  <a:alpha val="100000"/>
+                </a:srgbClr>
+              </a:solidFill>
+              <a:prstDash val="solid"/>
+              <a:round/>
+            </a:ln>
+          </p:spPr>
+          <p:txBody>
+            <a:bodyPr/>
+            <a:lstStyle/>
+            <a:p/>
+          </p:txBody>
+        </p:sp>
+        <p:sp>
+          <p:nvSpPr>
+            <p:cNvPr id="185" name="pl182"/>
+            <p:cNvSpPr/>
+            <p:nvPr/>
+          </p:nvSpPr>
+          <p:spPr>
+            <a:xfrm>
+              <a:off x="753649" y="5450488"/>
+              <a:ext cx="34794" cy="0"/>
+            </a:xfrm>
+            <a:custGeom>
+              <a:avLst/>
+              <a:pathLst>
+                <a:path w="34794" h="0">
+                  <a:moveTo>
+                    <a:pt x="0" y="0"/>
+                  </a:moveTo>
+                  <a:lnTo>
+                    <a:pt x="34794" y="0"/>
+                  </a:lnTo>
+                </a:path>
+              </a:pathLst>
+            </a:custGeom>
+            <a:ln w="13550" cap="flat">
+              <a:solidFill>
+                <a:srgbClr val="333333">
+                  <a:alpha val="100000"/>
+                </a:srgbClr>
+              </a:solidFill>
+              <a:prstDash val="solid"/>
+              <a:round/>
+            </a:ln>
+          </p:spPr>
+          <p:txBody>
+            <a:bodyPr/>
+            <a:lstStyle/>
+            <a:p/>
+          </p:txBody>
+        </p:sp>
+        <p:sp>
+          <p:nvSpPr>
+            <p:cNvPr id="186" name="pl183"/>
+            <p:cNvSpPr/>
+            <p:nvPr/>
+          </p:nvSpPr>
+          <p:spPr>
+            <a:xfrm>
+              <a:off x="753649" y="4909251"/>
+              <a:ext cx="34794" cy="0"/>
+            </a:xfrm>
+            <a:custGeom>
+              <a:avLst/>
+              <a:pathLst>
+                <a:path w="34794" h="0">
+                  <a:moveTo>
+                    <a:pt x="0" y="0"/>
+                  </a:moveTo>
+                  <a:lnTo>
+                    <a:pt x="34794" y="0"/>
+                  </a:lnTo>
+                </a:path>
+              </a:pathLst>
+            </a:custGeom>
+            <a:ln w="13550" cap="flat">
+              <a:solidFill>
+                <a:srgbClr val="333333">
+                  <a:alpha val="100000"/>
+                </a:srgbClr>
+              </a:solidFill>
+              <a:prstDash val="solid"/>
+              <a:round/>
+            </a:ln>
+          </p:spPr>
+          <p:txBody>
+            <a:bodyPr/>
+            <a:lstStyle/>
+            <a:p/>
+          </p:txBody>
+        </p:sp>
+        <p:sp>
+          <p:nvSpPr>
+            <p:cNvPr id="187" name="pl184"/>
+            <p:cNvSpPr/>
+            <p:nvPr/>
+          </p:nvSpPr>
+          <p:spPr>
+            <a:xfrm>
+              <a:off x="753649" y="4368015"/>
+              <a:ext cx="34794" cy="0"/>
+            </a:xfrm>
+            <a:custGeom>
+              <a:avLst/>
+              <a:pathLst>
+                <a:path w="34794" h="0">
+                  <a:moveTo>
+                    <a:pt x="0" y="0"/>
+                  </a:moveTo>
+                  <a:lnTo>
+                    <a:pt x="34794" y="0"/>
+                  </a:lnTo>
+                </a:path>
+              </a:pathLst>
+            </a:custGeom>
+            <a:ln w="13550" cap="flat">
+              <a:solidFill>
+                <a:srgbClr val="333333">
+                  <a:alpha val="100000"/>
+                </a:srgbClr>
+              </a:solidFill>
+              <a:prstDash val="solid"/>
+              <a:round/>
+            </a:ln>
+          </p:spPr>
+          <p:txBody>
+            <a:bodyPr/>
+            <a:lstStyle/>
+            <a:p/>
+          </p:txBody>
+        </p:sp>
+        <p:sp>
+          <p:nvSpPr>
+            <p:cNvPr id="188" name="pl185"/>
+            <p:cNvSpPr/>
+            <p:nvPr/>
+          </p:nvSpPr>
+          <p:spPr>
+            <a:xfrm>
+              <a:off x="753649" y="3826778"/>
+              <a:ext cx="34794" cy="0"/>
+            </a:xfrm>
+            <a:custGeom>
+              <a:avLst/>
+              <a:pathLst>
+                <a:path w="34794" h="0">
+                  <a:moveTo>
+                    <a:pt x="0" y="0"/>
+                  </a:moveTo>
+                  <a:lnTo>
+                    <a:pt x="34794" y="0"/>
+                  </a:lnTo>
+                </a:path>
+              </a:pathLst>
+            </a:custGeom>
+            <a:ln w="13550" cap="flat">
+              <a:solidFill>
+                <a:srgbClr val="333333">
+                  <a:alpha val="100000"/>
+                </a:srgbClr>
+              </a:solidFill>
+              <a:prstDash val="solid"/>
+              <a:round/>
+            </a:ln>
+          </p:spPr>
+          <p:txBody>
+            <a:bodyPr/>
+            <a:lstStyle/>
+            <a:p/>
+          </p:txBody>
+        </p:sp>
+        <p:sp>
+          <p:nvSpPr>
+            <p:cNvPr id="189" name="pl186"/>
+            <p:cNvSpPr/>
+            <p:nvPr/>
+          </p:nvSpPr>
+          <p:spPr>
+            <a:xfrm>
+              <a:off x="753649" y="3285542"/>
+              <a:ext cx="34794" cy="0"/>
+            </a:xfrm>
+            <a:custGeom>
+              <a:avLst/>
+              <a:pathLst>
+                <a:path w="34794" h="0">
+                  <a:moveTo>
+                    <a:pt x="0" y="0"/>
+                  </a:moveTo>
+                  <a:lnTo>
+                    <a:pt x="34794" y="0"/>
+                  </a:lnTo>
+                </a:path>
+              </a:pathLst>
+            </a:custGeom>
+            <a:ln w="13550" cap="flat">
+              <a:solidFill>
+                <a:srgbClr val="333333">
+                  <a:alpha val="100000"/>
+                </a:srgbClr>
+              </a:solidFill>
+              <a:prstDash val="solid"/>
+              <a:round/>
+            </a:ln>
+          </p:spPr>
+          <p:txBody>
+            <a:bodyPr/>
+            <a:lstStyle/>
+            <a:p/>
+          </p:txBody>
+        </p:sp>
+        <p:sp>
+          <p:nvSpPr>
+            <p:cNvPr id="190" name="pl187"/>
+            <p:cNvSpPr/>
+            <p:nvPr/>
+          </p:nvSpPr>
+          <p:spPr>
+            <a:xfrm>
+              <a:off x="3232666" y="6121621"/>
+              <a:ext cx="0" cy="34794"/>
+            </a:xfrm>
+            <a:custGeom>
+              <a:avLst/>
+              <a:pathLst>
+                <a:path w="0" h="34794">
+                  <a:moveTo>
+                    <a:pt x="0" y="34794"/>
+                  </a:moveTo>
+                  <a:lnTo>
+                    <a:pt x="0" y="0"/>
+                  </a:lnTo>
+                </a:path>
+              </a:pathLst>
+            </a:custGeom>
+            <a:ln w="13550" cap="flat">
+              <a:solidFill>
+                <a:srgbClr val="333333">
+                  <a:alpha val="100000"/>
+                </a:srgbClr>
+              </a:solidFill>
+              <a:prstDash val="solid"/>
+              <a:round/>
+            </a:ln>
+          </p:spPr>
+          <p:txBody>
+            <a:bodyPr/>
+            <a:lstStyle/>
+            <a:p/>
+          </p:txBody>
+        </p:sp>
+        <p:sp>
+          <p:nvSpPr>
+            <p:cNvPr id="191" name="pl188"/>
+            <p:cNvSpPr/>
+            <p:nvPr/>
+          </p:nvSpPr>
+          <p:spPr>
+            <a:xfrm>
+              <a:off x="6010193" y="6121621"/>
+              <a:ext cx="0" cy="34794"/>
+            </a:xfrm>
+            <a:custGeom>
+              <a:avLst/>
+              <a:pathLst>
+                <a:path w="0" h="34794">
+                  <a:moveTo>
+                    <a:pt x="0" y="34794"/>
+                  </a:moveTo>
+                  <a:lnTo>
+                    <a:pt x="0" y="0"/>
+                  </a:lnTo>
+                </a:path>
+              </a:pathLst>
+            </a:custGeom>
+            <a:ln w="13550" cap="flat">
+              <a:solidFill>
+                <a:srgbClr val="333333">
+                  <a:alpha val="100000"/>
+                </a:srgbClr>
+              </a:solidFill>
+              <a:prstDash val="solid"/>
+              <a:round/>
+            </a:ln>
+          </p:spPr>
+          <p:txBody>
+            <a:bodyPr/>
+            <a:lstStyle/>
+            <a:p/>
+          </p:txBody>
+        </p:sp>
+        <p:sp>
+          <p:nvSpPr>
+            <p:cNvPr id="192" name="pl189"/>
+            <p:cNvSpPr/>
+            <p:nvPr/>
+          </p:nvSpPr>
+          <p:spPr>
+            <a:xfrm>
+              <a:off x="8787720" y="6121621"/>
+              <a:ext cx="0" cy="34794"/>
+            </a:xfrm>
+            <a:custGeom>
+              <a:avLst/>
+              <a:pathLst>
+                <a:path w="0" h="34794">
+                  <a:moveTo>
+                    <a:pt x="0" y="34794"/>
+                  </a:moveTo>
+                  <a:lnTo>
+                    <a:pt x="0" y="0"/>
+                  </a:lnTo>
+                </a:path>
+              </a:pathLst>
+            </a:custGeom>
+            <a:ln w="13550" cap="flat">
+              <a:solidFill>
+                <a:srgbClr val="333333">
+                  <a:alpha val="100000"/>
+                </a:srgbClr>
+              </a:solidFill>
+              <a:prstDash val="solid"/>
+              <a:round/>
+            </a:ln>
+          </p:spPr>
+          <p:txBody>
+            <a:bodyPr/>
+            <a:lstStyle/>
+            <a:p/>
+          </p:txBody>
+        </p:sp>
+        <p:sp>
+          <p:nvSpPr>
+            <p:cNvPr id="193" name="pl190"/>
+            <p:cNvSpPr/>
+            <p:nvPr/>
+          </p:nvSpPr>
+          <p:spPr>
+            <a:xfrm>
+              <a:off x="11565246" y="6121621"/>
+              <a:ext cx="0" cy="34794"/>
+            </a:xfrm>
+            <a:custGeom>
+              <a:avLst/>
+              <a:pathLst>
+                <a:path w="0" h="34794">
+                  <a:moveTo>
+                    <a:pt x="0" y="34794"/>
+                  </a:moveTo>
+                  <a:lnTo>
+                    <a:pt x="0" y="0"/>
+                  </a:lnTo>
+                </a:path>
+              </a:pathLst>
+            </a:custGeom>
+            <a:ln w="13550" cap="flat">
+              <a:solidFill>
+                <a:srgbClr val="333333">
+                  <a:alpha val="100000"/>
+                </a:srgbClr>
+              </a:solidFill>
+              <a:prstDash val="solid"/>
+              <a:round/>
+            </a:ln>
+          </p:spPr>
+          <p:txBody>
+            <a:bodyPr/>
+            <a:lstStyle/>
+            <a:p/>
+          </p:txBody>
+        </p:sp>
+        <p:sp>
+          <p:nvSpPr>
+            <p:cNvPr id="194" name="tx191"/>
+            <p:cNvSpPr/>
+            <p:nvPr/>
+          </p:nvSpPr>
+          <p:spPr>
+            <a:xfrm>
+              <a:off x="3201589" y="6185616"/>
+              <a:ext cx="62155" cy="78799"/>
+            </a:xfrm>
+            <a:prstGeom prst="rect">
+              <a:avLst/>
+            </a:prstGeom>
+            <a:noFill/>
+          </p:spPr>
+          <p:txBody>
+            <a:bodyPr lIns="0" rIns="0" tIns="0" bIns="0" anchorCtr="1" anchor="ctr" wrap="none"/>
+            <a:lstStyle/>
+            <a:p>
+              <a:pPr algn="l" marL="0" marR="0" indent="0">
+                <a:lnSpc>
+                  <a:spcPts val="880"/>
+                </a:lnSpc>
+                <a:spcBef>
+                  <a:spcPts val="0"/>
+                </a:spcBef>
+                <a:spcAft>
+                  <a:spcPts val="0"/>
+                </a:spcAft>
+              </a:pPr>
+              <a:r>
+                <a:rPr sz="880">
+                  <a:solidFill>
+                    <a:srgbClr val="4D4D4D">
+                      <a:alpha val="100000"/>
+                    </a:srgbClr>
+                  </a:solidFill>
+                  <a:latin typeface="Helvetica"/>
+                  <a:cs typeface="Helvetica"/>
+                </a:rPr>
+                <a:t>5</a:t>
+              </a:r>
+            </a:p>
+          </p:txBody>
+        </p:sp>
+        <p:sp>
+          <p:nvSpPr>
+            <p:cNvPr id="195" name="tx192"/>
+            <p:cNvSpPr/>
+            <p:nvPr/>
+          </p:nvSpPr>
+          <p:spPr>
+            <a:xfrm>
+              <a:off x="5979115" y="6183924"/>
+              <a:ext cx="62155" cy="80491"/>
+            </a:xfrm>
+            <a:prstGeom prst="rect">
+              <a:avLst/>
+            </a:prstGeom>
+            <a:noFill/>
+          </p:spPr>
+          <p:txBody>
+            <a:bodyPr lIns="0" rIns="0" tIns="0" bIns="0" anchorCtr="1" anchor="ctr" wrap="none"/>
+            <a:lstStyle/>
+            <a:p>
+              <a:pPr algn="l" marL="0" marR="0" indent="0">
+                <a:lnSpc>
+                  <a:spcPts val="880"/>
+                </a:lnSpc>
+                <a:spcBef>
+                  <a:spcPts val="0"/>
+                </a:spcBef>
+                <a:spcAft>
+                  <a:spcPts val="0"/>
+                </a:spcAft>
+              </a:pPr>
+              <a:r>
+                <a:rPr sz="880">
+                  <a:solidFill>
+                    <a:srgbClr val="4D4D4D">
+                      <a:alpha val="100000"/>
+                    </a:srgbClr>
+                  </a:solidFill>
+                  <a:latin typeface="Helvetica"/>
+                  <a:cs typeface="Helvetica"/>
+                </a:rPr>
+                <a:t>6</a:t>
+              </a:r>
+            </a:p>
+          </p:txBody>
+        </p:sp>
+        <p:sp>
+          <p:nvSpPr>
+            <p:cNvPr id="196" name="tx193"/>
+            <p:cNvSpPr/>
+            <p:nvPr/>
+          </p:nvSpPr>
+          <p:spPr>
+            <a:xfrm>
+              <a:off x="8756642" y="6187580"/>
+              <a:ext cx="62155" cy="76835"/>
+            </a:xfrm>
+            <a:prstGeom prst="rect">
+              <a:avLst/>
+            </a:prstGeom>
+            <a:noFill/>
+          </p:spPr>
+          <p:txBody>
+            <a:bodyPr lIns="0" rIns="0" tIns="0" bIns="0" anchorCtr="1" anchor="ctr" wrap="none"/>
+            <a:lstStyle/>
+            <a:p>
+              <a:pPr algn="l" marL="0" marR="0" indent="0">
+                <a:lnSpc>
+                  <a:spcPts val="880"/>
+                </a:lnSpc>
+                <a:spcBef>
+                  <a:spcPts val="0"/>
+                </a:spcBef>
+                <a:spcAft>
+                  <a:spcPts val="0"/>
+                </a:spcAft>
+              </a:pPr>
+              <a:r>
+                <a:rPr sz="880">
+                  <a:solidFill>
+                    <a:srgbClr val="4D4D4D">
+                      <a:alpha val="100000"/>
+                    </a:srgbClr>
+                  </a:solidFill>
+                  <a:latin typeface="Helvetica"/>
+                  <a:cs typeface="Helvetica"/>
+                </a:rPr>
+                <a:t>7</a:t>
+              </a:r>
+            </a:p>
+          </p:txBody>
+        </p:sp>
+        <p:sp>
+          <p:nvSpPr>
+            <p:cNvPr id="197" name="tx194"/>
+            <p:cNvSpPr/>
+            <p:nvPr/>
+          </p:nvSpPr>
+          <p:spPr>
+            <a:xfrm>
+              <a:off x="11534169" y="6183815"/>
+              <a:ext cx="62155" cy="80600"/>
+            </a:xfrm>
+            <a:prstGeom prst="rect">
+              <a:avLst/>
+            </a:prstGeom>
+            <a:noFill/>
+          </p:spPr>
+          <p:txBody>
+            <a:bodyPr lIns="0" rIns="0" tIns="0" bIns="0" anchorCtr="1" anchor="ctr" wrap="none"/>
+            <a:lstStyle/>
+            <a:p>
+              <a:pPr algn="l" marL="0" marR="0" indent="0">
+                <a:lnSpc>
+                  <a:spcPts val="880"/>
+                </a:lnSpc>
+                <a:spcBef>
+                  <a:spcPts val="0"/>
+                </a:spcBef>
+                <a:spcAft>
+                  <a:spcPts val="0"/>
+                </a:spcAft>
+              </a:pPr>
+              <a:r>
+                <a:rPr sz="880">
+                  <a:solidFill>
+                    <a:srgbClr val="4D4D4D">
+                      <a:alpha val="100000"/>
+                    </a:srgbClr>
+                  </a:solidFill>
+                  <a:latin typeface="Helvetica"/>
+                  <a:cs typeface="Helvetica"/>
+                </a:rPr>
+                <a:t>8</a:t>
+              </a:r>
+            </a:p>
+          </p:txBody>
+        </p:sp>
+        <p:sp>
+          <p:nvSpPr>
+            <p:cNvPr id="198" name="tx195"/>
+            <p:cNvSpPr/>
+            <p:nvPr/>
+          </p:nvSpPr>
+          <p:spPr>
+            <a:xfrm>
+              <a:off x="5876247" y="6290301"/>
+              <a:ext cx="823397" cy="133833"/>
+            </a:xfrm>
+            <a:prstGeom prst="rect">
+              <a:avLst/>
+            </a:prstGeom>
+            <a:noFill/>
+          </p:spPr>
+          <p:txBody>
+            <a:bodyPr lIns="0" rIns="0" tIns="0" bIns="0" anchorCtr="1" anchor="ctr" wrap="none"/>
+            <a:lstStyle/>
+            <a:p>
+              <a:pPr algn="l" marL="0" marR="0" indent="0">
+                <a:lnSpc>
+                  <a:spcPts val="1100"/>
+                </a:lnSpc>
+                <a:spcBef>
+                  <a:spcPts val="0"/>
+                </a:spcBef>
+                <a:spcAft>
+                  <a:spcPts val="0"/>
+                </a:spcAft>
+              </a:pPr>
+              <a:r>
+                <a:rPr sz="1100">
+                  <a:solidFill>
+                    <a:srgbClr val="000000">
+                      <a:alpha val="100000"/>
+                    </a:srgbClr>
+                  </a:solidFill>
+                  <a:latin typeface="Helvetica"/>
+                  <a:cs typeface="Helvetica"/>
+                </a:rPr>
+                <a:t>Sepal.Length</a:t>
+              </a:r>
+            </a:p>
+          </p:txBody>
+        </p:sp>
+        <p:sp>
+          <p:nvSpPr>
+            <p:cNvPr id="199" name="tx196"/>
+            <p:cNvSpPr/>
+            <p:nvPr/>
+          </p:nvSpPr>
+          <p:spPr>
+            <a:xfrm rot="-5400000">
+              <a:off x="62123" y="4626727"/>
+              <a:ext cx="753206" cy="132060"/>
+            </a:xfrm>
+            <a:prstGeom prst="rect">
+              <a:avLst/>
+            </a:prstGeom>
+            <a:noFill/>
+          </p:spPr>
+          <p:txBody>
+            <a:bodyPr lIns="0" rIns="0" tIns="0" bIns="0" anchorCtr="1" anchor="ctr" wrap="none"/>
+            <a:lstStyle/>
+            <a:p>
+              <a:pPr algn="l" marL="0" marR="0" indent="0">
+                <a:lnSpc>
+                  <a:spcPts val="1100"/>
+                </a:lnSpc>
+                <a:spcBef>
+                  <a:spcPts val="0"/>
+                </a:spcBef>
+                <a:spcAft>
+                  <a:spcPts val="0"/>
+                </a:spcAft>
+              </a:pPr>
+              <a:r>
+                <a:rPr sz="1100">
+                  <a:solidFill>
+                    <a:srgbClr val="000000">
+                      <a:alpha val="100000"/>
+                    </a:srgbClr>
+                  </a:solidFill>
+                  <a:latin typeface="Helvetica"/>
+                  <a:cs typeface="Helvetica"/>
+                </a:rPr>
+                <a:t>Sepal.Width</a:t>
+              </a:r>
+            </a:p>
+          </p:txBody>
+        </p:sp>
+        <p:sp>
+          <p:nvSpPr>
+            <p:cNvPr id="200" name="rc197"/>
+            <p:cNvSpPr/>
+            <p:nvPr/>
+          </p:nvSpPr>
+          <p:spPr>
+            <a:xfrm>
+              <a:off x="5071701" y="2766080"/>
+              <a:ext cx="2432489" cy="358634"/>
+            </a:xfrm>
+            <a:prstGeom prst="rect">
+              <a:avLst/>
+            </a:prstGeom>
+            <a:solidFill>
+              <a:srgbClr val="FFFFFF">
+                <a:alpha val="100000"/>
+              </a:srgbClr>
+            </a:solidFill>
+          </p:spPr>
+          <p:txBody>
+            <a:bodyPr/>
+            <a:lstStyle/>
+            <a:p/>
+          </p:txBody>
+        </p:sp>
+        <p:sp>
+          <p:nvSpPr>
+            <p:cNvPr id="201" name="rc198"/>
+            <p:cNvSpPr/>
+            <p:nvPr/>
+          </p:nvSpPr>
+          <p:spPr>
+            <a:xfrm>
+              <a:off x="5210879" y="2835669"/>
+              <a:ext cx="219455" cy="219456"/>
+            </a:xfrm>
+            <a:prstGeom prst="rect">
+              <a:avLst/>
+            </a:prstGeom>
+            <a:solidFill>
+              <a:srgbClr val="FFFFFF">
+                <a:alpha val="100000"/>
+              </a:srgbClr>
+            </a:solidFill>
+          </p:spPr>
+          <p:txBody>
+            <a:bodyPr/>
+            <a:lstStyle/>
+            <a:p/>
+          </p:txBody>
+        </p:sp>
+        <p:sp>
+          <p:nvSpPr>
+            <p:cNvPr id="202" name="pt199"/>
+            <p:cNvSpPr/>
+            <p:nvPr/>
+          </p:nvSpPr>
+          <p:spPr>
+            <a:xfrm>
+              <a:off x="5295781" y="2920571"/>
+              <a:ext cx="49651" cy="49651"/>
+            </a:xfrm>
+            <a:prstGeom prst="ellipse">
+              <a:avLst/>
+            </a:prstGeom>
+            <a:solidFill>
+              <a:srgbClr val="F8766D">
+                <a:alpha val="100000"/>
+              </a:srgbClr>
+            </a:solidFill>
+            <a:ln w="9000" cap="rnd">
+              <a:solidFill>
+                <a:srgbClr val="F8766D">
+                  <a:alpha val="100000"/>
+                </a:srgbClr>
+              </a:solidFill>
+              <a:prstDash val="solid"/>
+              <a:round/>
+            </a:ln>
+          </p:spPr>
+          <p:txBody>
+            <a:bodyPr/>
+            <a:lstStyle/>
+            <a:p/>
+          </p:txBody>
+        </p:sp>
+        <p:sp>
+          <p:nvSpPr>
+            <p:cNvPr id="203" name="rc200"/>
+            <p:cNvSpPr/>
+            <p:nvPr/>
+          </p:nvSpPr>
+          <p:spPr>
+            <a:xfrm>
+              <a:off x="5898790" y="2835669"/>
+              <a:ext cx="219455" cy="219456"/>
+            </a:xfrm>
+            <a:prstGeom prst="rect">
+              <a:avLst/>
+            </a:prstGeom>
+            <a:solidFill>
+              <a:srgbClr val="FFFFFF">
+                <a:alpha val="100000"/>
+              </a:srgbClr>
+            </a:solidFill>
+          </p:spPr>
+          <p:txBody>
+            <a:bodyPr/>
+            <a:lstStyle/>
+            <a:p/>
+          </p:txBody>
+        </p:sp>
+        <p:sp>
+          <p:nvSpPr>
+            <p:cNvPr id="204" name="pt201"/>
+            <p:cNvSpPr/>
+            <p:nvPr/>
+          </p:nvSpPr>
+          <p:spPr>
+            <a:xfrm>
+              <a:off x="5983693" y="2920571"/>
+              <a:ext cx="49651" cy="49651"/>
+            </a:xfrm>
+            <a:prstGeom prst="ellipse">
+              <a:avLst/>
+            </a:prstGeom>
+            <a:solidFill>
+              <a:srgbClr val="00BA38">
+                <a:alpha val="100000"/>
+              </a:srgbClr>
+            </a:solidFill>
+            <a:ln w="9000" cap="rnd">
+              <a:solidFill>
+                <a:srgbClr val="00BA38">
+                  <a:alpha val="100000"/>
+                </a:srgbClr>
+              </a:solidFill>
+              <a:prstDash val="solid"/>
+              <a:round/>
+            </a:ln>
+          </p:spPr>
+          <p:txBody>
+            <a:bodyPr/>
+            <a:lstStyle/>
+            <a:p/>
+          </p:txBody>
+        </p:sp>
+        <p:sp>
+          <p:nvSpPr>
+            <p:cNvPr id="205" name="rc202"/>
+            <p:cNvSpPr/>
+            <p:nvPr/>
+          </p:nvSpPr>
+          <p:spPr>
+            <a:xfrm>
+              <a:off x="6735624" y="2835669"/>
+              <a:ext cx="219455" cy="219456"/>
+            </a:xfrm>
+            <a:prstGeom prst="rect">
+              <a:avLst/>
+            </a:prstGeom>
+            <a:solidFill>
+              <a:srgbClr val="FFFFFF">
+                <a:alpha val="100000"/>
+              </a:srgbClr>
+            </a:solidFill>
+          </p:spPr>
+          <p:txBody>
+            <a:bodyPr/>
+            <a:lstStyle/>
+            <a:p/>
+          </p:txBody>
+        </p:sp>
+        <p:sp>
+          <p:nvSpPr>
+            <p:cNvPr id="206" name="pt203"/>
+            <p:cNvSpPr/>
+            <p:nvPr/>
+          </p:nvSpPr>
+          <p:spPr>
+            <a:xfrm>
+              <a:off x="6820526" y="2920571"/>
+              <a:ext cx="49651" cy="49651"/>
+            </a:xfrm>
+            <a:prstGeom prst="ellipse">
+              <a:avLst/>
+            </a:prstGeom>
+            <a:solidFill>
+              <a:srgbClr val="619CFF">
+                <a:alpha val="100000"/>
+              </a:srgbClr>
+            </a:solidFill>
+            <a:ln w="9000" cap="rnd">
+              <a:solidFill>
+                <a:srgbClr val="619CFF">
+                  <a:alpha val="100000"/>
+                </a:srgbClr>
+              </a:solidFill>
+              <a:prstDash val="solid"/>
+              <a:round/>
+            </a:ln>
+          </p:spPr>
+          <p:txBody>
+            <a:bodyPr/>
+            <a:lstStyle/>
+            <a:p/>
+          </p:txBody>
+        </p:sp>
+        <p:sp>
+          <p:nvSpPr>
+            <p:cNvPr id="207" name="tx204"/>
+            <p:cNvSpPr/>
+            <p:nvPr/>
+          </p:nvSpPr>
+          <p:spPr>
+            <a:xfrm>
+              <a:off x="5499924" y="2908480"/>
+              <a:ext cx="329277" cy="76998"/>
+            </a:xfrm>
+            <a:prstGeom prst="rect">
+              <a:avLst/>
+            </a:prstGeom>
+            <a:noFill/>
+          </p:spPr>
+          <p:txBody>
+            <a:bodyPr lIns="0" rIns="0" tIns="0" bIns="0" anchorCtr="1" anchor="ctr" wrap="none"/>
+            <a:lstStyle/>
+            <a:p>
+              <a:pPr algn="l" marL="0" marR="0" indent="0">
+                <a:lnSpc>
+                  <a:spcPts val="880"/>
+                </a:lnSpc>
+                <a:spcBef>
+                  <a:spcPts val="0"/>
+                </a:spcBef>
+                <a:spcAft>
+                  <a:spcPts val="0"/>
+                </a:spcAft>
+              </a:pPr>
+              <a:r>
+                <a:rPr sz="880">
+                  <a:solidFill>
+                    <a:srgbClr val="000000">
+                      <a:alpha val="100000"/>
+                    </a:srgbClr>
+                  </a:solidFill>
+                  <a:latin typeface="Helvetica"/>
+                  <a:cs typeface="Helvetica"/>
+                </a:rPr>
+                <a:t>setosa</a:t>
+              </a:r>
+            </a:p>
+          </p:txBody>
+        </p:sp>
+        <p:sp>
+          <p:nvSpPr>
+            <p:cNvPr id="208" name="tx205"/>
+            <p:cNvSpPr/>
+            <p:nvPr/>
+          </p:nvSpPr>
+          <p:spPr>
+            <a:xfrm>
+              <a:off x="6187836" y="2903078"/>
+              <a:ext cx="478199" cy="82401"/>
+            </a:xfrm>
+            <a:prstGeom prst="rect">
+              <a:avLst/>
+            </a:prstGeom>
+            <a:noFill/>
+          </p:spPr>
+          <p:txBody>
+            <a:bodyPr lIns="0" rIns="0" tIns="0" bIns="0" anchorCtr="1" anchor="ctr" wrap="none"/>
+            <a:lstStyle/>
+            <a:p>
+              <a:pPr algn="l" marL="0" marR="0" indent="0">
+                <a:lnSpc>
+                  <a:spcPts val="880"/>
+                </a:lnSpc>
+                <a:spcBef>
+                  <a:spcPts val="0"/>
+                </a:spcBef>
+                <a:spcAft>
+                  <a:spcPts val="0"/>
+                </a:spcAft>
+              </a:pPr>
+              <a:r>
+                <a:rPr sz="880">
+                  <a:solidFill>
+                    <a:srgbClr val="000000">
+                      <a:alpha val="100000"/>
+                    </a:srgbClr>
+                  </a:solidFill>
+                  <a:latin typeface="Helvetica"/>
+                  <a:cs typeface="Helvetica"/>
+                </a:rPr>
+                <a:t>versicolor</a:t>
+              </a:r>
+            </a:p>
+          </p:txBody>
+        </p:sp>
+        <p:sp>
+          <p:nvSpPr>
+            <p:cNvPr id="209" name="tx206"/>
+            <p:cNvSpPr/>
+            <p:nvPr/>
+          </p:nvSpPr>
+          <p:spPr>
+            <a:xfrm>
+              <a:off x="7024669" y="2880595"/>
+              <a:ext cx="409932" cy="104884"/>
+            </a:xfrm>
+            <a:prstGeom prst="rect">
+              <a:avLst/>
+            </a:prstGeom>
+            <a:noFill/>
+          </p:spPr>
+          <p:txBody>
+            <a:bodyPr lIns="0" rIns="0" tIns="0" bIns="0" anchorCtr="1" anchor="ctr" wrap="none"/>
+            <a:lstStyle/>
+            <a:p>
+              <a:pPr algn="l" marL="0" marR="0" indent="0">
+                <a:lnSpc>
+                  <a:spcPts val="880"/>
+                </a:lnSpc>
+                <a:spcBef>
+                  <a:spcPts val="0"/>
+                </a:spcBef>
+                <a:spcAft>
+                  <a:spcPts val="0"/>
+                </a:spcAft>
+              </a:pPr>
+              <a:r>
+                <a:rPr sz="880">
+                  <a:solidFill>
+                    <a:srgbClr val="000000">
+                      <a:alpha val="100000"/>
+                    </a:srgbClr>
+                  </a:solidFill>
+                  <a:latin typeface="Helvetica"/>
+                  <a:cs typeface="Helvetica"/>
+                </a:rPr>
+                <a:t>virginica</a:t>
+              </a:r>
+            </a:p>
+          </p:txBody>
+        </p:sp>
+        <p:sp>
+          <p:nvSpPr>
+            <p:cNvPr id="210" name="tx207"/>
+            <p:cNvSpPr/>
+            <p:nvPr/>
+          </p:nvSpPr>
+          <p:spPr>
+            <a:xfrm>
+              <a:off x="788443" y="2559724"/>
+              <a:ext cx="512483" cy="105866"/>
+            </a:xfrm>
+            <a:prstGeom prst="rect">
+              <a:avLst/>
+            </a:prstGeom>
+            <a:noFill/>
+          </p:spPr>
+          <p:txBody>
+            <a:bodyPr lIns="0" rIns="0" tIns="0" bIns="0" anchorCtr="1" anchor="ctr" wrap="none"/>
+            <a:lstStyle/>
+            <a:p>
+              <a:pPr algn="l" marL="0" marR="0" indent="0">
+                <a:lnSpc>
+                  <a:spcPts val="1100"/>
+                </a:lnSpc>
+                <a:spcBef>
+                  <a:spcPts val="0"/>
+                </a:spcBef>
+                <a:spcAft>
+                  <a:spcPts val="0"/>
+                </a:spcAft>
+              </a:pPr>
+              <a:r>
+                <a:rPr sz="1100">
+                  <a:solidFill>
+                    <a:srgbClr val="000000">
+                      <a:alpha val="100000"/>
+                    </a:srgbClr>
+                  </a:solidFill>
+                  <a:latin typeface="Helvetica"/>
+                  <a:cs typeface="Helvetica"/>
+                </a:rPr>
+                <a:t>SubTitle</a:t>
+              </a:r>
+            </a:p>
+          </p:txBody>
+        </p:sp>
+        <p:sp>
+          <p:nvSpPr>
+            <p:cNvPr id="211" name="tx208"/>
+            <p:cNvSpPr/>
+            <p:nvPr/>
+          </p:nvSpPr>
+          <p:spPr>
+            <a:xfrm>
+              <a:off x="788443" y="2335360"/>
+              <a:ext cx="316698" cy="123356"/>
+            </a:xfrm>
+            <a:prstGeom prst="rect">
+              <a:avLst/>
+            </a:prstGeom>
+            <a:noFill/>
+          </p:spPr>
+          <p:txBody>
+            <a:bodyPr lIns="0" rIns="0" tIns="0" bIns="0" anchorCtr="1" anchor="ctr" wrap="none"/>
+            <a:lstStyle/>
+            <a:p>
+              <a:pPr algn="l" marL="0" marR="0" indent="0">
+                <a:lnSpc>
+                  <a:spcPts val="1320"/>
+                </a:lnSpc>
+                <a:spcBef>
+                  <a:spcPts val="0"/>
+                </a:spcBef>
+                <a:spcAft>
+                  <a:spcPts val="0"/>
+                </a:spcAft>
+              </a:pPr>
+              <a:r>
+                <a:rPr sz="1320">
+                  <a:solidFill>
+                    <a:srgbClr val="000000">
+                      <a:alpha val="100000"/>
+                    </a:srgbClr>
+                  </a:solidFill>
+                  <a:latin typeface="Helvetica"/>
+                  <a:cs typeface="Helvetica"/>
+                </a:rPr>
+                <a:t>Title</a:t>
+              </a:r>
+            </a:p>
+          </p:txBody>
+        </p:sp>
+      </p:grpSp>
+      <p:sp xmlns:a="http://schemas.openxmlformats.org/drawingml/2006/main" xmlns:r="http://schemas.openxmlformats.org/officeDocument/2006/relationships" xmlns:p="http://schemas.openxmlformats.org/presentationml/2006/main">
+        <p:nvSpPr>
+          <p:cNvPr id="212" name="page_number"/>
+          <p:cNvSpPr>
+            <a:spLocks noGrp="1"/>
+          </p:cNvSpPr>
+          <p:nvPr>
+            <p:ph type="body" sz="quarter" idx="14"/>
+          </p:nvPr>
+        </p:nvSpPr>
+        <p:spPr>
+          <a:xfrm>
+            <a:off x="52960" y="6578569"/>
+            <a:ext cx="500062" cy="255588"/>
+          </a:xfrm>
+        </p:spPr>
+        <p:txBody>
+          <a:bodyPr/>
+          <a:lstStyle/>
+          <a:p>
+            <a:r>
+              <a:rPr/>
+              <a:t>5</a:t>
+            </a:r>
+          </a:p>
+        </p:txBody>
+      </p:sp>
+    </p:spTree>
+  </p:cSld>
+  <p:clrMapOvr>
+    <a:masterClrMapping/>
+  </p:clrMapOvr>
+</p:sld>
+</file>
+
+<file path=ppt/slides/slide8.xml><?xml version="1.0" encoding="utf-8"?>
+<p:sld xmlns:a="http://schemas.openxmlformats.org/drawingml/2006/main" xmlns:r="http://schemas.openxmlformats.org/officeDocument/2006/relationships" xmlns:p="http://schemas.openxmlformats.org/presentationml/2006/main">
+  <p:cSld>
+    <p:spTree>
+      <p:nvGrpSpPr>
+        <p:cNvPr id="1" name=""/>
+        <p:cNvGrpSpPr/>
+        <p:nvPr/>
+      </p:nvGrpSpPr>
+      <p:grpSpPr>
+        <a:xfrm>
+          <a:off x="0" y="0"/>
+          <a:ext cx="0" cy="0"/>
+          <a:chOff x="0" y="0"/>
+          <a:chExt cx="0" cy="0"/>
+        </a:xfrm>
+      </p:grpSpPr>
     </p:spTree>
   </p:cSld>
   <p:clrMapOvr>
